--- a/Instructions_Pictures/AFACT & MAB Instructions/AfactInstsPresntation.pptx
+++ b/Instructions_Pictures/AFACT & MAB Instructions/AfactInstsPresntation.pptx
@@ -247,7 +247,7 @@
           <a:p>
             <a:fld id="{306B59E2-DA6D-487B-96A5-0C8E7410BF99}" type="datetimeFigureOut">
               <a:rPr lang="he-IL" smtClean="0"/>
-              <a:t>ג'/אלול/תש"ף</a:t>
+              <a:t>י"ג/אלול/תש"ף</a:t>
             </a:fld>
             <a:endParaRPr lang="he-IL"/>
           </a:p>
@@ -417,7 +417,7 @@
           <a:p>
             <a:fld id="{306B59E2-DA6D-487B-96A5-0C8E7410BF99}" type="datetimeFigureOut">
               <a:rPr lang="he-IL" smtClean="0"/>
-              <a:t>ג'/אלול/תש"ף</a:t>
+              <a:t>י"ג/אלול/תש"ף</a:t>
             </a:fld>
             <a:endParaRPr lang="he-IL"/>
           </a:p>
@@ -597,7 +597,7 @@
           <a:p>
             <a:fld id="{306B59E2-DA6D-487B-96A5-0C8E7410BF99}" type="datetimeFigureOut">
               <a:rPr lang="he-IL" smtClean="0"/>
-              <a:t>ג'/אלול/תש"ף</a:t>
+              <a:t>י"ג/אלול/תש"ף</a:t>
             </a:fld>
             <a:endParaRPr lang="he-IL"/>
           </a:p>
@@ -767,7 +767,7 @@
           <a:p>
             <a:fld id="{306B59E2-DA6D-487B-96A5-0C8E7410BF99}" type="datetimeFigureOut">
               <a:rPr lang="he-IL" smtClean="0"/>
-              <a:t>ג'/אלול/תש"ף</a:t>
+              <a:t>י"ג/אלול/תש"ף</a:t>
             </a:fld>
             <a:endParaRPr lang="he-IL"/>
           </a:p>
@@ -1013,7 +1013,7 @@
           <a:p>
             <a:fld id="{306B59E2-DA6D-487B-96A5-0C8E7410BF99}" type="datetimeFigureOut">
               <a:rPr lang="he-IL" smtClean="0"/>
-              <a:t>ג'/אלול/תש"ף</a:t>
+              <a:t>י"ג/אלול/תש"ף</a:t>
             </a:fld>
             <a:endParaRPr lang="he-IL"/>
           </a:p>
@@ -1245,7 +1245,7 @@
           <a:p>
             <a:fld id="{306B59E2-DA6D-487B-96A5-0C8E7410BF99}" type="datetimeFigureOut">
               <a:rPr lang="he-IL" smtClean="0"/>
-              <a:t>ג'/אלול/תש"ף</a:t>
+              <a:t>י"ג/אלול/תש"ף</a:t>
             </a:fld>
             <a:endParaRPr lang="he-IL"/>
           </a:p>
@@ -1612,7 +1612,7 @@
           <a:p>
             <a:fld id="{306B59E2-DA6D-487B-96A5-0C8E7410BF99}" type="datetimeFigureOut">
               <a:rPr lang="he-IL" smtClean="0"/>
-              <a:t>ג'/אלול/תש"ף</a:t>
+              <a:t>י"ג/אלול/תש"ף</a:t>
             </a:fld>
             <a:endParaRPr lang="he-IL"/>
           </a:p>
@@ -1730,7 +1730,7 @@
           <a:p>
             <a:fld id="{306B59E2-DA6D-487B-96A5-0C8E7410BF99}" type="datetimeFigureOut">
               <a:rPr lang="he-IL" smtClean="0"/>
-              <a:t>ג'/אלול/תש"ף</a:t>
+              <a:t>י"ג/אלול/תש"ף</a:t>
             </a:fld>
             <a:endParaRPr lang="he-IL"/>
           </a:p>
@@ -1825,7 +1825,7 @@
           <a:p>
             <a:fld id="{306B59E2-DA6D-487B-96A5-0C8E7410BF99}" type="datetimeFigureOut">
               <a:rPr lang="he-IL" smtClean="0"/>
-              <a:t>ג'/אלול/תש"ף</a:t>
+              <a:t>י"ג/אלול/תש"ף</a:t>
             </a:fld>
             <a:endParaRPr lang="he-IL"/>
           </a:p>
@@ -2102,7 +2102,7 @@
           <a:p>
             <a:fld id="{306B59E2-DA6D-487B-96A5-0C8E7410BF99}" type="datetimeFigureOut">
               <a:rPr lang="he-IL" smtClean="0"/>
-              <a:t>ג'/אלול/תש"ף</a:t>
+              <a:t>י"ג/אלול/תש"ף</a:t>
             </a:fld>
             <a:endParaRPr lang="he-IL"/>
           </a:p>
@@ -2355,7 +2355,7 @@
           <a:p>
             <a:fld id="{306B59E2-DA6D-487B-96A5-0C8E7410BF99}" type="datetimeFigureOut">
               <a:rPr lang="he-IL" smtClean="0"/>
-              <a:t>ג'/אלול/תש"ף</a:t>
+              <a:t>י"ג/אלול/תש"ף</a:t>
             </a:fld>
             <a:endParaRPr lang="he-IL"/>
           </a:p>
@@ -2571,7 +2571,7 @@
           <a:p>
             <a:fld id="{306B59E2-DA6D-487B-96A5-0C8E7410BF99}" type="datetimeFigureOut">
               <a:rPr lang="he-IL" smtClean="0"/>
-              <a:t>ג'/אלול/תש"ף</a:t>
+              <a:t>י"ג/אלול/תש"ף</a:t>
             </a:fld>
             <a:endParaRPr lang="he-IL"/>
           </a:p>
@@ -3091,10 +3091,10 @@
                 <a:latin typeface="David" panose="020E0502060401010101" pitchFamily="34" charset="-79"/>
                 <a:cs typeface="David" panose="020E0502060401010101" pitchFamily="34" charset="-79"/>
               </a:rPr>
-              <a:t>הטיית קשב למחשבות מסוימות אשר אותן לרוב אתה מגדיר כשליליות</a:t>
-            </a:r>
-            <a:r>
-              <a:rPr lang="he-IL" sz="2325" dirty="0">
+              <a:t>הטיית קשב למחשבות מסוימות</a:t>
+            </a:r>
+            <a:r>
+              <a:rPr lang="en-US" sz="2325" dirty="0">
                 <a:solidFill>
                   <a:schemeClr val="tx1"/>
                 </a:solidFill>
@@ -3103,6 +3103,13 @@
               </a:rPr>
               <a:t>.</a:t>
             </a:r>
+            <a:endParaRPr lang="he-IL" sz="2325" dirty="0">
+              <a:solidFill>
+                <a:schemeClr val="tx1"/>
+              </a:solidFill>
+              <a:latin typeface="David" panose="020E0502060401010101" pitchFamily="34" charset="-79"/>
+              <a:cs typeface="David" panose="020E0502060401010101" pitchFamily="34" charset="-79"/>
+            </a:endParaRPr>
           </a:p>
           <a:p>
             <a:pPr algn="ctr" rtl="1"/>
@@ -3288,7 +3295,7 @@
                 <a:latin typeface="David" panose="020E0502060401010101" pitchFamily="34" charset="-79"/>
                 <a:cs typeface="David" panose="020E0502060401010101" pitchFamily="34" charset="-79"/>
               </a:rPr>
-              <a:t>בשלב הבא של הניסוי, אתה תבצע מטלה שנועדה להפחית את המידה שבה הקשב שלך מושפע ממחשבות שליליות.</a:t>
+              <a:t>בשלב הבא של הניסוי, אתה תבצע אימון מנטלי שנועד להפחית את הטיית הקשב שלך.</a:t>
             </a:r>
           </a:p>
           <a:p>
@@ -3311,7 +3318,7 @@
                 <a:latin typeface="David" panose="020E0502060401010101" pitchFamily="34" charset="-79"/>
                 <a:cs typeface="David" panose="020E0502060401010101" pitchFamily="34" charset="-79"/>
               </a:rPr>
-              <a:t>המטלה דומה לזו שביצעת קודם, רק שהפעם בחלק מהצעדים המחשב יציג בפניך משוב על הדרך שבה הפנית את הקשב שלך.</a:t>
+              <a:t>האימון דומה למטלה שביצעת קודם, רק שהפעם בחלק מהצעדים המחשב יציג בפניך משוב על המידה בה הקשב שלך מוטה.</a:t>
             </a:r>
           </a:p>
           <a:p>

--- a/Instructions_Pictures/AFACT & MAB Instructions/AfactInstsPresntation.pptx
+++ b/Instructions_Pictures/AFACT & MAB Instructions/AfactInstsPresntation.pptx
@@ -247,7 +247,7 @@
           <a:p>
             <a:fld id="{306B59E2-DA6D-487B-96A5-0C8E7410BF99}" type="datetimeFigureOut">
               <a:rPr lang="he-IL" smtClean="0"/>
-              <a:t>י"ג/אלול/תש"ף</a:t>
+              <a:t>ט"ו/שבט/תשפ"א</a:t>
             </a:fld>
             <a:endParaRPr lang="he-IL"/>
           </a:p>
@@ -417,7 +417,7 @@
           <a:p>
             <a:fld id="{306B59E2-DA6D-487B-96A5-0C8E7410BF99}" type="datetimeFigureOut">
               <a:rPr lang="he-IL" smtClean="0"/>
-              <a:t>י"ג/אלול/תש"ף</a:t>
+              <a:t>ט"ו/שבט/תשפ"א</a:t>
             </a:fld>
             <a:endParaRPr lang="he-IL"/>
           </a:p>
@@ -597,7 +597,7 @@
           <a:p>
             <a:fld id="{306B59E2-DA6D-487B-96A5-0C8E7410BF99}" type="datetimeFigureOut">
               <a:rPr lang="he-IL" smtClean="0"/>
-              <a:t>י"ג/אלול/תש"ף</a:t>
+              <a:t>ט"ו/שבט/תשפ"א</a:t>
             </a:fld>
             <a:endParaRPr lang="he-IL"/>
           </a:p>
@@ -767,7 +767,7 @@
           <a:p>
             <a:fld id="{306B59E2-DA6D-487B-96A5-0C8E7410BF99}" type="datetimeFigureOut">
               <a:rPr lang="he-IL" smtClean="0"/>
-              <a:t>י"ג/אלול/תש"ף</a:t>
+              <a:t>ט"ו/שבט/תשפ"א</a:t>
             </a:fld>
             <a:endParaRPr lang="he-IL"/>
           </a:p>
@@ -1013,7 +1013,7 @@
           <a:p>
             <a:fld id="{306B59E2-DA6D-487B-96A5-0C8E7410BF99}" type="datetimeFigureOut">
               <a:rPr lang="he-IL" smtClean="0"/>
-              <a:t>י"ג/אלול/תש"ף</a:t>
+              <a:t>ט"ו/שבט/תשפ"א</a:t>
             </a:fld>
             <a:endParaRPr lang="he-IL"/>
           </a:p>
@@ -1245,7 +1245,7 @@
           <a:p>
             <a:fld id="{306B59E2-DA6D-487B-96A5-0C8E7410BF99}" type="datetimeFigureOut">
               <a:rPr lang="he-IL" smtClean="0"/>
-              <a:t>י"ג/אלול/תש"ף</a:t>
+              <a:t>ט"ו/שבט/תשפ"א</a:t>
             </a:fld>
             <a:endParaRPr lang="he-IL"/>
           </a:p>
@@ -1612,7 +1612,7 @@
           <a:p>
             <a:fld id="{306B59E2-DA6D-487B-96A5-0C8E7410BF99}" type="datetimeFigureOut">
               <a:rPr lang="he-IL" smtClean="0"/>
-              <a:t>י"ג/אלול/תש"ף</a:t>
+              <a:t>ט"ו/שבט/תשפ"א</a:t>
             </a:fld>
             <a:endParaRPr lang="he-IL"/>
           </a:p>
@@ -1730,7 +1730,7 @@
           <a:p>
             <a:fld id="{306B59E2-DA6D-487B-96A5-0C8E7410BF99}" type="datetimeFigureOut">
               <a:rPr lang="he-IL" smtClean="0"/>
-              <a:t>י"ג/אלול/תש"ף</a:t>
+              <a:t>ט"ו/שבט/תשפ"א</a:t>
             </a:fld>
             <a:endParaRPr lang="he-IL"/>
           </a:p>
@@ -1825,7 +1825,7 @@
           <a:p>
             <a:fld id="{306B59E2-DA6D-487B-96A5-0C8E7410BF99}" type="datetimeFigureOut">
               <a:rPr lang="he-IL" smtClean="0"/>
-              <a:t>י"ג/אלול/תש"ף</a:t>
+              <a:t>ט"ו/שבט/תשפ"א</a:t>
             </a:fld>
             <a:endParaRPr lang="he-IL"/>
           </a:p>
@@ -2102,7 +2102,7 @@
           <a:p>
             <a:fld id="{306B59E2-DA6D-487B-96A5-0C8E7410BF99}" type="datetimeFigureOut">
               <a:rPr lang="he-IL" smtClean="0"/>
-              <a:t>י"ג/אלול/תש"ף</a:t>
+              <a:t>ט"ו/שבט/תשפ"א</a:t>
             </a:fld>
             <a:endParaRPr lang="he-IL"/>
           </a:p>
@@ -2355,7 +2355,7 @@
           <a:p>
             <a:fld id="{306B59E2-DA6D-487B-96A5-0C8E7410BF99}" type="datetimeFigureOut">
               <a:rPr lang="he-IL" smtClean="0"/>
-              <a:t>י"ג/אלול/תש"ף</a:t>
+              <a:t>ט"ו/שבט/תשפ"א</a:t>
             </a:fld>
             <a:endParaRPr lang="he-IL"/>
           </a:p>
@@ -2571,7 +2571,7 @@
           <a:p>
             <a:fld id="{306B59E2-DA6D-487B-96A5-0C8E7410BF99}" type="datetimeFigureOut">
               <a:rPr lang="he-IL" smtClean="0"/>
-              <a:t>י"ג/אלול/תש"ף</a:t>
+              <a:t>ט"ו/שבט/תשפ"א</a:t>
             </a:fld>
             <a:endParaRPr lang="he-IL"/>
           </a:p>
@@ -3058,7 +3058,7 @@
                 <a:latin typeface="David" panose="020E0502060401010101" pitchFamily="34" charset="-79"/>
                 <a:cs typeface="David" panose="020E0502060401010101" pitchFamily="34" charset="-79"/>
               </a:rPr>
-              <a:t>בעת ביצוע המטלה האחרונה המחשב בדק את תגובותייך ומצא שלמחשבות מסוימות (המשפטים המוקלטים ששמעת) יש השפעה על הדרך שבה אתה מפנה את הקשב שלך.</a:t>
+              <a:t>בעת ביצוע המטלה האחרונה המחשב בדק את תגובותייך ומצא שלמחשבות מסוימות יש השפעה על הדרך שבה אתה מפנה את הקשב שלך.</a:t>
             </a:r>
           </a:p>
           <a:p>

--- a/Instructions_Pictures/AFACT & MAB Instructions/AfactInstsPresntation.pptx
+++ b/Instructions_Pictures/AFACT & MAB Instructions/AfactInstsPresntation.pptx
@@ -4,6 +4,9 @@
   <p:sldMasterIdLst>
     <p:sldMasterId id="2147483648" r:id="rId1"/>
   </p:sldMasterIdLst>
+  <p:notesMasterIdLst>
+    <p:notesMasterId r:id="rId7"/>
+  </p:notesMasterIdLst>
   <p:sldIdLst>
     <p:sldId id="264" r:id="rId2"/>
     <p:sldId id="265" r:id="rId3"/>
@@ -116,6 +119,485 @@
 </p:presentation>
 </file>
 
+<file path=ppt/notesMasters/notesMaster1.xml><?xml version="1.0" encoding="utf-8"?>
+<p:notesMaster xmlns:a="http://schemas.openxmlformats.org/drawingml/2006/main" xmlns:r="http://schemas.openxmlformats.org/officeDocument/2006/relationships" xmlns:p="http://schemas.openxmlformats.org/presentationml/2006/main">
+  <p:cSld>
+    <p:bg>
+      <p:bgRef idx="1001">
+        <a:schemeClr val="bg1"/>
+      </p:bgRef>
+    </p:bg>
+    <p:spTree>
+      <p:nvGrpSpPr>
+        <p:cNvPr id="1" name=""/>
+        <p:cNvGrpSpPr/>
+        <p:nvPr/>
+      </p:nvGrpSpPr>
+      <p:grpSpPr>
+        <a:xfrm>
+          <a:off x="0" y="0"/>
+          <a:ext cx="0" cy="0"/>
+          <a:chOff x="0" y="0"/>
+          <a:chExt cx="0" cy="0"/>
+        </a:xfrm>
+      </p:grpSpPr>
+      <p:sp>
+        <p:nvSpPr>
+          <p:cNvPr id="2" name="Header Placeholder 1"/>
+          <p:cNvSpPr>
+            <a:spLocks noGrp="1"/>
+          </p:cNvSpPr>
+          <p:nvPr>
+            <p:ph type="hdr" sz="quarter"/>
+          </p:nvPr>
+        </p:nvSpPr>
+        <p:spPr>
+          <a:xfrm>
+            <a:off x="0" y="0"/>
+            <a:ext cx="2971800" cy="458788"/>
+          </a:xfrm>
+          <a:prstGeom prst="rect">
+            <a:avLst/>
+          </a:prstGeom>
+        </p:spPr>
+        <p:txBody>
+          <a:bodyPr vert="horz" lIns="91440" tIns="45720" rIns="91440" bIns="45720" rtlCol="0"/>
+          <a:lstStyle>
+            <a:lvl1pPr algn="l">
+              <a:defRPr sz="1200"/>
+            </a:lvl1pPr>
+          </a:lstStyle>
+          <a:p>
+            <a:endParaRPr lang="en-US"/>
+          </a:p>
+        </p:txBody>
+      </p:sp>
+      <p:sp>
+        <p:nvSpPr>
+          <p:cNvPr id="3" name="Date Placeholder 2"/>
+          <p:cNvSpPr>
+            <a:spLocks noGrp="1"/>
+          </p:cNvSpPr>
+          <p:nvPr>
+            <p:ph type="dt" idx="1"/>
+          </p:nvPr>
+        </p:nvSpPr>
+        <p:spPr>
+          <a:xfrm>
+            <a:off x="3884613" y="0"/>
+            <a:ext cx="2971800" cy="458788"/>
+          </a:xfrm>
+          <a:prstGeom prst="rect">
+            <a:avLst/>
+          </a:prstGeom>
+        </p:spPr>
+        <p:txBody>
+          <a:bodyPr vert="horz" lIns="91440" tIns="45720" rIns="91440" bIns="45720" rtlCol="0"/>
+          <a:lstStyle>
+            <a:lvl1pPr algn="r">
+              <a:defRPr sz="1200"/>
+            </a:lvl1pPr>
+          </a:lstStyle>
+          <a:p>
+            <a:fld id="{E130F5AB-C98F-4759-9D05-F414FD7B35E1}" type="datetimeFigureOut">
+              <a:rPr lang="en-US" smtClean="0"/>
+              <a:t>2/11/2021</a:t>
+            </a:fld>
+            <a:endParaRPr lang="en-US"/>
+          </a:p>
+        </p:txBody>
+      </p:sp>
+      <p:sp>
+        <p:nvSpPr>
+          <p:cNvPr id="4" name="Slide Image Placeholder 3"/>
+          <p:cNvSpPr>
+            <a:spLocks noGrp="1" noRot="1" noChangeAspect="1"/>
+          </p:cNvSpPr>
+          <p:nvPr>
+            <p:ph type="sldImg" idx="2"/>
+          </p:nvPr>
+        </p:nvSpPr>
+        <p:spPr>
+          <a:xfrm>
+            <a:off x="685800" y="1143000"/>
+            <a:ext cx="5486400" cy="3086100"/>
+          </a:xfrm>
+          <a:prstGeom prst="rect">
+            <a:avLst/>
+          </a:prstGeom>
+          <a:noFill/>
+          <a:ln w="12700">
+            <a:solidFill>
+              <a:prstClr val="black"/>
+            </a:solidFill>
+          </a:ln>
+        </p:spPr>
+        <p:txBody>
+          <a:bodyPr vert="horz" lIns="91440" tIns="45720" rIns="91440" bIns="45720" rtlCol="0" anchor="ctr"/>
+          <a:lstStyle/>
+          <a:p>
+            <a:endParaRPr lang="en-US"/>
+          </a:p>
+        </p:txBody>
+      </p:sp>
+      <p:sp>
+        <p:nvSpPr>
+          <p:cNvPr id="5" name="Notes Placeholder 4"/>
+          <p:cNvSpPr>
+            <a:spLocks noGrp="1"/>
+          </p:cNvSpPr>
+          <p:nvPr>
+            <p:ph type="body" sz="quarter" idx="3"/>
+          </p:nvPr>
+        </p:nvSpPr>
+        <p:spPr>
+          <a:xfrm>
+            <a:off x="685800" y="4400550"/>
+            <a:ext cx="5486400" cy="3600450"/>
+          </a:xfrm>
+          <a:prstGeom prst="rect">
+            <a:avLst/>
+          </a:prstGeom>
+        </p:spPr>
+        <p:txBody>
+          <a:bodyPr vert="horz" lIns="91440" tIns="45720" rIns="91440" bIns="45720" rtlCol="0"/>
+          <a:lstStyle/>
+          <a:p>
+            <a:pPr lvl="0"/>
+            <a:r>
+              <a:rPr lang="en-US"/>
+              <a:t>Click to edit Master text styles</a:t>
+            </a:r>
+          </a:p>
+          <a:p>
+            <a:pPr lvl="1"/>
+            <a:r>
+              <a:rPr lang="en-US"/>
+              <a:t>Second level</a:t>
+            </a:r>
+          </a:p>
+          <a:p>
+            <a:pPr lvl="2"/>
+            <a:r>
+              <a:rPr lang="en-US"/>
+              <a:t>Third level</a:t>
+            </a:r>
+          </a:p>
+          <a:p>
+            <a:pPr lvl="3"/>
+            <a:r>
+              <a:rPr lang="en-US"/>
+              <a:t>Fourth level</a:t>
+            </a:r>
+          </a:p>
+          <a:p>
+            <a:pPr lvl="4"/>
+            <a:r>
+              <a:rPr lang="en-US"/>
+              <a:t>Fifth level</a:t>
+            </a:r>
+          </a:p>
+        </p:txBody>
+      </p:sp>
+      <p:sp>
+        <p:nvSpPr>
+          <p:cNvPr id="6" name="Footer Placeholder 5"/>
+          <p:cNvSpPr>
+            <a:spLocks noGrp="1"/>
+          </p:cNvSpPr>
+          <p:nvPr>
+            <p:ph type="ftr" sz="quarter" idx="4"/>
+          </p:nvPr>
+        </p:nvSpPr>
+        <p:spPr>
+          <a:xfrm>
+            <a:off x="0" y="8685213"/>
+            <a:ext cx="2971800" cy="458787"/>
+          </a:xfrm>
+          <a:prstGeom prst="rect">
+            <a:avLst/>
+          </a:prstGeom>
+        </p:spPr>
+        <p:txBody>
+          <a:bodyPr vert="horz" lIns="91440" tIns="45720" rIns="91440" bIns="45720" rtlCol="0" anchor="b"/>
+          <a:lstStyle>
+            <a:lvl1pPr algn="l">
+              <a:defRPr sz="1200"/>
+            </a:lvl1pPr>
+          </a:lstStyle>
+          <a:p>
+            <a:endParaRPr lang="en-US"/>
+          </a:p>
+        </p:txBody>
+      </p:sp>
+      <p:sp>
+        <p:nvSpPr>
+          <p:cNvPr id="7" name="Slide Number Placeholder 6"/>
+          <p:cNvSpPr>
+            <a:spLocks noGrp="1"/>
+          </p:cNvSpPr>
+          <p:nvPr>
+            <p:ph type="sldNum" sz="quarter" idx="5"/>
+          </p:nvPr>
+        </p:nvSpPr>
+        <p:spPr>
+          <a:xfrm>
+            <a:off x="3884613" y="8685213"/>
+            <a:ext cx="2971800" cy="458787"/>
+          </a:xfrm>
+          <a:prstGeom prst="rect">
+            <a:avLst/>
+          </a:prstGeom>
+        </p:spPr>
+        <p:txBody>
+          <a:bodyPr vert="horz" lIns="91440" tIns="45720" rIns="91440" bIns="45720" rtlCol="0" anchor="b"/>
+          <a:lstStyle>
+            <a:lvl1pPr algn="r">
+              <a:defRPr sz="1200"/>
+            </a:lvl1pPr>
+          </a:lstStyle>
+          <a:p>
+            <a:fld id="{982C1452-936D-4F19-ADA9-7B8746D33D07}" type="slidenum">
+              <a:rPr lang="en-US" smtClean="0"/>
+              <a:t>‹#›</a:t>
+            </a:fld>
+            <a:endParaRPr lang="en-US"/>
+          </a:p>
+        </p:txBody>
+      </p:sp>
+    </p:spTree>
+    <p:extLst>
+      <p:ext uri="{BB962C8B-B14F-4D97-AF65-F5344CB8AC3E}">
+        <p14:creationId xmlns:p14="http://schemas.microsoft.com/office/powerpoint/2010/main" val="2909903563"/>
+      </p:ext>
+    </p:extLst>
+  </p:cSld>
+  <p:clrMap bg1="lt1" tx1="dk1" bg2="lt2" tx2="dk2" accent1="accent1" accent2="accent2" accent3="accent3" accent4="accent4" accent5="accent5" accent6="accent6" hlink="hlink" folHlink="folHlink"/>
+  <p:notesStyle>
+    <a:lvl1pPr marL="0" algn="l" defTabSz="914400" rtl="0" eaLnBrk="1" latinLnBrk="0" hangingPunct="1">
+      <a:defRPr sz="1200" kern="1200">
+        <a:solidFill>
+          <a:schemeClr val="tx1"/>
+        </a:solidFill>
+        <a:latin typeface="+mn-lt"/>
+        <a:ea typeface="+mn-ea"/>
+        <a:cs typeface="+mn-cs"/>
+      </a:defRPr>
+    </a:lvl1pPr>
+    <a:lvl2pPr marL="457200" algn="l" defTabSz="914400" rtl="0" eaLnBrk="1" latinLnBrk="0" hangingPunct="1">
+      <a:defRPr sz="1200" kern="1200">
+        <a:solidFill>
+          <a:schemeClr val="tx1"/>
+        </a:solidFill>
+        <a:latin typeface="+mn-lt"/>
+        <a:ea typeface="+mn-ea"/>
+        <a:cs typeface="+mn-cs"/>
+      </a:defRPr>
+    </a:lvl2pPr>
+    <a:lvl3pPr marL="914400" algn="l" defTabSz="914400" rtl="0" eaLnBrk="1" latinLnBrk="0" hangingPunct="1">
+      <a:defRPr sz="1200" kern="1200">
+        <a:solidFill>
+          <a:schemeClr val="tx1"/>
+        </a:solidFill>
+        <a:latin typeface="+mn-lt"/>
+        <a:ea typeface="+mn-ea"/>
+        <a:cs typeface="+mn-cs"/>
+      </a:defRPr>
+    </a:lvl3pPr>
+    <a:lvl4pPr marL="1371600" algn="l" defTabSz="914400" rtl="0" eaLnBrk="1" latinLnBrk="0" hangingPunct="1">
+      <a:defRPr sz="1200" kern="1200">
+        <a:solidFill>
+          <a:schemeClr val="tx1"/>
+        </a:solidFill>
+        <a:latin typeface="+mn-lt"/>
+        <a:ea typeface="+mn-ea"/>
+        <a:cs typeface="+mn-cs"/>
+      </a:defRPr>
+    </a:lvl4pPr>
+    <a:lvl5pPr marL="1828800" algn="l" defTabSz="914400" rtl="0" eaLnBrk="1" latinLnBrk="0" hangingPunct="1">
+      <a:defRPr sz="1200" kern="1200">
+        <a:solidFill>
+          <a:schemeClr val="tx1"/>
+        </a:solidFill>
+        <a:latin typeface="+mn-lt"/>
+        <a:ea typeface="+mn-ea"/>
+        <a:cs typeface="+mn-cs"/>
+      </a:defRPr>
+    </a:lvl5pPr>
+    <a:lvl6pPr marL="2286000" algn="l" defTabSz="914400" rtl="0" eaLnBrk="1" latinLnBrk="0" hangingPunct="1">
+      <a:defRPr sz="1200" kern="1200">
+        <a:solidFill>
+          <a:schemeClr val="tx1"/>
+        </a:solidFill>
+        <a:latin typeface="+mn-lt"/>
+        <a:ea typeface="+mn-ea"/>
+        <a:cs typeface="+mn-cs"/>
+      </a:defRPr>
+    </a:lvl6pPr>
+    <a:lvl7pPr marL="2743200" algn="l" defTabSz="914400" rtl="0" eaLnBrk="1" latinLnBrk="0" hangingPunct="1">
+      <a:defRPr sz="1200" kern="1200">
+        <a:solidFill>
+          <a:schemeClr val="tx1"/>
+        </a:solidFill>
+        <a:latin typeface="+mn-lt"/>
+        <a:ea typeface="+mn-ea"/>
+        <a:cs typeface="+mn-cs"/>
+      </a:defRPr>
+    </a:lvl7pPr>
+    <a:lvl8pPr marL="3200400" algn="l" defTabSz="914400" rtl="0" eaLnBrk="1" latinLnBrk="0" hangingPunct="1">
+      <a:defRPr sz="1200" kern="1200">
+        <a:solidFill>
+          <a:schemeClr val="tx1"/>
+        </a:solidFill>
+        <a:latin typeface="+mn-lt"/>
+        <a:ea typeface="+mn-ea"/>
+        <a:cs typeface="+mn-cs"/>
+      </a:defRPr>
+    </a:lvl8pPr>
+    <a:lvl9pPr marL="3657600" algn="l" defTabSz="914400" rtl="0" eaLnBrk="1" latinLnBrk="0" hangingPunct="1">
+      <a:defRPr sz="1200" kern="1200">
+        <a:solidFill>
+          <a:schemeClr val="tx1"/>
+        </a:solidFill>
+        <a:latin typeface="+mn-lt"/>
+        <a:ea typeface="+mn-ea"/>
+        <a:cs typeface="+mn-cs"/>
+      </a:defRPr>
+    </a:lvl9pPr>
+  </p:notesStyle>
+</p:notesMaster>
+</file>
+
+<file path=ppt/notesSlides/notesSlide1.xml><?xml version="1.0" encoding="utf-8"?>
+<p:notes xmlns:a="http://schemas.openxmlformats.org/drawingml/2006/main" xmlns:r="http://schemas.openxmlformats.org/officeDocument/2006/relationships" xmlns:p="http://schemas.openxmlformats.org/presentationml/2006/main">
+  <p:cSld>
+    <p:spTree>
+      <p:nvGrpSpPr>
+        <p:cNvPr id="1" name=""/>
+        <p:cNvGrpSpPr/>
+        <p:nvPr/>
+      </p:nvGrpSpPr>
+      <p:grpSpPr>
+        <a:xfrm>
+          <a:off x="0" y="0"/>
+          <a:ext cx="0" cy="0"/>
+          <a:chOff x="0" y="0"/>
+          <a:chExt cx="0" cy="0"/>
+        </a:xfrm>
+      </p:grpSpPr>
+      <p:sp>
+        <p:nvSpPr>
+          <p:cNvPr id="2" name="Slide Image Placeholder 1"/>
+          <p:cNvSpPr>
+            <a:spLocks noGrp="1" noRot="1" noChangeAspect="1"/>
+          </p:cNvSpPr>
+          <p:nvPr>
+            <p:ph type="sldImg"/>
+          </p:nvPr>
+        </p:nvSpPr>
+        <p:spPr/>
+      </p:sp>
+      <p:sp>
+        <p:nvSpPr>
+          <p:cNvPr id="3" name="Notes Placeholder 2"/>
+          <p:cNvSpPr>
+            <a:spLocks noGrp="1"/>
+          </p:cNvSpPr>
+          <p:nvPr>
+            <p:ph type="body" idx="1"/>
+          </p:nvPr>
+        </p:nvSpPr>
+        <p:spPr/>
+        <p:txBody>
+          <a:bodyPr/>
+          <a:lstStyle/>
+          <a:p>
+            <a:pPr marL="0" marR="0" lvl="0" indent="0" algn="r" defTabSz="914400" rtl="1" eaLnBrk="1" fontAlgn="auto" latinLnBrk="0" hangingPunct="1">
+              <a:lnSpc>
+                <a:spcPct val="100000"/>
+              </a:lnSpc>
+              <a:spcBef>
+                <a:spcPts val="0"/>
+              </a:spcBef>
+              <a:spcAft>
+                <a:spcPts val="0"/>
+              </a:spcAft>
+              <a:buClrTx/>
+              <a:buSzTx/>
+              <a:buFontTx/>
+              <a:buNone/>
+              <a:tabLst/>
+              <a:defRPr/>
+            </a:pPr>
+            <a:r>
+              <a:rPr lang="he-IL" sz="1200" dirty="0">
+                <a:solidFill>
+                  <a:schemeClr val="tx1"/>
+                </a:solidFill>
+                <a:latin typeface="David" panose="020E0502060401010101" pitchFamily="34" charset="-79"/>
+                <a:cs typeface="David" panose="020E0502060401010101" pitchFamily="34" charset="-79"/>
+              </a:rPr>
+              <a:t>מטרת האימון היא ללמד אותך להיות מודע בזמן אמת כאשר מחשבה מסוימת משפיעה על הקשב שלך, כדי שתוכל להפנות את הקשב מהמחשבה אל המטלה שאתה מנסה לבצע, במקרה שלנו לזהות ספרות. – להוסיף ל-</a:t>
+            </a:r>
+            <a:r>
+              <a:rPr lang="en-US" sz="1200" dirty="0">
+                <a:solidFill>
+                  <a:schemeClr val="tx1"/>
+                </a:solidFill>
+                <a:latin typeface="David" panose="020E0502060401010101" pitchFamily="34" charset="-79"/>
+                <a:cs typeface="David" panose="020E0502060401010101" pitchFamily="34" charset="-79"/>
+              </a:rPr>
+              <a:t>BMM</a:t>
+            </a:r>
+            <a:endParaRPr lang="he-IL" sz="1200" dirty="0">
+              <a:solidFill>
+                <a:schemeClr val="tx1"/>
+              </a:solidFill>
+              <a:latin typeface="David" panose="020E0502060401010101" pitchFamily="34" charset="-79"/>
+              <a:cs typeface="David" panose="020E0502060401010101" pitchFamily="34" charset="-79"/>
+            </a:endParaRPr>
+          </a:p>
+          <a:p>
+            <a:endParaRPr lang="en-US" dirty="0"/>
+          </a:p>
+        </p:txBody>
+      </p:sp>
+      <p:sp>
+        <p:nvSpPr>
+          <p:cNvPr id="4" name="Slide Number Placeholder 3"/>
+          <p:cNvSpPr>
+            <a:spLocks noGrp="1"/>
+          </p:cNvSpPr>
+          <p:nvPr>
+            <p:ph type="sldNum" sz="quarter" idx="5"/>
+          </p:nvPr>
+        </p:nvSpPr>
+        <p:spPr/>
+        <p:txBody>
+          <a:bodyPr/>
+          <a:lstStyle/>
+          <a:p>
+            <a:fld id="{982C1452-936D-4F19-ADA9-7B8746D33D07}" type="slidenum">
+              <a:rPr lang="en-US" smtClean="0"/>
+              <a:t>4</a:t>
+            </a:fld>
+            <a:endParaRPr lang="en-US"/>
+          </a:p>
+        </p:txBody>
+      </p:sp>
+    </p:spTree>
+    <p:extLst>
+      <p:ext uri="{BB962C8B-B14F-4D97-AF65-F5344CB8AC3E}">
+        <p14:creationId xmlns:p14="http://schemas.microsoft.com/office/powerpoint/2010/main" val="3912430132"/>
+      </p:ext>
+    </p:extLst>
+  </p:cSld>
+  <p:clrMapOvr>
+    <a:masterClrMapping/>
+  </p:clrMapOvr>
+</p:notes>
+</file>
+
 <file path=ppt/slideLayouts/slideLayout1.xml><?xml version="1.0" encoding="utf-8"?>
 <p:sldLayout xmlns:a="http://schemas.openxmlformats.org/drawingml/2006/main" xmlns:r="http://schemas.openxmlformats.org/officeDocument/2006/relationships" xmlns:p="http://schemas.openxmlformats.org/presentationml/2006/main" type="title" preserve="1">
   <p:cSld name="Title Slide">
@@ -247,7 +729,7 @@
           <a:p>
             <a:fld id="{306B59E2-DA6D-487B-96A5-0C8E7410BF99}" type="datetimeFigureOut">
               <a:rPr lang="he-IL" smtClean="0"/>
-              <a:t>ט"ו/שבט/תשפ"א</a:t>
+              <a:t>כ"ט/שבט/תשפ"א</a:t>
             </a:fld>
             <a:endParaRPr lang="he-IL"/>
           </a:p>
@@ -417,7 +899,7 @@
           <a:p>
             <a:fld id="{306B59E2-DA6D-487B-96A5-0C8E7410BF99}" type="datetimeFigureOut">
               <a:rPr lang="he-IL" smtClean="0"/>
-              <a:t>ט"ו/שבט/תשפ"א</a:t>
+              <a:t>כ"ט/שבט/תשפ"א</a:t>
             </a:fld>
             <a:endParaRPr lang="he-IL"/>
           </a:p>
@@ -597,7 +1079,7 @@
           <a:p>
             <a:fld id="{306B59E2-DA6D-487B-96A5-0C8E7410BF99}" type="datetimeFigureOut">
               <a:rPr lang="he-IL" smtClean="0"/>
-              <a:t>ט"ו/שבט/תשפ"א</a:t>
+              <a:t>כ"ט/שבט/תשפ"א</a:t>
             </a:fld>
             <a:endParaRPr lang="he-IL"/>
           </a:p>
@@ -767,7 +1249,7 @@
           <a:p>
             <a:fld id="{306B59E2-DA6D-487B-96A5-0C8E7410BF99}" type="datetimeFigureOut">
               <a:rPr lang="he-IL" smtClean="0"/>
-              <a:t>ט"ו/שבט/תשפ"א</a:t>
+              <a:t>כ"ט/שבט/תשפ"א</a:t>
             </a:fld>
             <a:endParaRPr lang="he-IL"/>
           </a:p>
@@ -1013,7 +1495,7 @@
           <a:p>
             <a:fld id="{306B59E2-DA6D-487B-96A5-0C8E7410BF99}" type="datetimeFigureOut">
               <a:rPr lang="he-IL" smtClean="0"/>
-              <a:t>ט"ו/שבט/תשפ"א</a:t>
+              <a:t>כ"ט/שבט/תשפ"א</a:t>
             </a:fld>
             <a:endParaRPr lang="he-IL"/>
           </a:p>
@@ -1245,7 +1727,7 @@
           <a:p>
             <a:fld id="{306B59E2-DA6D-487B-96A5-0C8E7410BF99}" type="datetimeFigureOut">
               <a:rPr lang="he-IL" smtClean="0"/>
-              <a:t>ט"ו/שבט/תשפ"א</a:t>
+              <a:t>כ"ט/שבט/תשפ"א</a:t>
             </a:fld>
             <a:endParaRPr lang="he-IL"/>
           </a:p>
@@ -1612,7 +2094,7 @@
           <a:p>
             <a:fld id="{306B59E2-DA6D-487B-96A5-0C8E7410BF99}" type="datetimeFigureOut">
               <a:rPr lang="he-IL" smtClean="0"/>
-              <a:t>ט"ו/שבט/תשפ"א</a:t>
+              <a:t>כ"ט/שבט/תשפ"א</a:t>
             </a:fld>
             <a:endParaRPr lang="he-IL"/>
           </a:p>
@@ -1730,7 +2212,7 @@
           <a:p>
             <a:fld id="{306B59E2-DA6D-487B-96A5-0C8E7410BF99}" type="datetimeFigureOut">
               <a:rPr lang="he-IL" smtClean="0"/>
-              <a:t>ט"ו/שבט/תשפ"א</a:t>
+              <a:t>כ"ט/שבט/תשפ"א</a:t>
             </a:fld>
             <a:endParaRPr lang="he-IL"/>
           </a:p>
@@ -1825,7 +2307,7 @@
           <a:p>
             <a:fld id="{306B59E2-DA6D-487B-96A5-0C8E7410BF99}" type="datetimeFigureOut">
               <a:rPr lang="he-IL" smtClean="0"/>
-              <a:t>ט"ו/שבט/תשפ"א</a:t>
+              <a:t>כ"ט/שבט/תשפ"א</a:t>
             </a:fld>
             <a:endParaRPr lang="he-IL"/>
           </a:p>
@@ -2102,7 +2584,7 @@
           <a:p>
             <a:fld id="{306B59E2-DA6D-487B-96A5-0C8E7410BF99}" type="datetimeFigureOut">
               <a:rPr lang="he-IL" smtClean="0"/>
-              <a:t>ט"ו/שבט/תשפ"א</a:t>
+              <a:t>כ"ט/שבט/תשפ"א</a:t>
             </a:fld>
             <a:endParaRPr lang="he-IL"/>
           </a:p>
@@ -2355,7 +2837,7 @@
           <a:p>
             <a:fld id="{306B59E2-DA6D-487B-96A5-0C8E7410BF99}" type="datetimeFigureOut">
               <a:rPr lang="he-IL" smtClean="0"/>
-              <a:t>ט"ו/שבט/תשפ"א</a:t>
+              <a:t>כ"ט/שבט/תשפ"א</a:t>
             </a:fld>
             <a:endParaRPr lang="he-IL"/>
           </a:p>
@@ -2571,7 +3053,7 @@
           <a:p>
             <a:fld id="{306B59E2-DA6D-487B-96A5-0C8E7410BF99}" type="datetimeFigureOut">
               <a:rPr lang="he-IL" smtClean="0"/>
-              <a:t>ט"ו/שבט/תשפ"א</a:t>
+              <a:t>כ"ט/שבט/תשפ"א</a:t>
             </a:fld>
             <a:endParaRPr lang="he-IL"/>
           </a:p>
@@ -3113,7 +3595,7 @@
           </a:p>
           <a:p>
             <a:pPr algn="ctr" rtl="1"/>
-            <a:endParaRPr lang="he-IL" sz="2325" dirty="0">
+            <a:endParaRPr lang="en-US" sz="2325" dirty="0">
               <a:solidFill>
                 <a:schemeClr val="tx1"/>
               </a:solidFill>
@@ -3131,9 +3613,19 @@
                 <a:latin typeface="David" panose="020E0502060401010101" pitchFamily="34" charset="-79"/>
                 <a:cs typeface="David" panose="020E0502060401010101" pitchFamily="34" charset="-79"/>
               </a:rPr>
-              <a:t>לעתים אתה עשוי להיות מודע להטיה זו ולעתים לא.</a:t>
-            </a:r>
-            <a:endParaRPr lang="en-US" sz="2325" dirty="0">
+              <a:t>בשלב הבא של הניסוי, אתה תבצע אימון מנטלי שנועד להפחית את הטיית הקשב </a:t>
+            </a:r>
+            <a:r>
+              <a:rPr lang="he-IL" sz="2325">
+                <a:solidFill>
+                  <a:schemeClr val="tx1"/>
+                </a:solidFill>
+                <a:latin typeface="David" panose="020E0502060401010101" pitchFamily="34" charset="-79"/>
+                <a:cs typeface="David" panose="020E0502060401010101" pitchFamily="34" charset="-79"/>
+              </a:rPr>
+              <a:t>שלך.</a:t>
+            </a:r>
+            <a:endParaRPr lang="he-IL" sz="2325" dirty="0">
               <a:solidFill>
                 <a:schemeClr val="tx1"/>
               </a:solidFill>
@@ -3288,6 +3780,29 @@
           <a:p>
             <a:pPr algn="ctr" rtl="1"/>
             <a:r>
+              <a:rPr lang="he-IL" sz="2325" b="1" u="sng" dirty="0">
+                <a:solidFill>
+                  <a:schemeClr val="tx1"/>
+                </a:solidFill>
+                <a:latin typeface="David" panose="020E0502060401010101" pitchFamily="34" charset="-79"/>
+                <a:cs typeface="David" panose="020E0502060401010101" pitchFamily="34" charset="-79"/>
+              </a:rPr>
+              <a:t>אימון מנטלי להפחתת הטיית קשב</a:t>
+            </a:r>
+          </a:p>
+          <a:p>
+            <a:pPr algn="ctr" rtl="1"/>
+            <a:endParaRPr lang="en-US" sz="2325" dirty="0">
+              <a:solidFill>
+                <a:schemeClr val="tx1"/>
+              </a:solidFill>
+              <a:latin typeface="David" panose="020E0502060401010101" pitchFamily="34" charset="-79"/>
+              <a:cs typeface="David" panose="020E0502060401010101" pitchFamily="34" charset="-79"/>
+            </a:endParaRPr>
+          </a:p>
+          <a:p>
+            <a:pPr algn="ctr" rtl="1"/>
+            <a:r>
               <a:rPr lang="he-IL" sz="2325" dirty="0">
                 <a:solidFill>
                   <a:schemeClr val="tx1"/>
@@ -3295,7 +3810,17 @@
                 <a:latin typeface="David" panose="020E0502060401010101" pitchFamily="34" charset="-79"/>
                 <a:cs typeface="David" panose="020E0502060401010101" pitchFamily="34" charset="-79"/>
               </a:rPr>
-              <a:t>בשלב הבא של הניסוי, אתה תבצע אימון מנטלי שנועד להפחית את הטיית הקשב שלך.</a:t>
+              <a:t>האימון שתבצע עכשיו דומה למטלה שביצעת קודם, רק שהפעם בחלק מהצעדים יוצג בפניך משוב על המידה בה הקשב שלך מוטה. </a:t>
+            </a:r>
+            <a:r>
+              <a:rPr lang="he-IL" sz="2325" dirty="0">
+                <a:solidFill>
+                  <a:srgbClr val="FF0000"/>
+                </a:solidFill>
+                <a:latin typeface="David" panose="020E0502060401010101" pitchFamily="34" charset="-79"/>
+                <a:cs typeface="David" panose="020E0502060401010101" pitchFamily="34" charset="-79"/>
+              </a:rPr>
+              <a:t>[להסביר שהפידבק הוא על ההטיה במחשבה הספציפית לפי אריק]</a:t>
             </a:r>
           </a:p>
           <a:p>
@@ -3318,7 +3843,7 @@
                 <a:latin typeface="David" panose="020E0502060401010101" pitchFamily="34" charset="-79"/>
                 <a:cs typeface="David" panose="020E0502060401010101" pitchFamily="34" charset="-79"/>
               </a:rPr>
-              <a:t>האימון דומה למטלה שביצעת קודם, רק שהפעם בחלק מהצעדים המחשב יציג בפניך משוב על המידה בה הקשב שלך מוטה.</a:t>
+              <a:t>בכל צעד, אתה מתבקש ללחוץ על הכפתור המתאים במקלדת בדיוק כפי שעשית קודם – מהר, ומדויק, לפי הספרה המוצגת.</a:t>
             </a:r>
           </a:p>
           <a:p>
@@ -3336,12 +3861,12 @@
             <a:r>
               <a:rPr lang="he-IL" sz="2325" dirty="0">
                 <a:solidFill>
-                  <a:schemeClr val="tx1"/>
+                  <a:srgbClr val="FF0000"/>
                 </a:solidFill>
                 <a:latin typeface="David" panose="020E0502060401010101" pitchFamily="34" charset="-79"/>
                 <a:cs typeface="David" panose="020E0502060401010101" pitchFamily="34" charset="-79"/>
               </a:rPr>
-              <a:t>בכל צעד, אתה מתבקש ללחוץ על הכפתור המתאים בקופסת התגובה בדיוק כפי שעשית קודם – מהר, ומדויק, לפי אופייה של הספרה המוצגת.</a:t>
+              <a:t>[תמונה של מקלדת עם המדבקות]</a:t>
             </a:r>
           </a:p>
           <a:p>
@@ -3839,6 +4364,16 @@
           <a:lstStyle/>
           <a:p>
             <a:pPr algn="ctr" rtl="1"/>
+            <a:endParaRPr lang="he-IL" sz="2325" dirty="0">
+              <a:solidFill>
+                <a:schemeClr val="tx1"/>
+              </a:solidFill>
+              <a:latin typeface="David" panose="020E0502060401010101" pitchFamily="34" charset="-79"/>
+              <a:cs typeface="David" panose="020E0502060401010101" pitchFamily="34" charset="-79"/>
+            </a:endParaRPr>
+          </a:p>
+          <a:p>
+            <a:pPr algn="ctr" rtl="1"/>
             <a:r>
               <a:rPr lang="he-IL" sz="2325" dirty="0">
                 <a:solidFill>
@@ -3847,7 +4382,7 @@
                 <a:latin typeface="David" panose="020E0502060401010101" pitchFamily="34" charset="-79"/>
                 <a:cs typeface="David" panose="020E0502060401010101" pitchFamily="34" charset="-79"/>
               </a:rPr>
-              <a:t>במקרה שבו מחשבה שלילית תשפיע על הקשב שלך, החץ במשוב יצביע על "מוטה", ויראה לך עד כמה תשומת הלב שלך הושפעה מהמחשבה.</a:t>
+              <a:t>מטרת האימון היא ללמד אותך להיות מודע בזמן אמת כאשר מחשבה מסוימת משפיעה על הקשב שלך, כדי שתוכל להפנות את הקשב מהמחשבה אל המטלה שאתה מנסה לבצע, במקרה שלנו לזהות ספרות.</a:t>
             </a:r>
           </a:p>
           <a:p>
@@ -3870,7 +4405,30 @@
                 <a:latin typeface="David" panose="020E0502060401010101" pitchFamily="34" charset="-79"/>
                 <a:cs typeface="David" panose="020E0502060401010101" pitchFamily="34" charset="-79"/>
               </a:rPr>
-              <a:t>במקרה שבו הצלחת לשמור על הקשב שלך מאוזן, כך שהוא לא הושפע מהמחשבה השלילית, החץ במשוב שתקבל יעלה ויראה לך שהקשב שלך היה מאוזן יותר.</a:t>
+              <a:t>במקרה שבו מחשבה מסוימת תשפיע על הקשב שלך, החץ במשוב יצביע על "מוטה", ויראה לך עד כמה תשומת הלב שלך הושפעה מהמחשבה.</a:t>
+            </a:r>
+          </a:p>
+          <a:p>
+            <a:pPr algn="ctr" rtl="1"/>
+            <a:endParaRPr lang="he-IL" sz="2325" dirty="0">
+              <a:solidFill>
+                <a:schemeClr val="tx1"/>
+              </a:solidFill>
+              <a:latin typeface="David" panose="020E0502060401010101" pitchFamily="34" charset="-79"/>
+              <a:cs typeface="David" panose="020E0502060401010101" pitchFamily="34" charset="-79"/>
+            </a:endParaRPr>
+          </a:p>
+          <a:p>
+            <a:pPr algn="ctr" rtl="1"/>
+            <a:r>
+              <a:rPr lang="he-IL" sz="2325" dirty="0">
+                <a:solidFill>
+                  <a:schemeClr val="tx1"/>
+                </a:solidFill>
+                <a:latin typeface="David" panose="020E0502060401010101" pitchFamily="34" charset="-79"/>
+                <a:cs typeface="David" panose="020E0502060401010101" pitchFamily="34" charset="-79"/>
+              </a:rPr>
+              <a:t>ככל שהקשב שלך יהיה פחות מוטה, החץ במשוב שתקבל יעלה </a:t>
             </a:r>
           </a:p>
           <a:p>
@@ -4007,7 +4565,7 @@
           <p:nvPr/>
         </p:nvPicPr>
         <p:blipFill>
-          <a:blip r:embed="rId2" cstate="print">
+          <a:blip r:embed="rId3" cstate="print">
             <a:extLst>
               <a:ext uri="{28A0092B-C50C-407E-A947-70E740481C1C}">
                 <a14:useLocalDpi xmlns:a14="http://schemas.microsoft.com/office/drawing/2010/main" val="0"/>
@@ -4020,7 +4578,7 @@
         </p:blipFill>
         <p:spPr>
           <a:xfrm>
-            <a:off x="5795213" y="3062165"/>
+            <a:off x="5786199" y="3062165"/>
             <a:ext cx="1351862" cy="2113303"/>
           </a:xfrm>
           <a:prstGeom prst="rect">
@@ -4028,6 +4586,56 @@
           </a:prstGeom>
         </p:spPr>
       </p:pic>
+      <p:sp>
+        <p:nvSpPr>
+          <p:cNvPr id="2" name="Rectangle 1">
+            <a:extLst>
+              <a:ext uri="{FF2B5EF4-FFF2-40B4-BE49-F238E27FC236}">
+                <a16:creationId xmlns:a16="http://schemas.microsoft.com/office/drawing/2014/main" id="{19D6A6BA-4E0D-4527-9EFB-87B3DDD9ACCD}"/>
+              </a:ext>
+            </a:extLst>
+          </p:cNvPr>
+          <p:cNvSpPr/>
+          <p:nvPr/>
+        </p:nvSpPr>
+        <p:spPr>
+          <a:xfrm>
+            <a:off x="3523377" y="3830444"/>
+            <a:ext cx="1530564" cy="576743"/>
+          </a:xfrm>
+          <a:prstGeom prst="rect">
+            <a:avLst/>
+          </a:prstGeom>
+        </p:spPr>
+        <p:style>
+          <a:lnRef idx="2">
+            <a:schemeClr val="accent1">
+              <a:shade val="50000"/>
+            </a:schemeClr>
+          </a:lnRef>
+          <a:fillRef idx="1">
+            <a:schemeClr val="accent1"/>
+          </a:fillRef>
+          <a:effectRef idx="0">
+            <a:schemeClr val="accent1"/>
+          </a:effectRef>
+          <a:fontRef idx="minor">
+            <a:schemeClr val="lt1"/>
+          </a:fontRef>
+        </p:style>
+        <p:txBody>
+          <a:bodyPr rtlCol="0" anchor="ctr"/>
+          <a:lstStyle/>
+          <a:p>
+            <a:pPr algn="ctr"/>
+            <a:r>
+              <a:rPr lang="he-IL" dirty="0"/>
+              <a:t>לשנות ללא מוטה</a:t>
+            </a:r>
+            <a:endParaRPr lang="en-US" dirty="0"/>
+          </a:p>
+        </p:txBody>
+      </p:sp>
     </p:spTree>
     <p:extLst>
       <p:ext uri="{BB962C8B-B14F-4D97-AF65-F5344CB8AC3E}">
@@ -4533,4 +5141,299 @@
     </a:ext>
   </a:extLst>
 </a:theme>
+</file>
+
+<file path=ppt/theme/theme2.xml><?xml version="1.0" encoding="utf-8"?>
+<a:theme xmlns:a="http://schemas.openxmlformats.org/drawingml/2006/main" name="Office Theme">
+  <a:themeElements>
+    <a:clrScheme name="Office">
+      <a:dk1>
+        <a:sysClr val="windowText" lastClr="000000"/>
+      </a:dk1>
+      <a:lt1>
+        <a:sysClr val="window" lastClr="FFFFFF"/>
+      </a:lt1>
+      <a:dk2>
+        <a:srgbClr val="44546A"/>
+      </a:dk2>
+      <a:lt2>
+        <a:srgbClr val="E7E6E6"/>
+      </a:lt2>
+      <a:accent1>
+        <a:srgbClr val="4472C4"/>
+      </a:accent1>
+      <a:accent2>
+        <a:srgbClr val="ED7D31"/>
+      </a:accent2>
+      <a:accent3>
+        <a:srgbClr val="A5A5A5"/>
+      </a:accent3>
+      <a:accent4>
+        <a:srgbClr val="FFC000"/>
+      </a:accent4>
+      <a:accent5>
+        <a:srgbClr val="5B9BD5"/>
+      </a:accent5>
+      <a:accent6>
+        <a:srgbClr val="70AD47"/>
+      </a:accent6>
+      <a:hlink>
+        <a:srgbClr val="0563C1"/>
+      </a:hlink>
+      <a:folHlink>
+        <a:srgbClr val="954F72"/>
+      </a:folHlink>
+    </a:clrScheme>
+    <a:fontScheme name="Office">
+      <a:majorFont>
+        <a:latin typeface="Calibri Light" panose="020F0302020204030204"/>
+        <a:ea typeface=""/>
+        <a:cs typeface=""/>
+        <a:font script="Jpan" typeface="游ゴシック Light"/>
+        <a:font script="Hang" typeface="맑은 고딕"/>
+        <a:font script="Hans" typeface="等线 Light"/>
+        <a:font script="Hant" typeface="新細明體"/>
+        <a:font script="Arab" typeface="Times New Roman"/>
+        <a:font script="Hebr" typeface="Times New Roman"/>
+        <a:font script="Thai" typeface="Angsana New"/>
+        <a:font script="Ethi" typeface="Nyala"/>
+        <a:font script="Beng" typeface="Vrinda"/>
+        <a:font script="Gujr" typeface="Shruti"/>
+        <a:font script="Khmr" typeface="MoolBoran"/>
+        <a:font script="Knda" typeface="Tunga"/>
+        <a:font script="Guru" typeface="Raavi"/>
+        <a:font script="Cans" typeface="Euphemia"/>
+        <a:font script="Cher" typeface="Plantagenet Cherokee"/>
+        <a:font script="Yiii" typeface="Microsoft Yi Baiti"/>
+        <a:font script="Tibt" typeface="Microsoft Himalaya"/>
+        <a:font script="Thaa" typeface="MV Boli"/>
+        <a:font script="Deva" typeface="Mangal"/>
+        <a:font script="Telu" typeface="Gautami"/>
+        <a:font script="Taml" typeface="Latha"/>
+        <a:font script="Syrc" typeface="Estrangelo Edessa"/>
+        <a:font script="Orya" typeface="Kalinga"/>
+        <a:font script="Mlym" typeface="Kartika"/>
+        <a:font script="Laoo" typeface="DokChampa"/>
+        <a:font script="Sinh" typeface="Iskoola Pota"/>
+        <a:font script="Mong" typeface="Mongolian Baiti"/>
+        <a:font script="Viet" typeface="Times New Roman"/>
+        <a:font script="Uigh" typeface="Microsoft Uighur"/>
+        <a:font script="Geor" typeface="Sylfaen"/>
+        <a:font script="Armn" typeface="Arial"/>
+        <a:font script="Bugi" typeface="Leelawadee UI"/>
+        <a:font script="Bopo" typeface="Microsoft JhengHei"/>
+        <a:font script="Java" typeface="Javanese Text"/>
+        <a:font script="Lisu" typeface="Segoe UI"/>
+        <a:font script="Mymr" typeface="Myanmar Text"/>
+        <a:font script="Nkoo" typeface="Ebrima"/>
+        <a:font script="Olck" typeface="Nirmala UI"/>
+        <a:font script="Osma" typeface="Ebrima"/>
+        <a:font script="Phag" typeface="Phagspa"/>
+        <a:font script="Syrn" typeface="Estrangelo Edessa"/>
+        <a:font script="Syrj" typeface="Estrangelo Edessa"/>
+        <a:font script="Syre" typeface="Estrangelo Edessa"/>
+        <a:font script="Sora" typeface="Nirmala UI"/>
+        <a:font script="Tale" typeface="Microsoft Tai Le"/>
+        <a:font script="Talu" typeface="Microsoft New Tai Lue"/>
+        <a:font script="Tfng" typeface="Ebrima"/>
+      </a:majorFont>
+      <a:minorFont>
+        <a:latin typeface="Calibri" panose="020F0502020204030204"/>
+        <a:ea typeface=""/>
+        <a:cs typeface=""/>
+        <a:font script="Jpan" typeface="游ゴシック"/>
+        <a:font script="Hang" typeface="맑은 고딕"/>
+        <a:font script="Hans" typeface="等线"/>
+        <a:font script="Hant" typeface="新細明體"/>
+        <a:font script="Arab" typeface="Arial"/>
+        <a:font script="Hebr" typeface="Arial"/>
+        <a:font script="Thai" typeface="Cordia New"/>
+        <a:font script="Ethi" typeface="Nyala"/>
+        <a:font script="Beng" typeface="Vrinda"/>
+        <a:font script="Gujr" typeface="Shruti"/>
+        <a:font script="Khmr" typeface="DaunPenh"/>
+        <a:font script="Knda" typeface="Tunga"/>
+        <a:font script="Guru" typeface="Raavi"/>
+        <a:font script="Cans" typeface="Euphemia"/>
+        <a:font script="Cher" typeface="Plantagenet Cherokee"/>
+        <a:font script="Yiii" typeface="Microsoft Yi Baiti"/>
+        <a:font script="Tibt" typeface="Microsoft Himalaya"/>
+        <a:font script="Thaa" typeface="MV Boli"/>
+        <a:font script="Deva" typeface="Mangal"/>
+        <a:font script="Telu" typeface="Gautami"/>
+        <a:font script="Taml" typeface="Latha"/>
+        <a:font script="Syrc" typeface="Estrangelo Edessa"/>
+        <a:font script="Orya" typeface="Kalinga"/>
+        <a:font script="Mlym" typeface="Kartika"/>
+        <a:font script="Laoo" typeface="DokChampa"/>
+        <a:font script="Sinh" typeface="Iskoola Pota"/>
+        <a:font script="Mong" typeface="Mongolian Baiti"/>
+        <a:font script="Viet" typeface="Arial"/>
+        <a:font script="Uigh" typeface="Microsoft Uighur"/>
+        <a:font script="Geor" typeface="Sylfaen"/>
+        <a:font script="Armn" typeface="Arial"/>
+        <a:font script="Bugi" typeface="Leelawadee UI"/>
+        <a:font script="Bopo" typeface="Microsoft JhengHei"/>
+        <a:font script="Java" typeface="Javanese Text"/>
+        <a:font script="Lisu" typeface="Segoe UI"/>
+        <a:font script="Mymr" typeface="Myanmar Text"/>
+        <a:font script="Nkoo" typeface="Ebrima"/>
+        <a:font script="Olck" typeface="Nirmala UI"/>
+        <a:font script="Osma" typeface="Ebrima"/>
+        <a:font script="Phag" typeface="Phagspa"/>
+        <a:font script="Syrn" typeface="Estrangelo Edessa"/>
+        <a:font script="Syrj" typeface="Estrangelo Edessa"/>
+        <a:font script="Syre" typeface="Estrangelo Edessa"/>
+        <a:font script="Sora" typeface="Nirmala UI"/>
+        <a:font script="Tale" typeface="Microsoft Tai Le"/>
+        <a:font script="Talu" typeface="Microsoft New Tai Lue"/>
+        <a:font script="Tfng" typeface="Ebrima"/>
+      </a:minorFont>
+    </a:fontScheme>
+    <a:fmtScheme name="Office">
+      <a:fillStyleLst>
+        <a:solidFill>
+          <a:schemeClr val="phClr"/>
+        </a:solidFill>
+        <a:gradFill rotWithShape="1">
+          <a:gsLst>
+            <a:gs pos="0">
+              <a:schemeClr val="phClr">
+                <a:lumMod val="110000"/>
+                <a:satMod val="105000"/>
+                <a:tint val="67000"/>
+              </a:schemeClr>
+            </a:gs>
+            <a:gs pos="50000">
+              <a:schemeClr val="phClr">
+                <a:lumMod val="105000"/>
+                <a:satMod val="103000"/>
+                <a:tint val="73000"/>
+              </a:schemeClr>
+            </a:gs>
+            <a:gs pos="100000">
+              <a:schemeClr val="phClr">
+                <a:lumMod val="105000"/>
+                <a:satMod val="109000"/>
+                <a:tint val="81000"/>
+              </a:schemeClr>
+            </a:gs>
+          </a:gsLst>
+          <a:lin ang="5400000" scaled="0"/>
+        </a:gradFill>
+        <a:gradFill rotWithShape="1">
+          <a:gsLst>
+            <a:gs pos="0">
+              <a:schemeClr val="phClr">
+                <a:satMod val="103000"/>
+                <a:lumMod val="102000"/>
+                <a:tint val="94000"/>
+              </a:schemeClr>
+            </a:gs>
+            <a:gs pos="50000">
+              <a:schemeClr val="phClr">
+                <a:satMod val="110000"/>
+                <a:lumMod val="100000"/>
+                <a:shade val="100000"/>
+              </a:schemeClr>
+            </a:gs>
+            <a:gs pos="100000">
+              <a:schemeClr val="phClr">
+                <a:lumMod val="99000"/>
+                <a:satMod val="120000"/>
+                <a:shade val="78000"/>
+              </a:schemeClr>
+            </a:gs>
+          </a:gsLst>
+          <a:lin ang="5400000" scaled="0"/>
+        </a:gradFill>
+      </a:fillStyleLst>
+      <a:lnStyleLst>
+        <a:ln w="6350" cap="flat" cmpd="sng" algn="ctr">
+          <a:solidFill>
+            <a:schemeClr val="phClr"/>
+          </a:solidFill>
+          <a:prstDash val="solid"/>
+          <a:miter lim="800000"/>
+        </a:ln>
+        <a:ln w="12700" cap="flat" cmpd="sng" algn="ctr">
+          <a:solidFill>
+            <a:schemeClr val="phClr"/>
+          </a:solidFill>
+          <a:prstDash val="solid"/>
+          <a:miter lim="800000"/>
+        </a:ln>
+        <a:ln w="19050" cap="flat" cmpd="sng" algn="ctr">
+          <a:solidFill>
+            <a:schemeClr val="phClr"/>
+          </a:solidFill>
+          <a:prstDash val="solid"/>
+          <a:miter lim="800000"/>
+        </a:ln>
+      </a:lnStyleLst>
+      <a:effectStyleLst>
+        <a:effectStyle>
+          <a:effectLst/>
+        </a:effectStyle>
+        <a:effectStyle>
+          <a:effectLst/>
+        </a:effectStyle>
+        <a:effectStyle>
+          <a:effectLst>
+            <a:outerShdw blurRad="57150" dist="19050" dir="5400000" algn="ctr" rotWithShape="0">
+              <a:srgbClr val="000000">
+                <a:alpha val="63000"/>
+              </a:srgbClr>
+            </a:outerShdw>
+          </a:effectLst>
+        </a:effectStyle>
+      </a:effectStyleLst>
+      <a:bgFillStyleLst>
+        <a:solidFill>
+          <a:schemeClr val="phClr"/>
+        </a:solidFill>
+        <a:solidFill>
+          <a:schemeClr val="phClr">
+            <a:tint val="95000"/>
+            <a:satMod val="170000"/>
+          </a:schemeClr>
+        </a:solidFill>
+        <a:gradFill rotWithShape="1">
+          <a:gsLst>
+            <a:gs pos="0">
+              <a:schemeClr val="phClr">
+                <a:tint val="93000"/>
+                <a:satMod val="150000"/>
+                <a:shade val="98000"/>
+                <a:lumMod val="102000"/>
+              </a:schemeClr>
+            </a:gs>
+            <a:gs pos="50000">
+              <a:schemeClr val="phClr">
+                <a:tint val="98000"/>
+                <a:satMod val="130000"/>
+                <a:shade val="90000"/>
+                <a:lumMod val="103000"/>
+              </a:schemeClr>
+            </a:gs>
+            <a:gs pos="100000">
+              <a:schemeClr val="phClr">
+                <a:shade val="63000"/>
+                <a:satMod val="120000"/>
+              </a:schemeClr>
+            </a:gs>
+          </a:gsLst>
+          <a:lin ang="5400000" scaled="0"/>
+        </a:gradFill>
+      </a:bgFillStyleLst>
+    </a:fmtScheme>
+  </a:themeElements>
+  <a:objectDefaults/>
+  <a:extraClrSchemeLst/>
+  <a:extLst>
+    <a:ext uri="{05A4C25C-085E-4340-85A3-A5531E510DB2}">
+      <thm15:themeFamily xmlns:thm15="http://schemas.microsoft.com/office/thememl/2012/main" name="Office Theme" id="{62F939B6-93AF-4DB8-9C6B-D6C7DFDC589F}" vid="{4A3C46E8-61CC-4603-A589-7422A47A8E4A}"/>
+    </a:ext>
+  </a:extLst>
+</a:theme>
 </file>
--- a/Instructions_Pictures/AFACT & MAB Instructions/AfactInstsPresntation.pptx
+++ b/Instructions_Pictures/AFACT & MAB Instructions/AfactInstsPresntation.pptx
@@ -5,14 +5,16 @@
     <p:sldMasterId id="2147483648" r:id="rId1"/>
   </p:sldMasterIdLst>
   <p:notesMasterIdLst>
-    <p:notesMasterId r:id="rId7"/>
+    <p:notesMasterId r:id="rId9"/>
   </p:notesMasterIdLst>
   <p:sldIdLst>
     <p:sldId id="264" r:id="rId2"/>
     <p:sldId id="265" r:id="rId3"/>
-    <p:sldId id="266" r:id="rId4"/>
-    <p:sldId id="279" r:id="rId5"/>
-    <p:sldId id="280" r:id="rId6"/>
+    <p:sldId id="281" r:id="rId4"/>
+    <p:sldId id="266" r:id="rId5"/>
+    <p:sldId id="282" r:id="rId6"/>
+    <p:sldId id="279" r:id="rId7"/>
+    <p:sldId id="280" r:id="rId8"/>
   </p:sldIdLst>
   <p:sldSz cx="12192000" cy="6858000"/>
   <p:notesSz cx="6858000" cy="9144000"/>
@@ -201,7 +203,7 @@
           <a:p>
             <a:fld id="{E130F5AB-C98F-4759-9D05-F414FD7B35E1}" type="datetimeFigureOut">
               <a:rPr lang="en-US" smtClean="0"/>
-              <a:t>2/11/2021</a:t>
+              <a:t>2/22/2021</a:t>
             </a:fld>
             <a:endParaRPr lang="en-US"/>
           </a:p>
@@ -579,7 +581,137 @@
           <a:p>
             <a:fld id="{982C1452-936D-4F19-ADA9-7B8746D33D07}" type="slidenum">
               <a:rPr lang="en-US" smtClean="0"/>
-              <a:t>4</a:t>
+              <a:t>5</a:t>
+            </a:fld>
+            <a:endParaRPr lang="en-US"/>
+          </a:p>
+        </p:txBody>
+      </p:sp>
+    </p:spTree>
+    <p:extLst>
+      <p:ext uri="{BB962C8B-B14F-4D97-AF65-F5344CB8AC3E}">
+        <p14:creationId xmlns:p14="http://schemas.microsoft.com/office/powerpoint/2010/main" val="59647181"/>
+      </p:ext>
+    </p:extLst>
+  </p:cSld>
+  <p:clrMapOvr>
+    <a:masterClrMapping/>
+  </p:clrMapOvr>
+</p:notes>
+</file>
+
+<file path=ppt/notesSlides/notesSlide2.xml><?xml version="1.0" encoding="utf-8"?>
+<p:notes xmlns:a="http://schemas.openxmlformats.org/drawingml/2006/main" xmlns:r="http://schemas.openxmlformats.org/officeDocument/2006/relationships" xmlns:p="http://schemas.openxmlformats.org/presentationml/2006/main">
+  <p:cSld>
+    <p:spTree>
+      <p:nvGrpSpPr>
+        <p:cNvPr id="1" name=""/>
+        <p:cNvGrpSpPr/>
+        <p:nvPr/>
+      </p:nvGrpSpPr>
+      <p:grpSpPr>
+        <a:xfrm>
+          <a:off x="0" y="0"/>
+          <a:ext cx="0" cy="0"/>
+          <a:chOff x="0" y="0"/>
+          <a:chExt cx="0" cy="0"/>
+        </a:xfrm>
+      </p:grpSpPr>
+      <p:sp>
+        <p:nvSpPr>
+          <p:cNvPr id="2" name="Slide Image Placeholder 1"/>
+          <p:cNvSpPr>
+            <a:spLocks noGrp="1" noRot="1" noChangeAspect="1"/>
+          </p:cNvSpPr>
+          <p:nvPr>
+            <p:ph type="sldImg"/>
+          </p:nvPr>
+        </p:nvSpPr>
+        <p:spPr/>
+      </p:sp>
+      <p:sp>
+        <p:nvSpPr>
+          <p:cNvPr id="3" name="Notes Placeholder 2"/>
+          <p:cNvSpPr>
+            <a:spLocks noGrp="1"/>
+          </p:cNvSpPr>
+          <p:nvPr>
+            <p:ph type="body" idx="1"/>
+          </p:nvPr>
+        </p:nvSpPr>
+        <p:spPr/>
+        <p:txBody>
+          <a:bodyPr/>
+          <a:lstStyle/>
+          <a:p>
+            <a:pPr marL="0" marR="0" lvl="0" indent="0" algn="r" defTabSz="914400" rtl="1" eaLnBrk="1" fontAlgn="auto" latinLnBrk="0" hangingPunct="1">
+              <a:lnSpc>
+                <a:spcPct val="100000"/>
+              </a:lnSpc>
+              <a:spcBef>
+                <a:spcPts val="0"/>
+              </a:spcBef>
+              <a:spcAft>
+                <a:spcPts val="0"/>
+              </a:spcAft>
+              <a:buClrTx/>
+              <a:buSzTx/>
+              <a:buFontTx/>
+              <a:buNone/>
+              <a:tabLst/>
+              <a:defRPr/>
+            </a:pPr>
+            <a:r>
+              <a:rPr lang="he-IL" sz="1200" dirty="0">
+                <a:solidFill>
+                  <a:schemeClr val="tx1"/>
+                </a:solidFill>
+                <a:latin typeface="David" panose="020E0502060401010101" pitchFamily="34" charset="-79"/>
+                <a:cs typeface="David" panose="020E0502060401010101" pitchFamily="34" charset="-79"/>
+              </a:rPr>
+              <a:t>מטרת האימון היא ללמד אותך להיות מודע בזמן אמת כאשר מחשבה מסוימת משפיעה על הקשב שלך, כדי שתוכל להפנות את הקשב מהמחשבה אל המטלה שאתה מנסה לבצע, במקרה שלנו לזהות ספרות. – להוסיף ל-</a:t>
+            </a:r>
+            <a:r>
+              <a:rPr lang="en-US" sz="1200" dirty="0">
+                <a:solidFill>
+                  <a:schemeClr val="tx1"/>
+                </a:solidFill>
+                <a:latin typeface="David" panose="020E0502060401010101" pitchFamily="34" charset="-79"/>
+                <a:cs typeface="David" panose="020E0502060401010101" pitchFamily="34" charset="-79"/>
+              </a:rPr>
+              <a:t>BMM</a:t>
+            </a:r>
+            <a:endParaRPr lang="he-IL" sz="1200" dirty="0">
+              <a:solidFill>
+                <a:schemeClr val="tx1"/>
+              </a:solidFill>
+              <a:latin typeface="David" panose="020E0502060401010101" pitchFamily="34" charset="-79"/>
+              <a:cs typeface="David" panose="020E0502060401010101" pitchFamily="34" charset="-79"/>
+            </a:endParaRPr>
+          </a:p>
+          <a:p>
+            <a:endParaRPr lang="en-US" dirty="0"/>
+          </a:p>
+        </p:txBody>
+      </p:sp>
+      <p:sp>
+        <p:nvSpPr>
+          <p:cNvPr id="4" name="Slide Number Placeholder 3"/>
+          <p:cNvSpPr>
+            <a:spLocks noGrp="1"/>
+          </p:cNvSpPr>
+          <p:nvPr>
+            <p:ph type="sldNum" sz="quarter" idx="5"/>
+          </p:nvPr>
+        </p:nvSpPr>
+        <p:spPr/>
+        <p:txBody>
+          <a:bodyPr/>
+          <a:lstStyle/>
+          <a:p>
+            <a:fld id="{982C1452-936D-4F19-ADA9-7B8746D33D07}" type="slidenum">
+              <a:rPr lang="en-US" smtClean="0"/>
+              <a:t>6</a:t>
             </a:fld>
             <a:endParaRPr lang="en-US"/>
           </a:p>
@@ -589,6 +721,94 @@
     <p:extLst>
       <p:ext uri="{BB962C8B-B14F-4D97-AF65-F5344CB8AC3E}">
         <p14:creationId xmlns:p14="http://schemas.microsoft.com/office/powerpoint/2010/main" val="3912430132"/>
+      </p:ext>
+    </p:extLst>
+  </p:cSld>
+  <p:clrMapOvr>
+    <a:masterClrMapping/>
+  </p:clrMapOvr>
+</p:notes>
+</file>
+
+<file path=ppt/notesSlides/notesSlide3.xml><?xml version="1.0" encoding="utf-8"?>
+<p:notes xmlns:a="http://schemas.openxmlformats.org/drawingml/2006/main" xmlns:r="http://schemas.openxmlformats.org/officeDocument/2006/relationships" xmlns:p="http://schemas.openxmlformats.org/presentationml/2006/main">
+  <p:cSld>
+    <p:spTree>
+      <p:nvGrpSpPr>
+        <p:cNvPr id="1" name=""/>
+        <p:cNvGrpSpPr/>
+        <p:nvPr/>
+      </p:nvGrpSpPr>
+      <p:grpSpPr>
+        <a:xfrm>
+          <a:off x="0" y="0"/>
+          <a:ext cx="0" cy="0"/>
+          <a:chOff x="0" y="0"/>
+          <a:chExt cx="0" cy="0"/>
+        </a:xfrm>
+      </p:grpSpPr>
+      <p:sp>
+        <p:nvSpPr>
+          <p:cNvPr id="2" name="Slide Image Placeholder 1"/>
+          <p:cNvSpPr>
+            <a:spLocks noGrp="1" noRot="1" noChangeAspect="1"/>
+          </p:cNvSpPr>
+          <p:nvPr>
+            <p:ph type="sldImg"/>
+          </p:nvPr>
+        </p:nvSpPr>
+        <p:spPr/>
+      </p:sp>
+      <p:sp>
+        <p:nvSpPr>
+          <p:cNvPr id="3" name="Notes Placeholder 2"/>
+          <p:cNvSpPr>
+            <a:spLocks noGrp="1"/>
+          </p:cNvSpPr>
+          <p:nvPr>
+            <p:ph type="body" idx="1"/>
+          </p:nvPr>
+        </p:nvSpPr>
+        <p:spPr/>
+        <p:txBody>
+          <a:bodyPr/>
+          <a:lstStyle/>
+          <a:p>
+            <a:r>
+              <a:rPr lang="he-IL" dirty="0"/>
+              <a:t>לוודא האם השקף הזה רלבנטי? </a:t>
+            </a:r>
+            <a:endParaRPr lang="en-US" dirty="0"/>
+          </a:p>
+        </p:txBody>
+      </p:sp>
+      <p:sp>
+        <p:nvSpPr>
+          <p:cNvPr id="4" name="Slide Number Placeholder 3"/>
+          <p:cNvSpPr>
+            <a:spLocks noGrp="1"/>
+          </p:cNvSpPr>
+          <p:nvPr>
+            <p:ph type="sldNum" sz="quarter" idx="5"/>
+          </p:nvPr>
+        </p:nvSpPr>
+        <p:spPr/>
+        <p:txBody>
+          <a:bodyPr/>
+          <a:lstStyle/>
+          <a:p>
+            <a:fld id="{982C1452-936D-4F19-ADA9-7B8746D33D07}" type="slidenum">
+              <a:rPr lang="en-US" smtClean="0"/>
+              <a:t>7</a:t>
+            </a:fld>
+            <a:endParaRPr lang="en-US"/>
+          </a:p>
+        </p:txBody>
+      </p:sp>
+    </p:spTree>
+    <p:extLst>
+      <p:ext uri="{BB962C8B-B14F-4D97-AF65-F5344CB8AC3E}">
+        <p14:creationId xmlns:p14="http://schemas.microsoft.com/office/powerpoint/2010/main" val="852053609"/>
       </p:ext>
     </p:extLst>
   </p:cSld>
@@ -729,7 +949,7 @@
           <a:p>
             <a:fld id="{306B59E2-DA6D-487B-96A5-0C8E7410BF99}" type="datetimeFigureOut">
               <a:rPr lang="he-IL" smtClean="0"/>
-              <a:t>כ"ט/שבט/תשפ"א</a:t>
+              <a:t>י'/אדר/תשפ"א</a:t>
             </a:fld>
             <a:endParaRPr lang="he-IL"/>
           </a:p>
@@ -899,7 +1119,7 @@
           <a:p>
             <a:fld id="{306B59E2-DA6D-487B-96A5-0C8E7410BF99}" type="datetimeFigureOut">
               <a:rPr lang="he-IL" smtClean="0"/>
-              <a:t>כ"ט/שבט/תשפ"א</a:t>
+              <a:t>י'/אדר/תשפ"א</a:t>
             </a:fld>
             <a:endParaRPr lang="he-IL"/>
           </a:p>
@@ -1079,7 +1299,7 @@
           <a:p>
             <a:fld id="{306B59E2-DA6D-487B-96A5-0C8E7410BF99}" type="datetimeFigureOut">
               <a:rPr lang="he-IL" smtClean="0"/>
-              <a:t>כ"ט/שבט/תשפ"א</a:t>
+              <a:t>י'/אדר/תשפ"א</a:t>
             </a:fld>
             <a:endParaRPr lang="he-IL"/>
           </a:p>
@@ -1249,7 +1469,7 @@
           <a:p>
             <a:fld id="{306B59E2-DA6D-487B-96A5-0C8E7410BF99}" type="datetimeFigureOut">
               <a:rPr lang="he-IL" smtClean="0"/>
-              <a:t>כ"ט/שבט/תשפ"א</a:t>
+              <a:t>י'/אדר/תשפ"א</a:t>
             </a:fld>
             <a:endParaRPr lang="he-IL"/>
           </a:p>
@@ -1495,7 +1715,7 @@
           <a:p>
             <a:fld id="{306B59E2-DA6D-487B-96A5-0C8E7410BF99}" type="datetimeFigureOut">
               <a:rPr lang="he-IL" smtClean="0"/>
-              <a:t>כ"ט/שבט/תשפ"א</a:t>
+              <a:t>י'/אדר/תשפ"א</a:t>
             </a:fld>
             <a:endParaRPr lang="he-IL"/>
           </a:p>
@@ -1727,7 +1947,7 @@
           <a:p>
             <a:fld id="{306B59E2-DA6D-487B-96A5-0C8E7410BF99}" type="datetimeFigureOut">
               <a:rPr lang="he-IL" smtClean="0"/>
-              <a:t>כ"ט/שבט/תשפ"א</a:t>
+              <a:t>י'/אדר/תשפ"א</a:t>
             </a:fld>
             <a:endParaRPr lang="he-IL"/>
           </a:p>
@@ -2094,7 +2314,7 @@
           <a:p>
             <a:fld id="{306B59E2-DA6D-487B-96A5-0C8E7410BF99}" type="datetimeFigureOut">
               <a:rPr lang="he-IL" smtClean="0"/>
-              <a:t>כ"ט/שבט/תשפ"א</a:t>
+              <a:t>י'/אדר/תשפ"א</a:t>
             </a:fld>
             <a:endParaRPr lang="he-IL"/>
           </a:p>
@@ -2212,7 +2432,7 @@
           <a:p>
             <a:fld id="{306B59E2-DA6D-487B-96A5-0C8E7410BF99}" type="datetimeFigureOut">
               <a:rPr lang="he-IL" smtClean="0"/>
-              <a:t>כ"ט/שבט/תשפ"א</a:t>
+              <a:t>י'/אדר/תשפ"א</a:t>
             </a:fld>
             <a:endParaRPr lang="he-IL"/>
           </a:p>
@@ -2307,7 +2527,7 @@
           <a:p>
             <a:fld id="{306B59E2-DA6D-487B-96A5-0C8E7410BF99}" type="datetimeFigureOut">
               <a:rPr lang="he-IL" smtClean="0"/>
-              <a:t>כ"ט/שבט/תשפ"א</a:t>
+              <a:t>י'/אדר/תשפ"א</a:t>
             </a:fld>
             <a:endParaRPr lang="he-IL"/>
           </a:p>
@@ -2584,7 +2804,7 @@
           <a:p>
             <a:fld id="{306B59E2-DA6D-487B-96A5-0C8E7410BF99}" type="datetimeFigureOut">
               <a:rPr lang="he-IL" smtClean="0"/>
-              <a:t>כ"ט/שבט/תשפ"א</a:t>
+              <a:t>י'/אדר/תשפ"א</a:t>
             </a:fld>
             <a:endParaRPr lang="he-IL"/>
           </a:p>
@@ -2837,7 +3057,7 @@
           <a:p>
             <a:fld id="{306B59E2-DA6D-487B-96A5-0C8E7410BF99}" type="datetimeFigureOut">
               <a:rPr lang="he-IL" smtClean="0"/>
-              <a:t>כ"ט/שבט/תשפ"א</a:t>
+              <a:t>י'/אדר/תשפ"א</a:t>
             </a:fld>
             <a:endParaRPr lang="he-IL"/>
           </a:p>
@@ -3053,7 +3273,7 @@
           <a:p>
             <a:fld id="{306B59E2-DA6D-487B-96A5-0C8E7410BF99}" type="datetimeFigureOut">
               <a:rPr lang="he-IL" smtClean="0"/>
-              <a:t>כ"ט/שבט/תשפ"א</a:t>
+              <a:t>י'/אדר/תשפ"א</a:t>
             </a:fld>
             <a:endParaRPr lang="he-IL"/>
           </a:p>
@@ -3810,17 +4030,7 @@
                 <a:latin typeface="David" panose="020E0502060401010101" pitchFamily="34" charset="-79"/>
                 <a:cs typeface="David" panose="020E0502060401010101" pitchFamily="34" charset="-79"/>
               </a:rPr>
-              <a:t>האימון שתבצע עכשיו דומה למטלה שביצעת קודם, רק שהפעם בחלק מהצעדים יוצג בפניך משוב על המידה בה הקשב שלך מוטה. </a:t>
-            </a:r>
-            <a:r>
-              <a:rPr lang="he-IL" sz="2325" dirty="0">
-                <a:solidFill>
-                  <a:srgbClr val="FF0000"/>
-                </a:solidFill>
-                <a:latin typeface="David" panose="020E0502060401010101" pitchFamily="34" charset="-79"/>
-                <a:cs typeface="David" panose="020E0502060401010101" pitchFamily="34" charset="-79"/>
-              </a:rPr>
-              <a:t>[להסביר שהפידבק הוא על ההטיה במחשבה הספציפית לפי אריק]</a:t>
+              <a:t>האימון שתבצע עכשיו דומה למטלה שביצעת קודם, רק שהפעם בחלק מהצעדים יוצג בפניך משוב על המידה בה הקשב שלך מוטה כלפי מחשבה ספציפית. </a:t>
             </a:r>
           </a:p>
           <a:p>
@@ -3958,7 +4168,7 @@
 </file>
 
 <file path=ppt/slides/slide3.xml><?xml version="1.0" encoding="utf-8"?>
-<p:sld xmlns:a="http://schemas.openxmlformats.org/drawingml/2006/main" xmlns:r="http://schemas.openxmlformats.org/officeDocument/2006/relationships" xmlns:p="http://schemas.openxmlformats.org/presentationml/2006/main">
+<p:sld xmlns:a="http://schemas.openxmlformats.org/drawingml/2006/main" xmlns:r="http://schemas.openxmlformats.org/officeDocument/2006/relationships" xmlns:p="http://schemas.openxmlformats.org/presentationml/2006/main" show="0">
   <p:cSld>
     <p:spTree>
       <p:nvGrpSpPr>
@@ -4026,6 +4236,29 @@
           <a:p>
             <a:pPr algn="ctr" rtl="1"/>
             <a:r>
+              <a:rPr lang="he-IL" sz="2325" b="1" u="sng" dirty="0">
+                <a:solidFill>
+                  <a:schemeClr val="tx1"/>
+                </a:solidFill>
+                <a:latin typeface="David" panose="020E0502060401010101" pitchFamily="34" charset="-79"/>
+                <a:cs typeface="David" panose="020E0502060401010101" pitchFamily="34" charset="-79"/>
+              </a:rPr>
+              <a:t>אימון מנטלי להפחתת הטיית קשב</a:t>
+            </a:r>
+          </a:p>
+          <a:p>
+            <a:pPr algn="ctr" rtl="1"/>
+            <a:endParaRPr lang="en-US" sz="2325" dirty="0">
+              <a:solidFill>
+                <a:schemeClr val="tx1"/>
+              </a:solidFill>
+              <a:latin typeface="David" panose="020E0502060401010101" pitchFamily="34" charset="-79"/>
+              <a:cs typeface="David" panose="020E0502060401010101" pitchFamily="34" charset="-79"/>
+            </a:endParaRPr>
+          </a:p>
+          <a:p>
+            <a:pPr algn="ctr" rtl="1"/>
+            <a:r>
               <a:rPr lang="he-IL" sz="2325" dirty="0">
                 <a:solidFill>
                   <a:schemeClr val="tx1"/>
@@ -4033,45 +4266,18 @@
                 <a:latin typeface="David" panose="020E0502060401010101" pitchFamily="34" charset="-79"/>
                 <a:cs typeface="David" panose="020E0502060401010101" pitchFamily="34" charset="-79"/>
               </a:rPr>
-              <a:t>מיד לאחר שתלחץ על הכפתור, יוצג בפניך המשוב הבא:</a:t>
-            </a:r>
-            <a:endParaRPr lang="en-US" sz="2325" dirty="0">
-              <a:solidFill>
-                <a:schemeClr val="tx1"/>
-              </a:solidFill>
-              <a:latin typeface="David" panose="020E0502060401010101" pitchFamily="34" charset="-79"/>
-              <a:cs typeface="David" panose="020E0502060401010101" pitchFamily="34" charset="-79"/>
-            </a:endParaRPr>
-          </a:p>
-          <a:p>
-            <a:pPr algn="ctr" rtl="1"/>
-            <a:endParaRPr lang="en-US" sz="2325" dirty="0">
-              <a:solidFill>
-                <a:schemeClr val="tx1"/>
-              </a:solidFill>
-              <a:latin typeface="David" panose="020E0502060401010101" pitchFamily="34" charset="-79"/>
-              <a:cs typeface="David" panose="020E0502060401010101" pitchFamily="34" charset="-79"/>
-            </a:endParaRPr>
-          </a:p>
-          <a:p>
-            <a:pPr algn="ctr" rtl="1"/>
-            <a:endParaRPr lang="en-US" sz="2325" dirty="0">
-              <a:solidFill>
-                <a:schemeClr val="tx1"/>
-              </a:solidFill>
-              <a:latin typeface="David" panose="020E0502060401010101" pitchFamily="34" charset="-79"/>
-              <a:cs typeface="David" panose="020E0502060401010101" pitchFamily="34" charset="-79"/>
-            </a:endParaRPr>
-          </a:p>
-          <a:p>
-            <a:pPr algn="ctr" rtl="1"/>
-            <a:endParaRPr lang="en-US" sz="2325" dirty="0">
-              <a:solidFill>
-                <a:schemeClr val="tx1"/>
-              </a:solidFill>
-              <a:latin typeface="David" panose="020E0502060401010101" pitchFamily="34" charset="-79"/>
-              <a:cs typeface="David" panose="020E0502060401010101" pitchFamily="34" charset="-79"/>
-            </a:endParaRPr>
+              <a:t>האימון שתבצע עכשיו דומה למטלה שביצעת קודם, רק שהפעם בחלק מהצעדים יוצג בפניך משוב על המידה בה הקשב שלך מוטה כלפי מחשבה ספציפית. </a:t>
+            </a:r>
+            <a:r>
+              <a:rPr lang="he-IL" sz="2325" dirty="0">
+                <a:solidFill>
+                  <a:srgbClr val="FF0000"/>
+                </a:solidFill>
+                <a:latin typeface="David" panose="020E0502060401010101" pitchFamily="34" charset="-79"/>
+                <a:cs typeface="David" panose="020E0502060401010101" pitchFamily="34" charset="-79"/>
+              </a:rPr>
+              <a:t>[להסביר שהפידבק הוא על ההטיה במחשבה הספציפית לפי אריק]</a:t>
+            </a:r>
           </a:p>
           <a:p>
             <a:pPr algn="ctr" rtl="1"/>
@@ -4085,6 +4291,19 @@
           </a:p>
           <a:p>
             <a:pPr algn="ctr" rtl="1"/>
+            <a:r>
+              <a:rPr lang="he-IL" sz="2325" dirty="0">
+                <a:solidFill>
+                  <a:schemeClr val="tx1"/>
+                </a:solidFill>
+                <a:latin typeface="David" panose="020E0502060401010101" pitchFamily="34" charset="-79"/>
+                <a:cs typeface="David" panose="020E0502060401010101" pitchFamily="34" charset="-79"/>
+              </a:rPr>
+              <a:t>בכל צעד, אתה מתבקש ללחוץ על הכפתור המתאים במקלדת בדיוק כפי שעשית קודם – מהר, ומדויק, לפי הספרה המוצגת.</a:t>
+            </a:r>
+          </a:p>
+          <a:p>
+            <a:pPr algn="ctr" rtl="1"/>
             <a:endParaRPr lang="he-IL" sz="2325" dirty="0">
               <a:solidFill>
                 <a:schemeClr val="tx1"/>
@@ -4095,43 +4314,16 @@
           </a:p>
           <a:p>
             <a:pPr algn="ctr" rtl="1"/>
-            <a:endParaRPr lang="he-IL" sz="2325" dirty="0">
-              <a:solidFill>
-                <a:schemeClr val="tx1"/>
-              </a:solidFill>
-              <a:latin typeface="David" panose="020E0502060401010101" pitchFamily="34" charset="-79"/>
-              <a:cs typeface="David" panose="020E0502060401010101" pitchFamily="34" charset="-79"/>
-            </a:endParaRPr>
-          </a:p>
-          <a:p>
-            <a:pPr algn="ctr" rtl="1"/>
-            <a:endParaRPr lang="he-IL" sz="2325" dirty="0">
-              <a:solidFill>
-                <a:schemeClr val="tx1"/>
-              </a:solidFill>
-              <a:latin typeface="David" panose="020E0502060401010101" pitchFamily="34" charset="-79"/>
-              <a:cs typeface="David" panose="020E0502060401010101" pitchFamily="34" charset="-79"/>
-            </a:endParaRPr>
-          </a:p>
-          <a:p>
-            <a:pPr algn="ctr" rtl="1"/>
-            <a:endParaRPr lang="he-IL" sz="2325" dirty="0">
-              <a:solidFill>
-                <a:schemeClr val="tx1"/>
-              </a:solidFill>
-              <a:latin typeface="David" panose="020E0502060401010101" pitchFamily="34" charset="-79"/>
-              <a:cs typeface="David" panose="020E0502060401010101" pitchFamily="34" charset="-79"/>
-            </a:endParaRPr>
-          </a:p>
-          <a:p>
-            <a:pPr algn="ctr" rtl="1"/>
-            <a:endParaRPr lang="he-IL" sz="2325" dirty="0">
-              <a:solidFill>
-                <a:schemeClr val="tx1"/>
-              </a:solidFill>
-              <a:latin typeface="David" panose="020E0502060401010101" pitchFamily="34" charset="-79"/>
-              <a:cs typeface="David" panose="020E0502060401010101" pitchFamily="34" charset="-79"/>
-            </a:endParaRPr>
+            <a:r>
+              <a:rPr lang="he-IL" sz="2325" dirty="0">
+                <a:solidFill>
+                  <a:srgbClr val="FF0000"/>
+                </a:solidFill>
+                <a:latin typeface="David" panose="020E0502060401010101" pitchFamily="34" charset="-79"/>
+                <a:cs typeface="David" panose="020E0502060401010101" pitchFamily="34" charset="-79"/>
+              </a:rPr>
+              <a:t>[תמונה של מקלדת עם המדבקות]</a:t>
+            </a:r>
           </a:p>
           <a:p>
             <a:pPr algn="ctr" rtl="1"/>
@@ -4208,85 +4400,10 @@
           </a:p>
         </p:txBody>
       </p:sp>
-      <p:grpSp>
-        <p:nvGrpSpPr>
-          <p:cNvPr id="6" name="Group 5"/>
-          <p:cNvGrpSpPr/>
-          <p:nvPr/>
-        </p:nvGrpSpPr>
-        <p:grpSpPr>
-          <a:xfrm>
-            <a:off x="5456126" y="1779804"/>
-            <a:ext cx="2020995" cy="3166593"/>
-            <a:chOff x="5456126" y="1779804"/>
-            <a:chExt cx="2020995" cy="3166593"/>
-          </a:xfrm>
-        </p:grpSpPr>
-        <p:pic>
-          <p:nvPicPr>
-            <p:cNvPr id="2" name="Picture 1"/>
-            <p:cNvPicPr>
-              <a:picLocks noChangeAspect="1"/>
-            </p:cNvPicPr>
-            <p:nvPr/>
-          </p:nvPicPr>
-          <p:blipFill>
-            <a:blip r:embed="rId2">
-              <a:extLst>
-                <a:ext uri="{28A0092B-C50C-407E-A947-70E740481C1C}">
-                  <a14:useLocalDpi xmlns:a14="http://schemas.microsoft.com/office/drawing/2010/main" val="0"/>
-                </a:ext>
-              </a:extLst>
-            </a:blip>
-            <a:stretch>
-              <a:fillRect/>
-            </a:stretch>
-          </p:blipFill>
-          <p:spPr>
-            <a:xfrm>
-              <a:off x="5456126" y="1779804"/>
-              <a:ext cx="645818" cy="3166593"/>
-            </a:xfrm>
-            <a:prstGeom prst="rect">
-              <a:avLst/>
-            </a:prstGeom>
-          </p:spPr>
-        </p:pic>
-        <p:pic>
-          <p:nvPicPr>
-            <p:cNvPr id="3" name="Picture 2"/>
-            <p:cNvPicPr>
-              <a:picLocks noChangeAspect="1"/>
-            </p:cNvPicPr>
-            <p:nvPr/>
-          </p:nvPicPr>
-          <p:blipFill>
-            <a:blip r:embed="rId3">
-              <a:extLst>
-                <a:ext uri="{28A0092B-C50C-407E-A947-70E740481C1C}">
-                  <a14:useLocalDpi xmlns:a14="http://schemas.microsoft.com/office/drawing/2010/main" val="0"/>
-                </a:ext>
-              </a:extLst>
-            </a:blip>
-            <a:stretch>
-              <a:fillRect/>
-            </a:stretch>
-          </p:blipFill>
-          <p:spPr>
-            <a:xfrm>
-              <a:off x="6174929" y="3206837"/>
-              <a:ext cx="1302192" cy="312526"/>
-            </a:xfrm>
-            <a:prstGeom prst="rect">
-              <a:avLst/>
-            </a:prstGeom>
-          </p:spPr>
-        </p:pic>
-      </p:grpSp>
     </p:spTree>
     <p:extLst>
       <p:ext uri="{BB962C8B-B14F-4D97-AF65-F5344CB8AC3E}">
-        <p14:creationId xmlns:p14="http://schemas.microsoft.com/office/powerpoint/2010/main" val="3788500263"/>
+        <p14:creationId xmlns:p14="http://schemas.microsoft.com/office/powerpoint/2010/main" val="3341437713"/>
       </p:ext>
     </p:extLst>
   </p:cSld>
@@ -4364,6 +4481,56 @@
           <a:lstStyle/>
           <a:p>
             <a:pPr algn="ctr" rtl="1"/>
+            <a:r>
+              <a:rPr lang="he-IL" sz="2325" dirty="0">
+                <a:solidFill>
+                  <a:schemeClr val="tx1"/>
+                </a:solidFill>
+                <a:latin typeface="David" panose="020E0502060401010101" pitchFamily="34" charset="-79"/>
+                <a:cs typeface="David" panose="020E0502060401010101" pitchFamily="34" charset="-79"/>
+              </a:rPr>
+              <a:t>מיד לאחר שתלחץ על הכפתור, יוצג בפניך המשוב הבא:</a:t>
+            </a:r>
+            <a:endParaRPr lang="en-US" sz="2325" dirty="0">
+              <a:solidFill>
+                <a:schemeClr val="tx1"/>
+              </a:solidFill>
+              <a:latin typeface="David" panose="020E0502060401010101" pitchFamily="34" charset="-79"/>
+              <a:cs typeface="David" panose="020E0502060401010101" pitchFamily="34" charset="-79"/>
+            </a:endParaRPr>
+          </a:p>
+          <a:p>
+            <a:pPr algn="ctr" rtl="1"/>
+            <a:endParaRPr lang="en-US" sz="2325" dirty="0">
+              <a:solidFill>
+                <a:schemeClr val="tx1"/>
+              </a:solidFill>
+              <a:latin typeface="David" panose="020E0502060401010101" pitchFamily="34" charset="-79"/>
+              <a:cs typeface="David" panose="020E0502060401010101" pitchFamily="34" charset="-79"/>
+            </a:endParaRPr>
+          </a:p>
+          <a:p>
+            <a:pPr algn="ctr" rtl="1"/>
+            <a:endParaRPr lang="en-US" sz="2325" dirty="0">
+              <a:solidFill>
+                <a:schemeClr val="tx1"/>
+              </a:solidFill>
+              <a:latin typeface="David" panose="020E0502060401010101" pitchFamily="34" charset="-79"/>
+              <a:cs typeface="David" panose="020E0502060401010101" pitchFamily="34" charset="-79"/>
+            </a:endParaRPr>
+          </a:p>
+          <a:p>
+            <a:pPr algn="ctr" rtl="1"/>
+            <a:endParaRPr lang="en-US" sz="2325" dirty="0">
+              <a:solidFill>
+                <a:schemeClr val="tx1"/>
+              </a:solidFill>
+              <a:latin typeface="David" panose="020E0502060401010101" pitchFamily="34" charset="-79"/>
+              <a:cs typeface="David" panose="020E0502060401010101" pitchFamily="34" charset="-79"/>
+            </a:endParaRPr>
+          </a:p>
+          <a:p>
+            <a:pPr algn="ctr" rtl="1"/>
             <a:endParaRPr lang="he-IL" sz="2325" dirty="0">
               <a:solidFill>
                 <a:schemeClr val="tx1"/>
@@ -4371,65 +4538,6 @@
               <a:latin typeface="David" panose="020E0502060401010101" pitchFamily="34" charset="-79"/>
               <a:cs typeface="David" panose="020E0502060401010101" pitchFamily="34" charset="-79"/>
             </a:endParaRPr>
-          </a:p>
-          <a:p>
-            <a:pPr algn="ctr" rtl="1"/>
-            <a:r>
-              <a:rPr lang="he-IL" sz="2325" dirty="0">
-                <a:solidFill>
-                  <a:schemeClr val="tx1"/>
-                </a:solidFill>
-                <a:latin typeface="David" panose="020E0502060401010101" pitchFamily="34" charset="-79"/>
-                <a:cs typeface="David" panose="020E0502060401010101" pitchFamily="34" charset="-79"/>
-              </a:rPr>
-              <a:t>מטרת האימון היא ללמד אותך להיות מודע בזמן אמת כאשר מחשבה מסוימת משפיעה על הקשב שלך, כדי שתוכל להפנות את הקשב מהמחשבה אל המטלה שאתה מנסה לבצע, במקרה שלנו לזהות ספרות.</a:t>
-            </a:r>
-          </a:p>
-          <a:p>
-            <a:pPr algn="ctr" rtl="1"/>
-            <a:endParaRPr lang="he-IL" sz="2325" dirty="0">
-              <a:solidFill>
-                <a:schemeClr val="tx1"/>
-              </a:solidFill>
-              <a:latin typeface="David" panose="020E0502060401010101" pitchFamily="34" charset="-79"/>
-              <a:cs typeface="David" panose="020E0502060401010101" pitchFamily="34" charset="-79"/>
-            </a:endParaRPr>
-          </a:p>
-          <a:p>
-            <a:pPr algn="ctr" rtl="1"/>
-            <a:r>
-              <a:rPr lang="he-IL" sz="2325" dirty="0">
-                <a:solidFill>
-                  <a:schemeClr val="tx1"/>
-                </a:solidFill>
-                <a:latin typeface="David" panose="020E0502060401010101" pitchFamily="34" charset="-79"/>
-                <a:cs typeface="David" panose="020E0502060401010101" pitchFamily="34" charset="-79"/>
-              </a:rPr>
-              <a:t>במקרה שבו מחשבה מסוימת תשפיע על הקשב שלך, החץ במשוב יצביע על "מוטה", ויראה לך עד כמה תשומת הלב שלך הושפעה מהמחשבה.</a:t>
-            </a:r>
-          </a:p>
-          <a:p>
-            <a:pPr algn="ctr" rtl="1"/>
-            <a:endParaRPr lang="he-IL" sz="2325" dirty="0">
-              <a:solidFill>
-                <a:schemeClr val="tx1"/>
-              </a:solidFill>
-              <a:latin typeface="David" panose="020E0502060401010101" pitchFamily="34" charset="-79"/>
-              <a:cs typeface="David" panose="020E0502060401010101" pitchFamily="34" charset="-79"/>
-            </a:endParaRPr>
-          </a:p>
-          <a:p>
-            <a:pPr algn="ctr" rtl="1"/>
-            <a:r>
-              <a:rPr lang="he-IL" sz="2325" dirty="0">
-                <a:solidFill>
-                  <a:schemeClr val="tx1"/>
-                </a:solidFill>
-                <a:latin typeface="David" panose="020E0502060401010101" pitchFamily="34" charset="-79"/>
-                <a:cs typeface="David" panose="020E0502060401010101" pitchFamily="34" charset="-79"/>
-              </a:rPr>
-              <a:t>ככל שהקשב שלך יהיה פחות מוטה, החץ במשוב שתקבל יעלה </a:t>
-            </a:r>
           </a:p>
           <a:p>
             <a:pPr algn="ctr" rtl="1"/>
@@ -4558,14 +4666,14 @@
       </p:sp>
       <p:pic>
         <p:nvPicPr>
-          <p:cNvPr id="10" name="Picture 9"/>
+          <p:cNvPr id="3" name="Picture 2"/>
           <p:cNvPicPr>
             <a:picLocks noChangeAspect="1"/>
           </p:cNvPicPr>
           <p:nvPr/>
         </p:nvPicPr>
         <p:blipFill>
-          <a:blip r:embed="rId3" cstate="print">
+          <a:blip r:embed="rId2">
             <a:extLst>
               <a:ext uri="{28A0092B-C50C-407E-A947-70E740481C1C}">
                 <a14:useLocalDpi xmlns:a14="http://schemas.microsoft.com/office/drawing/2010/main" val="0"/>
@@ -4578,68 +4686,138 @@
         </p:blipFill>
         <p:spPr>
           <a:xfrm>
-            <a:off x="5786199" y="3062165"/>
-            <a:ext cx="1351862" cy="2113303"/>
+            <a:off x="6174929" y="3206837"/>
+            <a:ext cx="1302192" cy="312526"/>
           </a:xfrm>
           <a:prstGeom prst="rect">
             <a:avLst/>
           </a:prstGeom>
         </p:spPr>
       </p:pic>
-      <p:sp>
-        <p:nvSpPr>
-          <p:cNvPr id="2" name="Rectangle 1">
+      <p:grpSp>
+        <p:nvGrpSpPr>
+          <p:cNvPr id="8" name="Group 7">
             <a:extLst>
               <a:ext uri="{FF2B5EF4-FFF2-40B4-BE49-F238E27FC236}">
-                <a16:creationId xmlns:a16="http://schemas.microsoft.com/office/drawing/2014/main" id="{19D6A6BA-4E0D-4527-9EFB-87B3DDD9ACCD}"/>
+                <a16:creationId xmlns:a16="http://schemas.microsoft.com/office/drawing/2014/main" id="{FD73CF6C-85FA-421C-9C81-75CB47496658}"/>
               </a:ext>
             </a:extLst>
           </p:cNvPr>
-          <p:cNvSpPr/>
+          <p:cNvGrpSpPr/>
           <p:nvPr/>
-        </p:nvSpPr>
-        <p:spPr>
+        </p:nvGrpSpPr>
+        <p:grpSpPr>
           <a:xfrm>
-            <a:off x="3523377" y="3830444"/>
-            <a:ext cx="1530564" cy="576743"/>
+            <a:off x="5456126" y="1779803"/>
+            <a:ext cx="645818" cy="3166594"/>
+            <a:chOff x="5456126" y="1779803"/>
+            <a:chExt cx="645818" cy="3166594"/>
           </a:xfrm>
-          <a:prstGeom prst="rect">
-            <a:avLst/>
-          </a:prstGeom>
-        </p:spPr>
-        <p:style>
-          <a:lnRef idx="2">
-            <a:schemeClr val="accent1">
-              <a:shade val="50000"/>
-            </a:schemeClr>
-          </a:lnRef>
-          <a:fillRef idx="1">
-            <a:schemeClr val="accent1"/>
-          </a:fillRef>
-          <a:effectRef idx="0">
-            <a:schemeClr val="accent1"/>
-          </a:effectRef>
-          <a:fontRef idx="minor">
-            <a:schemeClr val="lt1"/>
-          </a:fontRef>
-        </p:style>
-        <p:txBody>
-          <a:bodyPr rtlCol="0" anchor="ctr"/>
-          <a:lstStyle/>
-          <a:p>
-            <a:pPr algn="ctr"/>
-            <a:r>
-              <a:rPr lang="he-IL" dirty="0"/>
-              <a:t>לשנות ללא מוטה</a:t>
-            </a:r>
-            <a:endParaRPr lang="en-US" dirty="0"/>
-          </a:p>
-        </p:txBody>
-      </p:sp>
+        </p:grpSpPr>
+        <p:pic>
+          <p:nvPicPr>
+            <p:cNvPr id="2" name="Picture 1"/>
+            <p:cNvPicPr>
+              <a:picLocks noChangeAspect="1"/>
+            </p:cNvPicPr>
+            <p:nvPr/>
+          </p:nvPicPr>
+          <p:blipFill>
+            <a:blip r:embed="rId3">
+              <a:extLst>
+                <a:ext uri="{28A0092B-C50C-407E-A947-70E740481C1C}">
+                  <a14:useLocalDpi xmlns:a14="http://schemas.microsoft.com/office/drawing/2010/main" val="0"/>
+                </a:ext>
+              </a:extLst>
+            </a:blip>
+            <a:stretch>
+              <a:fillRect/>
+            </a:stretch>
+          </p:blipFill>
+          <p:spPr>
+            <a:xfrm>
+              <a:off x="5456126" y="1779804"/>
+              <a:ext cx="645818" cy="3166593"/>
+            </a:xfrm>
+            <a:prstGeom prst="rect">
+              <a:avLst/>
+            </a:prstGeom>
+          </p:spPr>
+        </p:pic>
+        <p:sp>
+          <p:nvSpPr>
+            <p:cNvPr id="7" name="Rectangle 6">
+              <a:extLst>
+                <a:ext uri="{FF2B5EF4-FFF2-40B4-BE49-F238E27FC236}">
+                  <a16:creationId xmlns:a16="http://schemas.microsoft.com/office/drawing/2014/main" id="{C8FEFDAD-31B9-44FC-A9A9-A715985E7A58}"/>
+                </a:ext>
+              </a:extLst>
+            </p:cNvPr>
+            <p:cNvSpPr/>
+            <p:nvPr/>
+          </p:nvSpPr>
+          <p:spPr>
+            <a:xfrm>
+              <a:off x="5456126" y="1779803"/>
+              <a:ext cx="639874" cy="405457"/>
+            </a:xfrm>
+            <a:prstGeom prst="rect">
+              <a:avLst/>
+            </a:prstGeom>
+            <a:solidFill>
+              <a:schemeClr val="accent6">
+                <a:lumMod val="60000"/>
+                <a:lumOff val="40000"/>
+              </a:schemeClr>
+            </a:solidFill>
+            <a:ln>
+              <a:solidFill>
+                <a:schemeClr val="tx1"/>
+              </a:solidFill>
+            </a:ln>
+          </p:spPr>
+          <p:style>
+            <a:lnRef idx="2">
+              <a:schemeClr val="accent1">
+                <a:shade val="50000"/>
+              </a:schemeClr>
+            </a:lnRef>
+            <a:fillRef idx="1">
+              <a:schemeClr val="accent1"/>
+            </a:fillRef>
+            <a:effectRef idx="0">
+              <a:schemeClr val="accent1"/>
+            </a:effectRef>
+            <a:fontRef idx="minor">
+              <a:schemeClr val="lt1"/>
+            </a:fontRef>
+          </p:style>
+          <p:txBody>
+            <a:bodyPr rtlCol="0" anchor="ctr"/>
+            <a:lstStyle/>
+            <a:p>
+              <a:pPr algn="ctr"/>
+              <a:r>
+                <a:rPr lang="he-IL" sz="1600" b="1" dirty="0">
+                  <a:solidFill>
+                    <a:schemeClr val="tx1"/>
+                  </a:solidFill>
+                </a:rPr>
+                <a:t>לא מוטה</a:t>
+              </a:r>
+              <a:endParaRPr lang="en-US" sz="1600" b="1" dirty="0">
+                <a:solidFill>
+                  <a:schemeClr val="tx1"/>
+                </a:solidFill>
+              </a:endParaRPr>
+            </a:p>
+          </p:txBody>
+        </p:sp>
+      </p:grpSp>
     </p:spTree>
     <p:extLst>
       <p:ext uri="{BB962C8B-B14F-4D97-AF65-F5344CB8AC3E}">
-        <p14:creationId xmlns:p14="http://schemas.microsoft.com/office/powerpoint/2010/main" val="4289600243"/>
+        <p14:creationId xmlns:p14="http://schemas.microsoft.com/office/powerpoint/2010/main" val="3788500263"/>
       </p:ext>
     </p:extLst>
   </p:cSld>
@@ -4717,6 +4895,16 @@
           <a:lstStyle/>
           <a:p>
             <a:pPr algn="ctr" rtl="1"/>
+            <a:endParaRPr lang="he-IL" sz="2325" dirty="0">
+              <a:solidFill>
+                <a:schemeClr val="tx1"/>
+              </a:solidFill>
+              <a:latin typeface="David" panose="020E0502060401010101" pitchFamily="34" charset="-79"/>
+              <a:cs typeface="David" panose="020E0502060401010101" pitchFamily="34" charset="-79"/>
+            </a:endParaRPr>
+          </a:p>
+          <a:p>
+            <a:pPr algn="ctr" rtl="1"/>
             <a:r>
               <a:rPr lang="he-IL" sz="2325" dirty="0">
                 <a:solidFill>
@@ -4725,7 +4913,785 @@
                 <a:latin typeface="David" panose="020E0502060401010101" pitchFamily="34" charset="-79"/>
                 <a:cs typeface="David" panose="020E0502060401010101" pitchFamily="34" charset="-79"/>
               </a:rPr>
-              <a:t>בכל פעם, נסה להשתמש במשוב כדי ללמוד לאזן את הקשב שלך, ולמנוע ממנו להיות מושפע מהמחשבות השליליות בהמשך המטלה.</a:t>
+              <a:t>מטרת האימון היא ללמד אותך להיות מודע כאשר מחשבה מסוימת משפיעה על הקשב שלך</a:t>
+            </a:r>
+          </a:p>
+          <a:p>
+            <a:pPr algn="ctr" rtl="1"/>
+            <a:r>
+              <a:rPr lang="he-IL" sz="2325" dirty="0">
+                <a:solidFill>
+                  <a:schemeClr val="tx1"/>
+                </a:solidFill>
+                <a:latin typeface="David" panose="020E0502060401010101" pitchFamily="34" charset="-79"/>
+                <a:cs typeface="David" panose="020E0502060401010101" pitchFamily="34" charset="-79"/>
+              </a:rPr>
+              <a:t>במקרה שבו מחשבה מסוימת תשפיע על הקשב שלך, החץ במשוב יצביע על "מוטה", ויראה לך עד כמה תשומת הלב שלך הושפעה מהמחשבה.</a:t>
+            </a:r>
+          </a:p>
+          <a:p>
+            <a:pPr algn="ctr" rtl="1"/>
+            <a:r>
+              <a:rPr lang="he-IL" sz="2325" dirty="0">
+                <a:solidFill>
+                  <a:schemeClr val="tx1"/>
+                </a:solidFill>
+                <a:latin typeface="David" panose="020E0502060401010101" pitchFamily="34" charset="-79"/>
+                <a:cs typeface="David" panose="020E0502060401010101" pitchFamily="34" charset="-79"/>
+              </a:rPr>
+              <a:t>ככל שהקשב שלך יהיה פחות מוטה, החץ במשוב שתקבל יעלה </a:t>
+            </a:r>
+          </a:p>
+          <a:p>
+            <a:pPr algn="ctr" rtl="1"/>
+            <a:endParaRPr lang="he-IL" sz="2325" dirty="0">
+              <a:solidFill>
+                <a:schemeClr val="tx1"/>
+              </a:solidFill>
+              <a:latin typeface="David" panose="020E0502060401010101" pitchFamily="34" charset="-79"/>
+              <a:cs typeface="David" panose="020E0502060401010101" pitchFamily="34" charset="-79"/>
+            </a:endParaRPr>
+          </a:p>
+          <a:p>
+            <a:pPr algn="ctr" rtl="1"/>
+            <a:endParaRPr lang="he-IL" sz="2325" dirty="0">
+              <a:solidFill>
+                <a:schemeClr val="tx1"/>
+              </a:solidFill>
+              <a:latin typeface="David" panose="020E0502060401010101" pitchFamily="34" charset="-79"/>
+              <a:cs typeface="David" panose="020E0502060401010101" pitchFamily="34" charset="-79"/>
+            </a:endParaRPr>
+          </a:p>
+          <a:p>
+            <a:pPr algn="ctr" rtl="1"/>
+            <a:endParaRPr lang="he-IL" sz="2325" dirty="0">
+              <a:solidFill>
+                <a:schemeClr val="tx1"/>
+              </a:solidFill>
+              <a:latin typeface="David" panose="020E0502060401010101" pitchFamily="34" charset="-79"/>
+              <a:cs typeface="David" panose="020E0502060401010101" pitchFamily="34" charset="-79"/>
+            </a:endParaRPr>
+          </a:p>
+          <a:p>
+            <a:pPr algn="ctr" rtl="1"/>
+            <a:endParaRPr lang="he-IL" sz="2325" dirty="0">
+              <a:solidFill>
+                <a:schemeClr val="tx1"/>
+              </a:solidFill>
+              <a:latin typeface="David" panose="020E0502060401010101" pitchFamily="34" charset="-79"/>
+              <a:cs typeface="David" panose="020E0502060401010101" pitchFamily="34" charset="-79"/>
+            </a:endParaRPr>
+          </a:p>
+          <a:p>
+            <a:pPr algn="ctr" rtl="1"/>
+            <a:endParaRPr lang="he-IL" sz="2325" dirty="0">
+              <a:solidFill>
+                <a:schemeClr val="tx1"/>
+              </a:solidFill>
+              <a:latin typeface="David" panose="020E0502060401010101" pitchFamily="34" charset="-79"/>
+              <a:cs typeface="David" panose="020E0502060401010101" pitchFamily="34" charset="-79"/>
+            </a:endParaRPr>
+          </a:p>
+          <a:p>
+            <a:pPr algn="ctr" rtl="1"/>
+            <a:endParaRPr lang="he-IL" sz="2325" dirty="0">
+              <a:solidFill>
+                <a:schemeClr val="tx1"/>
+              </a:solidFill>
+              <a:latin typeface="David" panose="020E0502060401010101" pitchFamily="34" charset="-79"/>
+              <a:cs typeface="David" panose="020E0502060401010101" pitchFamily="34" charset="-79"/>
+            </a:endParaRPr>
+          </a:p>
+        </p:txBody>
+      </p:sp>
+      <p:sp>
+        <p:nvSpPr>
+          <p:cNvPr id="5" name="Rectangle 4"/>
+          <p:cNvSpPr/>
+          <p:nvPr/>
+        </p:nvSpPr>
+        <p:spPr>
+          <a:xfrm>
+            <a:off x="4726770" y="5358207"/>
+            <a:ext cx="2750351" cy="1021313"/>
+          </a:xfrm>
+          <a:prstGeom prst="rect">
+            <a:avLst/>
+          </a:prstGeom>
+          <a:solidFill>
+            <a:schemeClr val="tx1">
+              <a:lumMod val="65000"/>
+              <a:lumOff val="35000"/>
+            </a:schemeClr>
+          </a:solidFill>
+          <a:ln w="76200">
+            <a:solidFill>
+              <a:schemeClr val="tx1">
+                <a:lumMod val="85000"/>
+                <a:lumOff val="15000"/>
+              </a:schemeClr>
+            </a:solidFill>
+          </a:ln>
+        </p:spPr>
+        <p:style>
+          <a:lnRef idx="2">
+            <a:schemeClr val="accent1">
+              <a:shade val="50000"/>
+            </a:schemeClr>
+          </a:lnRef>
+          <a:fillRef idx="1">
+            <a:schemeClr val="accent1"/>
+          </a:fillRef>
+          <a:effectRef idx="0">
+            <a:schemeClr val="accent1"/>
+          </a:effectRef>
+          <a:fontRef idx="minor">
+            <a:schemeClr val="lt1"/>
+          </a:fontRef>
+        </p:style>
+        <p:txBody>
+          <a:bodyPr lIns="160949" tIns="80476" rIns="160949" bIns="80476" rtlCol="1" anchor="ctr"/>
+          <a:lstStyle/>
+          <a:p>
+            <a:pPr algn="ctr" rtl="1"/>
+            <a:r>
+              <a:rPr lang="he-IL" sz="1937" dirty="0">
+                <a:solidFill>
+                  <a:schemeClr val="tx1"/>
+                </a:solidFill>
+                <a:latin typeface="David" panose="020E0502060401010101" pitchFamily="34" charset="-79"/>
+                <a:cs typeface="David" panose="020E0502060401010101" pitchFamily="34" charset="-79"/>
+              </a:rPr>
+              <a:t>לחץ על אחד המקשים כדי להמשיך</a:t>
+            </a:r>
+          </a:p>
+        </p:txBody>
+      </p:sp>
+      <p:pic>
+        <p:nvPicPr>
+          <p:cNvPr id="11" name="Picture 10">
+            <a:extLst>
+              <a:ext uri="{FF2B5EF4-FFF2-40B4-BE49-F238E27FC236}">
+                <a16:creationId xmlns:a16="http://schemas.microsoft.com/office/drawing/2014/main" id="{EF338D27-8E73-4E39-A070-1EB7C4C5B83B}"/>
+              </a:ext>
+            </a:extLst>
+          </p:cNvPr>
+          <p:cNvPicPr>
+            <a:picLocks noChangeAspect="1"/>
+          </p:cNvPicPr>
+          <p:nvPr/>
+        </p:nvPicPr>
+        <p:blipFill>
+          <a:blip r:embed="rId3">
+            <a:extLst>
+              <a:ext uri="{28A0092B-C50C-407E-A947-70E740481C1C}">
+                <a14:useLocalDpi xmlns:a14="http://schemas.microsoft.com/office/drawing/2010/main" val="0"/>
+              </a:ext>
+            </a:extLst>
+          </a:blip>
+          <a:stretch>
+            <a:fillRect/>
+          </a:stretch>
+        </p:blipFill>
+        <p:spPr>
+          <a:xfrm>
+            <a:off x="4793808" y="4639960"/>
+            <a:ext cx="1302192" cy="312526"/>
+          </a:xfrm>
+          <a:prstGeom prst="rect">
+            <a:avLst/>
+          </a:prstGeom>
+        </p:spPr>
+      </p:pic>
+      <p:grpSp>
+        <p:nvGrpSpPr>
+          <p:cNvPr id="12" name="Group 11">
+            <a:extLst>
+              <a:ext uri="{FF2B5EF4-FFF2-40B4-BE49-F238E27FC236}">
+                <a16:creationId xmlns:a16="http://schemas.microsoft.com/office/drawing/2014/main" id="{8CFF371B-033C-47EF-A3E7-C179B8B7E230}"/>
+              </a:ext>
+            </a:extLst>
+          </p:cNvPr>
+          <p:cNvGrpSpPr/>
+          <p:nvPr/>
+        </p:nvGrpSpPr>
+        <p:grpSpPr>
+          <a:xfrm>
+            <a:off x="4075005" y="3212926"/>
+            <a:ext cx="645818" cy="3166594"/>
+            <a:chOff x="5456126" y="1779803"/>
+            <a:chExt cx="645818" cy="3166594"/>
+          </a:xfrm>
+        </p:grpSpPr>
+        <p:pic>
+          <p:nvPicPr>
+            <p:cNvPr id="13" name="Picture 12">
+              <a:extLst>
+                <a:ext uri="{FF2B5EF4-FFF2-40B4-BE49-F238E27FC236}">
+                  <a16:creationId xmlns:a16="http://schemas.microsoft.com/office/drawing/2014/main" id="{61A8B834-D9C0-4E04-8370-2446EF26A523}"/>
+                </a:ext>
+              </a:extLst>
+            </p:cNvPr>
+            <p:cNvPicPr>
+              <a:picLocks noChangeAspect="1"/>
+            </p:cNvPicPr>
+            <p:nvPr/>
+          </p:nvPicPr>
+          <p:blipFill>
+            <a:blip r:embed="rId4">
+              <a:extLst>
+                <a:ext uri="{28A0092B-C50C-407E-A947-70E740481C1C}">
+                  <a14:useLocalDpi xmlns:a14="http://schemas.microsoft.com/office/drawing/2010/main" val="0"/>
+                </a:ext>
+              </a:extLst>
+            </a:blip>
+            <a:stretch>
+              <a:fillRect/>
+            </a:stretch>
+          </p:blipFill>
+          <p:spPr>
+            <a:xfrm>
+              <a:off x="5456126" y="1779804"/>
+              <a:ext cx="645818" cy="3166593"/>
+            </a:xfrm>
+            <a:prstGeom prst="rect">
+              <a:avLst/>
+            </a:prstGeom>
+          </p:spPr>
+        </p:pic>
+        <p:sp>
+          <p:nvSpPr>
+            <p:cNvPr id="14" name="Rectangle 13">
+              <a:extLst>
+                <a:ext uri="{FF2B5EF4-FFF2-40B4-BE49-F238E27FC236}">
+                  <a16:creationId xmlns:a16="http://schemas.microsoft.com/office/drawing/2014/main" id="{FF7B4884-692E-4524-9357-23E38F67C4CB}"/>
+                </a:ext>
+              </a:extLst>
+            </p:cNvPr>
+            <p:cNvSpPr/>
+            <p:nvPr/>
+          </p:nvSpPr>
+          <p:spPr>
+            <a:xfrm>
+              <a:off x="5456126" y="1779803"/>
+              <a:ext cx="639874" cy="405457"/>
+            </a:xfrm>
+            <a:prstGeom prst="rect">
+              <a:avLst/>
+            </a:prstGeom>
+            <a:solidFill>
+              <a:schemeClr val="accent6">
+                <a:lumMod val="60000"/>
+                <a:lumOff val="40000"/>
+              </a:schemeClr>
+            </a:solidFill>
+            <a:ln>
+              <a:solidFill>
+                <a:schemeClr val="tx1"/>
+              </a:solidFill>
+            </a:ln>
+          </p:spPr>
+          <p:style>
+            <a:lnRef idx="2">
+              <a:schemeClr val="accent1">
+                <a:shade val="50000"/>
+              </a:schemeClr>
+            </a:lnRef>
+            <a:fillRef idx="1">
+              <a:schemeClr val="accent1"/>
+            </a:fillRef>
+            <a:effectRef idx="0">
+              <a:schemeClr val="accent1"/>
+            </a:effectRef>
+            <a:fontRef idx="minor">
+              <a:schemeClr val="lt1"/>
+            </a:fontRef>
+          </p:style>
+          <p:txBody>
+            <a:bodyPr rtlCol="0" anchor="ctr"/>
+            <a:lstStyle/>
+            <a:p>
+              <a:pPr algn="ctr"/>
+              <a:r>
+                <a:rPr lang="he-IL" sz="1600" b="1" dirty="0">
+                  <a:solidFill>
+                    <a:schemeClr val="tx1"/>
+                  </a:solidFill>
+                </a:rPr>
+                <a:t>לא מוטה</a:t>
+              </a:r>
+              <a:endParaRPr lang="en-US" sz="1600" b="1" dirty="0">
+                <a:solidFill>
+                  <a:schemeClr val="tx1"/>
+                </a:solidFill>
+              </a:endParaRPr>
+            </a:p>
+          </p:txBody>
+        </p:sp>
+      </p:grpSp>
+    </p:spTree>
+    <p:extLst>
+      <p:ext uri="{BB962C8B-B14F-4D97-AF65-F5344CB8AC3E}">
+        <p14:creationId xmlns:p14="http://schemas.microsoft.com/office/powerpoint/2010/main" val="2618925867"/>
+      </p:ext>
+    </p:extLst>
+  </p:cSld>
+  <p:clrMapOvr>
+    <a:masterClrMapping/>
+  </p:clrMapOvr>
+</p:sld>
+</file>
+
+<file path=ppt/slides/slide6.xml><?xml version="1.0" encoding="utf-8"?>
+<p:sld xmlns:a="http://schemas.openxmlformats.org/drawingml/2006/main" xmlns:r="http://schemas.openxmlformats.org/officeDocument/2006/relationships" xmlns:p="http://schemas.openxmlformats.org/presentationml/2006/main" show="0">
+  <p:cSld>
+    <p:spTree>
+      <p:nvGrpSpPr>
+        <p:cNvPr id="1" name=""/>
+        <p:cNvGrpSpPr/>
+        <p:nvPr/>
+      </p:nvGrpSpPr>
+      <p:grpSpPr>
+        <a:xfrm>
+          <a:off x="0" y="0"/>
+          <a:ext cx="0" cy="0"/>
+          <a:chOff x="0" y="0"/>
+          <a:chExt cx="0" cy="0"/>
+        </a:xfrm>
+      </p:grpSpPr>
+      <p:sp>
+        <p:nvSpPr>
+          <p:cNvPr id="4" name="Rectangle 3"/>
+          <p:cNvSpPr>
+            <a:spLocks/>
+          </p:cNvSpPr>
+          <p:nvPr/>
+        </p:nvSpPr>
+        <p:spPr>
+          <a:xfrm>
+            <a:off x="2065971" y="577526"/>
+            <a:ext cx="8071946" cy="4969278"/>
+          </a:xfrm>
+          <a:prstGeom prst="rect">
+            <a:avLst/>
+          </a:prstGeom>
+          <a:solidFill>
+            <a:schemeClr val="bg1">
+              <a:lumMod val="65000"/>
+            </a:schemeClr>
+          </a:solidFill>
+          <a:ln w="76200">
+            <a:solidFill>
+              <a:schemeClr val="tx1">
+                <a:lumMod val="65000"/>
+                <a:lumOff val="35000"/>
+              </a:schemeClr>
+            </a:solidFill>
+          </a:ln>
+        </p:spPr>
+        <p:style>
+          <a:lnRef idx="2">
+            <a:schemeClr val="accent1">
+              <a:shade val="50000"/>
+            </a:schemeClr>
+          </a:lnRef>
+          <a:fillRef idx="1">
+            <a:schemeClr val="accent1"/>
+          </a:fillRef>
+          <a:effectRef idx="0">
+            <a:schemeClr val="accent1"/>
+          </a:effectRef>
+          <a:fontRef idx="minor">
+            <a:schemeClr val="lt1"/>
+          </a:fontRef>
+        </p:style>
+        <p:txBody>
+          <a:bodyPr lIns="160949" tIns="80476" rIns="160949" bIns="80476" rtlCol="1" anchor="ctr"/>
+          <a:lstStyle/>
+          <a:p>
+            <a:pPr algn="ctr" rtl="1"/>
+            <a:endParaRPr lang="he-IL" sz="2325" dirty="0">
+              <a:solidFill>
+                <a:schemeClr val="tx1"/>
+              </a:solidFill>
+              <a:latin typeface="David" panose="020E0502060401010101" pitchFamily="34" charset="-79"/>
+              <a:cs typeface="David" panose="020E0502060401010101" pitchFamily="34" charset="-79"/>
+            </a:endParaRPr>
+          </a:p>
+          <a:p>
+            <a:pPr algn="ctr" rtl="1"/>
+            <a:r>
+              <a:rPr lang="he-IL" sz="2325" dirty="0">
+                <a:solidFill>
+                  <a:schemeClr val="tx1"/>
+                </a:solidFill>
+                <a:latin typeface="David" panose="020E0502060401010101" pitchFamily="34" charset="-79"/>
+                <a:cs typeface="David" panose="020E0502060401010101" pitchFamily="34" charset="-79"/>
+              </a:rPr>
+              <a:t>מטרת האימון היא ללמד אותך להיות מודע בזמן אמת כאשר מחשבה מסוימת משפיעה על הקשב שלך, כדי שתוכל להפנות את הקשב מהמחשבה אל המטלה שאתה מנסה לבצע, במקרה שלנו לזהות ספרות.</a:t>
+            </a:r>
+          </a:p>
+          <a:p>
+            <a:pPr algn="ctr" rtl="1"/>
+            <a:endParaRPr lang="he-IL" sz="2325" dirty="0">
+              <a:solidFill>
+                <a:schemeClr val="tx1"/>
+              </a:solidFill>
+              <a:latin typeface="David" panose="020E0502060401010101" pitchFamily="34" charset="-79"/>
+              <a:cs typeface="David" panose="020E0502060401010101" pitchFamily="34" charset="-79"/>
+            </a:endParaRPr>
+          </a:p>
+          <a:p>
+            <a:pPr algn="ctr" rtl="1"/>
+            <a:r>
+              <a:rPr lang="he-IL" sz="2325" dirty="0">
+                <a:solidFill>
+                  <a:schemeClr val="tx1"/>
+                </a:solidFill>
+                <a:latin typeface="David" panose="020E0502060401010101" pitchFamily="34" charset="-79"/>
+                <a:cs typeface="David" panose="020E0502060401010101" pitchFamily="34" charset="-79"/>
+              </a:rPr>
+              <a:t>במקרה שבו מחשבה מסוימת תשפיע על הקשב שלך, החץ במשוב יצביע על "מוטה", ויראה לך עד כמה תשומת הלב שלך הושפעה מהמחשבה.</a:t>
+            </a:r>
+          </a:p>
+          <a:p>
+            <a:pPr algn="ctr" rtl="1"/>
+            <a:endParaRPr lang="he-IL" sz="2325" dirty="0">
+              <a:solidFill>
+                <a:schemeClr val="tx1"/>
+              </a:solidFill>
+              <a:latin typeface="David" panose="020E0502060401010101" pitchFamily="34" charset="-79"/>
+              <a:cs typeface="David" panose="020E0502060401010101" pitchFamily="34" charset="-79"/>
+            </a:endParaRPr>
+          </a:p>
+          <a:p>
+            <a:pPr algn="ctr" rtl="1"/>
+            <a:r>
+              <a:rPr lang="he-IL" sz="2325" dirty="0">
+                <a:solidFill>
+                  <a:schemeClr val="tx1"/>
+                </a:solidFill>
+                <a:latin typeface="David" panose="020E0502060401010101" pitchFamily="34" charset="-79"/>
+                <a:cs typeface="David" panose="020E0502060401010101" pitchFamily="34" charset="-79"/>
+              </a:rPr>
+              <a:t>ככל שהקשב שלך יהיה פחות מוטה, החץ במשוב שתקבל יעלה </a:t>
+            </a:r>
+          </a:p>
+          <a:p>
+            <a:pPr algn="ctr" rtl="1"/>
+            <a:endParaRPr lang="he-IL" sz="2325" dirty="0">
+              <a:solidFill>
+                <a:schemeClr val="tx1"/>
+              </a:solidFill>
+              <a:latin typeface="David" panose="020E0502060401010101" pitchFamily="34" charset="-79"/>
+              <a:cs typeface="David" panose="020E0502060401010101" pitchFamily="34" charset="-79"/>
+            </a:endParaRPr>
+          </a:p>
+          <a:p>
+            <a:pPr algn="ctr" rtl="1"/>
+            <a:endParaRPr lang="he-IL" sz="2325" dirty="0">
+              <a:solidFill>
+                <a:schemeClr val="tx1"/>
+              </a:solidFill>
+              <a:latin typeface="David" panose="020E0502060401010101" pitchFamily="34" charset="-79"/>
+              <a:cs typeface="David" panose="020E0502060401010101" pitchFamily="34" charset="-79"/>
+            </a:endParaRPr>
+          </a:p>
+          <a:p>
+            <a:pPr algn="ctr" rtl="1"/>
+            <a:endParaRPr lang="he-IL" sz="2325" dirty="0">
+              <a:solidFill>
+                <a:schemeClr val="tx1"/>
+              </a:solidFill>
+              <a:latin typeface="David" panose="020E0502060401010101" pitchFamily="34" charset="-79"/>
+              <a:cs typeface="David" panose="020E0502060401010101" pitchFamily="34" charset="-79"/>
+            </a:endParaRPr>
+          </a:p>
+          <a:p>
+            <a:pPr algn="ctr" rtl="1"/>
+            <a:endParaRPr lang="he-IL" sz="2325" dirty="0">
+              <a:solidFill>
+                <a:schemeClr val="tx1"/>
+              </a:solidFill>
+              <a:latin typeface="David" panose="020E0502060401010101" pitchFamily="34" charset="-79"/>
+              <a:cs typeface="David" panose="020E0502060401010101" pitchFamily="34" charset="-79"/>
+            </a:endParaRPr>
+          </a:p>
+          <a:p>
+            <a:pPr algn="ctr" rtl="1"/>
+            <a:endParaRPr lang="he-IL" sz="2325" dirty="0">
+              <a:solidFill>
+                <a:schemeClr val="tx1"/>
+              </a:solidFill>
+              <a:latin typeface="David" panose="020E0502060401010101" pitchFamily="34" charset="-79"/>
+              <a:cs typeface="David" panose="020E0502060401010101" pitchFamily="34" charset="-79"/>
+            </a:endParaRPr>
+          </a:p>
+          <a:p>
+            <a:pPr algn="ctr" rtl="1"/>
+            <a:endParaRPr lang="he-IL" sz="2325" dirty="0">
+              <a:solidFill>
+                <a:schemeClr val="tx1"/>
+              </a:solidFill>
+              <a:latin typeface="David" panose="020E0502060401010101" pitchFamily="34" charset="-79"/>
+              <a:cs typeface="David" panose="020E0502060401010101" pitchFamily="34" charset="-79"/>
+            </a:endParaRPr>
+          </a:p>
+        </p:txBody>
+      </p:sp>
+      <p:sp>
+        <p:nvSpPr>
+          <p:cNvPr id="5" name="Rectangle 4"/>
+          <p:cNvSpPr/>
+          <p:nvPr/>
+        </p:nvSpPr>
+        <p:spPr>
+          <a:xfrm>
+            <a:off x="4726770" y="5358207"/>
+            <a:ext cx="2750351" cy="1021313"/>
+          </a:xfrm>
+          <a:prstGeom prst="rect">
+            <a:avLst/>
+          </a:prstGeom>
+          <a:solidFill>
+            <a:schemeClr val="tx1">
+              <a:lumMod val="65000"/>
+              <a:lumOff val="35000"/>
+            </a:schemeClr>
+          </a:solidFill>
+          <a:ln w="76200">
+            <a:solidFill>
+              <a:schemeClr val="tx1">
+                <a:lumMod val="85000"/>
+                <a:lumOff val="15000"/>
+              </a:schemeClr>
+            </a:solidFill>
+          </a:ln>
+        </p:spPr>
+        <p:style>
+          <a:lnRef idx="2">
+            <a:schemeClr val="accent1">
+              <a:shade val="50000"/>
+            </a:schemeClr>
+          </a:lnRef>
+          <a:fillRef idx="1">
+            <a:schemeClr val="accent1"/>
+          </a:fillRef>
+          <a:effectRef idx="0">
+            <a:schemeClr val="accent1"/>
+          </a:effectRef>
+          <a:fontRef idx="minor">
+            <a:schemeClr val="lt1"/>
+          </a:fontRef>
+        </p:style>
+        <p:txBody>
+          <a:bodyPr lIns="160949" tIns="80476" rIns="160949" bIns="80476" rtlCol="1" anchor="ctr"/>
+          <a:lstStyle/>
+          <a:p>
+            <a:pPr algn="ctr" rtl="1"/>
+            <a:r>
+              <a:rPr lang="he-IL" sz="1937" dirty="0">
+                <a:solidFill>
+                  <a:schemeClr val="tx1"/>
+                </a:solidFill>
+                <a:latin typeface="David" panose="020E0502060401010101" pitchFamily="34" charset="-79"/>
+                <a:cs typeface="David" panose="020E0502060401010101" pitchFamily="34" charset="-79"/>
+              </a:rPr>
+              <a:t>לחץ על אחד המקשים כדי להמשיך</a:t>
+            </a:r>
+          </a:p>
+        </p:txBody>
+      </p:sp>
+      <p:pic>
+        <p:nvPicPr>
+          <p:cNvPr id="10" name="Picture 9"/>
+          <p:cNvPicPr>
+            <a:picLocks noChangeAspect="1"/>
+          </p:cNvPicPr>
+          <p:nvPr/>
+        </p:nvPicPr>
+        <p:blipFill>
+          <a:blip r:embed="rId3" cstate="print">
+            <a:extLst>
+              <a:ext uri="{28A0092B-C50C-407E-A947-70E740481C1C}">
+                <a14:useLocalDpi xmlns:a14="http://schemas.microsoft.com/office/drawing/2010/main" val="0"/>
+              </a:ext>
+            </a:extLst>
+          </a:blip>
+          <a:stretch>
+            <a:fillRect/>
+          </a:stretch>
+        </p:blipFill>
+        <p:spPr>
+          <a:xfrm>
+            <a:off x="5972178" y="3244904"/>
+            <a:ext cx="1351862" cy="2113303"/>
+          </a:xfrm>
+          <a:prstGeom prst="rect">
+            <a:avLst/>
+          </a:prstGeom>
+        </p:spPr>
+      </p:pic>
+      <p:sp>
+        <p:nvSpPr>
+          <p:cNvPr id="2" name="Rectangle 1">
+            <a:extLst>
+              <a:ext uri="{FF2B5EF4-FFF2-40B4-BE49-F238E27FC236}">
+                <a16:creationId xmlns:a16="http://schemas.microsoft.com/office/drawing/2014/main" id="{19D6A6BA-4E0D-4527-9EFB-87B3DDD9ACCD}"/>
+              </a:ext>
+            </a:extLst>
+          </p:cNvPr>
+          <p:cNvSpPr/>
+          <p:nvPr/>
+        </p:nvSpPr>
+        <p:spPr>
+          <a:xfrm>
+            <a:off x="3523377" y="3830444"/>
+            <a:ext cx="1530564" cy="576743"/>
+          </a:xfrm>
+          <a:prstGeom prst="rect">
+            <a:avLst/>
+          </a:prstGeom>
+        </p:spPr>
+        <p:style>
+          <a:lnRef idx="2">
+            <a:schemeClr val="accent1">
+              <a:shade val="50000"/>
+            </a:schemeClr>
+          </a:lnRef>
+          <a:fillRef idx="1">
+            <a:schemeClr val="accent1"/>
+          </a:fillRef>
+          <a:effectRef idx="0">
+            <a:schemeClr val="accent1"/>
+          </a:effectRef>
+          <a:fontRef idx="minor">
+            <a:schemeClr val="lt1"/>
+          </a:fontRef>
+        </p:style>
+        <p:txBody>
+          <a:bodyPr rtlCol="0" anchor="ctr"/>
+          <a:lstStyle/>
+          <a:p>
+            <a:pPr algn="ctr"/>
+            <a:r>
+              <a:rPr lang="he-IL" dirty="0"/>
+              <a:t>לשנות ללא מוטה</a:t>
+            </a:r>
+            <a:endParaRPr lang="en-US" dirty="0"/>
+          </a:p>
+        </p:txBody>
+      </p:sp>
+    </p:spTree>
+    <p:extLst>
+      <p:ext uri="{BB962C8B-B14F-4D97-AF65-F5344CB8AC3E}">
+        <p14:creationId xmlns:p14="http://schemas.microsoft.com/office/powerpoint/2010/main" val="4289600243"/>
+      </p:ext>
+    </p:extLst>
+  </p:cSld>
+  <p:clrMapOvr>
+    <a:masterClrMapping/>
+  </p:clrMapOvr>
+</p:sld>
+</file>
+
+<file path=ppt/slides/slide7.xml><?xml version="1.0" encoding="utf-8"?>
+<p:sld xmlns:a="http://schemas.openxmlformats.org/drawingml/2006/main" xmlns:r="http://schemas.openxmlformats.org/officeDocument/2006/relationships" xmlns:p="http://schemas.openxmlformats.org/presentationml/2006/main" show="0">
+  <p:cSld>
+    <p:spTree>
+      <p:nvGrpSpPr>
+        <p:cNvPr id="1" name=""/>
+        <p:cNvGrpSpPr/>
+        <p:nvPr/>
+      </p:nvGrpSpPr>
+      <p:grpSpPr>
+        <a:xfrm>
+          <a:off x="0" y="0"/>
+          <a:ext cx="0" cy="0"/>
+          <a:chOff x="0" y="0"/>
+          <a:chExt cx="0" cy="0"/>
+        </a:xfrm>
+      </p:grpSpPr>
+      <p:sp>
+        <p:nvSpPr>
+          <p:cNvPr id="4" name="Rectangle 3"/>
+          <p:cNvSpPr>
+            <a:spLocks/>
+          </p:cNvSpPr>
+          <p:nvPr/>
+        </p:nvSpPr>
+        <p:spPr>
+          <a:xfrm>
+            <a:off x="2065971" y="577526"/>
+            <a:ext cx="8071946" cy="4969278"/>
+          </a:xfrm>
+          <a:prstGeom prst="rect">
+            <a:avLst/>
+          </a:prstGeom>
+          <a:solidFill>
+            <a:schemeClr val="bg1">
+              <a:lumMod val="65000"/>
+            </a:schemeClr>
+          </a:solidFill>
+          <a:ln w="76200">
+            <a:solidFill>
+              <a:schemeClr val="tx1">
+                <a:lumMod val="65000"/>
+                <a:lumOff val="35000"/>
+              </a:schemeClr>
+            </a:solidFill>
+          </a:ln>
+        </p:spPr>
+        <p:style>
+          <a:lnRef idx="2">
+            <a:schemeClr val="accent1">
+              <a:shade val="50000"/>
+            </a:schemeClr>
+          </a:lnRef>
+          <a:fillRef idx="1">
+            <a:schemeClr val="accent1"/>
+          </a:fillRef>
+          <a:effectRef idx="0">
+            <a:schemeClr val="accent1"/>
+          </a:effectRef>
+          <a:fontRef idx="minor">
+            <a:schemeClr val="lt1"/>
+          </a:fontRef>
+        </p:style>
+        <p:txBody>
+          <a:bodyPr lIns="160949" tIns="80476" rIns="160949" bIns="80476" rtlCol="1" anchor="ctr"/>
+          <a:lstStyle/>
+          <a:p>
+            <a:pPr algn="ctr" rtl="1"/>
+            <a:r>
+              <a:rPr lang="he-IL" sz="2325">
+                <a:solidFill>
+                  <a:srgbClr val="FF0000"/>
+                </a:solidFill>
+                <a:latin typeface="David" panose="020E0502060401010101" pitchFamily="34" charset="-79"/>
+                <a:cs typeface="David" panose="020E0502060401010101" pitchFamily="34" charset="-79"/>
+              </a:rPr>
+              <a:t>רלבנטי? </a:t>
+            </a:r>
+            <a:r>
+              <a:rPr lang="he-IL" sz="2325">
+                <a:solidFill>
+                  <a:schemeClr val="tx1"/>
+                </a:solidFill>
+                <a:latin typeface="David" panose="020E0502060401010101" pitchFamily="34" charset="-79"/>
+                <a:cs typeface="David" panose="020E0502060401010101" pitchFamily="34" charset="-79"/>
+              </a:rPr>
+              <a:t>בכל </a:t>
+            </a:r>
+            <a:r>
+              <a:rPr lang="he-IL" sz="2325" dirty="0">
+                <a:solidFill>
+                  <a:schemeClr val="tx1"/>
+                </a:solidFill>
+                <a:latin typeface="David" panose="020E0502060401010101" pitchFamily="34" charset="-79"/>
+                <a:cs typeface="David" panose="020E0502060401010101" pitchFamily="34" charset="-79"/>
+              </a:rPr>
+              <a:t>פעם, נסה להשתמש במשוב כדי ללמוד לאזן את הקשב שלך, ולמנוע ממנו להיות מושפע מהמחשבות השליליות בהמשך המטלה.</a:t>
             </a:r>
           </a:p>
           <a:p>

--- a/Instructions_Pictures/AFACT & MAB Instructions/AfactInstsPresntation.pptx
+++ b/Instructions_Pictures/AFACT & MAB Instructions/AfactInstsPresntation.pptx
@@ -3,18 +3,22 @@
 <p:presentation xmlns:a="http://schemas.openxmlformats.org/drawingml/2006/main" xmlns:r="http://schemas.openxmlformats.org/officeDocument/2006/relationships" xmlns:p="http://schemas.openxmlformats.org/presentationml/2006/main" saveSubsetFonts="1">
   <p:sldMasterIdLst>
     <p:sldMasterId id="2147483648" r:id="rId1"/>
+    <p:sldMasterId id="2147483660" r:id="rId2"/>
   </p:sldMasterIdLst>
   <p:notesMasterIdLst>
-    <p:notesMasterId r:id="rId9"/>
+    <p:notesMasterId r:id="rId13"/>
   </p:notesMasterIdLst>
   <p:sldIdLst>
-    <p:sldId id="264" r:id="rId2"/>
-    <p:sldId id="265" r:id="rId3"/>
-    <p:sldId id="281" r:id="rId4"/>
-    <p:sldId id="266" r:id="rId5"/>
-    <p:sldId id="282" r:id="rId6"/>
-    <p:sldId id="279" r:id="rId7"/>
-    <p:sldId id="280" r:id="rId8"/>
+    <p:sldId id="264" r:id="rId3"/>
+    <p:sldId id="265" r:id="rId4"/>
+    <p:sldId id="284" r:id="rId5"/>
+    <p:sldId id="259" r:id="rId6"/>
+    <p:sldId id="283" r:id="rId7"/>
+    <p:sldId id="281" r:id="rId8"/>
+    <p:sldId id="266" r:id="rId9"/>
+    <p:sldId id="282" r:id="rId10"/>
+    <p:sldId id="279" r:id="rId11"/>
+    <p:sldId id="280" r:id="rId12"/>
   </p:sldIdLst>
   <p:sldSz cx="12192000" cy="6858000"/>
   <p:notesSz cx="6858000" cy="9144000"/>
@@ -203,7 +207,7 @@
           <a:p>
             <a:fld id="{E130F5AB-C98F-4759-9D05-F414FD7B35E1}" type="datetimeFigureOut">
               <a:rPr lang="en-US" smtClean="0"/>
-              <a:t>2/22/2021</a:t>
+              <a:t>2/25/2021</a:t>
             </a:fld>
             <a:endParaRPr lang="en-US"/>
           </a:p>
@@ -581,7 +585,7 @@
           <a:p>
             <a:fld id="{982C1452-936D-4F19-ADA9-7B8746D33D07}" type="slidenum">
               <a:rPr lang="en-US" smtClean="0"/>
-              <a:t>5</a:t>
+              <a:t>8</a:t>
             </a:fld>
             <a:endParaRPr lang="en-US"/>
           </a:p>
@@ -711,7 +715,7 @@
           <a:p>
             <a:fld id="{982C1452-936D-4F19-ADA9-7B8746D33D07}" type="slidenum">
               <a:rPr lang="en-US" smtClean="0"/>
-              <a:t>6</a:t>
+              <a:t>9</a:t>
             </a:fld>
             <a:endParaRPr lang="en-US"/>
           </a:p>
@@ -799,7 +803,7 @@
           <a:p>
             <a:fld id="{982C1452-936D-4F19-ADA9-7B8746D33D07}" type="slidenum">
               <a:rPr lang="en-US" smtClean="0"/>
-              <a:t>7</a:t>
+              <a:t>10</a:t>
             </a:fld>
             <a:endParaRPr lang="en-US"/>
           </a:p>
@@ -949,7 +953,7 @@
           <a:p>
             <a:fld id="{306B59E2-DA6D-487B-96A5-0C8E7410BF99}" type="datetimeFigureOut">
               <a:rPr lang="he-IL" smtClean="0"/>
-              <a:t>י'/אדר/תשפ"א</a:t>
+              <a:t>י"ג/אדר/תשפ"א</a:t>
             </a:fld>
             <a:endParaRPr lang="he-IL"/>
           </a:p>
@@ -1119,7 +1123,7 @@
           <a:p>
             <a:fld id="{306B59E2-DA6D-487B-96A5-0C8E7410BF99}" type="datetimeFigureOut">
               <a:rPr lang="he-IL" smtClean="0"/>
-              <a:t>י'/אדר/תשפ"א</a:t>
+              <a:t>י"ג/אדר/תשפ"א</a:t>
             </a:fld>
             <a:endParaRPr lang="he-IL"/>
           </a:p>
@@ -1299,7 +1303,7 @@
           <a:p>
             <a:fld id="{306B59E2-DA6D-487B-96A5-0C8E7410BF99}" type="datetimeFigureOut">
               <a:rPr lang="he-IL" smtClean="0"/>
-              <a:t>י'/אדר/תשפ"א</a:t>
+              <a:t>י"ג/אדר/תשפ"א</a:t>
             </a:fld>
             <a:endParaRPr lang="he-IL"/>
           </a:p>
@@ -1351,6 +1355,1703 @@
     <p:extLst>
       <p:ext uri="{BB962C8B-B14F-4D97-AF65-F5344CB8AC3E}">
         <p14:creationId xmlns:p14="http://schemas.microsoft.com/office/powerpoint/2010/main" val="3877672373"/>
+      </p:ext>
+    </p:extLst>
+  </p:cSld>
+  <p:clrMapOvr>
+    <a:masterClrMapping/>
+  </p:clrMapOvr>
+</p:sldLayout>
+</file>
+
+<file path=ppt/slideLayouts/slideLayout12.xml><?xml version="1.0" encoding="utf-8"?>
+<p:sldLayout xmlns:a="http://schemas.openxmlformats.org/drawingml/2006/main" xmlns:r="http://schemas.openxmlformats.org/officeDocument/2006/relationships" xmlns:p="http://schemas.openxmlformats.org/presentationml/2006/main" type="title" preserve="1">
+  <p:cSld name="Title Slide">
+    <p:spTree>
+      <p:nvGrpSpPr>
+        <p:cNvPr id="1" name=""/>
+        <p:cNvGrpSpPr/>
+        <p:nvPr/>
+      </p:nvGrpSpPr>
+      <p:grpSpPr>
+        <a:xfrm>
+          <a:off x="0" y="0"/>
+          <a:ext cx="0" cy="0"/>
+          <a:chOff x="0" y="0"/>
+          <a:chExt cx="0" cy="0"/>
+        </a:xfrm>
+      </p:grpSpPr>
+      <p:sp>
+        <p:nvSpPr>
+          <p:cNvPr id="2" name="Title 1"/>
+          <p:cNvSpPr>
+            <a:spLocks noGrp="1"/>
+          </p:cNvSpPr>
+          <p:nvPr>
+            <p:ph type="ctrTitle"/>
+          </p:nvPr>
+        </p:nvSpPr>
+        <p:spPr>
+          <a:xfrm>
+            <a:off x="1524000" y="1122363"/>
+            <a:ext cx="9144000" cy="2387600"/>
+          </a:xfrm>
+        </p:spPr>
+        <p:txBody>
+          <a:bodyPr anchor="b"/>
+          <a:lstStyle>
+            <a:lvl1pPr algn="ctr">
+              <a:defRPr sz="6000"/>
+            </a:lvl1pPr>
+          </a:lstStyle>
+          <a:p>
+            <a:r>
+              <a:rPr lang="en-US"/>
+              <a:t>Click to edit Master title style</a:t>
+            </a:r>
+            <a:endParaRPr lang="he-IL"/>
+          </a:p>
+        </p:txBody>
+      </p:sp>
+      <p:sp>
+        <p:nvSpPr>
+          <p:cNvPr id="3" name="Subtitle 2"/>
+          <p:cNvSpPr>
+            <a:spLocks noGrp="1"/>
+          </p:cNvSpPr>
+          <p:nvPr>
+            <p:ph type="subTitle" idx="1"/>
+          </p:nvPr>
+        </p:nvSpPr>
+        <p:spPr>
+          <a:xfrm>
+            <a:off x="1524000" y="3602038"/>
+            <a:ext cx="9144000" cy="1655762"/>
+          </a:xfrm>
+        </p:spPr>
+        <p:txBody>
+          <a:bodyPr/>
+          <a:lstStyle>
+            <a:lvl1pPr marL="0" indent="0" algn="ctr">
+              <a:buNone/>
+              <a:defRPr sz="2400"/>
+            </a:lvl1pPr>
+            <a:lvl2pPr marL="457200" indent="0" algn="ctr">
+              <a:buNone/>
+              <a:defRPr sz="2000"/>
+            </a:lvl2pPr>
+            <a:lvl3pPr marL="914400" indent="0" algn="ctr">
+              <a:buNone/>
+              <a:defRPr sz="1800"/>
+            </a:lvl3pPr>
+            <a:lvl4pPr marL="1371600" indent="0" algn="ctr">
+              <a:buNone/>
+              <a:defRPr sz="1600"/>
+            </a:lvl4pPr>
+            <a:lvl5pPr marL="1828800" indent="0" algn="ctr">
+              <a:buNone/>
+              <a:defRPr sz="1600"/>
+            </a:lvl5pPr>
+            <a:lvl6pPr marL="2286000" indent="0" algn="ctr">
+              <a:buNone/>
+              <a:defRPr sz="1600"/>
+            </a:lvl6pPr>
+            <a:lvl7pPr marL="2743200" indent="0" algn="ctr">
+              <a:buNone/>
+              <a:defRPr sz="1600"/>
+            </a:lvl7pPr>
+            <a:lvl8pPr marL="3200400" indent="0" algn="ctr">
+              <a:buNone/>
+              <a:defRPr sz="1600"/>
+            </a:lvl8pPr>
+            <a:lvl9pPr marL="3657600" indent="0" algn="ctr">
+              <a:buNone/>
+              <a:defRPr sz="1600"/>
+            </a:lvl9pPr>
+          </a:lstStyle>
+          <a:p>
+            <a:r>
+              <a:rPr lang="en-US"/>
+              <a:t>Click to edit Master subtitle style</a:t>
+            </a:r>
+            <a:endParaRPr lang="he-IL"/>
+          </a:p>
+        </p:txBody>
+      </p:sp>
+      <p:sp>
+        <p:nvSpPr>
+          <p:cNvPr id="4" name="Date Placeholder 3"/>
+          <p:cNvSpPr>
+            <a:spLocks noGrp="1"/>
+          </p:cNvSpPr>
+          <p:nvPr>
+            <p:ph type="dt" sz="half" idx="10"/>
+          </p:nvPr>
+        </p:nvSpPr>
+        <p:spPr/>
+        <p:txBody>
+          <a:bodyPr/>
+          <a:lstStyle/>
+          <a:p>
+            <a:fld id="{4476BBAF-3BF1-4078-A5DF-44D473DCBE61}" type="datetimeFigureOut">
+              <a:rPr lang="he-IL" smtClean="0"/>
+              <a:t>י"ג/אדר/תשפ"א</a:t>
+            </a:fld>
+            <a:endParaRPr lang="he-IL"/>
+          </a:p>
+        </p:txBody>
+      </p:sp>
+      <p:sp>
+        <p:nvSpPr>
+          <p:cNvPr id="5" name="Footer Placeholder 4"/>
+          <p:cNvSpPr>
+            <a:spLocks noGrp="1"/>
+          </p:cNvSpPr>
+          <p:nvPr>
+            <p:ph type="ftr" sz="quarter" idx="11"/>
+          </p:nvPr>
+        </p:nvSpPr>
+        <p:spPr/>
+        <p:txBody>
+          <a:bodyPr/>
+          <a:lstStyle/>
+          <a:p>
+            <a:endParaRPr lang="he-IL"/>
+          </a:p>
+        </p:txBody>
+      </p:sp>
+      <p:sp>
+        <p:nvSpPr>
+          <p:cNvPr id="6" name="Slide Number Placeholder 5"/>
+          <p:cNvSpPr>
+            <a:spLocks noGrp="1"/>
+          </p:cNvSpPr>
+          <p:nvPr>
+            <p:ph type="sldNum" sz="quarter" idx="12"/>
+          </p:nvPr>
+        </p:nvSpPr>
+        <p:spPr/>
+        <p:txBody>
+          <a:bodyPr/>
+          <a:lstStyle/>
+          <a:p>
+            <a:fld id="{DD228498-15AE-46A4-A4BE-7363958E281E}" type="slidenum">
+              <a:rPr lang="he-IL" smtClean="0"/>
+              <a:t>‹#›</a:t>
+            </a:fld>
+            <a:endParaRPr lang="he-IL"/>
+          </a:p>
+        </p:txBody>
+      </p:sp>
+    </p:spTree>
+    <p:extLst>
+      <p:ext uri="{BB962C8B-B14F-4D97-AF65-F5344CB8AC3E}">
+        <p14:creationId xmlns:p14="http://schemas.microsoft.com/office/powerpoint/2010/main" val="3063844786"/>
+      </p:ext>
+    </p:extLst>
+  </p:cSld>
+  <p:clrMapOvr>
+    <a:masterClrMapping/>
+  </p:clrMapOvr>
+</p:sldLayout>
+</file>
+
+<file path=ppt/slideLayouts/slideLayout13.xml><?xml version="1.0" encoding="utf-8"?>
+<p:sldLayout xmlns:a="http://schemas.openxmlformats.org/drawingml/2006/main" xmlns:r="http://schemas.openxmlformats.org/officeDocument/2006/relationships" xmlns:p="http://schemas.openxmlformats.org/presentationml/2006/main" type="obj" preserve="1">
+  <p:cSld name="Title and Content">
+    <p:spTree>
+      <p:nvGrpSpPr>
+        <p:cNvPr id="1" name=""/>
+        <p:cNvGrpSpPr/>
+        <p:nvPr/>
+      </p:nvGrpSpPr>
+      <p:grpSpPr>
+        <a:xfrm>
+          <a:off x="0" y="0"/>
+          <a:ext cx="0" cy="0"/>
+          <a:chOff x="0" y="0"/>
+          <a:chExt cx="0" cy="0"/>
+        </a:xfrm>
+      </p:grpSpPr>
+      <p:sp>
+        <p:nvSpPr>
+          <p:cNvPr id="2" name="Title 1"/>
+          <p:cNvSpPr>
+            <a:spLocks noGrp="1"/>
+          </p:cNvSpPr>
+          <p:nvPr>
+            <p:ph type="title"/>
+          </p:nvPr>
+        </p:nvSpPr>
+        <p:spPr/>
+        <p:txBody>
+          <a:bodyPr/>
+          <a:lstStyle/>
+          <a:p>
+            <a:r>
+              <a:rPr lang="en-US"/>
+              <a:t>Click to edit Master title style</a:t>
+            </a:r>
+            <a:endParaRPr lang="he-IL"/>
+          </a:p>
+        </p:txBody>
+      </p:sp>
+      <p:sp>
+        <p:nvSpPr>
+          <p:cNvPr id="3" name="Content Placeholder 2"/>
+          <p:cNvSpPr>
+            <a:spLocks noGrp="1"/>
+          </p:cNvSpPr>
+          <p:nvPr>
+            <p:ph idx="1"/>
+          </p:nvPr>
+        </p:nvSpPr>
+        <p:spPr/>
+        <p:txBody>
+          <a:bodyPr/>
+          <a:lstStyle/>
+          <a:p>
+            <a:pPr lvl="0"/>
+            <a:r>
+              <a:rPr lang="en-US"/>
+              <a:t>Edit Master text styles</a:t>
+            </a:r>
+          </a:p>
+          <a:p>
+            <a:pPr lvl="1"/>
+            <a:r>
+              <a:rPr lang="en-US"/>
+              <a:t>Second level</a:t>
+            </a:r>
+          </a:p>
+          <a:p>
+            <a:pPr lvl="2"/>
+            <a:r>
+              <a:rPr lang="en-US"/>
+              <a:t>Third level</a:t>
+            </a:r>
+          </a:p>
+          <a:p>
+            <a:pPr lvl="3"/>
+            <a:r>
+              <a:rPr lang="en-US"/>
+              <a:t>Fourth level</a:t>
+            </a:r>
+          </a:p>
+          <a:p>
+            <a:pPr lvl="4"/>
+            <a:r>
+              <a:rPr lang="en-US"/>
+              <a:t>Fifth level</a:t>
+            </a:r>
+            <a:endParaRPr lang="he-IL"/>
+          </a:p>
+        </p:txBody>
+      </p:sp>
+      <p:sp>
+        <p:nvSpPr>
+          <p:cNvPr id="4" name="Date Placeholder 3"/>
+          <p:cNvSpPr>
+            <a:spLocks noGrp="1"/>
+          </p:cNvSpPr>
+          <p:nvPr>
+            <p:ph type="dt" sz="half" idx="10"/>
+          </p:nvPr>
+        </p:nvSpPr>
+        <p:spPr/>
+        <p:txBody>
+          <a:bodyPr/>
+          <a:lstStyle/>
+          <a:p>
+            <a:fld id="{4476BBAF-3BF1-4078-A5DF-44D473DCBE61}" type="datetimeFigureOut">
+              <a:rPr lang="he-IL" smtClean="0"/>
+              <a:t>י"ג/אדר/תשפ"א</a:t>
+            </a:fld>
+            <a:endParaRPr lang="he-IL"/>
+          </a:p>
+        </p:txBody>
+      </p:sp>
+      <p:sp>
+        <p:nvSpPr>
+          <p:cNvPr id="5" name="Footer Placeholder 4"/>
+          <p:cNvSpPr>
+            <a:spLocks noGrp="1"/>
+          </p:cNvSpPr>
+          <p:nvPr>
+            <p:ph type="ftr" sz="quarter" idx="11"/>
+          </p:nvPr>
+        </p:nvSpPr>
+        <p:spPr/>
+        <p:txBody>
+          <a:bodyPr/>
+          <a:lstStyle/>
+          <a:p>
+            <a:endParaRPr lang="he-IL"/>
+          </a:p>
+        </p:txBody>
+      </p:sp>
+      <p:sp>
+        <p:nvSpPr>
+          <p:cNvPr id="6" name="Slide Number Placeholder 5"/>
+          <p:cNvSpPr>
+            <a:spLocks noGrp="1"/>
+          </p:cNvSpPr>
+          <p:nvPr>
+            <p:ph type="sldNum" sz="quarter" idx="12"/>
+          </p:nvPr>
+        </p:nvSpPr>
+        <p:spPr/>
+        <p:txBody>
+          <a:bodyPr/>
+          <a:lstStyle/>
+          <a:p>
+            <a:fld id="{DD228498-15AE-46A4-A4BE-7363958E281E}" type="slidenum">
+              <a:rPr lang="he-IL" smtClean="0"/>
+              <a:t>‹#›</a:t>
+            </a:fld>
+            <a:endParaRPr lang="he-IL"/>
+          </a:p>
+        </p:txBody>
+      </p:sp>
+    </p:spTree>
+    <p:extLst>
+      <p:ext uri="{BB962C8B-B14F-4D97-AF65-F5344CB8AC3E}">
+        <p14:creationId xmlns:p14="http://schemas.microsoft.com/office/powerpoint/2010/main" val="1053692557"/>
+      </p:ext>
+    </p:extLst>
+  </p:cSld>
+  <p:clrMapOvr>
+    <a:masterClrMapping/>
+  </p:clrMapOvr>
+</p:sldLayout>
+</file>
+
+<file path=ppt/slideLayouts/slideLayout14.xml><?xml version="1.0" encoding="utf-8"?>
+<p:sldLayout xmlns:a="http://schemas.openxmlformats.org/drawingml/2006/main" xmlns:r="http://schemas.openxmlformats.org/officeDocument/2006/relationships" xmlns:p="http://schemas.openxmlformats.org/presentationml/2006/main" type="secHead" preserve="1">
+  <p:cSld name="Section Header">
+    <p:spTree>
+      <p:nvGrpSpPr>
+        <p:cNvPr id="1" name=""/>
+        <p:cNvGrpSpPr/>
+        <p:nvPr/>
+      </p:nvGrpSpPr>
+      <p:grpSpPr>
+        <a:xfrm>
+          <a:off x="0" y="0"/>
+          <a:ext cx="0" cy="0"/>
+          <a:chOff x="0" y="0"/>
+          <a:chExt cx="0" cy="0"/>
+        </a:xfrm>
+      </p:grpSpPr>
+      <p:sp>
+        <p:nvSpPr>
+          <p:cNvPr id="2" name="Title 1"/>
+          <p:cNvSpPr>
+            <a:spLocks noGrp="1"/>
+          </p:cNvSpPr>
+          <p:nvPr>
+            <p:ph type="title"/>
+          </p:nvPr>
+        </p:nvSpPr>
+        <p:spPr>
+          <a:xfrm>
+            <a:off x="831850" y="1709738"/>
+            <a:ext cx="10515600" cy="2852737"/>
+          </a:xfrm>
+        </p:spPr>
+        <p:txBody>
+          <a:bodyPr anchor="b"/>
+          <a:lstStyle>
+            <a:lvl1pPr>
+              <a:defRPr sz="6000"/>
+            </a:lvl1pPr>
+          </a:lstStyle>
+          <a:p>
+            <a:r>
+              <a:rPr lang="en-US"/>
+              <a:t>Click to edit Master title style</a:t>
+            </a:r>
+            <a:endParaRPr lang="he-IL"/>
+          </a:p>
+        </p:txBody>
+      </p:sp>
+      <p:sp>
+        <p:nvSpPr>
+          <p:cNvPr id="3" name="Text Placeholder 2"/>
+          <p:cNvSpPr>
+            <a:spLocks noGrp="1"/>
+          </p:cNvSpPr>
+          <p:nvPr>
+            <p:ph type="body" idx="1"/>
+          </p:nvPr>
+        </p:nvSpPr>
+        <p:spPr>
+          <a:xfrm>
+            <a:off x="831850" y="4589463"/>
+            <a:ext cx="10515600" cy="1500187"/>
+          </a:xfrm>
+        </p:spPr>
+        <p:txBody>
+          <a:bodyPr/>
+          <a:lstStyle>
+            <a:lvl1pPr marL="0" indent="0">
+              <a:buNone/>
+              <a:defRPr sz="2400">
+                <a:solidFill>
+                  <a:schemeClr val="tx1">
+                    <a:tint val="75000"/>
+                  </a:schemeClr>
+                </a:solidFill>
+              </a:defRPr>
+            </a:lvl1pPr>
+            <a:lvl2pPr marL="457200" indent="0">
+              <a:buNone/>
+              <a:defRPr sz="2000">
+                <a:solidFill>
+                  <a:schemeClr val="tx1">
+                    <a:tint val="75000"/>
+                  </a:schemeClr>
+                </a:solidFill>
+              </a:defRPr>
+            </a:lvl2pPr>
+            <a:lvl3pPr marL="914400" indent="0">
+              <a:buNone/>
+              <a:defRPr sz="1800">
+                <a:solidFill>
+                  <a:schemeClr val="tx1">
+                    <a:tint val="75000"/>
+                  </a:schemeClr>
+                </a:solidFill>
+              </a:defRPr>
+            </a:lvl3pPr>
+            <a:lvl4pPr marL="1371600" indent="0">
+              <a:buNone/>
+              <a:defRPr sz="1600">
+                <a:solidFill>
+                  <a:schemeClr val="tx1">
+                    <a:tint val="75000"/>
+                  </a:schemeClr>
+                </a:solidFill>
+              </a:defRPr>
+            </a:lvl4pPr>
+            <a:lvl5pPr marL="1828800" indent="0">
+              <a:buNone/>
+              <a:defRPr sz="1600">
+                <a:solidFill>
+                  <a:schemeClr val="tx1">
+                    <a:tint val="75000"/>
+                  </a:schemeClr>
+                </a:solidFill>
+              </a:defRPr>
+            </a:lvl5pPr>
+            <a:lvl6pPr marL="2286000" indent="0">
+              <a:buNone/>
+              <a:defRPr sz="1600">
+                <a:solidFill>
+                  <a:schemeClr val="tx1">
+                    <a:tint val="75000"/>
+                  </a:schemeClr>
+                </a:solidFill>
+              </a:defRPr>
+            </a:lvl6pPr>
+            <a:lvl7pPr marL="2743200" indent="0">
+              <a:buNone/>
+              <a:defRPr sz="1600">
+                <a:solidFill>
+                  <a:schemeClr val="tx1">
+                    <a:tint val="75000"/>
+                  </a:schemeClr>
+                </a:solidFill>
+              </a:defRPr>
+            </a:lvl7pPr>
+            <a:lvl8pPr marL="3200400" indent="0">
+              <a:buNone/>
+              <a:defRPr sz="1600">
+                <a:solidFill>
+                  <a:schemeClr val="tx1">
+                    <a:tint val="75000"/>
+                  </a:schemeClr>
+                </a:solidFill>
+              </a:defRPr>
+            </a:lvl8pPr>
+            <a:lvl9pPr marL="3657600" indent="0">
+              <a:buNone/>
+              <a:defRPr sz="1600">
+                <a:solidFill>
+                  <a:schemeClr val="tx1">
+                    <a:tint val="75000"/>
+                  </a:schemeClr>
+                </a:solidFill>
+              </a:defRPr>
+            </a:lvl9pPr>
+          </a:lstStyle>
+          <a:p>
+            <a:pPr lvl="0"/>
+            <a:r>
+              <a:rPr lang="en-US"/>
+              <a:t>Edit Master text styles</a:t>
+            </a:r>
+          </a:p>
+        </p:txBody>
+      </p:sp>
+      <p:sp>
+        <p:nvSpPr>
+          <p:cNvPr id="4" name="Date Placeholder 3"/>
+          <p:cNvSpPr>
+            <a:spLocks noGrp="1"/>
+          </p:cNvSpPr>
+          <p:nvPr>
+            <p:ph type="dt" sz="half" idx="10"/>
+          </p:nvPr>
+        </p:nvSpPr>
+        <p:spPr/>
+        <p:txBody>
+          <a:bodyPr/>
+          <a:lstStyle/>
+          <a:p>
+            <a:fld id="{4476BBAF-3BF1-4078-A5DF-44D473DCBE61}" type="datetimeFigureOut">
+              <a:rPr lang="he-IL" smtClean="0"/>
+              <a:t>י"ג/אדר/תשפ"א</a:t>
+            </a:fld>
+            <a:endParaRPr lang="he-IL"/>
+          </a:p>
+        </p:txBody>
+      </p:sp>
+      <p:sp>
+        <p:nvSpPr>
+          <p:cNvPr id="5" name="Footer Placeholder 4"/>
+          <p:cNvSpPr>
+            <a:spLocks noGrp="1"/>
+          </p:cNvSpPr>
+          <p:nvPr>
+            <p:ph type="ftr" sz="quarter" idx="11"/>
+          </p:nvPr>
+        </p:nvSpPr>
+        <p:spPr/>
+        <p:txBody>
+          <a:bodyPr/>
+          <a:lstStyle/>
+          <a:p>
+            <a:endParaRPr lang="he-IL"/>
+          </a:p>
+        </p:txBody>
+      </p:sp>
+      <p:sp>
+        <p:nvSpPr>
+          <p:cNvPr id="6" name="Slide Number Placeholder 5"/>
+          <p:cNvSpPr>
+            <a:spLocks noGrp="1"/>
+          </p:cNvSpPr>
+          <p:nvPr>
+            <p:ph type="sldNum" sz="quarter" idx="12"/>
+          </p:nvPr>
+        </p:nvSpPr>
+        <p:spPr/>
+        <p:txBody>
+          <a:bodyPr/>
+          <a:lstStyle/>
+          <a:p>
+            <a:fld id="{DD228498-15AE-46A4-A4BE-7363958E281E}" type="slidenum">
+              <a:rPr lang="he-IL" smtClean="0"/>
+              <a:t>‹#›</a:t>
+            </a:fld>
+            <a:endParaRPr lang="he-IL"/>
+          </a:p>
+        </p:txBody>
+      </p:sp>
+    </p:spTree>
+    <p:extLst>
+      <p:ext uri="{BB962C8B-B14F-4D97-AF65-F5344CB8AC3E}">
+        <p14:creationId xmlns:p14="http://schemas.microsoft.com/office/powerpoint/2010/main" val="4227215371"/>
+      </p:ext>
+    </p:extLst>
+  </p:cSld>
+  <p:clrMapOvr>
+    <a:masterClrMapping/>
+  </p:clrMapOvr>
+</p:sldLayout>
+</file>
+
+<file path=ppt/slideLayouts/slideLayout15.xml><?xml version="1.0" encoding="utf-8"?>
+<p:sldLayout xmlns:a="http://schemas.openxmlformats.org/drawingml/2006/main" xmlns:r="http://schemas.openxmlformats.org/officeDocument/2006/relationships" xmlns:p="http://schemas.openxmlformats.org/presentationml/2006/main" type="twoObj" preserve="1">
+  <p:cSld name="Two Content">
+    <p:spTree>
+      <p:nvGrpSpPr>
+        <p:cNvPr id="1" name=""/>
+        <p:cNvGrpSpPr/>
+        <p:nvPr/>
+      </p:nvGrpSpPr>
+      <p:grpSpPr>
+        <a:xfrm>
+          <a:off x="0" y="0"/>
+          <a:ext cx="0" cy="0"/>
+          <a:chOff x="0" y="0"/>
+          <a:chExt cx="0" cy="0"/>
+        </a:xfrm>
+      </p:grpSpPr>
+      <p:sp>
+        <p:nvSpPr>
+          <p:cNvPr id="2" name="Title 1"/>
+          <p:cNvSpPr>
+            <a:spLocks noGrp="1"/>
+          </p:cNvSpPr>
+          <p:nvPr>
+            <p:ph type="title"/>
+          </p:nvPr>
+        </p:nvSpPr>
+        <p:spPr/>
+        <p:txBody>
+          <a:bodyPr/>
+          <a:lstStyle/>
+          <a:p>
+            <a:r>
+              <a:rPr lang="en-US"/>
+              <a:t>Click to edit Master title style</a:t>
+            </a:r>
+            <a:endParaRPr lang="he-IL"/>
+          </a:p>
+        </p:txBody>
+      </p:sp>
+      <p:sp>
+        <p:nvSpPr>
+          <p:cNvPr id="3" name="Content Placeholder 2"/>
+          <p:cNvSpPr>
+            <a:spLocks noGrp="1"/>
+          </p:cNvSpPr>
+          <p:nvPr>
+            <p:ph sz="half" idx="1"/>
+          </p:nvPr>
+        </p:nvSpPr>
+        <p:spPr>
+          <a:xfrm>
+            <a:off x="838200" y="1825625"/>
+            <a:ext cx="5181600" cy="4351338"/>
+          </a:xfrm>
+        </p:spPr>
+        <p:txBody>
+          <a:bodyPr/>
+          <a:lstStyle/>
+          <a:p>
+            <a:pPr lvl="0"/>
+            <a:r>
+              <a:rPr lang="en-US"/>
+              <a:t>Edit Master text styles</a:t>
+            </a:r>
+          </a:p>
+          <a:p>
+            <a:pPr lvl="1"/>
+            <a:r>
+              <a:rPr lang="en-US"/>
+              <a:t>Second level</a:t>
+            </a:r>
+          </a:p>
+          <a:p>
+            <a:pPr lvl="2"/>
+            <a:r>
+              <a:rPr lang="en-US"/>
+              <a:t>Third level</a:t>
+            </a:r>
+          </a:p>
+          <a:p>
+            <a:pPr lvl="3"/>
+            <a:r>
+              <a:rPr lang="en-US"/>
+              <a:t>Fourth level</a:t>
+            </a:r>
+          </a:p>
+          <a:p>
+            <a:pPr lvl="4"/>
+            <a:r>
+              <a:rPr lang="en-US"/>
+              <a:t>Fifth level</a:t>
+            </a:r>
+            <a:endParaRPr lang="he-IL"/>
+          </a:p>
+        </p:txBody>
+      </p:sp>
+      <p:sp>
+        <p:nvSpPr>
+          <p:cNvPr id="4" name="Content Placeholder 3"/>
+          <p:cNvSpPr>
+            <a:spLocks noGrp="1"/>
+          </p:cNvSpPr>
+          <p:nvPr>
+            <p:ph sz="half" idx="2"/>
+          </p:nvPr>
+        </p:nvSpPr>
+        <p:spPr>
+          <a:xfrm>
+            <a:off x="6172200" y="1825625"/>
+            <a:ext cx="5181600" cy="4351338"/>
+          </a:xfrm>
+        </p:spPr>
+        <p:txBody>
+          <a:bodyPr/>
+          <a:lstStyle/>
+          <a:p>
+            <a:pPr lvl="0"/>
+            <a:r>
+              <a:rPr lang="en-US"/>
+              <a:t>Edit Master text styles</a:t>
+            </a:r>
+          </a:p>
+          <a:p>
+            <a:pPr lvl="1"/>
+            <a:r>
+              <a:rPr lang="en-US"/>
+              <a:t>Second level</a:t>
+            </a:r>
+          </a:p>
+          <a:p>
+            <a:pPr lvl="2"/>
+            <a:r>
+              <a:rPr lang="en-US"/>
+              <a:t>Third level</a:t>
+            </a:r>
+          </a:p>
+          <a:p>
+            <a:pPr lvl="3"/>
+            <a:r>
+              <a:rPr lang="en-US"/>
+              <a:t>Fourth level</a:t>
+            </a:r>
+          </a:p>
+          <a:p>
+            <a:pPr lvl="4"/>
+            <a:r>
+              <a:rPr lang="en-US"/>
+              <a:t>Fifth level</a:t>
+            </a:r>
+            <a:endParaRPr lang="he-IL"/>
+          </a:p>
+        </p:txBody>
+      </p:sp>
+      <p:sp>
+        <p:nvSpPr>
+          <p:cNvPr id="5" name="Date Placeholder 4"/>
+          <p:cNvSpPr>
+            <a:spLocks noGrp="1"/>
+          </p:cNvSpPr>
+          <p:nvPr>
+            <p:ph type="dt" sz="half" idx="10"/>
+          </p:nvPr>
+        </p:nvSpPr>
+        <p:spPr/>
+        <p:txBody>
+          <a:bodyPr/>
+          <a:lstStyle/>
+          <a:p>
+            <a:fld id="{4476BBAF-3BF1-4078-A5DF-44D473DCBE61}" type="datetimeFigureOut">
+              <a:rPr lang="he-IL" smtClean="0"/>
+              <a:t>י"ג/אדר/תשפ"א</a:t>
+            </a:fld>
+            <a:endParaRPr lang="he-IL"/>
+          </a:p>
+        </p:txBody>
+      </p:sp>
+      <p:sp>
+        <p:nvSpPr>
+          <p:cNvPr id="6" name="Footer Placeholder 5"/>
+          <p:cNvSpPr>
+            <a:spLocks noGrp="1"/>
+          </p:cNvSpPr>
+          <p:nvPr>
+            <p:ph type="ftr" sz="quarter" idx="11"/>
+          </p:nvPr>
+        </p:nvSpPr>
+        <p:spPr/>
+        <p:txBody>
+          <a:bodyPr/>
+          <a:lstStyle/>
+          <a:p>
+            <a:endParaRPr lang="he-IL"/>
+          </a:p>
+        </p:txBody>
+      </p:sp>
+      <p:sp>
+        <p:nvSpPr>
+          <p:cNvPr id="7" name="Slide Number Placeholder 6"/>
+          <p:cNvSpPr>
+            <a:spLocks noGrp="1"/>
+          </p:cNvSpPr>
+          <p:nvPr>
+            <p:ph type="sldNum" sz="quarter" idx="12"/>
+          </p:nvPr>
+        </p:nvSpPr>
+        <p:spPr/>
+        <p:txBody>
+          <a:bodyPr/>
+          <a:lstStyle/>
+          <a:p>
+            <a:fld id="{DD228498-15AE-46A4-A4BE-7363958E281E}" type="slidenum">
+              <a:rPr lang="he-IL" smtClean="0"/>
+              <a:t>‹#›</a:t>
+            </a:fld>
+            <a:endParaRPr lang="he-IL"/>
+          </a:p>
+        </p:txBody>
+      </p:sp>
+    </p:spTree>
+    <p:extLst>
+      <p:ext uri="{BB962C8B-B14F-4D97-AF65-F5344CB8AC3E}">
+        <p14:creationId xmlns:p14="http://schemas.microsoft.com/office/powerpoint/2010/main" val="1491429875"/>
+      </p:ext>
+    </p:extLst>
+  </p:cSld>
+  <p:clrMapOvr>
+    <a:masterClrMapping/>
+  </p:clrMapOvr>
+</p:sldLayout>
+</file>
+
+<file path=ppt/slideLayouts/slideLayout16.xml><?xml version="1.0" encoding="utf-8"?>
+<p:sldLayout xmlns:a="http://schemas.openxmlformats.org/drawingml/2006/main" xmlns:r="http://schemas.openxmlformats.org/officeDocument/2006/relationships" xmlns:p="http://schemas.openxmlformats.org/presentationml/2006/main" type="twoTxTwoObj" preserve="1">
+  <p:cSld name="Comparison">
+    <p:spTree>
+      <p:nvGrpSpPr>
+        <p:cNvPr id="1" name=""/>
+        <p:cNvGrpSpPr/>
+        <p:nvPr/>
+      </p:nvGrpSpPr>
+      <p:grpSpPr>
+        <a:xfrm>
+          <a:off x="0" y="0"/>
+          <a:ext cx="0" cy="0"/>
+          <a:chOff x="0" y="0"/>
+          <a:chExt cx="0" cy="0"/>
+        </a:xfrm>
+      </p:grpSpPr>
+      <p:sp>
+        <p:nvSpPr>
+          <p:cNvPr id="2" name="Title 1"/>
+          <p:cNvSpPr>
+            <a:spLocks noGrp="1"/>
+          </p:cNvSpPr>
+          <p:nvPr>
+            <p:ph type="title"/>
+          </p:nvPr>
+        </p:nvSpPr>
+        <p:spPr>
+          <a:xfrm>
+            <a:off x="839788" y="365125"/>
+            <a:ext cx="10515600" cy="1325563"/>
+          </a:xfrm>
+        </p:spPr>
+        <p:txBody>
+          <a:bodyPr/>
+          <a:lstStyle/>
+          <a:p>
+            <a:r>
+              <a:rPr lang="en-US"/>
+              <a:t>Click to edit Master title style</a:t>
+            </a:r>
+            <a:endParaRPr lang="he-IL"/>
+          </a:p>
+        </p:txBody>
+      </p:sp>
+      <p:sp>
+        <p:nvSpPr>
+          <p:cNvPr id="3" name="Text Placeholder 2"/>
+          <p:cNvSpPr>
+            <a:spLocks noGrp="1"/>
+          </p:cNvSpPr>
+          <p:nvPr>
+            <p:ph type="body" idx="1"/>
+          </p:nvPr>
+        </p:nvSpPr>
+        <p:spPr>
+          <a:xfrm>
+            <a:off x="839788" y="1681163"/>
+            <a:ext cx="5157787" cy="823912"/>
+          </a:xfrm>
+        </p:spPr>
+        <p:txBody>
+          <a:bodyPr anchor="b"/>
+          <a:lstStyle>
+            <a:lvl1pPr marL="0" indent="0">
+              <a:buNone/>
+              <a:defRPr sz="2400" b="1"/>
+            </a:lvl1pPr>
+            <a:lvl2pPr marL="457200" indent="0">
+              <a:buNone/>
+              <a:defRPr sz="2000" b="1"/>
+            </a:lvl2pPr>
+            <a:lvl3pPr marL="914400" indent="0">
+              <a:buNone/>
+              <a:defRPr sz="1800" b="1"/>
+            </a:lvl3pPr>
+            <a:lvl4pPr marL="1371600" indent="0">
+              <a:buNone/>
+              <a:defRPr sz="1600" b="1"/>
+            </a:lvl4pPr>
+            <a:lvl5pPr marL="1828800" indent="0">
+              <a:buNone/>
+              <a:defRPr sz="1600" b="1"/>
+            </a:lvl5pPr>
+            <a:lvl6pPr marL="2286000" indent="0">
+              <a:buNone/>
+              <a:defRPr sz="1600" b="1"/>
+            </a:lvl6pPr>
+            <a:lvl7pPr marL="2743200" indent="0">
+              <a:buNone/>
+              <a:defRPr sz="1600" b="1"/>
+            </a:lvl7pPr>
+            <a:lvl8pPr marL="3200400" indent="0">
+              <a:buNone/>
+              <a:defRPr sz="1600" b="1"/>
+            </a:lvl8pPr>
+            <a:lvl9pPr marL="3657600" indent="0">
+              <a:buNone/>
+              <a:defRPr sz="1600" b="1"/>
+            </a:lvl9pPr>
+          </a:lstStyle>
+          <a:p>
+            <a:pPr lvl="0"/>
+            <a:r>
+              <a:rPr lang="en-US"/>
+              <a:t>Edit Master text styles</a:t>
+            </a:r>
+          </a:p>
+        </p:txBody>
+      </p:sp>
+      <p:sp>
+        <p:nvSpPr>
+          <p:cNvPr id="4" name="Content Placeholder 3"/>
+          <p:cNvSpPr>
+            <a:spLocks noGrp="1"/>
+          </p:cNvSpPr>
+          <p:nvPr>
+            <p:ph sz="half" idx="2"/>
+          </p:nvPr>
+        </p:nvSpPr>
+        <p:spPr>
+          <a:xfrm>
+            <a:off x="839788" y="2505075"/>
+            <a:ext cx="5157787" cy="3684588"/>
+          </a:xfrm>
+        </p:spPr>
+        <p:txBody>
+          <a:bodyPr/>
+          <a:lstStyle/>
+          <a:p>
+            <a:pPr lvl="0"/>
+            <a:r>
+              <a:rPr lang="en-US"/>
+              <a:t>Edit Master text styles</a:t>
+            </a:r>
+          </a:p>
+          <a:p>
+            <a:pPr lvl="1"/>
+            <a:r>
+              <a:rPr lang="en-US"/>
+              <a:t>Second level</a:t>
+            </a:r>
+          </a:p>
+          <a:p>
+            <a:pPr lvl="2"/>
+            <a:r>
+              <a:rPr lang="en-US"/>
+              <a:t>Third level</a:t>
+            </a:r>
+          </a:p>
+          <a:p>
+            <a:pPr lvl="3"/>
+            <a:r>
+              <a:rPr lang="en-US"/>
+              <a:t>Fourth level</a:t>
+            </a:r>
+          </a:p>
+          <a:p>
+            <a:pPr lvl="4"/>
+            <a:r>
+              <a:rPr lang="en-US"/>
+              <a:t>Fifth level</a:t>
+            </a:r>
+            <a:endParaRPr lang="he-IL"/>
+          </a:p>
+        </p:txBody>
+      </p:sp>
+      <p:sp>
+        <p:nvSpPr>
+          <p:cNvPr id="5" name="Text Placeholder 4"/>
+          <p:cNvSpPr>
+            <a:spLocks noGrp="1"/>
+          </p:cNvSpPr>
+          <p:nvPr>
+            <p:ph type="body" sz="quarter" idx="3"/>
+          </p:nvPr>
+        </p:nvSpPr>
+        <p:spPr>
+          <a:xfrm>
+            <a:off x="6172200" y="1681163"/>
+            <a:ext cx="5183188" cy="823912"/>
+          </a:xfrm>
+        </p:spPr>
+        <p:txBody>
+          <a:bodyPr anchor="b"/>
+          <a:lstStyle>
+            <a:lvl1pPr marL="0" indent="0">
+              <a:buNone/>
+              <a:defRPr sz="2400" b="1"/>
+            </a:lvl1pPr>
+            <a:lvl2pPr marL="457200" indent="0">
+              <a:buNone/>
+              <a:defRPr sz="2000" b="1"/>
+            </a:lvl2pPr>
+            <a:lvl3pPr marL="914400" indent="0">
+              <a:buNone/>
+              <a:defRPr sz="1800" b="1"/>
+            </a:lvl3pPr>
+            <a:lvl4pPr marL="1371600" indent="0">
+              <a:buNone/>
+              <a:defRPr sz="1600" b="1"/>
+            </a:lvl4pPr>
+            <a:lvl5pPr marL="1828800" indent="0">
+              <a:buNone/>
+              <a:defRPr sz="1600" b="1"/>
+            </a:lvl5pPr>
+            <a:lvl6pPr marL="2286000" indent="0">
+              <a:buNone/>
+              <a:defRPr sz="1600" b="1"/>
+            </a:lvl6pPr>
+            <a:lvl7pPr marL="2743200" indent="0">
+              <a:buNone/>
+              <a:defRPr sz="1600" b="1"/>
+            </a:lvl7pPr>
+            <a:lvl8pPr marL="3200400" indent="0">
+              <a:buNone/>
+              <a:defRPr sz="1600" b="1"/>
+            </a:lvl8pPr>
+            <a:lvl9pPr marL="3657600" indent="0">
+              <a:buNone/>
+              <a:defRPr sz="1600" b="1"/>
+            </a:lvl9pPr>
+          </a:lstStyle>
+          <a:p>
+            <a:pPr lvl="0"/>
+            <a:r>
+              <a:rPr lang="en-US"/>
+              <a:t>Edit Master text styles</a:t>
+            </a:r>
+          </a:p>
+        </p:txBody>
+      </p:sp>
+      <p:sp>
+        <p:nvSpPr>
+          <p:cNvPr id="6" name="Content Placeholder 5"/>
+          <p:cNvSpPr>
+            <a:spLocks noGrp="1"/>
+          </p:cNvSpPr>
+          <p:nvPr>
+            <p:ph sz="quarter" idx="4"/>
+          </p:nvPr>
+        </p:nvSpPr>
+        <p:spPr>
+          <a:xfrm>
+            <a:off x="6172200" y="2505075"/>
+            <a:ext cx="5183188" cy="3684588"/>
+          </a:xfrm>
+        </p:spPr>
+        <p:txBody>
+          <a:bodyPr/>
+          <a:lstStyle/>
+          <a:p>
+            <a:pPr lvl="0"/>
+            <a:r>
+              <a:rPr lang="en-US"/>
+              <a:t>Edit Master text styles</a:t>
+            </a:r>
+          </a:p>
+          <a:p>
+            <a:pPr lvl="1"/>
+            <a:r>
+              <a:rPr lang="en-US"/>
+              <a:t>Second level</a:t>
+            </a:r>
+          </a:p>
+          <a:p>
+            <a:pPr lvl="2"/>
+            <a:r>
+              <a:rPr lang="en-US"/>
+              <a:t>Third level</a:t>
+            </a:r>
+          </a:p>
+          <a:p>
+            <a:pPr lvl="3"/>
+            <a:r>
+              <a:rPr lang="en-US"/>
+              <a:t>Fourth level</a:t>
+            </a:r>
+          </a:p>
+          <a:p>
+            <a:pPr lvl="4"/>
+            <a:r>
+              <a:rPr lang="en-US"/>
+              <a:t>Fifth level</a:t>
+            </a:r>
+            <a:endParaRPr lang="he-IL"/>
+          </a:p>
+        </p:txBody>
+      </p:sp>
+      <p:sp>
+        <p:nvSpPr>
+          <p:cNvPr id="7" name="Date Placeholder 6"/>
+          <p:cNvSpPr>
+            <a:spLocks noGrp="1"/>
+          </p:cNvSpPr>
+          <p:nvPr>
+            <p:ph type="dt" sz="half" idx="10"/>
+          </p:nvPr>
+        </p:nvSpPr>
+        <p:spPr/>
+        <p:txBody>
+          <a:bodyPr/>
+          <a:lstStyle/>
+          <a:p>
+            <a:fld id="{4476BBAF-3BF1-4078-A5DF-44D473DCBE61}" type="datetimeFigureOut">
+              <a:rPr lang="he-IL" smtClean="0"/>
+              <a:t>י"ג/אדר/תשפ"א</a:t>
+            </a:fld>
+            <a:endParaRPr lang="he-IL"/>
+          </a:p>
+        </p:txBody>
+      </p:sp>
+      <p:sp>
+        <p:nvSpPr>
+          <p:cNvPr id="8" name="Footer Placeholder 7"/>
+          <p:cNvSpPr>
+            <a:spLocks noGrp="1"/>
+          </p:cNvSpPr>
+          <p:nvPr>
+            <p:ph type="ftr" sz="quarter" idx="11"/>
+          </p:nvPr>
+        </p:nvSpPr>
+        <p:spPr/>
+        <p:txBody>
+          <a:bodyPr/>
+          <a:lstStyle/>
+          <a:p>
+            <a:endParaRPr lang="he-IL"/>
+          </a:p>
+        </p:txBody>
+      </p:sp>
+      <p:sp>
+        <p:nvSpPr>
+          <p:cNvPr id="9" name="Slide Number Placeholder 8"/>
+          <p:cNvSpPr>
+            <a:spLocks noGrp="1"/>
+          </p:cNvSpPr>
+          <p:nvPr>
+            <p:ph type="sldNum" sz="quarter" idx="12"/>
+          </p:nvPr>
+        </p:nvSpPr>
+        <p:spPr/>
+        <p:txBody>
+          <a:bodyPr/>
+          <a:lstStyle/>
+          <a:p>
+            <a:fld id="{DD228498-15AE-46A4-A4BE-7363958E281E}" type="slidenum">
+              <a:rPr lang="he-IL" smtClean="0"/>
+              <a:t>‹#›</a:t>
+            </a:fld>
+            <a:endParaRPr lang="he-IL"/>
+          </a:p>
+        </p:txBody>
+      </p:sp>
+    </p:spTree>
+    <p:extLst>
+      <p:ext uri="{BB962C8B-B14F-4D97-AF65-F5344CB8AC3E}">
+        <p14:creationId xmlns:p14="http://schemas.microsoft.com/office/powerpoint/2010/main" val="2944515838"/>
+      </p:ext>
+    </p:extLst>
+  </p:cSld>
+  <p:clrMapOvr>
+    <a:masterClrMapping/>
+  </p:clrMapOvr>
+</p:sldLayout>
+</file>
+
+<file path=ppt/slideLayouts/slideLayout17.xml><?xml version="1.0" encoding="utf-8"?>
+<p:sldLayout xmlns:a="http://schemas.openxmlformats.org/drawingml/2006/main" xmlns:r="http://schemas.openxmlformats.org/officeDocument/2006/relationships" xmlns:p="http://schemas.openxmlformats.org/presentationml/2006/main" type="titleOnly" preserve="1">
+  <p:cSld name="Title Only">
+    <p:spTree>
+      <p:nvGrpSpPr>
+        <p:cNvPr id="1" name=""/>
+        <p:cNvGrpSpPr/>
+        <p:nvPr/>
+      </p:nvGrpSpPr>
+      <p:grpSpPr>
+        <a:xfrm>
+          <a:off x="0" y="0"/>
+          <a:ext cx="0" cy="0"/>
+          <a:chOff x="0" y="0"/>
+          <a:chExt cx="0" cy="0"/>
+        </a:xfrm>
+      </p:grpSpPr>
+      <p:sp>
+        <p:nvSpPr>
+          <p:cNvPr id="2" name="Title 1"/>
+          <p:cNvSpPr>
+            <a:spLocks noGrp="1"/>
+          </p:cNvSpPr>
+          <p:nvPr>
+            <p:ph type="title"/>
+          </p:nvPr>
+        </p:nvSpPr>
+        <p:spPr/>
+        <p:txBody>
+          <a:bodyPr/>
+          <a:lstStyle/>
+          <a:p>
+            <a:r>
+              <a:rPr lang="en-US"/>
+              <a:t>Click to edit Master title style</a:t>
+            </a:r>
+            <a:endParaRPr lang="he-IL"/>
+          </a:p>
+        </p:txBody>
+      </p:sp>
+      <p:sp>
+        <p:nvSpPr>
+          <p:cNvPr id="3" name="Date Placeholder 2"/>
+          <p:cNvSpPr>
+            <a:spLocks noGrp="1"/>
+          </p:cNvSpPr>
+          <p:nvPr>
+            <p:ph type="dt" sz="half" idx="10"/>
+          </p:nvPr>
+        </p:nvSpPr>
+        <p:spPr/>
+        <p:txBody>
+          <a:bodyPr/>
+          <a:lstStyle/>
+          <a:p>
+            <a:fld id="{4476BBAF-3BF1-4078-A5DF-44D473DCBE61}" type="datetimeFigureOut">
+              <a:rPr lang="he-IL" smtClean="0"/>
+              <a:t>י"ג/אדר/תשפ"א</a:t>
+            </a:fld>
+            <a:endParaRPr lang="he-IL"/>
+          </a:p>
+        </p:txBody>
+      </p:sp>
+      <p:sp>
+        <p:nvSpPr>
+          <p:cNvPr id="4" name="Footer Placeholder 3"/>
+          <p:cNvSpPr>
+            <a:spLocks noGrp="1"/>
+          </p:cNvSpPr>
+          <p:nvPr>
+            <p:ph type="ftr" sz="quarter" idx="11"/>
+          </p:nvPr>
+        </p:nvSpPr>
+        <p:spPr/>
+        <p:txBody>
+          <a:bodyPr/>
+          <a:lstStyle/>
+          <a:p>
+            <a:endParaRPr lang="he-IL"/>
+          </a:p>
+        </p:txBody>
+      </p:sp>
+      <p:sp>
+        <p:nvSpPr>
+          <p:cNvPr id="5" name="Slide Number Placeholder 4"/>
+          <p:cNvSpPr>
+            <a:spLocks noGrp="1"/>
+          </p:cNvSpPr>
+          <p:nvPr>
+            <p:ph type="sldNum" sz="quarter" idx="12"/>
+          </p:nvPr>
+        </p:nvSpPr>
+        <p:spPr/>
+        <p:txBody>
+          <a:bodyPr/>
+          <a:lstStyle/>
+          <a:p>
+            <a:fld id="{DD228498-15AE-46A4-A4BE-7363958E281E}" type="slidenum">
+              <a:rPr lang="he-IL" smtClean="0"/>
+              <a:t>‹#›</a:t>
+            </a:fld>
+            <a:endParaRPr lang="he-IL"/>
+          </a:p>
+        </p:txBody>
+      </p:sp>
+    </p:spTree>
+    <p:extLst>
+      <p:ext uri="{BB962C8B-B14F-4D97-AF65-F5344CB8AC3E}">
+        <p14:creationId xmlns:p14="http://schemas.microsoft.com/office/powerpoint/2010/main" val="1877181752"/>
+      </p:ext>
+    </p:extLst>
+  </p:cSld>
+  <p:clrMapOvr>
+    <a:masterClrMapping/>
+  </p:clrMapOvr>
+</p:sldLayout>
+</file>
+
+<file path=ppt/slideLayouts/slideLayout18.xml><?xml version="1.0" encoding="utf-8"?>
+<p:sldLayout xmlns:a="http://schemas.openxmlformats.org/drawingml/2006/main" xmlns:r="http://schemas.openxmlformats.org/officeDocument/2006/relationships" xmlns:p="http://schemas.openxmlformats.org/presentationml/2006/main" type="blank" preserve="1">
+  <p:cSld name="Blank">
+    <p:spTree>
+      <p:nvGrpSpPr>
+        <p:cNvPr id="1" name=""/>
+        <p:cNvGrpSpPr/>
+        <p:nvPr/>
+      </p:nvGrpSpPr>
+      <p:grpSpPr>
+        <a:xfrm>
+          <a:off x="0" y="0"/>
+          <a:ext cx="0" cy="0"/>
+          <a:chOff x="0" y="0"/>
+          <a:chExt cx="0" cy="0"/>
+        </a:xfrm>
+      </p:grpSpPr>
+      <p:sp>
+        <p:nvSpPr>
+          <p:cNvPr id="2" name="Date Placeholder 1"/>
+          <p:cNvSpPr>
+            <a:spLocks noGrp="1"/>
+          </p:cNvSpPr>
+          <p:nvPr>
+            <p:ph type="dt" sz="half" idx="10"/>
+          </p:nvPr>
+        </p:nvSpPr>
+        <p:spPr/>
+        <p:txBody>
+          <a:bodyPr/>
+          <a:lstStyle/>
+          <a:p>
+            <a:fld id="{4476BBAF-3BF1-4078-A5DF-44D473DCBE61}" type="datetimeFigureOut">
+              <a:rPr lang="he-IL" smtClean="0"/>
+              <a:t>י"ג/אדר/תשפ"א</a:t>
+            </a:fld>
+            <a:endParaRPr lang="he-IL"/>
+          </a:p>
+        </p:txBody>
+      </p:sp>
+      <p:sp>
+        <p:nvSpPr>
+          <p:cNvPr id="3" name="Footer Placeholder 2"/>
+          <p:cNvSpPr>
+            <a:spLocks noGrp="1"/>
+          </p:cNvSpPr>
+          <p:nvPr>
+            <p:ph type="ftr" sz="quarter" idx="11"/>
+          </p:nvPr>
+        </p:nvSpPr>
+        <p:spPr/>
+        <p:txBody>
+          <a:bodyPr/>
+          <a:lstStyle/>
+          <a:p>
+            <a:endParaRPr lang="he-IL"/>
+          </a:p>
+        </p:txBody>
+      </p:sp>
+      <p:sp>
+        <p:nvSpPr>
+          <p:cNvPr id="4" name="Slide Number Placeholder 3"/>
+          <p:cNvSpPr>
+            <a:spLocks noGrp="1"/>
+          </p:cNvSpPr>
+          <p:nvPr>
+            <p:ph type="sldNum" sz="quarter" idx="12"/>
+          </p:nvPr>
+        </p:nvSpPr>
+        <p:spPr/>
+        <p:txBody>
+          <a:bodyPr/>
+          <a:lstStyle/>
+          <a:p>
+            <a:fld id="{DD228498-15AE-46A4-A4BE-7363958E281E}" type="slidenum">
+              <a:rPr lang="he-IL" smtClean="0"/>
+              <a:t>‹#›</a:t>
+            </a:fld>
+            <a:endParaRPr lang="he-IL"/>
+          </a:p>
+        </p:txBody>
+      </p:sp>
+    </p:spTree>
+    <p:extLst>
+      <p:ext uri="{BB962C8B-B14F-4D97-AF65-F5344CB8AC3E}">
+        <p14:creationId xmlns:p14="http://schemas.microsoft.com/office/powerpoint/2010/main" val="3460559047"/>
+      </p:ext>
+    </p:extLst>
+  </p:cSld>
+  <p:clrMapOvr>
+    <a:masterClrMapping/>
+  </p:clrMapOvr>
+</p:sldLayout>
+</file>
+
+<file path=ppt/slideLayouts/slideLayout19.xml><?xml version="1.0" encoding="utf-8"?>
+<p:sldLayout xmlns:a="http://schemas.openxmlformats.org/drawingml/2006/main" xmlns:r="http://schemas.openxmlformats.org/officeDocument/2006/relationships" xmlns:p="http://schemas.openxmlformats.org/presentationml/2006/main" type="objTx" preserve="1">
+  <p:cSld name="Content with Caption">
+    <p:spTree>
+      <p:nvGrpSpPr>
+        <p:cNvPr id="1" name=""/>
+        <p:cNvGrpSpPr/>
+        <p:nvPr/>
+      </p:nvGrpSpPr>
+      <p:grpSpPr>
+        <a:xfrm>
+          <a:off x="0" y="0"/>
+          <a:ext cx="0" cy="0"/>
+          <a:chOff x="0" y="0"/>
+          <a:chExt cx="0" cy="0"/>
+        </a:xfrm>
+      </p:grpSpPr>
+      <p:sp>
+        <p:nvSpPr>
+          <p:cNvPr id="2" name="Title 1"/>
+          <p:cNvSpPr>
+            <a:spLocks noGrp="1"/>
+          </p:cNvSpPr>
+          <p:nvPr>
+            <p:ph type="title"/>
+          </p:nvPr>
+        </p:nvSpPr>
+        <p:spPr>
+          <a:xfrm>
+            <a:off x="839788" y="457200"/>
+            <a:ext cx="3932237" cy="1600200"/>
+          </a:xfrm>
+        </p:spPr>
+        <p:txBody>
+          <a:bodyPr anchor="b"/>
+          <a:lstStyle>
+            <a:lvl1pPr>
+              <a:defRPr sz="3200"/>
+            </a:lvl1pPr>
+          </a:lstStyle>
+          <a:p>
+            <a:r>
+              <a:rPr lang="en-US"/>
+              <a:t>Click to edit Master title style</a:t>
+            </a:r>
+            <a:endParaRPr lang="he-IL"/>
+          </a:p>
+        </p:txBody>
+      </p:sp>
+      <p:sp>
+        <p:nvSpPr>
+          <p:cNvPr id="3" name="Content Placeholder 2"/>
+          <p:cNvSpPr>
+            <a:spLocks noGrp="1"/>
+          </p:cNvSpPr>
+          <p:nvPr>
+            <p:ph idx="1"/>
+          </p:nvPr>
+        </p:nvSpPr>
+        <p:spPr>
+          <a:xfrm>
+            <a:off x="5183188" y="987425"/>
+            <a:ext cx="6172200" cy="4873625"/>
+          </a:xfrm>
+        </p:spPr>
+        <p:txBody>
+          <a:bodyPr/>
+          <a:lstStyle>
+            <a:lvl1pPr>
+              <a:defRPr sz="3200"/>
+            </a:lvl1pPr>
+            <a:lvl2pPr>
+              <a:defRPr sz="2800"/>
+            </a:lvl2pPr>
+            <a:lvl3pPr>
+              <a:defRPr sz="2400"/>
+            </a:lvl3pPr>
+            <a:lvl4pPr>
+              <a:defRPr sz="2000"/>
+            </a:lvl4pPr>
+            <a:lvl5pPr>
+              <a:defRPr sz="2000"/>
+            </a:lvl5pPr>
+            <a:lvl6pPr>
+              <a:defRPr sz="2000"/>
+            </a:lvl6pPr>
+            <a:lvl7pPr>
+              <a:defRPr sz="2000"/>
+            </a:lvl7pPr>
+            <a:lvl8pPr>
+              <a:defRPr sz="2000"/>
+            </a:lvl8pPr>
+            <a:lvl9pPr>
+              <a:defRPr sz="2000"/>
+            </a:lvl9pPr>
+          </a:lstStyle>
+          <a:p>
+            <a:pPr lvl="0"/>
+            <a:r>
+              <a:rPr lang="en-US"/>
+              <a:t>Edit Master text styles</a:t>
+            </a:r>
+          </a:p>
+          <a:p>
+            <a:pPr lvl="1"/>
+            <a:r>
+              <a:rPr lang="en-US"/>
+              <a:t>Second level</a:t>
+            </a:r>
+          </a:p>
+          <a:p>
+            <a:pPr lvl="2"/>
+            <a:r>
+              <a:rPr lang="en-US"/>
+              <a:t>Third level</a:t>
+            </a:r>
+          </a:p>
+          <a:p>
+            <a:pPr lvl="3"/>
+            <a:r>
+              <a:rPr lang="en-US"/>
+              <a:t>Fourth level</a:t>
+            </a:r>
+          </a:p>
+          <a:p>
+            <a:pPr lvl="4"/>
+            <a:r>
+              <a:rPr lang="en-US"/>
+              <a:t>Fifth level</a:t>
+            </a:r>
+            <a:endParaRPr lang="he-IL"/>
+          </a:p>
+        </p:txBody>
+      </p:sp>
+      <p:sp>
+        <p:nvSpPr>
+          <p:cNvPr id="4" name="Text Placeholder 3"/>
+          <p:cNvSpPr>
+            <a:spLocks noGrp="1"/>
+          </p:cNvSpPr>
+          <p:nvPr>
+            <p:ph type="body" sz="half" idx="2"/>
+          </p:nvPr>
+        </p:nvSpPr>
+        <p:spPr>
+          <a:xfrm>
+            <a:off x="839788" y="2057400"/>
+            <a:ext cx="3932237" cy="3811588"/>
+          </a:xfrm>
+        </p:spPr>
+        <p:txBody>
+          <a:bodyPr/>
+          <a:lstStyle>
+            <a:lvl1pPr marL="0" indent="0">
+              <a:buNone/>
+              <a:defRPr sz="1600"/>
+            </a:lvl1pPr>
+            <a:lvl2pPr marL="457200" indent="0">
+              <a:buNone/>
+              <a:defRPr sz="1400"/>
+            </a:lvl2pPr>
+            <a:lvl3pPr marL="914400" indent="0">
+              <a:buNone/>
+              <a:defRPr sz="1200"/>
+            </a:lvl3pPr>
+            <a:lvl4pPr marL="1371600" indent="0">
+              <a:buNone/>
+              <a:defRPr sz="1000"/>
+            </a:lvl4pPr>
+            <a:lvl5pPr marL="1828800" indent="0">
+              <a:buNone/>
+              <a:defRPr sz="1000"/>
+            </a:lvl5pPr>
+            <a:lvl6pPr marL="2286000" indent="0">
+              <a:buNone/>
+              <a:defRPr sz="1000"/>
+            </a:lvl6pPr>
+            <a:lvl7pPr marL="2743200" indent="0">
+              <a:buNone/>
+              <a:defRPr sz="1000"/>
+            </a:lvl7pPr>
+            <a:lvl8pPr marL="3200400" indent="0">
+              <a:buNone/>
+              <a:defRPr sz="1000"/>
+            </a:lvl8pPr>
+            <a:lvl9pPr marL="3657600" indent="0">
+              <a:buNone/>
+              <a:defRPr sz="1000"/>
+            </a:lvl9pPr>
+          </a:lstStyle>
+          <a:p>
+            <a:pPr lvl="0"/>
+            <a:r>
+              <a:rPr lang="en-US"/>
+              <a:t>Edit Master text styles</a:t>
+            </a:r>
+          </a:p>
+        </p:txBody>
+      </p:sp>
+      <p:sp>
+        <p:nvSpPr>
+          <p:cNvPr id="5" name="Date Placeholder 4"/>
+          <p:cNvSpPr>
+            <a:spLocks noGrp="1"/>
+          </p:cNvSpPr>
+          <p:nvPr>
+            <p:ph type="dt" sz="half" idx="10"/>
+          </p:nvPr>
+        </p:nvSpPr>
+        <p:spPr/>
+        <p:txBody>
+          <a:bodyPr/>
+          <a:lstStyle/>
+          <a:p>
+            <a:fld id="{4476BBAF-3BF1-4078-A5DF-44D473DCBE61}" type="datetimeFigureOut">
+              <a:rPr lang="he-IL" smtClean="0"/>
+              <a:t>י"ג/אדר/תשפ"א</a:t>
+            </a:fld>
+            <a:endParaRPr lang="he-IL"/>
+          </a:p>
+        </p:txBody>
+      </p:sp>
+      <p:sp>
+        <p:nvSpPr>
+          <p:cNvPr id="6" name="Footer Placeholder 5"/>
+          <p:cNvSpPr>
+            <a:spLocks noGrp="1"/>
+          </p:cNvSpPr>
+          <p:nvPr>
+            <p:ph type="ftr" sz="quarter" idx="11"/>
+          </p:nvPr>
+        </p:nvSpPr>
+        <p:spPr/>
+        <p:txBody>
+          <a:bodyPr/>
+          <a:lstStyle/>
+          <a:p>
+            <a:endParaRPr lang="he-IL"/>
+          </a:p>
+        </p:txBody>
+      </p:sp>
+      <p:sp>
+        <p:nvSpPr>
+          <p:cNvPr id="7" name="Slide Number Placeholder 6"/>
+          <p:cNvSpPr>
+            <a:spLocks noGrp="1"/>
+          </p:cNvSpPr>
+          <p:nvPr>
+            <p:ph type="sldNum" sz="quarter" idx="12"/>
+          </p:nvPr>
+        </p:nvSpPr>
+        <p:spPr/>
+        <p:txBody>
+          <a:bodyPr/>
+          <a:lstStyle/>
+          <a:p>
+            <a:fld id="{DD228498-15AE-46A4-A4BE-7363958E281E}" type="slidenum">
+              <a:rPr lang="he-IL" smtClean="0"/>
+              <a:t>‹#›</a:t>
+            </a:fld>
+            <a:endParaRPr lang="he-IL"/>
+          </a:p>
+        </p:txBody>
+      </p:sp>
+    </p:spTree>
+    <p:extLst>
+      <p:ext uri="{BB962C8B-B14F-4D97-AF65-F5344CB8AC3E}">
+        <p14:creationId xmlns:p14="http://schemas.microsoft.com/office/powerpoint/2010/main" val="2458384937"/>
       </p:ext>
     </p:extLst>
   </p:cSld>
@@ -1469,7 +3170,7 @@
           <a:p>
             <a:fld id="{306B59E2-DA6D-487B-96A5-0C8E7410BF99}" type="datetimeFigureOut">
               <a:rPr lang="he-IL" smtClean="0"/>
-              <a:t>י'/אדר/תשפ"א</a:t>
+              <a:t>י"ג/אדר/תשפ"א</a:t>
             </a:fld>
             <a:endParaRPr lang="he-IL"/>
           </a:p>
@@ -1521,6 +3222,609 @@
     <p:extLst>
       <p:ext uri="{BB962C8B-B14F-4D97-AF65-F5344CB8AC3E}">
         <p14:creationId xmlns:p14="http://schemas.microsoft.com/office/powerpoint/2010/main" val="974717378"/>
+      </p:ext>
+    </p:extLst>
+  </p:cSld>
+  <p:clrMapOvr>
+    <a:masterClrMapping/>
+  </p:clrMapOvr>
+</p:sldLayout>
+</file>
+
+<file path=ppt/slideLayouts/slideLayout20.xml><?xml version="1.0" encoding="utf-8"?>
+<p:sldLayout xmlns:a="http://schemas.openxmlformats.org/drawingml/2006/main" xmlns:r="http://schemas.openxmlformats.org/officeDocument/2006/relationships" xmlns:p="http://schemas.openxmlformats.org/presentationml/2006/main" type="picTx" preserve="1">
+  <p:cSld name="Picture with Caption">
+    <p:spTree>
+      <p:nvGrpSpPr>
+        <p:cNvPr id="1" name=""/>
+        <p:cNvGrpSpPr/>
+        <p:nvPr/>
+      </p:nvGrpSpPr>
+      <p:grpSpPr>
+        <a:xfrm>
+          <a:off x="0" y="0"/>
+          <a:ext cx="0" cy="0"/>
+          <a:chOff x="0" y="0"/>
+          <a:chExt cx="0" cy="0"/>
+        </a:xfrm>
+      </p:grpSpPr>
+      <p:sp>
+        <p:nvSpPr>
+          <p:cNvPr id="2" name="Title 1"/>
+          <p:cNvSpPr>
+            <a:spLocks noGrp="1"/>
+          </p:cNvSpPr>
+          <p:nvPr>
+            <p:ph type="title"/>
+          </p:nvPr>
+        </p:nvSpPr>
+        <p:spPr>
+          <a:xfrm>
+            <a:off x="839788" y="457200"/>
+            <a:ext cx="3932237" cy="1600200"/>
+          </a:xfrm>
+        </p:spPr>
+        <p:txBody>
+          <a:bodyPr anchor="b"/>
+          <a:lstStyle>
+            <a:lvl1pPr>
+              <a:defRPr sz="3200"/>
+            </a:lvl1pPr>
+          </a:lstStyle>
+          <a:p>
+            <a:r>
+              <a:rPr lang="en-US"/>
+              <a:t>Click to edit Master title style</a:t>
+            </a:r>
+            <a:endParaRPr lang="he-IL"/>
+          </a:p>
+        </p:txBody>
+      </p:sp>
+      <p:sp>
+        <p:nvSpPr>
+          <p:cNvPr id="3" name="Picture Placeholder 2"/>
+          <p:cNvSpPr>
+            <a:spLocks noGrp="1"/>
+          </p:cNvSpPr>
+          <p:nvPr>
+            <p:ph type="pic" idx="1"/>
+          </p:nvPr>
+        </p:nvSpPr>
+        <p:spPr>
+          <a:xfrm>
+            <a:off x="5183188" y="987425"/>
+            <a:ext cx="6172200" cy="4873625"/>
+          </a:xfrm>
+        </p:spPr>
+        <p:txBody>
+          <a:bodyPr/>
+          <a:lstStyle>
+            <a:lvl1pPr marL="0" indent="0">
+              <a:buNone/>
+              <a:defRPr sz="3200"/>
+            </a:lvl1pPr>
+            <a:lvl2pPr marL="457200" indent="0">
+              <a:buNone/>
+              <a:defRPr sz="2800"/>
+            </a:lvl2pPr>
+            <a:lvl3pPr marL="914400" indent="0">
+              <a:buNone/>
+              <a:defRPr sz="2400"/>
+            </a:lvl3pPr>
+            <a:lvl4pPr marL="1371600" indent="0">
+              <a:buNone/>
+              <a:defRPr sz="2000"/>
+            </a:lvl4pPr>
+            <a:lvl5pPr marL="1828800" indent="0">
+              <a:buNone/>
+              <a:defRPr sz="2000"/>
+            </a:lvl5pPr>
+            <a:lvl6pPr marL="2286000" indent="0">
+              <a:buNone/>
+              <a:defRPr sz="2000"/>
+            </a:lvl6pPr>
+            <a:lvl7pPr marL="2743200" indent="0">
+              <a:buNone/>
+              <a:defRPr sz="2000"/>
+            </a:lvl7pPr>
+            <a:lvl8pPr marL="3200400" indent="0">
+              <a:buNone/>
+              <a:defRPr sz="2000"/>
+            </a:lvl8pPr>
+            <a:lvl9pPr marL="3657600" indent="0">
+              <a:buNone/>
+              <a:defRPr sz="2000"/>
+            </a:lvl9pPr>
+          </a:lstStyle>
+          <a:p>
+            <a:endParaRPr lang="he-IL"/>
+          </a:p>
+        </p:txBody>
+      </p:sp>
+      <p:sp>
+        <p:nvSpPr>
+          <p:cNvPr id="4" name="Text Placeholder 3"/>
+          <p:cNvSpPr>
+            <a:spLocks noGrp="1"/>
+          </p:cNvSpPr>
+          <p:nvPr>
+            <p:ph type="body" sz="half" idx="2"/>
+          </p:nvPr>
+        </p:nvSpPr>
+        <p:spPr>
+          <a:xfrm>
+            <a:off x="839788" y="2057400"/>
+            <a:ext cx="3932237" cy="3811588"/>
+          </a:xfrm>
+        </p:spPr>
+        <p:txBody>
+          <a:bodyPr/>
+          <a:lstStyle>
+            <a:lvl1pPr marL="0" indent="0">
+              <a:buNone/>
+              <a:defRPr sz="1600"/>
+            </a:lvl1pPr>
+            <a:lvl2pPr marL="457200" indent="0">
+              <a:buNone/>
+              <a:defRPr sz="1400"/>
+            </a:lvl2pPr>
+            <a:lvl3pPr marL="914400" indent="0">
+              <a:buNone/>
+              <a:defRPr sz="1200"/>
+            </a:lvl3pPr>
+            <a:lvl4pPr marL="1371600" indent="0">
+              <a:buNone/>
+              <a:defRPr sz="1000"/>
+            </a:lvl4pPr>
+            <a:lvl5pPr marL="1828800" indent="0">
+              <a:buNone/>
+              <a:defRPr sz="1000"/>
+            </a:lvl5pPr>
+            <a:lvl6pPr marL="2286000" indent="0">
+              <a:buNone/>
+              <a:defRPr sz="1000"/>
+            </a:lvl6pPr>
+            <a:lvl7pPr marL="2743200" indent="0">
+              <a:buNone/>
+              <a:defRPr sz="1000"/>
+            </a:lvl7pPr>
+            <a:lvl8pPr marL="3200400" indent="0">
+              <a:buNone/>
+              <a:defRPr sz="1000"/>
+            </a:lvl8pPr>
+            <a:lvl9pPr marL="3657600" indent="0">
+              <a:buNone/>
+              <a:defRPr sz="1000"/>
+            </a:lvl9pPr>
+          </a:lstStyle>
+          <a:p>
+            <a:pPr lvl="0"/>
+            <a:r>
+              <a:rPr lang="en-US"/>
+              <a:t>Edit Master text styles</a:t>
+            </a:r>
+          </a:p>
+        </p:txBody>
+      </p:sp>
+      <p:sp>
+        <p:nvSpPr>
+          <p:cNvPr id="5" name="Date Placeholder 4"/>
+          <p:cNvSpPr>
+            <a:spLocks noGrp="1"/>
+          </p:cNvSpPr>
+          <p:nvPr>
+            <p:ph type="dt" sz="half" idx="10"/>
+          </p:nvPr>
+        </p:nvSpPr>
+        <p:spPr/>
+        <p:txBody>
+          <a:bodyPr/>
+          <a:lstStyle/>
+          <a:p>
+            <a:fld id="{4476BBAF-3BF1-4078-A5DF-44D473DCBE61}" type="datetimeFigureOut">
+              <a:rPr lang="he-IL" smtClean="0"/>
+              <a:t>י"ג/אדר/תשפ"א</a:t>
+            </a:fld>
+            <a:endParaRPr lang="he-IL"/>
+          </a:p>
+        </p:txBody>
+      </p:sp>
+      <p:sp>
+        <p:nvSpPr>
+          <p:cNvPr id="6" name="Footer Placeholder 5"/>
+          <p:cNvSpPr>
+            <a:spLocks noGrp="1"/>
+          </p:cNvSpPr>
+          <p:nvPr>
+            <p:ph type="ftr" sz="quarter" idx="11"/>
+          </p:nvPr>
+        </p:nvSpPr>
+        <p:spPr/>
+        <p:txBody>
+          <a:bodyPr/>
+          <a:lstStyle/>
+          <a:p>
+            <a:endParaRPr lang="he-IL"/>
+          </a:p>
+        </p:txBody>
+      </p:sp>
+      <p:sp>
+        <p:nvSpPr>
+          <p:cNvPr id="7" name="Slide Number Placeholder 6"/>
+          <p:cNvSpPr>
+            <a:spLocks noGrp="1"/>
+          </p:cNvSpPr>
+          <p:nvPr>
+            <p:ph type="sldNum" sz="quarter" idx="12"/>
+          </p:nvPr>
+        </p:nvSpPr>
+        <p:spPr/>
+        <p:txBody>
+          <a:bodyPr/>
+          <a:lstStyle/>
+          <a:p>
+            <a:fld id="{DD228498-15AE-46A4-A4BE-7363958E281E}" type="slidenum">
+              <a:rPr lang="he-IL" smtClean="0"/>
+              <a:t>‹#›</a:t>
+            </a:fld>
+            <a:endParaRPr lang="he-IL"/>
+          </a:p>
+        </p:txBody>
+      </p:sp>
+    </p:spTree>
+    <p:extLst>
+      <p:ext uri="{BB962C8B-B14F-4D97-AF65-F5344CB8AC3E}">
+        <p14:creationId xmlns:p14="http://schemas.microsoft.com/office/powerpoint/2010/main" val="179712683"/>
+      </p:ext>
+    </p:extLst>
+  </p:cSld>
+  <p:clrMapOvr>
+    <a:masterClrMapping/>
+  </p:clrMapOvr>
+</p:sldLayout>
+</file>
+
+<file path=ppt/slideLayouts/slideLayout21.xml><?xml version="1.0" encoding="utf-8"?>
+<p:sldLayout xmlns:a="http://schemas.openxmlformats.org/drawingml/2006/main" xmlns:r="http://schemas.openxmlformats.org/officeDocument/2006/relationships" xmlns:p="http://schemas.openxmlformats.org/presentationml/2006/main" type="vertTx" preserve="1">
+  <p:cSld name="Title and Vertical Text">
+    <p:spTree>
+      <p:nvGrpSpPr>
+        <p:cNvPr id="1" name=""/>
+        <p:cNvGrpSpPr/>
+        <p:nvPr/>
+      </p:nvGrpSpPr>
+      <p:grpSpPr>
+        <a:xfrm>
+          <a:off x="0" y="0"/>
+          <a:ext cx="0" cy="0"/>
+          <a:chOff x="0" y="0"/>
+          <a:chExt cx="0" cy="0"/>
+        </a:xfrm>
+      </p:grpSpPr>
+      <p:sp>
+        <p:nvSpPr>
+          <p:cNvPr id="2" name="Title 1"/>
+          <p:cNvSpPr>
+            <a:spLocks noGrp="1"/>
+          </p:cNvSpPr>
+          <p:nvPr>
+            <p:ph type="title"/>
+          </p:nvPr>
+        </p:nvSpPr>
+        <p:spPr/>
+        <p:txBody>
+          <a:bodyPr/>
+          <a:lstStyle/>
+          <a:p>
+            <a:r>
+              <a:rPr lang="en-US"/>
+              <a:t>Click to edit Master title style</a:t>
+            </a:r>
+            <a:endParaRPr lang="he-IL"/>
+          </a:p>
+        </p:txBody>
+      </p:sp>
+      <p:sp>
+        <p:nvSpPr>
+          <p:cNvPr id="3" name="Vertical Text Placeholder 2"/>
+          <p:cNvSpPr>
+            <a:spLocks noGrp="1"/>
+          </p:cNvSpPr>
+          <p:nvPr>
+            <p:ph type="body" orient="vert" idx="1"/>
+          </p:nvPr>
+        </p:nvSpPr>
+        <p:spPr/>
+        <p:txBody>
+          <a:bodyPr vert="eaVert"/>
+          <a:lstStyle/>
+          <a:p>
+            <a:pPr lvl="0"/>
+            <a:r>
+              <a:rPr lang="en-US"/>
+              <a:t>Edit Master text styles</a:t>
+            </a:r>
+          </a:p>
+          <a:p>
+            <a:pPr lvl="1"/>
+            <a:r>
+              <a:rPr lang="en-US"/>
+              <a:t>Second level</a:t>
+            </a:r>
+          </a:p>
+          <a:p>
+            <a:pPr lvl="2"/>
+            <a:r>
+              <a:rPr lang="en-US"/>
+              <a:t>Third level</a:t>
+            </a:r>
+          </a:p>
+          <a:p>
+            <a:pPr lvl="3"/>
+            <a:r>
+              <a:rPr lang="en-US"/>
+              <a:t>Fourth level</a:t>
+            </a:r>
+          </a:p>
+          <a:p>
+            <a:pPr lvl="4"/>
+            <a:r>
+              <a:rPr lang="en-US"/>
+              <a:t>Fifth level</a:t>
+            </a:r>
+            <a:endParaRPr lang="he-IL"/>
+          </a:p>
+        </p:txBody>
+      </p:sp>
+      <p:sp>
+        <p:nvSpPr>
+          <p:cNvPr id="4" name="Date Placeholder 3"/>
+          <p:cNvSpPr>
+            <a:spLocks noGrp="1"/>
+          </p:cNvSpPr>
+          <p:nvPr>
+            <p:ph type="dt" sz="half" idx="10"/>
+          </p:nvPr>
+        </p:nvSpPr>
+        <p:spPr/>
+        <p:txBody>
+          <a:bodyPr/>
+          <a:lstStyle/>
+          <a:p>
+            <a:fld id="{4476BBAF-3BF1-4078-A5DF-44D473DCBE61}" type="datetimeFigureOut">
+              <a:rPr lang="he-IL" smtClean="0"/>
+              <a:t>י"ג/אדר/תשפ"א</a:t>
+            </a:fld>
+            <a:endParaRPr lang="he-IL"/>
+          </a:p>
+        </p:txBody>
+      </p:sp>
+      <p:sp>
+        <p:nvSpPr>
+          <p:cNvPr id="5" name="Footer Placeholder 4"/>
+          <p:cNvSpPr>
+            <a:spLocks noGrp="1"/>
+          </p:cNvSpPr>
+          <p:nvPr>
+            <p:ph type="ftr" sz="quarter" idx="11"/>
+          </p:nvPr>
+        </p:nvSpPr>
+        <p:spPr/>
+        <p:txBody>
+          <a:bodyPr/>
+          <a:lstStyle/>
+          <a:p>
+            <a:endParaRPr lang="he-IL"/>
+          </a:p>
+        </p:txBody>
+      </p:sp>
+      <p:sp>
+        <p:nvSpPr>
+          <p:cNvPr id="6" name="Slide Number Placeholder 5"/>
+          <p:cNvSpPr>
+            <a:spLocks noGrp="1"/>
+          </p:cNvSpPr>
+          <p:nvPr>
+            <p:ph type="sldNum" sz="quarter" idx="12"/>
+          </p:nvPr>
+        </p:nvSpPr>
+        <p:spPr/>
+        <p:txBody>
+          <a:bodyPr/>
+          <a:lstStyle/>
+          <a:p>
+            <a:fld id="{DD228498-15AE-46A4-A4BE-7363958E281E}" type="slidenum">
+              <a:rPr lang="he-IL" smtClean="0"/>
+              <a:t>‹#›</a:t>
+            </a:fld>
+            <a:endParaRPr lang="he-IL"/>
+          </a:p>
+        </p:txBody>
+      </p:sp>
+    </p:spTree>
+    <p:extLst>
+      <p:ext uri="{BB962C8B-B14F-4D97-AF65-F5344CB8AC3E}">
+        <p14:creationId xmlns:p14="http://schemas.microsoft.com/office/powerpoint/2010/main" val="1412944129"/>
+      </p:ext>
+    </p:extLst>
+  </p:cSld>
+  <p:clrMapOvr>
+    <a:masterClrMapping/>
+  </p:clrMapOvr>
+</p:sldLayout>
+</file>
+
+<file path=ppt/slideLayouts/slideLayout22.xml><?xml version="1.0" encoding="utf-8"?>
+<p:sldLayout xmlns:a="http://schemas.openxmlformats.org/drawingml/2006/main" xmlns:r="http://schemas.openxmlformats.org/officeDocument/2006/relationships" xmlns:p="http://schemas.openxmlformats.org/presentationml/2006/main" type="vertTitleAndTx" preserve="1">
+  <p:cSld name="Vertical Title and Text">
+    <p:spTree>
+      <p:nvGrpSpPr>
+        <p:cNvPr id="1" name=""/>
+        <p:cNvGrpSpPr/>
+        <p:nvPr/>
+      </p:nvGrpSpPr>
+      <p:grpSpPr>
+        <a:xfrm>
+          <a:off x="0" y="0"/>
+          <a:ext cx="0" cy="0"/>
+          <a:chOff x="0" y="0"/>
+          <a:chExt cx="0" cy="0"/>
+        </a:xfrm>
+      </p:grpSpPr>
+      <p:sp>
+        <p:nvSpPr>
+          <p:cNvPr id="2" name="Vertical Title 1"/>
+          <p:cNvSpPr>
+            <a:spLocks noGrp="1"/>
+          </p:cNvSpPr>
+          <p:nvPr>
+            <p:ph type="title" orient="vert"/>
+          </p:nvPr>
+        </p:nvSpPr>
+        <p:spPr>
+          <a:xfrm>
+            <a:off x="8724900" y="365125"/>
+            <a:ext cx="2628900" cy="5811838"/>
+          </a:xfrm>
+        </p:spPr>
+        <p:txBody>
+          <a:bodyPr vert="eaVert"/>
+          <a:lstStyle/>
+          <a:p>
+            <a:r>
+              <a:rPr lang="en-US"/>
+              <a:t>Click to edit Master title style</a:t>
+            </a:r>
+            <a:endParaRPr lang="he-IL"/>
+          </a:p>
+        </p:txBody>
+      </p:sp>
+      <p:sp>
+        <p:nvSpPr>
+          <p:cNvPr id="3" name="Vertical Text Placeholder 2"/>
+          <p:cNvSpPr>
+            <a:spLocks noGrp="1"/>
+          </p:cNvSpPr>
+          <p:nvPr>
+            <p:ph type="body" orient="vert" idx="1"/>
+          </p:nvPr>
+        </p:nvSpPr>
+        <p:spPr>
+          <a:xfrm>
+            <a:off x="838200" y="365125"/>
+            <a:ext cx="7734300" cy="5811838"/>
+          </a:xfrm>
+        </p:spPr>
+        <p:txBody>
+          <a:bodyPr vert="eaVert"/>
+          <a:lstStyle/>
+          <a:p>
+            <a:pPr lvl="0"/>
+            <a:r>
+              <a:rPr lang="en-US"/>
+              <a:t>Edit Master text styles</a:t>
+            </a:r>
+          </a:p>
+          <a:p>
+            <a:pPr lvl="1"/>
+            <a:r>
+              <a:rPr lang="en-US"/>
+              <a:t>Second level</a:t>
+            </a:r>
+          </a:p>
+          <a:p>
+            <a:pPr lvl="2"/>
+            <a:r>
+              <a:rPr lang="en-US"/>
+              <a:t>Third level</a:t>
+            </a:r>
+          </a:p>
+          <a:p>
+            <a:pPr lvl="3"/>
+            <a:r>
+              <a:rPr lang="en-US"/>
+              <a:t>Fourth level</a:t>
+            </a:r>
+          </a:p>
+          <a:p>
+            <a:pPr lvl="4"/>
+            <a:r>
+              <a:rPr lang="en-US"/>
+              <a:t>Fifth level</a:t>
+            </a:r>
+            <a:endParaRPr lang="he-IL"/>
+          </a:p>
+        </p:txBody>
+      </p:sp>
+      <p:sp>
+        <p:nvSpPr>
+          <p:cNvPr id="4" name="Date Placeholder 3"/>
+          <p:cNvSpPr>
+            <a:spLocks noGrp="1"/>
+          </p:cNvSpPr>
+          <p:nvPr>
+            <p:ph type="dt" sz="half" idx="10"/>
+          </p:nvPr>
+        </p:nvSpPr>
+        <p:spPr/>
+        <p:txBody>
+          <a:bodyPr/>
+          <a:lstStyle/>
+          <a:p>
+            <a:fld id="{4476BBAF-3BF1-4078-A5DF-44D473DCBE61}" type="datetimeFigureOut">
+              <a:rPr lang="he-IL" smtClean="0"/>
+              <a:t>י"ג/אדר/תשפ"א</a:t>
+            </a:fld>
+            <a:endParaRPr lang="he-IL"/>
+          </a:p>
+        </p:txBody>
+      </p:sp>
+      <p:sp>
+        <p:nvSpPr>
+          <p:cNvPr id="5" name="Footer Placeholder 4"/>
+          <p:cNvSpPr>
+            <a:spLocks noGrp="1"/>
+          </p:cNvSpPr>
+          <p:nvPr>
+            <p:ph type="ftr" sz="quarter" idx="11"/>
+          </p:nvPr>
+        </p:nvSpPr>
+        <p:spPr/>
+        <p:txBody>
+          <a:bodyPr/>
+          <a:lstStyle/>
+          <a:p>
+            <a:endParaRPr lang="he-IL"/>
+          </a:p>
+        </p:txBody>
+      </p:sp>
+      <p:sp>
+        <p:nvSpPr>
+          <p:cNvPr id="6" name="Slide Number Placeholder 5"/>
+          <p:cNvSpPr>
+            <a:spLocks noGrp="1"/>
+          </p:cNvSpPr>
+          <p:nvPr>
+            <p:ph type="sldNum" sz="quarter" idx="12"/>
+          </p:nvPr>
+        </p:nvSpPr>
+        <p:spPr/>
+        <p:txBody>
+          <a:bodyPr/>
+          <a:lstStyle/>
+          <a:p>
+            <a:fld id="{DD228498-15AE-46A4-A4BE-7363958E281E}" type="slidenum">
+              <a:rPr lang="he-IL" smtClean="0"/>
+              <a:t>‹#›</a:t>
+            </a:fld>
+            <a:endParaRPr lang="he-IL"/>
+          </a:p>
+        </p:txBody>
+      </p:sp>
+    </p:spTree>
+    <p:extLst>
+      <p:ext uri="{BB962C8B-B14F-4D97-AF65-F5344CB8AC3E}">
+        <p14:creationId xmlns:p14="http://schemas.microsoft.com/office/powerpoint/2010/main" val="1550803878"/>
       </p:ext>
     </p:extLst>
   </p:cSld>
@@ -1715,7 +4019,7 @@
           <a:p>
             <a:fld id="{306B59E2-DA6D-487B-96A5-0C8E7410BF99}" type="datetimeFigureOut">
               <a:rPr lang="he-IL" smtClean="0"/>
-              <a:t>י'/אדר/תשפ"א</a:t>
+              <a:t>י"ג/אדר/תשפ"א</a:t>
             </a:fld>
             <a:endParaRPr lang="he-IL"/>
           </a:p>
@@ -1947,7 +4251,7 @@
           <a:p>
             <a:fld id="{306B59E2-DA6D-487B-96A5-0C8E7410BF99}" type="datetimeFigureOut">
               <a:rPr lang="he-IL" smtClean="0"/>
-              <a:t>י'/אדר/תשפ"א</a:t>
+              <a:t>י"ג/אדר/תשפ"א</a:t>
             </a:fld>
             <a:endParaRPr lang="he-IL"/>
           </a:p>
@@ -2314,7 +4618,7 @@
           <a:p>
             <a:fld id="{306B59E2-DA6D-487B-96A5-0C8E7410BF99}" type="datetimeFigureOut">
               <a:rPr lang="he-IL" smtClean="0"/>
-              <a:t>י'/אדר/תשפ"א</a:t>
+              <a:t>י"ג/אדר/תשפ"א</a:t>
             </a:fld>
             <a:endParaRPr lang="he-IL"/>
           </a:p>
@@ -2432,7 +4736,7 @@
           <a:p>
             <a:fld id="{306B59E2-DA6D-487B-96A5-0C8E7410BF99}" type="datetimeFigureOut">
               <a:rPr lang="he-IL" smtClean="0"/>
-              <a:t>י'/אדר/תשפ"א</a:t>
+              <a:t>י"ג/אדר/תשפ"א</a:t>
             </a:fld>
             <a:endParaRPr lang="he-IL"/>
           </a:p>
@@ -2527,7 +4831,7 @@
           <a:p>
             <a:fld id="{306B59E2-DA6D-487B-96A5-0C8E7410BF99}" type="datetimeFigureOut">
               <a:rPr lang="he-IL" smtClean="0"/>
-              <a:t>י'/אדר/תשפ"א</a:t>
+              <a:t>י"ג/אדר/תשפ"א</a:t>
             </a:fld>
             <a:endParaRPr lang="he-IL"/>
           </a:p>
@@ -2804,7 +5108,7 @@
           <a:p>
             <a:fld id="{306B59E2-DA6D-487B-96A5-0C8E7410BF99}" type="datetimeFigureOut">
               <a:rPr lang="he-IL" smtClean="0"/>
-              <a:t>י'/אדר/תשפ"א</a:t>
+              <a:t>י"ג/אדר/תשפ"א</a:t>
             </a:fld>
             <a:endParaRPr lang="he-IL"/>
           </a:p>
@@ -3057,7 +5361,7 @@
           <a:p>
             <a:fld id="{306B59E2-DA6D-487B-96A5-0C8E7410BF99}" type="datetimeFigureOut">
               <a:rPr lang="he-IL" smtClean="0"/>
-              <a:t>י'/אדר/תשפ"א</a:t>
+              <a:t>י"ג/אדר/תשפ"א</a:t>
             </a:fld>
             <a:endParaRPr lang="he-IL"/>
           </a:p>
@@ -3273,7 +5577,7 @@
           <a:p>
             <a:fld id="{306B59E2-DA6D-487B-96A5-0C8E7410BF99}" type="datetimeFigureOut">
               <a:rPr lang="he-IL" smtClean="0"/>
-              <a:t>י'/אדר/תשפ"א</a:t>
+              <a:t>י"ג/אדר/תשפ"א</a:t>
             </a:fld>
             <a:endParaRPr lang="he-IL"/>
           </a:p>
@@ -3661,6 +5965,546 @@
 </p:sldMaster>
 </file>
 
+<file path=ppt/slideMasters/slideMaster2.xml><?xml version="1.0" encoding="utf-8"?>
+<p:sldMaster xmlns:a="http://schemas.openxmlformats.org/drawingml/2006/main" xmlns:r="http://schemas.openxmlformats.org/officeDocument/2006/relationships" xmlns:p="http://schemas.openxmlformats.org/presentationml/2006/main">
+  <p:cSld>
+    <p:bg>
+      <p:bgRef idx="1001">
+        <a:schemeClr val="bg1"/>
+      </p:bgRef>
+    </p:bg>
+    <p:spTree>
+      <p:nvGrpSpPr>
+        <p:cNvPr id="1" name=""/>
+        <p:cNvGrpSpPr/>
+        <p:nvPr/>
+      </p:nvGrpSpPr>
+      <p:grpSpPr>
+        <a:xfrm>
+          <a:off x="0" y="0"/>
+          <a:ext cx="0" cy="0"/>
+          <a:chOff x="0" y="0"/>
+          <a:chExt cx="0" cy="0"/>
+        </a:xfrm>
+      </p:grpSpPr>
+      <p:sp>
+        <p:nvSpPr>
+          <p:cNvPr id="2" name="Title Placeholder 1"/>
+          <p:cNvSpPr>
+            <a:spLocks noGrp="1"/>
+          </p:cNvSpPr>
+          <p:nvPr>
+            <p:ph type="title"/>
+          </p:nvPr>
+        </p:nvSpPr>
+        <p:spPr>
+          <a:xfrm>
+            <a:off x="838200" y="365125"/>
+            <a:ext cx="10515600" cy="1325563"/>
+          </a:xfrm>
+          <a:prstGeom prst="rect">
+            <a:avLst/>
+          </a:prstGeom>
+        </p:spPr>
+        <p:txBody>
+          <a:bodyPr vert="horz" lIns="91440" tIns="45720" rIns="91440" bIns="45720" rtlCol="0" anchor="ctr">
+            <a:normAutofit/>
+          </a:bodyPr>
+          <a:lstStyle/>
+          <a:p>
+            <a:r>
+              <a:rPr lang="en-US"/>
+              <a:t>Click to edit Master title style</a:t>
+            </a:r>
+            <a:endParaRPr lang="he-IL"/>
+          </a:p>
+        </p:txBody>
+      </p:sp>
+      <p:sp>
+        <p:nvSpPr>
+          <p:cNvPr id="3" name="Text Placeholder 2"/>
+          <p:cNvSpPr>
+            <a:spLocks noGrp="1"/>
+          </p:cNvSpPr>
+          <p:nvPr>
+            <p:ph type="body" idx="1"/>
+          </p:nvPr>
+        </p:nvSpPr>
+        <p:spPr>
+          <a:xfrm>
+            <a:off x="838200" y="1825625"/>
+            <a:ext cx="10515600" cy="4351338"/>
+          </a:xfrm>
+          <a:prstGeom prst="rect">
+            <a:avLst/>
+          </a:prstGeom>
+        </p:spPr>
+        <p:txBody>
+          <a:bodyPr vert="horz" lIns="91440" tIns="45720" rIns="91440" bIns="45720" rtlCol="0">
+            <a:normAutofit/>
+          </a:bodyPr>
+          <a:lstStyle/>
+          <a:p>
+            <a:pPr lvl="0"/>
+            <a:r>
+              <a:rPr lang="en-US"/>
+              <a:t>Edit Master text styles</a:t>
+            </a:r>
+          </a:p>
+          <a:p>
+            <a:pPr lvl="1"/>
+            <a:r>
+              <a:rPr lang="en-US"/>
+              <a:t>Second level</a:t>
+            </a:r>
+          </a:p>
+          <a:p>
+            <a:pPr lvl="2"/>
+            <a:r>
+              <a:rPr lang="en-US"/>
+              <a:t>Third level</a:t>
+            </a:r>
+          </a:p>
+          <a:p>
+            <a:pPr lvl="3"/>
+            <a:r>
+              <a:rPr lang="en-US"/>
+              <a:t>Fourth level</a:t>
+            </a:r>
+          </a:p>
+          <a:p>
+            <a:pPr lvl="4"/>
+            <a:r>
+              <a:rPr lang="en-US"/>
+              <a:t>Fifth level</a:t>
+            </a:r>
+            <a:endParaRPr lang="he-IL"/>
+          </a:p>
+        </p:txBody>
+      </p:sp>
+      <p:sp>
+        <p:nvSpPr>
+          <p:cNvPr id="4" name="Date Placeholder 3"/>
+          <p:cNvSpPr>
+            <a:spLocks noGrp="1"/>
+          </p:cNvSpPr>
+          <p:nvPr>
+            <p:ph type="dt" sz="half" idx="2"/>
+          </p:nvPr>
+        </p:nvSpPr>
+        <p:spPr>
+          <a:xfrm>
+            <a:off x="838200" y="6356350"/>
+            <a:ext cx="2743200" cy="365125"/>
+          </a:xfrm>
+          <a:prstGeom prst="rect">
+            <a:avLst/>
+          </a:prstGeom>
+        </p:spPr>
+        <p:txBody>
+          <a:bodyPr vert="horz" lIns="91440" tIns="45720" rIns="91440" bIns="45720" rtlCol="0" anchor="ctr"/>
+          <a:lstStyle>
+            <a:lvl1pPr algn="r">
+              <a:defRPr sz="1200">
+                <a:solidFill>
+                  <a:schemeClr val="tx1">
+                    <a:tint val="75000"/>
+                  </a:schemeClr>
+                </a:solidFill>
+              </a:defRPr>
+            </a:lvl1pPr>
+          </a:lstStyle>
+          <a:p>
+            <a:fld id="{4476BBAF-3BF1-4078-A5DF-44D473DCBE61}" type="datetimeFigureOut">
+              <a:rPr lang="he-IL" smtClean="0"/>
+              <a:t>י"ג/אדר/תשפ"א</a:t>
+            </a:fld>
+            <a:endParaRPr lang="he-IL"/>
+          </a:p>
+        </p:txBody>
+      </p:sp>
+      <p:sp>
+        <p:nvSpPr>
+          <p:cNvPr id="5" name="Footer Placeholder 4"/>
+          <p:cNvSpPr>
+            <a:spLocks noGrp="1"/>
+          </p:cNvSpPr>
+          <p:nvPr>
+            <p:ph type="ftr" sz="quarter" idx="3"/>
+          </p:nvPr>
+        </p:nvSpPr>
+        <p:spPr>
+          <a:xfrm>
+            <a:off x="4038600" y="6356350"/>
+            <a:ext cx="4114800" cy="365125"/>
+          </a:xfrm>
+          <a:prstGeom prst="rect">
+            <a:avLst/>
+          </a:prstGeom>
+        </p:spPr>
+        <p:txBody>
+          <a:bodyPr vert="horz" lIns="91440" tIns="45720" rIns="91440" bIns="45720" rtlCol="0" anchor="ctr"/>
+          <a:lstStyle>
+            <a:lvl1pPr algn="ctr">
+              <a:defRPr sz="1200">
+                <a:solidFill>
+                  <a:schemeClr val="tx1">
+                    <a:tint val="75000"/>
+                  </a:schemeClr>
+                </a:solidFill>
+              </a:defRPr>
+            </a:lvl1pPr>
+          </a:lstStyle>
+          <a:p>
+            <a:endParaRPr lang="he-IL"/>
+          </a:p>
+        </p:txBody>
+      </p:sp>
+      <p:sp>
+        <p:nvSpPr>
+          <p:cNvPr id="6" name="Slide Number Placeholder 5"/>
+          <p:cNvSpPr>
+            <a:spLocks noGrp="1"/>
+          </p:cNvSpPr>
+          <p:nvPr>
+            <p:ph type="sldNum" sz="quarter" idx="4"/>
+          </p:nvPr>
+        </p:nvSpPr>
+        <p:spPr>
+          <a:xfrm>
+            <a:off x="8610600" y="6356350"/>
+            <a:ext cx="2743200" cy="365125"/>
+          </a:xfrm>
+          <a:prstGeom prst="rect">
+            <a:avLst/>
+          </a:prstGeom>
+        </p:spPr>
+        <p:txBody>
+          <a:bodyPr vert="horz" lIns="91440" tIns="45720" rIns="91440" bIns="45720" rtlCol="0" anchor="ctr"/>
+          <a:lstStyle>
+            <a:lvl1pPr algn="l">
+              <a:defRPr sz="1200">
+                <a:solidFill>
+                  <a:schemeClr val="tx1">
+                    <a:tint val="75000"/>
+                  </a:schemeClr>
+                </a:solidFill>
+              </a:defRPr>
+            </a:lvl1pPr>
+          </a:lstStyle>
+          <a:p>
+            <a:fld id="{DD228498-15AE-46A4-A4BE-7363958E281E}" type="slidenum">
+              <a:rPr lang="he-IL" smtClean="0"/>
+              <a:t>‹#›</a:t>
+            </a:fld>
+            <a:endParaRPr lang="he-IL"/>
+          </a:p>
+        </p:txBody>
+      </p:sp>
+    </p:spTree>
+    <p:extLst>
+      <p:ext uri="{BB962C8B-B14F-4D97-AF65-F5344CB8AC3E}">
+        <p14:creationId xmlns:p14="http://schemas.microsoft.com/office/powerpoint/2010/main" val="1684328600"/>
+      </p:ext>
+    </p:extLst>
+  </p:cSld>
+  <p:clrMap bg1="lt1" tx1="dk1" bg2="lt2" tx2="dk2" accent1="accent1" accent2="accent2" accent3="accent3" accent4="accent4" accent5="accent5" accent6="accent6" hlink="hlink" folHlink="folHlink"/>
+  <p:sldLayoutIdLst>
+    <p:sldLayoutId id="2147483661" r:id="rId1"/>
+    <p:sldLayoutId id="2147483662" r:id="rId2"/>
+    <p:sldLayoutId id="2147483663" r:id="rId3"/>
+    <p:sldLayoutId id="2147483664" r:id="rId4"/>
+    <p:sldLayoutId id="2147483665" r:id="rId5"/>
+    <p:sldLayoutId id="2147483666" r:id="rId6"/>
+    <p:sldLayoutId id="2147483667" r:id="rId7"/>
+    <p:sldLayoutId id="2147483668" r:id="rId8"/>
+    <p:sldLayoutId id="2147483669" r:id="rId9"/>
+    <p:sldLayoutId id="2147483670" r:id="rId10"/>
+    <p:sldLayoutId id="2147483671" r:id="rId11"/>
+  </p:sldLayoutIdLst>
+  <p:txStyles>
+    <p:titleStyle>
+      <a:lvl1pPr algn="l" defTabSz="914400" rtl="0" eaLnBrk="1" latinLnBrk="0" hangingPunct="1">
+        <a:lnSpc>
+          <a:spcPct val="90000"/>
+        </a:lnSpc>
+        <a:spcBef>
+          <a:spcPct val="0"/>
+        </a:spcBef>
+        <a:buNone/>
+        <a:defRPr sz="4400" kern="1200">
+          <a:solidFill>
+            <a:schemeClr val="tx1"/>
+          </a:solidFill>
+          <a:latin typeface="+mj-lt"/>
+          <a:ea typeface="+mj-ea"/>
+          <a:cs typeface="+mj-cs"/>
+        </a:defRPr>
+      </a:lvl1pPr>
+    </p:titleStyle>
+    <p:bodyStyle>
+      <a:lvl1pPr marL="228600" indent="-228600" algn="l" defTabSz="914400" rtl="0" eaLnBrk="1" latinLnBrk="0" hangingPunct="1">
+        <a:lnSpc>
+          <a:spcPct val="90000"/>
+        </a:lnSpc>
+        <a:spcBef>
+          <a:spcPts val="1000"/>
+        </a:spcBef>
+        <a:buFont typeface="Arial" panose="020B0604020202020204" pitchFamily="34" charset="0"/>
+        <a:buChar char="•"/>
+        <a:defRPr sz="2800" kern="1200">
+          <a:solidFill>
+            <a:schemeClr val="tx1"/>
+          </a:solidFill>
+          <a:latin typeface="+mn-lt"/>
+          <a:ea typeface="+mn-ea"/>
+          <a:cs typeface="+mn-cs"/>
+        </a:defRPr>
+      </a:lvl1pPr>
+      <a:lvl2pPr marL="685800" indent="-228600" algn="l" defTabSz="914400" rtl="0" eaLnBrk="1" latinLnBrk="0" hangingPunct="1">
+        <a:lnSpc>
+          <a:spcPct val="90000"/>
+        </a:lnSpc>
+        <a:spcBef>
+          <a:spcPts val="500"/>
+        </a:spcBef>
+        <a:buFont typeface="Arial" panose="020B0604020202020204" pitchFamily="34" charset="0"/>
+        <a:buChar char="•"/>
+        <a:defRPr sz="2400" kern="1200">
+          <a:solidFill>
+            <a:schemeClr val="tx1"/>
+          </a:solidFill>
+          <a:latin typeface="+mn-lt"/>
+          <a:ea typeface="+mn-ea"/>
+          <a:cs typeface="+mn-cs"/>
+        </a:defRPr>
+      </a:lvl2pPr>
+      <a:lvl3pPr marL="1143000" indent="-228600" algn="l" defTabSz="914400" rtl="0" eaLnBrk="1" latinLnBrk="0" hangingPunct="1">
+        <a:lnSpc>
+          <a:spcPct val="90000"/>
+        </a:lnSpc>
+        <a:spcBef>
+          <a:spcPts val="500"/>
+        </a:spcBef>
+        <a:buFont typeface="Arial" panose="020B0604020202020204" pitchFamily="34" charset="0"/>
+        <a:buChar char="•"/>
+        <a:defRPr sz="2000" kern="1200">
+          <a:solidFill>
+            <a:schemeClr val="tx1"/>
+          </a:solidFill>
+          <a:latin typeface="+mn-lt"/>
+          <a:ea typeface="+mn-ea"/>
+          <a:cs typeface="+mn-cs"/>
+        </a:defRPr>
+      </a:lvl3pPr>
+      <a:lvl4pPr marL="1600200" indent="-228600" algn="l" defTabSz="914400" rtl="0" eaLnBrk="1" latinLnBrk="0" hangingPunct="1">
+        <a:lnSpc>
+          <a:spcPct val="90000"/>
+        </a:lnSpc>
+        <a:spcBef>
+          <a:spcPts val="500"/>
+        </a:spcBef>
+        <a:buFont typeface="Arial" panose="020B0604020202020204" pitchFamily="34" charset="0"/>
+        <a:buChar char="•"/>
+        <a:defRPr sz="1800" kern="1200">
+          <a:solidFill>
+            <a:schemeClr val="tx1"/>
+          </a:solidFill>
+          <a:latin typeface="+mn-lt"/>
+          <a:ea typeface="+mn-ea"/>
+          <a:cs typeface="+mn-cs"/>
+        </a:defRPr>
+      </a:lvl4pPr>
+      <a:lvl5pPr marL="2057400" indent="-228600" algn="l" defTabSz="914400" rtl="0" eaLnBrk="1" latinLnBrk="0" hangingPunct="1">
+        <a:lnSpc>
+          <a:spcPct val="90000"/>
+        </a:lnSpc>
+        <a:spcBef>
+          <a:spcPts val="500"/>
+        </a:spcBef>
+        <a:buFont typeface="Arial" panose="020B0604020202020204" pitchFamily="34" charset="0"/>
+        <a:buChar char="•"/>
+        <a:defRPr sz="1800" kern="1200">
+          <a:solidFill>
+            <a:schemeClr val="tx1"/>
+          </a:solidFill>
+          <a:latin typeface="+mn-lt"/>
+          <a:ea typeface="+mn-ea"/>
+          <a:cs typeface="+mn-cs"/>
+        </a:defRPr>
+      </a:lvl5pPr>
+      <a:lvl6pPr marL="2514600" indent="-228600" algn="l" defTabSz="914400" rtl="0" eaLnBrk="1" latinLnBrk="0" hangingPunct="1">
+        <a:lnSpc>
+          <a:spcPct val="90000"/>
+        </a:lnSpc>
+        <a:spcBef>
+          <a:spcPts val="500"/>
+        </a:spcBef>
+        <a:buFont typeface="Arial" panose="020B0604020202020204" pitchFamily="34" charset="0"/>
+        <a:buChar char="•"/>
+        <a:defRPr sz="1800" kern="1200">
+          <a:solidFill>
+            <a:schemeClr val="tx1"/>
+          </a:solidFill>
+          <a:latin typeface="+mn-lt"/>
+          <a:ea typeface="+mn-ea"/>
+          <a:cs typeface="+mn-cs"/>
+        </a:defRPr>
+      </a:lvl6pPr>
+      <a:lvl7pPr marL="2971800" indent="-228600" algn="l" defTabSz="914400" rtl="0" eaLnBrk="1" latinLnBrk="0" hangingPunct="1">
+        <a:lnSpc>
+          <a:spcPct val="90000"/>
+        </a:lnSpc>
+        <a:spcBef>
+          <a:spcPts val="500"/>
+        </a:spcBef>
+        <a:buFont typeface="Arial" panose="020B0604020202020204" pitchFamily="34" charset="0"/>
+        <a:buChar char="•"/>
+        <a:defRPr sz="1800" kern="1200">
+          <a:solidFill>
+            <a:schemeClr val="tx1"/>
+          </a:solidFill>
+          <a:latin typeface="+mn-lt"/>
+          <a:ea typeface="+mn-ea"/>
+          <a:cs typeface="+mn-cs"/>
+        </a:defRPr>
+      </a:lvl7pPr>
+      <a:lvl8pPr marL="3429000" indent="-228600" algn="l" defTabSz="914400" rtl="0" eaLnBrk="1" latinLnBrk="0" hangingPunct="1">
+        <a:lnSpc>
+          <a:spcPct val="90000"/>
+        </a:lnSpc>
+        <a:spcBef>
+          <a:spcPts val="500"/>
+        </a:spcBef>
+        <a:buFont typeface="Arial" panose="020B0604020202020204" pitchFamily="34" charset="0"/>
+        <a:buChar char="•"/>
+        <a:defRPr sz="1800" kern="1200">
+          <a:solidFill>
+            <a:schemeClr val="tx1"/>
+          </a:solidFill>
+          <a:latin typeface="+mn-lt"/>
+          <a:ea typeface="+mn-ea"/>
+          <a:cs typeface="+mn-cs"/>
+        </a:defRPr>
+      </a:lvl8pPr>
+      <a:lvl9pPr marL="3886200" indent="-228600" algn="l" defTabSz="914400" rtl="0" eaLnBrk="1" latinLnBrk="0" hangingPunct="1">
+        <a:lnSpc>
+          <a:spcPct val="90000"/>
+        </a:lnSpc>
+        <a:spcBef>
+          <a:spcPts val="500"/>
+        </a:spcBef>
+        <a:buFont typeface="Arial" panose="020B0604020202020204" pitchFamily="34" charset="0"/>
+        <a:buChar char="•"/>
+        <a:defRPr sz="1800" kern="1200">
+          <a:solidFill>
+            <a:schemeClr val="tx1"/>
+          </a:solidFill>
+          <a:latin typeface="+mn-lt"/>
+          <a:ea typeface="+mn-ea"/>
+          <a:cs typeface="+mn-cs"/>
+        </a:defRPr>
+      </a:lvl9pPr>
+    </p:bodyStyle>
+    <p:otherStyle>
+      <a:defPPr>
+        <a:defRPr lang="he-IL"/>
+      </a:defPPr>
+      <a:lvl1pPr marL="0" algn="l" defTabSz="914400" rtl="0" eaLnBrk="1" latinLnBrk="0" hangingPunct="1">
+        <a:defRPr sz="1800" kern="1200">
+          <a:solidFill>
+            <a:schemeClr val="tx1"/>
+          </a:solidFill>
+          <a:latin typeface="+mn-lt"/>
+          <a:ea typeface="+mn-ea"/>
+          <a:cs typeface="+mn-cs"/>
+        </a:defRPr>
+      </a:lvl1pPr>
+      <a:lvl2pPr marL="457200" algn="l" defTabSz="914400" rtl="0" eaLnBrk="1" latinLnBrk="0" hangingPunct="1">
+        <a:defRPr sz="1800" kern="1200">
+          <a:solidFill>
+            <a:schemeClr val="tx1"/>
+          </a:solidFill>
+          <a:latin typeface="+mn-lt"/>
+          <a:ea typeface="+mn-ea"/>
+          <a:cs typeface="+mn-cs"/>
+        </a:defRPr>
+      </a:lvl2pPr>
+      <a:lvl3pPr marL="914400" algn="l" defTabSz="914400" rtl="0" eaLnBrk="1" latinLnBrk="0" hangingPunct="1">
+        <a:defRPr sz="1800" kern="1200">
+          <a:solidFill>
+            <a:schemeClr val="tx1"/>
+          </a:solidFill>
+          <a:latin typeface="+mn-lt"/>
+          <a:ea typeface="+mn-ea"/>
+          <a:cs typeface="+mn-cs"/>
+        </a:defRPr>
+      </a:lvl3pPr>
+      <a:lvl4pPr marL="1371600" algn="l" defTabSz="914400" rtl="0" eaLnBrk="1" latinLnBrk="0" hangingPunct="1">
+        <a:defRPr sz="1800" kern="1200">
+          <a:solidFill>
+            <a:schemeClr val="tx1"/>
+          </a:solidFill>
+          <a:latin typeface="+mn-lt"/>
+          <a:ea typeface="+mn-ea"/>
+          <a:cs typeface="+mn-cs"/>
+        </a:defRPr>
+      </a:lvl4pPr>
+      <a:lvl5pPr marL="1828800" algn="l" defTabSz="914400" rtl="0" eaLnBrk="1" latinLnBrk="0" hangingPunct="1">
+        <a:defRPr sz="1800" kern="1200">
+          <a:solidFill>
+            <a:schemeClr val="tx1"/>
+          </a:solidFill>
+          <a:latin typeface="+mn-lt"/>
+          <a:ea typeface="+mn-ea"/>
+          <a:cs typeface="+mn-cs"/>
+        </a:defRPr>
+      </a:lvl5pPr>
+      <a:lvl6pPr marL="2286000" algn="l" defTabSz="914400" rtl="0" eaLnBrk="1" latinLnBrk="0" hangingPunct="1">
+        <a:defRPr sz="1800" kern="1200">
+          <a:solidFill>
+            <a:schemeClr val="tx1"/>
+          </a:solidFill>
+          <a:latin typeface="+mn-lt"/>
+          <a:ea typeface="+mn-ea"/>
+          <a:cs typeface="+mn-cs"/>
+        </a:defRPr>
+      </a:lvl6pPr>
+      <a:lvl7pPr marL="2743200" algn="l" defTabSz="914400" rtl="0" eaLnBrk="1" latinLnBrk="0" hangingPunct="1">
+        <a:defRPr sz="1800" kern="1200">
+          <a:solidFill>
+            <a:schemeClr val="tx1"/>
+          </a:solidFill>
+          <a:latin typeface="+mn-lt"/>
+          <a:ea typeface="+mn-ea"/>
+          <a:cs typeface="+mn-cs"/>
+        </a:defRPr>
+      </a:lvl7pPr>
+      <a:lvl8pPr marL="3200400" algn="l" defTabSz="914400" rtl="0" eaLnBrk="1" latinLnBrk="0" hangingPunct="1">
+        <a:defRPr sz="1800" kern="1200">
+          <a:solidFill>
+            <a:schemeClr val="tx1"/>
+          </a:solidFill>
+          <a:latin typeface="+mn-lt"/>
+          <a:ea typeface="+mn-ea"/>
+          <a:cs typeface="+mn-cs"/>
+        </a:defRPr>
+      </a:lvl8pPr>
+      <a:lvl9pPr marL="3657600" algn="l" defTabSz="914400" rtl="0" eaLnBrk="1" latinLnBrk="0" hangingPunct="1">
+        <a:defRPr sz="1800" kern="1200">
+          <a:solidFill>
+            <a:schemeClr val="tx1"/>
+          </a:solidFill>
+          <a:latin typeface="+mn-lt"/>
+          <a:ea typeface="+mn-ea"/>
+          <a:cs typeface="+mn-cs"/>
+        </a:defRPr>
+      </a:lvl9pPr>
+    </p:otherStyle>
+  </p:txStyles>
+</p:sldMaster>
+</file>
+
 <file path=ppt/slides/slide1.xml><?xml version="1.0" encoding="utf-8"?>
 <p:sld xmlns:a="http://schemas.openxmlformats.org/drawingml/2006/main" xmlns:r="http://schemas.openxmlformats.org/officeDocument/2006/relationships" xmlns:p="http://schemas.openxmlformats.org/presentationml/2006/main">
   <p:cSld>
@@ -3833,25 +6677,8 @@
                 <a:latin typeface="David" panose="020E0502060401010101" pitchFamily="34" charset="-79"/>
                 <a:cs typeface="David" panose="020E0502060401010101" pitchFamily="34" charset="-79"/>
               </a:rPr>
-              <a:t>בשלב הבא של הניסוי, אתה תבצע אימון מנטלי שנועד להפחית את הטיית הקשב </a:t>
-            </a:r>
-            <a:r>
-              <a:rPr lang="he-IL" sz="2325">
-                <a:solidFill>
-                  <a:schemeClr val="tx1"/>
-                </a:solidFill>
-                <a:latin typeface="David" panose="020E0502060401010101" pitchFamily="34" charset="-79"/>
-                <a:cs typeface="David" panose="020E0502060401010101" pitchFamily="34" charset="-79"/>
-              </a:rPr>
-              <a:t>שלך.</a:t>
-            </a:r>
-            <a:endParaRPr lang="he-IL" sz="2325" dirty="0">
-              <a:solidFill>
-                <a:schemeClr val="tx1"/>
-              </a:solidFill>
-              <a:latin typeface="David" panose="020E0502060401010101" pitchFamily="34" charset="-79"/>
-              <a:cs typeface="David" panose="020E0502060401010101" pitchFamily="34" charset="-79"/>
-            </a:endParaRPr>
+              <a:t>בשלב הבא של הניסוי, אתה תבצע אימון מנטלי שנועד להפחית את הטיית הקשב שלך.</a:t>
+            </a:r>
           </a:p>
         </p:txBody>
       </p:sp>
@@ -3931,8 +6758,8 @@
 </p:sld>
 </file>
 
-<file path=ppt/slides/slide2.xml><?xml version="1.0" encoding="utf-8"?>
-<p:sld xmlns:a="http://schemas.openxmlformats.org/drawingml/2006/main" xmlns:r="http://schemas.openxmlformats.org/officeDocument/2006/relationships" xmlns:p="http://schemas.openxmlformats.org/presentationml/2006/main">
+<file path=ppt/slides/slide10.xml><?xml version="1.0" encoding="utf-8"?>
+<p:sld xmlns:a="http://schemas.openxmlformats.org/drawingml/2006/main" xmlns:r="http://schemas.openxmlformats.org/officeDocument/2006/relationships" xmlns:p="http://schemas.openxmlformats.org/presentationml/2006/main" show="0">
   <p:cSld>
     <p:spTree>
       <p:nvGrpSpPr>
@@ -4000,28 +6827,15 @@
           <a:p>
             <a:pPr algn="ctr" rtl="1"/>
             <a:r>
-              <a:rPr lang="he-IL" sz="2325" b="1" u="sng" dirty="0">
+              <a:rPr lang="he-IL" sz="2325" dirty="0">
                 <a:solidFill>
-                  <a:schemeClr val="tx1"/>
+                  <a:srgbClr val="FF0000"/>
                 </a:solidFill>
                 <a:latin typeface="David" panose="020E0502060401010101" pitchFamily="34" charset="-79"/>
                 <a:cs typeface="David" panose="020E0502060401010101" pitchFamily="34" charset="-79"/>
               </a:rPr>
-              <a:t>אימון מנטלי להפחתת הטיית קשב</a:t>
-            </a:r>
-          </a:p>
-          <a:p>
-            <a:pPr algn="ctr" rtl="1"/>
-            <a:endParaRPr lang="en-US" sz="2325" dirty="0">
-              <a:solidFill>
-                <a:schemeClr val="tx1"/>
-              </a:solidFill>
-              <a:latin typeface="David" panose="020E0502060401010101" pitchFamily="34" charset="-79"/>
-              <a:cs typeface="David" panose="020E0502060401010101" pitchFamily="34" charset="-79"/>
-            </a:endParaRPr>
-          </a:p>
-          <a:p>
-            <a:pPr algn="ctr" rtl="1"/>
+              <a:t>רלבנטי? </a:t>
+            </a:r>
             <a:r>
               <a:rPr lang="he-IL" sz="2325" dirty="0">
                 <a:solidFill>
@@ -4030,7 +6844,7 @@
                 <a:latin typeface="David" panose="020E0502060401010101" pitchFamily="34" charset="-79"/>
                 <a:cs typeface="David" panose="020E0502060401010101" pitchFamily="34" charset="-79"/>
               </a:rPr>
-              <a:t>האימון שתבצע עכשיו דומה למטלה שביצעת קודם, רק שהפעם בחלק מהצעדים יוצג בפניך משוב על המידה בה הקשב שלך מוטה כלפי מחשבה ספציפית. </a:t>
+              <a:t>בכל פעם, נסה להשתמש במשוב כדי ללמוד לאזן את הקשב שלך, ולמנוע ממנו להיות מושפע מהמחשבות השליליות בהמשך המטלה.</a:t>
             </a:r>
           </a:p>
           <a:p>
@@ -4046,6 +6860,16 @@
           <a:p>
             <a:pPr algn="ctr" rtl="1"/>
             <a:r>
+              <a:rPr lang="he-IL" sz="2325" b="1" dirty="0">
+                <a:solidFill>
+                  <a:schemeClr val="tx1"/>
+                </a:solidFill>
+                <a:latin typeface="David" panose="020E0502060401010101" pitchFamily="34" charset="-79"/>
+                <a:cs typeface="David" panose="020E0502060401010101" pitchFamily="34" charset="-79"/>
+              </a:rPr>
+              <a:t>חשוב לזכור – </a:t>
+            </a:r>
+            <a:r>
               <a:rPr lang="he-IL" sz="2325" dirty="0">
                 <a:solidFill>
                   <a:schemeClr val="tx1"/>
@@ -4053,12 +6877,32 @@
                 <a:latin typeface="David" panose="020E0502060401010101" pitchFamily="34" charset="-79"/>
                 <a:cs typeface="David" panose="020E0502060401010101" pitchFamily="34" charset="-79"/>
               </a:rPr>
-              <a:t>בכל צעד, אתה מתבקש ללחוץ על הכפתור המתאים במקלדת בדיוק כפי שעשית קודם – מהר, ומדויק, לפי הספרה המוצגת.</a:t>
+              <a:t>בכל פעם שיוצג משוב, הוא מתייחס לקשב שלך </a:t>
+            </a:r>
+            <a:r>
+              <a:rPr lang="he-IL" sz="2325" b="1" dirty="0">
+                <a:solidFill>
+                  <a:schemeClr val="tx1"/>
+                </a:solidFill>
+                <a:latin typeface="David" panose="020E0502060401010101" pitchFamily="34" charset="-79"/>
+                <a:cs typeface="David" panose="020E0502060401010101" pitchFamily="34" charset="-79"/>
+              </a:rPr>
+              <a:t>בצעד האחרון בלבד</a:t>
+            </a:r>
+            <a:r>
+              <a:rPr lang="he-IL" sz="2325" dirty="0">
+                <a:solidFill>
+                  <a:schemeClr val="tx1"/>
+                </a:solidFill>
+                <a:latin typeface="David" panose="020E0502060401010101" pitchFamily="34" charset="-79"/>
+                <a:cs typeface="David" panose="020E0502060401010101" pitchFamily="34" charset="-79"/>
+              </a:rPr>
+              <a:t>!</a:t>
             </a:r>
           </a:p>
           <a:p>
             <a:pPr algn="ctr" rtl="1"/>
-            <a:endParaRPr lang="he-IL" sz="2325" dirty="0">
+            <a:endParaRPr lang="he-IL" sz="2325" b="1" dirty="0">
               <a:solidFill>
                 <a:schemeClr val="tx1"/>
               </a:solidFill>
@@ -4069,25 +6913,15 @@
           <a:p>
             <a:pPr algn="ctr" rtl="1"/>
             <a:r>
-              <a:rPr lang="he-IL" sz="2325" dirty="0">
+              <a:rPr lang="he-IL" sz="2325" b="1" dirty="0">
                 <a:solidFill>
-                  <a:srgbClr val="FF0000"/>
+                  <a:schemeClr val="tx1"/>
                 </a:solidFill>
                 <a:latin typeface="David" panose="020E0502060401010101" pitchFamily="34" charset="-79"/>
                 <a:cs typeface="David" panose="020E0502060401010101" pitchFamily="34" charset="-79"/>
               </a:rPr>
-              <a:t>[תמונה של מקלדת עם המדבקות]</a:t>
-            </a:r>
-          </a:p>
-          <a:p>
-            <a:pPr algn="ctr" rtl="1"/>
-            <a:endParaRPr lang="he-IL" sz="2325" dirty="0">
-              <a:solidFill>
-                <a:schemeClr val="tx1"/>
-              </a:solidFill>
-              <a:latin typeface="David" panose="020E0502060401010101" pitchFamily="34" charset="-79"/>
-              <a:cs typeface="David" panose="020E0502060401010101" pitchFamily="34" charset="-79"/>
-            </a:endParaRPr>
+              <a:t>במידה והבנת את ההוראות אנא לחץ כדי להמשיך.</a:t>
+            </a:r>
           </a:p>
         </p:txBody>
       </p:sp>
@@ -4157,7 +6991,7 @@
     </p:spTree>
     <p:extLst>
       <p:ext uri="{BB962C8B-B14F-4D97-AF65-F5344CB8AC3E}">
-        <p14:creationId xmlns:p14="http://schemas.microsoft.com/office/powerpoint/2010/main" val="2388474775"/>
+        <p14:creationId xmlns:p14="http://schemas.microsoft.com/office/powerpoint/2010/main" val="2930946924"/>
       </p:ext>
     </p:extLst>
   </p:cSld>
@@ -4167,7 +7001,7 @@
 </p:sld>
 </file>
 
-<file path=ppt/slides/slide3.xml><?xml version="1.0" encoding="utf-8"?>
+<file path=ppt/slides/slide2.xml><?xml version="1.0" encoding="utf-8"?>
 <p:sld xmlns:a="http://schemas.openxmlformats.org/drawingml/2006/main" xmlns:r="http://schemas.openxmlformats.org/officeDocument/2006/relationships" xmlns:p="http://schemas.openxmlformats.org/presentationml/2006/main" show="0">
   <p:cSld>
     <p:spTree>
@@ -4236,19 +7070,111 @@
           <a:p>
             <a:pPr algn="ctr" rtl="1"/>
             <a:r>
-              <a:rPr lang="he-IL" sz="2325" b="1" u="sng" dirty="0">
+              <a:rPr lang="he-IL" sz="2330" dirty="0">
                 <a:solidFill>
                   <a:schemeClr val="tx1"/>
                 </a:solidFill>
                 <a:latin typeface="David" panose="020E0502060401010101" pitchFamily="34" charset="-79"/>
                 <a:cs typeface="David" panose="020E0502060401010101" pitchFamily="34" charset="-79"/>
               </a:rPr>
-              <a:t>אימון מנטלי להפחתת הטיית קשב</a:t>
+              <a:t>המטלה שתבצע עכשיו דומה למטלה שביצעת קודם</a:t>
             </a:r>
           </a:p>
           <a:p>
             <a:pPr algn="ctr" rtl="1"/>
-            <a:endParaRPr lang="en-US" sz="2325" dirty="0">
+            <a:r>
+              <a:rPr lang="he-IL" sz="2330" dirty="0">
+                <a:solidFill>
+                  <a:schemeClr val="tx1"/>
+                </a:solidFill>
+                <a:latin typeface="David" panose="020E0502060401010101" pitchFamily="34" charset="-79"/>
+                <a:cs typeface="David" panose="020E0502060401010101" pitchFamily="34" charset="-79"/>
+              </a:rPr>
+              <a:t>כאשר תשמע\י משפט, את\ה מתבקש\ת להקשיב לו </a:t>
+            </a:r>
+            <a:r>
+              <a:rPr lang="he-IL" sz="2330" b="1" dirty="0">
+                <a:solidFill>
+                  <a:schemeClr val="tx1"/>
+                </a:solidFill>
+                <a:latin typeface="David" panose="020E0502060401010101" pitchFamily="34" charset="-79"/>
+                <a:cs typeface="David" panose="020E0502060401010101" pitchFamily="34" charset="-79"/>
+              </a:rPr>
+              <a:t>כפי שאת\ה מקשיב\ה למחשבה שעוברת לך בראש.</a:t>
+            </a:r>
+          </a:p>
+          <a:p>
+            <a:pPr algn="ctr" rtl="1"/>
+            <a:r>
+              <a:rPr lang="he-IL" sz="2330" dirty="0">
+                <a:solidFill>
+                  <a:schemeClr val="tx1"/>
+                </a:solidFill>
+                <a:latin typeface="David" panose="020E0502060401010101" pitchFamily="34" charset="-79"/>
+                <a:cs typeface="David" panose="020E0502060401010101" pitchFamily="34" charset="-79"/>
+              </a:rPr>
+              <a:t>הפעם, לאחר כל משפט </a:t>
+            </a:r>
+            <a:r>
+              <a:rPr lang="he-IL" sz="2330" b="1" dirty="0">
+                <a:solidFill>
+                  <a:schemeClr val="tx1"/>
+                </a:solidFill>
+                <a:latin typeface="David" panose="020E0502060401010101" pitchFamily="34" charset="-79"/>
+                <a:cs typeface="David" panose="020E0502060401010101" pitchFamily="34" charset="-79"/>
+              </a:rPr>
+              <a:t>יוצגו בפניך מספר ריבועים </a:t>
+            </a:r>
+            <a:r>
+              <a:rPr lang="he-IL" sz="2330" dirty="0">
+                <a:solidFill>
+                  <a:schemeClr val="tx1"/>
+                </a:solidFill>
+                <a:latin typeface="David" panose="020E0502060401010101" pitchFamily="34" charset="-79"/>
+                <a:cs typeface="David" panose="020E0502060401010101" pitchFamily="34" charset="-79"/>
+              </a:rPr>
+              <a:t>ותתבקש\י להחליט </a:t>
+            </a:r>
+            <a:r>
+              <a:rPr lang="he-IL" sz="2330" b="1" dirty="0">
+                <a:solidFill>
+                  <a:schemeClr val="tx1"/>
+                </a:solidFill>
+                <a:latin typeface="David" panose="020E0502060401010101" pitchFamily="34" charset="-79"/>
+                <a:cs typeface="David" panose="020E0502060401010101" pitchFamily="34" charset="-79"/>
+              </a:rPr>
+              <a:t>האם מספר הריבועים גדול או קטן מ-5 </a:t>
+            </a:r>
+          </a:p>
+          <a:p>
+            <a:pPr algn="ctr" rtl="1"/>
+            <a:r>
+              <a:rPr lang="he-IL" sz="2330" dirty="0">
+                <a:solidFill>
+                  <a:schemeClr val="tx1"/>
+                </a:solidFill>
+                <a:latin typeface="David" panose="020E0502060401010101" pitchFamily="34" charset="-79"/>
+                <a:cs typeface="David" panose="020E0502060401010101" pitchFamily="34" charset="-79"/>
+              </a:rPr>
+              <a:t>יש ללחוץ במקלדת על מקש חץ מעלה כאשר מספר הריבועים גדול מ-5, </a:t>
+            </a:r>
+          </a:p>
+          <a:p>
+            <a:pPr algn="ctr" rtl="1"/>
+            <a:r>
+              <a:rPr lang="he-IL" sz="2330" dirty="0">
+                <a:solidFill>
+                  <a:schemeClr val="tx1"/>
+                </a:solidFill>
+                <a:latin typeface="David" panose="020E0502060401010101" pitchFamily="34" charset="-79"/>
+                <a:cs typeface="David" panose="020E0502060401010101" pitchFamily="34" charset="-79"/>
+              </a:rPr>
+              <a:t>ומקש חץ מטה כאשר מספר הריבועים קטן מ-5 </a:t>
+            </a:r>
+          </a:p>
+          <a:p>
+            <a:pPr algn="ctr" rtl="1"/>
+            <a:endParaRPr lang="he-IL" sz="2330" dirty="0">
               <a:solidFill>
                 <a:schemeClr val="tx1"/>
               </a:solidFill>
@@ -4258,76 +7184,7 @@
           </a:p>
           <a:p>
             <a:pPr algn="ctr" rtl="1"/>
-            <a:r>
-              <a:rPr lang="he-IL" sz="2325" dirty="0">
-                <a:solidFill>
-                  <a:schemeClr val="tx1"/>
-                </a:solidFill>
-                <a:latin typeface="David" panose="020E0502060401010101" pitchFamily="34" charset="-79"/>
-                <a:cs typeface="David" panose="020E0502060401010101" pitchFamily="34" charset="-79"/>
-              </a:rPr>
-              <a:t>האימון שתבצע עכשיו דומה למטלה שביצעת קודם, רק שהפעם בחלק מהצעדים יוצג בפניך משוב על המידה בה הקשב שלך מוטה כלפי מחשבה ספציפית. </a:t>
-            </a:r>
-            <a:r>
-              <a:rPr lang="he-IL" sz="2325" dirty="0">
-                <a:solidFill>
-                  <a:srgbClr val="FF0000"/>
-                </a:solidFill>
-                <a:latin typeface="David" panose="020E0502060401010101" pitchFamily="34" charset="-79"/>
-                <a:cs typeface="David" panose="020E0502060401010101" pitchFamily="34" charset="-79"/>
-              </a:rPr>
-              <a:t>[להסביר שהפידבק הוא על ההטיה במחשבה הספציפית לפי אריק]</a:t>
-            </a:r>
-          </a:p>
-          <a:p>
-            <a:pPr algn="ctr" rtl="1"/>
-            <a:endParaRPr lang="he-IL" sz="2325" dirty="0">
-              <a:solidFill>
-                <a:schemeClr val="tx1"/>
-              </a:solidFill>
-              <a:latin typeface="David" panose="020E0502060401010101" pitchFamily="34" charset="-79"/>
-              <a:cs typeface="David" panose="020E0502060401010101" pitchFamily="34" charset="-79"/>
-            </a:endParaRPr>
-          </a:p>
-          <a:p>
-            <a:pPr algn="ctr" rtl="1"/>
-            <a:r>
-              <a:rPr lang="he-IL" sz="2325" dirty="0">
-                <a:solidFill>
-                  <a:schemeClr val="tx1"/>
-                </a:solidFill>
-                <a:latin typeface="David" panose="020E0502060401010101" pitchFamily="34" charset="-79"/>
-                <a:cs typeface="David" panose="020E0502060401010101" pitchFamily="34" charset="-79"/>
-              </a:rPr>
-              <a:t>בכל צעד, אתה מתבקש ללחוץ על הכפתור המתאים במקלדת בדיוק כפי שעשית קודם – מהר, ומדויק, לפי הספרה המוצגת.</a:t>
-            </a:r>
-          </a:p>
-          <a:p>
-            <a:pPr algn="ctr" rtl="1"/>
-            <a:endParaRPr lang="he-IL" sz="2325" dirty="0">
-              <a:solidFill>
-                <a:schemeClr val="tx1"/>
-              </a:solidFill>
-              <a:latin typeface="David" panose="020E0502060401010101" pitchFamily="34" charset="-79"/>
-              <a:cs typeface="David" panose="020E0502060401010101" pitchFamily="34" charset="-79"/>
-            </a:endParaRPr>
-          </a:p>
-          <a:p>
-            <a:pPr algn="ctr" rtl="1"/>
-            <a:r>
-              <a:rPr lang="he-IL" sz="2325" dirty="0">
-                <a:solidFill>
-                  <a:srgbClr val="FF0000"/>
-                </a:solidFill>
-                <a:latin typeface="David" panose="020E0502060401010101" pitchFamily="34" charset="-79"/>
-                <a:cs typeface="David" panose="020E0502060401010101" pitchFamily="34" charset="-79"/>
-              </a:rPr>
-              <a:t>[תמונה של מקלדת עם המדבקות]</a:t>
-            </a:r>
-          </a:p>
-          <a:p>
-            <a:pPr algn="ctr" rtl="1"/>
-            <a:endParaRPr lang="he-IL" sz="2325" dirty="0">
+            <a:endParaRPr lang="he-IL" sz="2330" dirty="0">
               <a:solidFill>
                 <a:schemeClr val="tx1"/>
               </a:solidFill>
@@ -4400,6 +7257,1508 @@
           </a:p>
         </p:txBody>
       </p:sp>
+      <p:grpSp>
+        <p:nvGrpSpPr>
+          <p:cNvPr id="7" name="Group 6">
+            <a:extLst>
+              <a:ext uri="{FF2B5EF4-FFF2-40B4-BE49-F238E27FC236}">
+                <a16:creationId xmlns:a16="http://schemas.microsoft.com/office/drawing/2014/main" id="{15F0128C-0B89-48F4-90F5-AD6DC284099F}"/>
+              </a:ext>
+            </a:extLst>
+          </p:cNvPr>
+          <p:cNvGrpSpPr/>
+          <p:nvPr/>
+        </p:nvGrpSpPr>
+        <p:grpSpPr>
+          <a:xfrm>
+            <a:off x="5215467" y="3868359"/>
+            <a:ext cx="1676400" cy="1417669"/>
+            <a:chOff x="4608974" y="1615133"/>
+            <a:chExt cx="1676400" cy="1417669"/>
+          </a:xfrm>
+        </p:grpSpPr>
+        <p:pic>
+          <p:nvPicPr>
+            <p:cNvPr id="8" name="Picture 7">
+              <a:extLst>
+                <a:ext uri="{FF2B5EF4-FFF2-40B4-BE49-F238E27FC236}">
+                  <a16:creationId xmlns:a16="http://schemas.microsoft.com/office/drawing/2014/main" id="{3CFAEDBF-0EFB-4043-972D-752726835739}"/>
+                </a:ext>
+              </a:extLst>
+            </p:cNvPr>
+            <p:cNvPicPr>
+              <a:picLocks noChangeAspect="1"/>
+            </p:cNvPicPr>
+            <p:nvPr/>
+          </p:nvPicPr>
+          <p:blipFill rotWithShape="1">
+            <a:blip r:embed="rId2"/>
+            <a:srcRect l="4541" r="8912"/>
+            <a:stretch/>
+          </p:blipFill>
+          <p:spPr>
+            <a:xfrm>
+              <a:off x="4608974" y="1615133"/>
+              <a:ext cx="1676400" cy="1417669"/>
+            </a:xfrm>
+            <a:prstGeom prst="rect">
+              <a:avLst/>
+            </a:prstGeom>
+          </p:spPr>
+        </p:pic>
+        <p:sp>
+          <p:nvSpPr>
+            <p:cNvPr id="9" name="Rectangle 8">
+              <a:extLst>
+                <a:ext uri="{FF2B5EF4-FFF2-40B4-BE49-F238E27FC236}">
+                  <a16:creationId xmlns:a16="http://schemas.microsoft.com/office/drawing/2014/main" id="{6B79BCBB-6BDE-462E-95EA-A01DE463500B}"/>
+                </a:ext>
+              </a:extLst>
+            </p:cNvPr>
+            <p:cNvSpPr/>
+            <p:nvPr/>
+          </p:nvSpPr>
+          <p:spPr>
+            <a:xfrm>
+              <a:off x="4754880" y="1762298"/>
+              <a:ext cx="1341120" cy="631767"/>
+            </a:xfrm>
+            <a:prstGeom prst="rect">
+              <a:avLst/>
+            </a:prstGeom>
+            <a:noFill/>
+            <a:ln w="38100">
+              <a:solidFill>
+                <a:srgbClr val="FF0000"/>
+              </a:solidFill>
+            </a:ln>
+          </p:spPr>
+          <p:style>
+            <a:lnRef idx="2">
+              <a:schemeClr val="accent1">
+                <a:shade val="50000"/>
+              </a:schemeClr>
+            </a:lnRef>
+            <a:fillRef idx="1">
+              <a:schemeClr val="accent1"/>
+            </a:fillRef>
+            <a:effectRef idx="0">
+              <a:schemeClr val="accent1"/>
+            </a:effectRef>
+            <a:fontRef idx="minor">
+              <a:schemeClr val="lt1"/>
+            </a:fontRef>
+          </p:style>
+          <p:txBody>
+            <a:bodyPr rtlCol="0" anchor="ctr"/>
+            <a:lstStyle/>
+            <a:p>
+              <a:pPr algn="ctr"/>
+              <a:endParaRPr lang="en-US"/>
+            </a:p>
+          </p:txBody>
+        </p:sp>
+        <p:sp>
+          <p:nvSpPr>
+            <p:cNvPr id="10" name="Rectangle 9">
+              <a:extLst>
+                <a:ext uri="{FF2B5EF4-FFF2-40B4-BE49-F238E27FC236}">
+                  <a16:creationId xmlns:a16="http://schemas.microsoft.com/office/drawing/2014/main" id="{71A9E147-C8B8-400E-8E5C-D39AAC63114D}"/>
+                </a:ext>
+              </a:extLst>
+            </p:cNvPr>
+            <p:cNvSpPr/>
+            <p:nvPr/>
+          </p:nvSpPr>
+          <p:spPr>
+            <a:xfrm>
+              <a:off x="4754880" y="2377746"/>
+              <a:ext cx="1341120" cy="631767"/>
+            </a:xfrm>
+            <a:prstGeom prst="rect">
+              <a:avLst/>
+            </a:prstGeom>
+            <a:noFill/>
+            <a:ln w="38100">
+              <a:solidFill>
+                <a:srgbClr val="FF0000"/>
+              </a:solidFill>
+            </a:ln>
+          </p:spPr>
+          <p:style>
+            <a:lnRef idx="2">
+              <a:schemeClr val="accent1">
+                <a:shade val="50000"/>
+              </a:schemeClr>
+            </a:lnRef>
+            <a:fillRef idx="1">
+              <a:schemeClr val="accent1"/>
+            </a:fillRef>
+            <a:effectRef idx="0">
+              <a:schemeClr val="accent1"/>
+            </a:effectRef>
+            <a:fontRef idx="minor">
+              <a:schemeClr val="lt1"/>
+            </a:fontRef>
+          </p:style>
+          <p:txBody>
+            <a:bodyPr rtlCol="0" anchor="ctr"/>
+            <a:lstStyle/>
+            <a:p>
+              <a:pPr algn="ctr"/>
+              <a:endParaRPr lang="en-US"/>
+            </a:p>
+          </p:txBody>
+        </p:sp>
+      </p:grpSp>
+    </p:spTree>
+    <p:extLst>
+      <p:ext uri="{BB962C8B-B14F-4D97-AF65-F5344CB8AC3E}">
+        <p14:creationId xmlns:p14="http://schemas.microsoft.com/office/powerpoint/2010/main" val="2388474775"/>
+      </p:ext>
+    </p:extLst>
+  </p:cSld>
+  <p:clrMapOvr>
+    <a:masterClrMapping/>
+  </p:clrMapOvr>
+</p:sld>
+</file>
+
+<file path=ppt/slides/slide3.xml><?xml version="1.0" encoding="utf-8"?>
+<p:sld xmlns:a="http://schemas.openxmlformats.org/drawingml/2006/main" xmlns:r="http://schemas.openxmlformats.org/officeDocument/2006/relationships" xmlns:p="http://schemas.openxmlformats.org/presentationml/2006/main">
+  <p:cSld>
+    <p:spTree>
+      <p:nvGrpSpPr>
+        <p:cNvPr id="1" name=""/>
+        <p:cNvGrpSpPr/>
+        <p:nvPr/>
+      </p:nvGrpSpPr>
+      <p:grpSpPr>
+        <a:xfrm>
+          <a:off x="0" y="0"/>
+          <a:ext cx="0" cy="0"/>
+          <a:chOff x="0" y="0"/>
+          <a:chExt cx="0" cy="0"/>
+        </a:xfrm>
+      </p:grpSpPr>
+      <p:sp>
+        <p:nvSpPr>
+          <p:cNvPr id="4" name="Rectangle 3"/>
+          <p:cNvSpPr>
+            <a:spLocks/>
+          </p:cNvSpPr>
+          <p:nvPr/>
+        </p:nvSpPr>
+        <p:spPr>
+          <a:xfrm>
+            <a:off x="2065971" y="577526"/>
+            <a:ext cx="8071946" cy="4969278"/>
+          </a:xfrm>
+          <a:prstGeom prst="rect">
+            <a:avLst/>
+          </a:prstGeom>
+          <a:solidFill>
+            <a:schemeClr val="bg1">
+              <a:lumMod val="65000"/>
+            </a:schemeClr>
+          </a:solidFill>
+          <a:ln w="76200">
+            <a:solidFill>
+              <a:schemeClr val="tx1">
+                <a:lumMod val="65000"/>
+                <a:lumOff val="35000"/>
+              </a:schemeClr>
+            </a:solidFill>
+          </a:ln>
+        </p:spPr>
+        <p:style>
+          <a:lnRef idx="2">
+            <a:schemeClr val="accent1">
+              <a:shade val="50000"/>
+            </a:schemeClr>
+          </a:lnRef>
+          <a:fillRef idx="1">
+            <a:schemeClr val="accent1"/>
+          </a:fillRef>
+          <a:effectRef idx="0">
+            <a:schemeClr val="accent1"/>
+          </a:effectRef>
+          <a:fontRef idx="minor">
+            <a:schemeClr val="lt1"/>
+          </a:fontRef>
+        </p:style>
+        <p:txBody>
+          <a:bodyPr lIns="160949" tIns="80476" rIns="160949" bIns="80476" rtlCol="1" anchor="ctr"/>
+          <a:lstStyle/>
+          <a:p>
+            <a:pPr algn="ctr" rtl="1"/>
+            <a:r>
+              <a:rPr lang="he-IL" sz="2330" dirty="0">
+                <a:solidFill>
+                  <a:schemeClr val="tx1"/>
+                </a:solidFill>
+                <a:latin typeface="David" panose="020E0502060401010101" pitchFamily="34" charset="-79"/>
+                <a:cs typeface="David" panose="020E0502060401010101" pitchFamily="34" charset="-79"/>
+              </a:rPr>
+              <a:t>המטלה שתבצע עכשיו דומה למטלה שביצעת קודם</a:t>
+            </a:r>
+          </a:p>
+          <a:p>
+            <a:pPr algn="ctr" rtl="1"/>
+            <a:r>
+              <a:rPr lang="he-IL" sz="2330" dirty="0">
+                <a:solidFill>
+                  <a:schemeClr val="tx1"/>
+                </a:solidFill>
+                <a:latin typeface="David" panose="020E0502060401010101" pitchFamily="34" charset="-79"/>
+                <a:cs typeface="David" panose="020E0502060401010101" pitchFamily="34" charset="-79"/>
+              </a:rPr>
+              <a:t>הפעם, לאחר כל מחשבה, </a:t>
+            </a:r>
+            <a:r>
+              <a:rPr lang="he-IL" sz="2330" b="1" dirty="0">
+                <a:solidFill>
+                  <a:schemeClr val="tx1"/>
+                </a:solidFill>
+                <a:latin typeface="David" panose="020E0502060401010101" pitchFamily="34" charset="-79"/>
+                <a:cs typeface="David" panose="020E0502060401010101" pitchFamily="34" charset="-79"/>
+              </a:rPr>
+              <a:t>יוצגו בפניך מספר ריבועים </a:t>
+            </a:r>
+            <a:r>
+              <a:rPr lang="he-IL" sz="2330" dirty="0">
+                <a:solidFill>
+                  <a:schemeClr val="tx1"/>
+                </a:solidFill>
+                <a:latin typeface="David" panose="020E0502060401010101" pitchFamily="34" charset="-79"/>
+                <a:cs typeface="David" panose="020E0502060401010101" pitchFamily="34" charset="-79"/>
+              </a:rPr>
+              <a:t>ותתבקש\י להחליט </a:t>
+            </a:r>
+            <a:r>
+              <a:rPr lang="he-IL" sz="2330" b="1" dirty="0">
+                <a:solidFill>
+                  <a:schemeClr val="tx1"/>
+                </a:solidFill>
+                <a:latin typeface="David" panose="020E0502060401010101" pitchFamily="34" charset="-79"/>
+                <a:cs typeface="David" panose="020E0502060401010101" pitchFamily="34" charset="-79"/>
+              </a:rPr>
+              <a:t>האם מספר הריבועים גדול או קטן מ-5 </a:t>
+            </a:r>
+          </a:p>
+          <a:p>
+            <a:pPr algn="ctr" rtl="1"/>
+            <a:endParaRPr lang="he-IL" sz="2330" dirty="0">
+              <a:solidFill>
+                <a:schemeClr val="tx1"/>
+              </a:solidFill>
+              <a:latin typeface="David" panose="020E0502060401010101" pitchFamily="34" charset="-79"/>
+              <a:cs typeface="David" panose="020E0502060401010101" pitchFamily="34" charset="-79"/>
+            </a:endParaRPr>
+          </a:p>
+          <a:p>
+            <a:pPr algn="ctr" rtl="1"/>
+            <a:r>
+              <a:rPr lang="he-IL" sz="2330" dirty="0">
+                <a:solidFill>
+                  <a:schemeClr val="tx1"/>
+                </a:solidFill>
+                <a:latin typeface="David" panose="020E0502060401010101" pitchFamily="34" charset="-79"/>
+                <a:cs typeface="David" panose="020E0502060401010101" pitchFamily="34" charset="-79"/>
+              </a:rPr>
+              <a:t>יש ללחוץ במקלדת על מקש חץ מעלה כאשר מספר הריבועים גדול מ-5, </a:t>
+            </a:r>
+          </a:p>
+          <a:p>
+            <a:pPr algn="ctr" rtl="1"/>
+            <a:r>
+              <a:rPr lang="he-IL" sz="2330" dirty="0">
+                <a:solidFill>
+                  <a:schemeClr val="tx1"/>
+                </a:solidFill>
+                <a:latin typeface="David" panose="020E0502060401010101" pitchFamily="34" charset="-79"/>
+                <a:cs typeface="David" panose="020E0502060401010101" pitchFamily="34" charset="-79"/>
+              </a:rPr>
+              <a:t>ומקש חץ מטה כאשר מספר הריבועים קטן מ-5 </a:t>
+            </a:r>
+          </a:p>
+          <a:p>
+            <a:pPr algn="ctr" rtl="1"/>
+            <a:endParaRPr lang="he-IL" sz="2330" dirty="0">
+              <a:solidFill>
+                <a:schemeClr val="tx1"/>
+              </a:solidFill>
+              <a:latin typeface="David" panose="020E0502060401010101" pitchFamily="34" charset="-79"/>
+              <a:cs typeface="David" panose="020E0502060401010101" pitchFamily="34" charset="-79"/>
+            </a:endParaRPr>
+          </a:p>
+          <a:p>
+            <a:pPr algn="ctr" rtl="1"/>
+            <a:endParaRPr lang="he-IL" sz="2330" dirty="0">
+              <a:solidFill>
+                <a:schemeClr val="tx1"/>
+              </a:solidFill>
+              <a:latin typeface="David" panose="020E0502060401010101" pitchFamily="34" charset="-79"/>
+              <a:cs typeface="David" panose="020E0502060401010101" pitchFamily="34" charset="-79"/>
+            </a:endParaRPr>
+          </a:p>
+        </p:txBody>
+      </p:sp>
+      <p:sp>
+        <p:nvSpPr>
+          <p:cNvPr id="5" name="Rectangle 4"/>
+          <p:cNvSpPr/>
+          <p:nvPr/>
+        </p:nvSpPr>
+        <p:spPr>
+          <a:xfrm>
+            <a:off x="4726770" y="5358207"/>
+            <a:ext cx="2750351" cy="1021313"/>
+          </a:xfrm>
+          <a:prstGeom prst="rect">
+            <a:avLst/>
+          </a:prstGeom>
+          <a:solidFill>
+            <a:schemeClr val="tx1">
+              <a:lumMod val="65000"/>
+              <a:lumOff val="35000"/>
+            </a:schemeClr>
+          </a:solidFill>
+          <a:ln w="76200">
+            <a:solidFill>
+              <a:schemeClr val="tx1">
+                <a:lumMod val="85000"/>
+                <a:lumOff val="15000"/>
+              </a:schemeClr>
+            </a:solidFill>
+          </a:ln>
+        </p:spPr>
+        <p:style>
+          <a:lnRef idx="2">
+            <a:schemeClr val="accent1">
+              <a:shade val="50000"/>
+            </a:schemeClr>
+          </a:lnRef>
+          <a:fillRef idx="1">
+            <a:schemeClr val="accent1"/>
+          </a:fillRef>
+          <a:effectRef idx="0">
+            <a:schemeClr val="accent1"/>
+          </a:effectRef>
+          <a:fontRef idx="minor">
+            <a:schemeClr val="lt1"/>
+          </a:fontRef>
+        </p:style>
+        <p:txBody>
+          <a:bodyPr lIns="160949" tIns="80476" rIns="160949" bIns="80476" rtlCol="1" anchor="ctr"/>
+          <a:lstStyle/>
+          <a:p>
+            <a:pPr algn="ctr" rtl="1"/>
+            <a:r>
+              <a:rPr lang="he-IL" sz="1937" dirty="0">
+                <a:solidFill>
+                  <a:schemeClr val="tx1"/>
+                </a:solidFill>
+                <a:latin typeface="David" panose="020E0502060401010101" pitchFamily="34" charset="-79"/>
+                <a:cs typeface="David" panose="020E0502060401010101" pitchFamily="34" charset="-79"/>
+              </a:rPr>
+              <a:t>לחץ על אחד המקשים כדי להמשיך</a:t>
+            </a:r>
+          </a:p>
+        </p:txBody>
+      </p:sp>
+      <p:grpSp>
+        <p:nvGrpSpPr>
+          <p:cNvPr id="7" name="Group 6">
+            <a:extLst>
+              <a:ext uri="{FF2B5EF4-FFF2-40B4-BE49-F238E27FC236}">
+                <a16:creationId xmlns:a16="http://schemas.microsoft.com/office/drawing/2014/main" id="{15F0128C-0B89-48F4-90F5-AD6DC284099F}"/>
+              </a:ext>
+            </a:extLst>
+          </p:cNvPr>
+          <p:cNvGrpSpPr/>
+          <p:nvPr/>
+        </p:nvGrpSpPr>
+        <p:grpSpPr>
+          <a:xfrm>
+            <a:off x="5215467" y="3868359"/>
+            <a:ext cx="1676400" cy="1417669"/>
+            <a:chOff x="4608974" y="1615133"/>
+            <a:chExt cx="1676400" cy="1417669"/>
+          </a:xfrm>
+        </p:grpSpPr>
+        <p:pic>
+          <p:nvPicPr>
+            <p:cNvPr id="8" name="Picture 7">
+              <a:extLst>
+                <a:ext uri="{FF2B5EF4-FFF2-40B4-BE49-F238E27FC236}">
+                  <a16:creationId xmlns:a16="http://schemas.microsoft.com/office/drawing/2014/main" id="{3CFAEDBF-0EFB-4043-972D-752726835739}"/>
+                </a:ext>
+              </a:extLst>
+            </p:cNvPr>
+            <p:cNvPicPr>
+              <a:picLocks noChangeAspect="1"/>
+            </p:cNvPicPr>
+            <p:nvPr/>
+          </p:nvPicPr>
+          <p:blipFill rotWithShape="1">
+            <a:blip r:embed="rId2"/>
+            <a:srcRect l="4541" r="8912"/>
+            <a:stretch/>
+          </p:blipFill>
+          <p:spPr>
+            <a:xfrm>
+              <a:off x="4608974" y="1615133"/>
+              <a:ext cx="1676400" cy="1417669"/>
+            </a:xfrm>
+            <a:prstGeom prst="rect">
+              <a:avLst/>
+            </a:prstGeom>
+          </p:spPr>
+        </p:pic>
+        <p:sp>
+          <p:nvSpPr>
+            <p:cNvPr id="9" name="Rectangle 8">
+              <a:extLst>
+                <a:ext uri="{FF2B5EF4-FFF2-40B4-BE49-F238E27FC236}">
+                  <a16:creationId xmlns:a16="http://schemas.microsoft.com/office/drawing/2014/main" id="{6B79BCBB-6BDE-462E-95EA-A01DE463500B}"/>
+                </a:ext>
+              </a:extLst>
+            </p:cNvPr>
+            <p:cNvSpPr/>
+            <p:nvPr/>
+          </p:nvSpPr>
+          <p:spPr>
+            <a:xfrm>
+              <a:off x="4754880" y="1762298"/>
+              <a:ext cx="1341120" cy="631767"/>
+            </a:xfrm>
+            <a:prstGeom prst="rect">
+              <a:avLst/>
+            </a:prstGeom>
+            <a:noFill/>
+            <a:ln w="38100">
+              <a:solidFill>
+                <a:srgbClr val="FF0000"/>
+              </a:solidFill>
+            </a:ln>
+          </p:spPr>
+          <p:style>
+            <a:lnRef idx="2">
+              <a:schemeClr val="accent1">
+                <a:shade val="50000"/>
+              </a:schemeClr>
+            </a:lnRef>
+            <a:fillRef idx="1">
+              <a:schemeClr val="accent1"/>
+            </a:fillRef>
+            <a:effectRef idx="0">
+              <a:schemeClr val="accent1"/>
+            </a:effectRef>
+            <a:fontRef idx="minor">
+              <a:schemeClr val="lt1"/>
+            </a:fontRef>
+          </p:style>
+          <p:txBody>
+            <a:bodyPr rtlCol="0" anchor="ctr"/>
+            <a:lstStyle/>
+            <a:p>
+              <a:pPr algn="ctr"/>
+              <a:endParaRPr lang="en-US"/>
+            </a:p>
+          </p:txBody>
+        </p:sp>
+        <p:sp>
+          <p:nvSpPr>
+            <p:cNvPr id="10" name="Rectangle 9">
+              <a:extLst>
+                <a:ext uri="{FF2B5EF4-FFF2-40B4-BE49-F238E27FC236}">
+                  <a16:creationId xmlns:a16="http://schemas.microsoft.com/office/drawing/2014/main" id="{71A9E147-C8B8-400E-8E5C-D39AAC63114D}"/>
+                </a:ext>
+              </a:extLst>
+            </p:cNvPr>
+            <p:cNvSpPr/>
+            <p:nvPr/>
+          </p:nvSpPr>
+          <p:spPr>
+            <a:xfrm>
+              <a:off x="4754880" y="2377746"/>
+              <a:ext cx="1341120" cy="631767"/>
+            </a:xfrm>
+            <a:prstGeom prst="rect">
+              <a:avLst/>
+            </a:prstGeom>
+            <a:noFill/>
+            <a:ln w="38100">
+              <a:solidFill>
+                <a:srgbClr val="FF0000"/>
+              </a:solidFill>
+            </a:ln>
+          </p:spPr>
+          <p:style>
+            <a:lnRef idx="2">
+              <a:schemeClr val="accent1">
+                <a:shade val="50000"/>
+              </a:schemeClr>
+            </a:lnRef>
+            <a:fillRef idx="1">
+              <a:schemeClr val="accent1"/>
+            </a:fillRef>
+            <a:effectRef idx="0">
+              <a:schemeClr val="accent1"/>
+            </a:effectRef>
+            <a:fontRef idx="minor">
+              <a:schemeClr val="lt1"/>
+            </a:fontRef>
+          </p:style>
+          <p:txBody>
+            <a:bodyPr rtlCol="0" anchor="ctr"/>
+            <a:lstStyle/>
+            <a:p>
+              <a:pPr algn="ctr"/>
+              <a:endParaRPr lang="en-US"/>
+            </a:p>
+          </p:txBody>
+        </p:sp>
+      </p:grpSp>
+    </p:spTree>
+    <p:extLst>
+      <p:ext uri="{BB962C8B-B14F-4D97-AF65-F5344CB8AC3E}">
+        <p14:creationId xmlns:p14="http://schemas.microsoft.com/office/powerpoint/2010/main" val="568631794"/>
+      </p:ext>
+    </p:extLst>
+  </p:cSld>
+  <p:clrMapOvr>
+    <a:masterClrMapping/>
+  </p:clrMapOvr>
+</p:sld>
+</file>
+
+<file path=ppt/slides/slide4.xml><?xml version="1.0" encoding="utf-8"?>
+<p:sld xmlns:a="http://schemas.openxmlformats.org/drawingml/2006/main" xmlns:r="http://schemas.openxmlformats.org/officeDocument/2006/relationships" xmlns:p="http://schemas.openxmlformats.org/presentationml/2006/main">
+  <p:cSld>
+    <p:bg>
+      <p:bgPr>
+        <a:solidFill>
+          <a:schemeClr val="tx1"/>
+        </a:solidFill>
+        <a:effectLst/>
+      </p:bgPr>
+    </p:bg>
+    <p:spTree>
+      <p:nvGrpSpPr>
+        <p:cNvPr id="1" name=""/>
+        <p:cNvGrpSpPr/>
+        <p:nvPr/>
+      </p:nvGrpSpPr>
+      <p:grpSpPr>
+        <a:xfrm>
+          <a:off x="0" y="0"/>
+          <a:ext cx="0" cy="0"/>
+          <a:chOff x="0" y="0"/>
+          <a:chExt cx="0" cy="0"/>
+        </a:xfrm>
+      </p:grpSpPr>
+      <p:sp>
+        <p:nvSpPr>
+          <p:cNvPr id="4" name="Rectangle 3"/>
+          <p:cNvSpPr>
+            <a:spLocks/>
+          </p:cNvSpPr>
+          <p:nvPr/>
+        </p:nvSpPr>
+        <p:spPr>
+          <a:xfrm>
+            <a:off x="2065971" y="577526"/>
+            <a:ext cx="8071946" cy="4969278"/>
+          </a:xfrm>
+          <a:prstGeom prst="rect">
+            <a:avLst/>
+          </a:prstGeom>
+          <a:solidFill>
+            <a:schemeClr val="bg1">
+              <a:lumMod val="65000"/>
+            </a:schemeClr>
+          </a:solidFill>
+          <a:ln w="76200">
+            <a:solidFill>
+              <a:schemeClr val="tx1">
+                <a:lumMod val="65000"/>
+                <a:lumOff val="35000"/>
+              </a:schemeClr>
+            </a:solidFill>
+          </a:ln>
+        </p:spPr>
+        <p:style>
+          <a:lnRef idx="2">
+            <a:schemeClr val="accent1">
+              <a:shade val="50000"/>
+            </a:schemeClr>
+          </a:lnRef>
+          <a:fillRef idx="1">
+            <a:schemeClr val="accent1"/>
+          </a:fillRef>
+          <a:effectRef idx="0">
+            <a:schemeClr val="accent1"/>
+          </a:effectRef>
+          <a:fontRef idx="minor">
+            <a:schemeClr val="lt1"/>
+          </a:fontRef>
+        </p:style>
+        <p:txBody>
+          <a:bodyPr lIns="160949" tIns="80476" rIns="160949" bIns="80476" rtlCol="1" anchor="t"/>
+          <a:lstStyle/>
+          <a:p>
+            <a:pPr marL="0" marR="0" lvl="0" indent="0" algn="ctr" defTabSz="914400" rtl="1" eaLnBrk="1" fontAlgn="auto" latinLnBrk="0" hangingPunct="1">
+              <a:lnSpc>
+                <a:spcPct val="150000"/>
+              </a:lnSpc>
+              <a:spcBef>
+                <a:spcPts val="0"/>
+              </a:spcBef>
+              <a:spcAft>
+                <a:spcPts val="0"/>
+              </a:spcAft>
+              <a:buClrTx/>
+              <a:buSzTx/>
+              <a:buFontTx/>
+              <a:buNone/>
+              <a:tabLst/>
+              <a:defRPr/>
+            </a:pPr>
+            <a:endParaRPr kumimoji="0" lang="he-IL" sz="2400" b="0" i="0" u="none" strike="noStrike" kern="1200" cap="none" spc="0" normalizeH="0" baseline="0" noProof="0" dirty="0">
+              <a:ln>
+                <a:noFill/>
+              </a:ln>
+              <a:solidFill>
+                <a:prstClr val="black"/>
+              </a:solidFill>
+              <a:effectLst/>
+              <a:uLnTx/>
+              <a:uFillTx/>
+              <a:latin typeface="David" panose="020E0502060401010101" pitchFamily="34" charset="-79"/>
+              <a:ea typeface="+mn-ea"/>
+              <a:cs typeface="David" panose="020E0502060401010101" pitchFamily="34" charset="-79"/>
+            </a:endParaRPr>
+          </a:p>
+          <a:p>
+            <a:pPr marL="0" marR="0" lvl="0" indent="0" algn="ctr" defTabSz="914400" rtl="1" eaLnBrk="1" fontAlgn="auto" latinLnBrk="0" hangingPunct="1">
+              <a:lnSpc>
+                <a:spcPct val="150000"/>
+              </a:lnSpc>
+              <a:spcBef>
+                <a:spcPts val="0"/>
+              </a:spcBef>
+              <a:spcAft>
+                <a:spcPts val="0"/>
+              </a:spcAft>
+              <a:buClrTx/>
+              <a:buSzTx/>
+              <a:buFontTx/>
+              <a:buNone/>
+              <a:tabLst/>
+              <a:defRPr/>
+            </a:pPr>
+            <a:r>
+              <a:rPr kumimoji="0" lang="he-IL" sz="2400" b="0" i="0" u="none" strike="noStrike" kern="1200" cap="none" spc="0" normalizeH="0" baseline="0" noProof="0" dirty="0">
+                <a:ln>
+                  <a:noFill/>
+                </a:ln>
+                <a:solidFill>
+                  <a:prstClr val="black"/>
+                </a:solidFill>
+                <a:effectLst/>
+                <a:uLnTx/>
+                <a:uFillTx/>
+                <a:latin typeface="David" panose="020E0502060401010101" pitchFamily="34" charset="-79"/>
+                <a:ea typeface="+mn-ea"/>
+                <a:cs typeface="David" panose="020E0502060401010101" pitchFamily="34" charset="-79"/>
+              </a:rPr>
+              <a:t>כעת תמשיך לתירגול קצר.</a:t>
+            </a:r>
+          </a:p>
+          <a:p>
+            <a:pPr marL="0" marR="0" lvl="0" indent="0" algn="ctr" defTabSz="914400" rtl="1" eaLnBrk="1" fontAlgn="auto" latinLnBrk="0" hangingPunct="1">
+              <a:lnSpc>
+                <a:spcPct val="150000"/>
+              </a:lnSpc>
+              <a:spcBef>
+                <a:spcPts val="0"/>
+              </a:spcBef>
+              <a:spcAft>
+                <a:spcPts val="0"/>
+              </a:spcAft>
+              <a:buClrTx/>
+              <a:buSzTx/>
+              <a:buFontTx/>
+              <a:buNone/>
+              <a:tabLst/>
+              <a:defRPr/>
+            </a:pPr>
+            <a:r>
+              <a:rPr kumimoji="0" lang="he-IL" sz="2400" b="0" i="0" u="none" strike="noStrike" kern="1200" cap="none" spc="0" normalizeH="0" baseline="0" noProof="0" dirty="0">
+                <a:ln>
+                  <a:noFill/>
+                </a:ln>
+                <a:solidFill>
+                  <a:prstClr val="black"/>
+                </a:solidFill>
+                <a:effectLst/>
+                <a:uLnTx/>
+                <a:uFillTx/>
+                <a:latin typeface="David" panose="020E0502060401010101" pitchFamily="34" charset="-79"/>
+                <a:ea typeface="+mn-ea"/>
+                <a:cs typeface="David" panose="020E0502060401010101" pitchFamily="34" charset="-79"/>
+              </a:rPr>
+              <a:t> </a:t>
+            </a:r>
+          </a:p>
+          <a:p>
+            <a:pPr marL="0" marR="0" lvl="0" indent="0" algn="ctr" defTabSz="914400" rtl="1" eaLnBrk="1" fontAlgn="auto" latinLnBrk="0" hangingPunct="1">
+              <a:lnSpc>
+                <a:spcPct val="150000"/>
+              </a:lnSpc>
+              <a:spcBef>
+                <a:spcPts val="0"/>
+              </a:spcBef>
+              <a:spcAft>
+                <a:spcPts val="0"/>
+              </a:spcAft>
+              <a:buClrTx/>
+              <a:buSzTx/>
+              <a:buFontTx/>
+              <a:buNone/>
+              <a:tabLst/>
+              <a:defRPr/>
+            </a:pPr>
+            <a:r>
+              <a:rPr kumimoji="0" lang="he-IL" sz="2400" b="0" i="0" u="none" strike="noStrike" kern="1200" cap="none" spc="0" normalizeH="0" baseline="0" noProof="0" dirty="0">
+                <a:ln>
+                  <a:noFill/>
+                </a:ln>
+                <a:solidFill>
+                  <a:prstClr val="black"/>
+                </a:solidFill>
+                <a:effectLst/>
+                <a:uLnTx/>
+                <a:uFillTx/>
+                <a:latin typeface="David" panose="020E0502060401010101" pitchFamily="34" charset="-79"/>
+                <a:ea typeface="+mn-ea"/>
+                <a:cs typeface="David" panose="020E0502060401010101" pitchFamily="34" charset="-79"/>
+              </a:rPr>
+              <a:t>בצעדי התירגול הראשונים יצויין האם ענית נכון או לא נכון. </a:t>
+            </a:r>
+          </a:p>
+          <a:p>
+            <a:pPr marL="0" marR="0" lvl="0" indent="0" algn="ctr" defTabSz="914400" rtl="1" eaLnBrk="1" fontAlgn="auto" latinLnBrk="0" hangingPunct="1">
+              <a:lnSpc>
+                <a:spcPct val="150000"/>
+              </a:lnSpc>
+              <a:spcBef>
+                <a:spcPts val="0"/>
+              </a:spcBef>
+              <a:spcAft>
+                <a:spcPts val="0"/>
+              </a:spcAft>
+              <a:buClrTx/>
+              <a:buSzTx/>
+              <a:buFontTx/>
+              <a:buNone/>
+              <a:tabLst/>
+              <a:defRPr/>
+            </a:pPr>
+            <a:r>
+              <a:rPr lang="he-IL" sz="2400" dirty="0">
+                <a:solidFill>
+                  <a:prstClr val="black"/>
+                </a:solidFill>
+                <a:latin typeface="David" panose="020E0502060401010101" pitchFamily="34" charset="-79"/>
+                <a:cs typeface="David" panose="020E0502060401010101" pitchFamily="34" charset="-79"/>
+              </a:rPr>
+              <a:t>זאת אומרת, </a:t>
+            </a:r>
+            <a:r>
+              <a:rPr lang="he-IL" sz="2400" dirty="0">
+                <a:solidFill>
+                  <a:schemeClr val="tx1"/>
+                </a:solidFill>
+                <a:latin typeface="David" panose="020E0502060401010101" pitchFamily="34" charset="-79"/>
+                <a:cs typeface="David" panose="020E0502060401010101" pitchFamily="34" charset="-79"/>
+              </a:rPr>
+              <a:t>האם זיהית נכון אם מספר הריבועים גדול או קטן מ-5</a:t>
+            </a:r>
+            <a:r>
+              <a:rPr lang="he-IL" sz="2400" dirty="0">
+                <a:solidFill>
+                  <a:prstClr val="black"/>
+                </a:solidFill>
+                <a:latin typeface="David" panose="020E0502060401010101" pitchFamily="34" charset="-79"/>
+                <a:cs typeface="David" panose="020E0502060401010101" pitchFamily="34" charset="-79"/>
+              </a:rPr>
+              <a:t>.</a:t>
+            </a:r>
+            <a:endParaRPr kumimoji="0" lang="he-IL" sz="2400" i="0" u="none" strike="noStrike" kern="1200" cap="none" spc="0" normalizeH="0" baseline="0" noProof="0" dirty="0">
+              <a:ln>
+                <a:noFill/>
+              </a:ln>
+              <a:solidFill>
+                <a:prstClr val="black"/>
+              </a:solidFill>
+              <a:effectLst/>
+              <a:uLnTx/>
+              <a:uFillTx/>
+              <a:latin typeface="David" panose="020E0502060401010101" pitchFamily="34" charset="-79"/>
+              <a:ea typeface="+mn-ea"/>
+              <a:cs typeface="David" panose="020E0502060401010101" pitchFamily="34" charset="-79"/>
+            </a:endParaRPr>
+          </a:p>
+          <a:p>
+            <a:pPr algn="ctr" rtl="1">
+              <a:lnSpc>
+                <a:spcPct val="150000"/>
+              </a:lnSpc>
+            </a:pPr>
+            <a:r>
+              <a:rPr lang="he-IL" sz="2400" dirty="0">
+                <a:solidFill>
+                  <a:schemeClr val="tx1"/>
+                </a:solidFill>
+                <a:latin typeface="David" panose="020E0502060401010101" pitchFamily="34" charset="-79"/>
+                <a:cs typeface="David" panose="020E0502060401010101" pitchFamily="34" charset="-79"/>
+              </a:rPr>
+              <a:t>בכל צעד, אתה מתבקש ללחוץ על הכפתור המתאים במקלדת בדיוק כפי שעשית קודם – מהר, ומדויק, לפי המרובע המוצגת.</a:t>
+            </a:r>
+          </a:p>
+          <a:p>
+            <a:pPr marL="0" marR="0" lvl="0" indent="0" algn="ctr" defTabSz="914400" rtl="1" eaLnBrk="1" fontAlgn="auto" latinLnBrk="0" hangingPunct="1">
+              <a:lnSpc>
+                <a:spcPct val="150000"/>
+              </a:lnSpc>
+              <a:spcBef>
+                <a:spcPts val="0"/>
+              </a:spcBef>
+              <a:spcAft>
+                <a:spcPts val="0"/>
+              </a:spcAft>
+              <a:buClrTx/>
+              <a:buSzTx/>
+              <a:buFontTx/>
+              <a:buNone/>
+              <a:tabLst/>
+              <a:defRPr/>
+            </a:pPr>
+            <a:r>
+              <a:rPr kumimoji="0" lang="he-IL" sz="2400" b="0" i="0" u="none" strike="noStrike" kern="1200" cap="none" spc="0" normalizeH="0" baseline="0" noProof="0" dirty="0">
+                <a:ln>
+                  <a:noFill/>
+                </a:ln>
+                <a:solidFill>
+                  <a:prstClr val="black"/>
+                </a:solidFill>
+                <a:effectLst/>
+                <a:uLnTx/>
+                <a:uFillTx/>
+                <a:latin typeface="David" panose="020E0502060401010101" pitchFamily="34" charset="-79"/>
+                <a:ea typeface="+mn-ea"/>
+                <a:cs typeface="David" panose="020E0502060401010101" pitchFamily="34" charset="-79"/>
+              </a:rPr>
+              <a:t> </a:t>
+            </a:r>
+          </a:p>
+        </p:txBody>
+      </p:sp>
+      <p:sp>
+        <p:nvSpPr>
+          <p:cNvPr id="5" name="Rectangle 4"/>
+          <p:cNvSpPr/>
+          <p:nvPr/>
+        </p:nvSpPr>
+        <p:spPr>
+          <a:xfrm>
+            <a:off x="4726770" y="5358207"/>
+            <a:ext cx="2750351" cy="1021313"/>
+          </a:xfrm>
+          <a:prstGeom prst="rect">
+            <a:avLst/>
+          </a:prstGeom>
+          <a:solidFill>
+            <a:schemeClr val="tx1">
+              <a:lumMod val="65000"/>
+              <a:lumOff val="35000"/>
+            </a:schemeClr>
+          </a:solidFill>
+          <a:ln w="76200">
+            <a:solidFill>
+              <a:schemeClr val="tx1">
+                <a:lumMod val="85000"/>
+                <a:lumOff val="15000"/>
+              </a:schemeClr>
+            </a:solidFill>
+          </a:ln>
+        </p:spPr>
+        <p:style>
+          <a:lnRef idx="2">
+            <a:schemeClr val="accent1">
+              <a:shade val="50000"/>
+            </a:schemeClr>
+          </a:lnRef>
+          <a:fillRef idx="1">
+            <a:schemeClr val="accent1"/>
+          </a:fillRef>
+          <a:effectRef idx="0">
+            <a:schemeClr val="accent1"/>
+          </a:effectRef>
+          <a:fontRef idx="minor">
+            <a:schemeClr val="lt1"/>
+          </a:fontRef>
+        </p:style>
+        <p:txBody>
+          <a:bodyPr lIns="160949" tIns="80476" rIns="160949" bIns="80476" rtlCol="1" anchor="ctr"/>
+          <a:lstStyle/>
+          <a:p>
+            <a:pPr marL="0" marR="0" lvl="0" indent="0" algn="ctr" defTabSz="914400" rtl="1" eaLnBrk="1" fontAlgn="auto" latinLnBrk="0" hangingPunct="1">
+              <a:lnSpc>
+                <a:spcPct val="100000"/>
+              </a:lnSpc>
+              <a:spcBef>
+                <a:spcPts val="0"/>
+              </a:spcBef>
+              <a:spcAft>
+                <a:spcPts val="0"/>
+              </a:spcAft>
+              <a:buClrTx/>
+              <a:buSzTx/>
+              <a:buFontTx/>
+              <a:buNone/>
+              <a:tabLst/>
+              <a:defRPr/>
+            </a:pPr>
+            <a:r>
+              <a:rPr kumimoji="0" lang="he-IL" sz="1937" b="0" i="0" u="none" strike="noStrike" kern="1200" cap="none" spc="0" normalizeH="0" baseline="0" noProof="0" dirty="0">
+                <a:ln>
+                  <a:noFill/>
+                </a:ln>
+                <a:solidFill>
+                  <a:prstClr val="black"/>
+                </a:solidFill>
+                <a:effectLst/>
+                <a:uLnTx/>
+                <a:uFillTx/>
+                <a:latin typeface="David" panose="020E0502060401010101" pitchFamily="34" charset="-79"/>
+                <a:ea typeface="+mn-ea"/>
+                <a:cs typeface="David" panose="020E0502060401010101" pitchFamily="34" charset="-79"/>
+              </a:rPr>
+              <a:t>כשסיימת לקרוא,</a:t>
+            </a:r>
+          </a:p>
+          <a:p>
+            <a:pPr marL="0" marR="0" lvl="0" indent="0" algn="ctr" defTabSz="914400" rtl="1" eaLnBrk="1" fontAlgn="auto" latinLnBrk="0" hangingPunct="1">
+              <a:lnSpc>
+                <a:spcPct val="100000"/>
+              </a:lnSpc>
+              <a:spcBef>
+                <a:spcPts val="0"/>
+              </a:spcBef>
+              <a:spcAft>
+                <a:spcPts val="0"/>
+              </a:spcAft>
+              <a:buClrTx/>
+              <a:buSzTx/>
+              <a:buFontTx/>
+              <a:buNone/>
+              <a:tabLst/>
+              <a:defRPr/>
+            </a:pPr>
+            <a:r>
+              <a:rPr kumimoji="0" lang="he-IL" sz="1937" b="0" i="0" u="sng" strike="noStrike" kern="1200" cap="none" spc="0" normalizeH="0" baseline="0" noProof="0" dirty="0">
+                <a:ln>
+                  <a:noFill/>
+                </a:ln>
+                <a:solidFill>
+                  <a:prstClr val="black"/>
+                </a:solidFill>
+                <a:effectLst/>
+                <a:uLnTx/>
+                <a:uFillTx/>
+                <a:latin typeface="David" panose="020E0502060401010101" pitchFamily="34" charset="-79"/>
+                <a:ea typeface="+mn-ea"/>
+                <a:cs typeface="David" panose="020E0502060401010101" pitchFamily="34" charset="-79"/>
+              </a:rPr>
+              <a:t> לחץ/י על מקש רווח</a:t>
+            </a:r>
+            <a:endParaRPr kumimoji="0" lang="he-IL" sz="1937" b="0" i="0" u="none" strike="noStrike" kern="1200" cap="none" spc="0" normalizeH="0" baseline="0" noProof="0" dirty="0">
+              <a:ln>
+                <a:noFill/>
+              </a:ln>
+              <a:solidFill>
+                <a:prstClr val="black"/>
+              </a:solidFill>
+              <a:effectLst/>
+              <a:uLnTx/>
+              <a:uFillTx/>
+              <a:latin typeface="David" panose="020E0502060401010101" pitchFamily="34" charset="-79"/>
+              <a:ea typeface="+mn-ea"/>
+              <a:cs typeface="David" panose="020E0502060401010101" pitchFamily="34" charset="-79"/>
+            </a:endParaRPr>
+          </a:p>
+        </p:txBody>
+      </p:sp>
+    </p:spTree>
+    <p:extLst>
+      <p:ext uri="{BB962C8B-B14F-4D97-AF65-F5344CB8AC3E}">
+        <p14:creationId xmlns:p14="http://schemas.microsoft.com/office/powerpoint/2010/main" val="3125131829"/>
+      </p:ext>
+    </p:extLst>
+  </p:cSld>
+  <p:clrMapOvr>
+    <a:masterClrMapping/>
+  </p:clrMapOvr>
+</p:sld>
+</file>
+
+<file path=ppt/slides/slide5.xml><?xml version="1.0" encoding="utf-8"?>
+<p:sld xmlns:a="http://schemas.openxmlformats.org/drawingml/2006/main" xmlns:r="http://schemas.openxmlformats.org/officeDocument/2006/relationships" xmlns:p="http://schemas.openxmlformats.org/presentationml/2006/main">
+  <p:cSld>
+    <p:spTree>
+      <p:nvGrpSpPr>
+        <p:cNvPr id="1" name=""/>
+        <p:cNvGrpSpPr/>
+        <p:nvPr/>
+      </p:nvGrpSpPr>
+      <p:grpSpPr>
+        <a:xfrm>
+          <a:off x="0" y="0"/>
+          <a:ext cx="0" cy="0"/>
+          <a:chOff x="0" y="0"/>
+          <a:chExt cx="0" cy="0"/>
+        </a:xfrm>
+      </p:grpSpPr>
+      <p:sp>
+        <p:nvSpPr>
+          <p:cNvPr id="4" name="Rectangle 3"/>
+          <p:cNvSpPr>
+            <a:spLocks/>
+          </p:cNvSpPr>
+          <p:nvPr/>
+        </p:nvSpPr>
+        <p:spPr>
+          <a:xfrm>
+            <a:off x="2065971" y="577526"/>
+            <a:ext cx="8071946" cy="4969278"/>
+          </a:xfrm>
+          <a:prstGeom prst="rect">
+            <a:avLst/>
+          </a:prstGeom>
+          <a:solidFill>
+            <a:schemeClr val="bg1">
+              <a:lumMod val="65000"/>
+            </a:schemeClr>
+          </a:solidFill>
+          <a:ln w="76200">
+            <a:solidFill>
+              <a:schemeClr val="tx1">
+                <a:lumMod val="65000"/>
+                <a:lumOff val="35000"/>
+              </a:schemeClr>
+            </a:solidFill>
+          </a:ln>
+        </p:spPr>
+        <p:style>
+          <a:lnRef idx="2">
+            <a:schemeClr val="accent1">
+              <a:shade val="50000"/>
+            </a:schemeClr>
+          </a:lnRef>
+          <a:fillRef idx="1">
+            <a:schemeClr val="accent1"/>
+          </a:fillRef>
+          <a:effectRef idx="0">
+            <a:schemeClr val="accent1"/>
+          </a:effectRef>
+          <a:fontRef idx="minor">
+            <a:schemeClr val="lt1"/>
+          </a:fontRef>
+        </p:style>
+        <p:txBody>
+          <a:bodyPr lIns="160949" tIns="80476" rIns="160949" bIns="80476" rtlCol="1" anchor="ctr"/>
+          <a:lstStyle/>
+          <a:p>
+            <a:pPr algn="ctr" rtl="1"/>
+            <a:r>
+              <a:rPr lang="he-IL" sz="2325" b="1" u="sng" dirty="0">
+                <a:solidFill>
+                  <a:schemeClr val="tx1"/>
+                </a:solidFill>
+                <a:latin typeface="David" panose="020E0502060401010101" pitchFamily="34" charset="-79"/>
+                <a:cs typeface="David" panose="020E0502060401010101" pitchFamily="34" charset="-79"/>
+              </a:rPr>
+              <a:t>אימון מנטלי להפחתת הטיית קשב</a:t>
+            </a:r>
+          </a:p>
+          <a:p>
+            <a:pPr algn="ctr" rtl="1"/>
+            <a:endParaRPr lang="en-US" sz="2325" dirty="0">
+              <a:solidFill>
+                <a:schemeClr val="tx1"/>
+              </a:solidFill>
+              <a:latin typeface="David" panose="020E0502060401010101" pitchFamily="34" charset="-79"/>
+              <a:cs typeface="David" panose="020E0502060401010101" pitchFamily="34" charset="-79"/>
+            </a:endParaRPr>
+          </a:p>
+          <a:p>
+            <a:pPr algn="ctr" rtl="1"/>
+            <a:r>
+              <a:rPr lang="he-IL" sz="2325" dirty="0">
+                <a:solidFill>
+                  <a:schemeClr val="tx1"/>
+                </a:solidFill>
+                <a:latin typeface="David" panose="020E0502060401010101" pitchFamily="34" charset="-79"/>
+                <a:cs typeface="David" panose="020E0502060401010101" pitchFamily="34" charset="-79"/>
+              </a:rPr>
+              <a:t>כעת, בחלק מהצעדים יוצג בפניך משוב על המידה בה הקשב שלך מוטה כלפי מחשבה ספציפית. </a:t>
+            </a:r>
+          </a:p>
+          <a:p>
+            <a:pPr algn="ctr" rtl="1"/>
+            <a:endParaRPr lang="he-IL" sz="2325" dirty="0">
+              <a:solidFill>
+                <a:schemeClr val="tx1"/>
+              </a:solidFill>
+              <a:latin typeface="David" panose="020E0502060401010101" pitchFamily="34" charset="-79"/>
+              <a:cs typeface="David" panose="020E0502060401010101" pitchFamily="34" charset="-79"/>
+            </a:endParaRPr>
+          </a:p>
+          <a:p>
+            <a:pPr algn="ctr" rtl="1"/>
+            <a:endParaRPr lang="he-IL" sz="2325" dirty="0">
+              <a:solidFill>
+                <a:schemeClr val="tx1"/>
+              </a:solidFill>
+              <a:latin typeface="David" panose="020E0502060401010101" pitchFamily="34" charset="-79"/>
+              <a:cs typeface="David" panose="020E0502060401010101" pitchFamily="34" charset="-79"/>
+            </a:endParaRPr>
+          </a:p>
+          <a:p>
+            <a:pPr algn="ctr" rtl="1"/>
+            <a:endParaRPr lang="he-IL" sz="2325" dirty="0">
+              <a:solidFill>
+                <a:schemeClr val="tx1"/>
+              </a:solidFill>
+              <a:latin typeface="David" panose="020E0502060401010101" pitchFamily="34" charset="-79"/>
+              <a:cs typeface="David" panose="020E0502060401010101" pitchFamily="34" charset="-79"/>
+            </a:endParaRPr>
+          </a:p>
+        </p:txBody>
+      </p:sp>
+      <p:sp>
+        <p:nvSpPr>
+          <p:cNvPr id="5" name="Rectangle 4"/>
+          <p:cNvSpPr/>
+          <p:nvPr/>
+        </p:nvSpPr>
+        <p:spPr>
+          <a:xfrm>
+            <a:off x="4726770" y="5358207"/>
+            <a:ext cx="2750351" cy="1021313"/>
+          </a:xfrm>
+          <a:prstGeom prst="rect">
+            <a:avLst/>
+          </a:prstGeom>
+          <a:solidFill>
+            <a:schemeClr val="tx1">
+              <a:lumMod val="65000"/>
+              <a:lumOff val="35000"/>
+            </a:schemeClr>
+          </a:solidFill>
+          <a:ln w="76200">
+            <a:solidFill>
+              <a:schemeClr val="tx1">
+                <a:lumMod val="85000"/>
+                <a:lumOff val="15000"/>
+              </a:schemeClr>
+            </a:solidFill>
+          </a:ln>
+        </p:spPr>
+        <p:style>
+          <a:lnRef idx="2">
+            <a:schemeClr val="accent1">
+              <a:shade val="50000"/>
+            </a:schemeClr>
+          </a:lnRef>
+          <a:fillRef idx="1">
+            <a:schemeClr val="accent1"/>
+          </a:fillRef>
+          <a:effectRef idx="0">
+            <a:schemeClr val="accent1"/>
+          </a:effectRef>
+          <a:fontRef idx="minor">
+            <a:schemeClr val="lt1"/>
+          </a:fontRef>
+        </p:style>
+        <p:txBody>
+          <a:bodyPr lIns="160949" tIns="80476" rIns="160949" bIns="80476" rtlCol="1" anchor="ctr"/>
+          <a:lstStyle/>
+          <a:p>
+            <a:pPr algn="ctr" rtl="1"/>
+            <a:r>
+              <a:rPr lang="he-IL" sz="1937" dirty="0">
+                <a:solidFill>
+                  <a:schemeClr val="tx1"/>
+                </a:solidFill>
+                <a:latin typeface="David" panose="020E0502060401010101" pitchFamily="34" charset="-79"/>
+                <a:cs typeface="David" panose="020E0502060401010101" pitchFamily="34" charset="-79"/>
+              </a:rPr>
+              <a:t>לחץ על אחד המקשים כדי להמשיך</a:t>
+            </a:r>
+          </a:p>
+        </p:txBody>
+      </p:sp>
+    </p:spTree>
+    <p:extLst>
+      <p:ext uri="{BB962C8B-B14F-4D97-AF65-F5344CB8AC3E}">
+        <p14:creationId xmlns:p14="http://schemas.microsoft.com/office/powerpoint/2010/main" val="1428596441"/>
+      </p:ext>
+    </p:extLst>
+  </p:cSld>
+  <p:clrMapOvr>
+    <a:masterClrMapping/>
+  </p:clrMapOvr>
+</p:sld>
+</file>
+
+<file path=ppt/slides/slide6.xml><?xml version="1.0" encoding="utf-8"?>
+<p:sld xmlns:a="http://schemas.openxmlformats.org/drawingml/2006/main" xmlns:r="http://schemas.openxmlformats.org/officeDocument/2006/relationships" xmlns:p="http://schemas.openxmlformats.org/presentationml/2006/main" show="0">
+  <p:cSld>
+    <p:spTree>
+      <p:nvGrpSpPr>
+        <p:cNvPr id="1" name=""/>
+        <p:cNvGrpSpPr/>
+        <p:nvPr/>
+      </p:nvGrpSpPr>
+      <p:grpSpPr>
+        <a:xfrm>
+          <a:off x="0" y="0"/>
+          <a:ext cx="0" cy="0"/>
+          <a:chOff x="0" y="0"/>
+          <a:chExt cx="0" cy="0"/>
+        </a:xfrm>
+      </p:grpSpPr>
+      <p:sp>
+        <p:nvSpPr>
+          <p:cNvPr id="4" name="Rectangle 3"/>
+          <p:cNvSpPr>
+            <a:spLocks/>
+          </p:cNvSpPr>
+          <p:nvPr/>
+        </p:nvSpPr>
+        <p:spPr>
+          <a:xfrm>
+            <a:off x="2065971" y="577526"/>
+            <a:ext cx="8071946" cy="4969278"/>
+          </a:xfrm>
+          <a:prstGeom prst="rect">
+            <a:avLst/>
+          </a:prstGeom>
+          <a:solidFill>
+            <a:schemeClr val="bg1">
+              <a:lumMod val="65000"/>
+            </a:schemeClr>
+          </a:solidFill>
+          <a:ln w="76200">
+            <a:solidFill>
+              <a:schemeClr val="tx1">
+                <a:lumMod val="65000"/>
+                <a:lumOff val="35000"/>
+              </a:schemeClr>
+            </a:solidFill>
+          </a:ln>
+        </p:spPr>
+        <p:style>
+          <a:lnRef idx="2">
+            <a:schemeClr val="accent1">
+              <a:shade val="50000"/>
+            </a:schemeClr>
+          </a:lnRef>
+          <a:fillRef idx="1">
+            <a:schemeClr val="accent1"/>
+          </a:fillRef>
+          <a:effectRef idx="0">
+            <a:schemeClr val="accent1"/>
+          </a:effectRef>
+          <a:fontRef idx="minor">
+            <a:schemeClr val="lt1"/>
+          </a:fontRef>
+        </p:style>
+        <p:txBody>
+          <a:bodyPr lIns="160949" tIns="80476" rIns="160949" bIns="80476" rtlCol="1" anchor="ctr"/>
+          <a:lstStyle/>
+          <a:p>
+            <a:pPr algn="ctr" rtl="1"/>
+            <a:r>
+              <a:rPr lang="he-IL" sz="2325" b="1" u="sng" dirty="0">
+                <a:solidFill>
+                  <a:schemeClr val="tx1"/>
+                </a:solidFill>
+                <a:latin typeface="David" panose="020E0502060401010101" pitchFamily="34" charset="-79"/>
+                <a:cs typeface="David" panose="020E0502060401010101" pitchFamily="34" charset="-79"/>
+              </a:rPr>
+              <a:t>אימון מנטלי להפחתת הטיית קשב</a:t>
+            </a:r>
+          </a:p>
+          <a:p>
+            <a:pPr algn="ctr" rtl="1"/>
+            <a:endParaRPr lang="en-US" sz="2325" dirty="0">
+              <a:solidFill>
+                <a:schemeClr val="tx1"/>
+              </a:solidFill>
+              <a:latin typeface="David" panose="020E0502060401010101" pitchFamily="34" charset="-79"/>
+              <a:cs typeface="David" panose="020E0502060401010101" pitchFamily="34" charset="-79"/>
+            </a:endParaRPr>
+          </a:p>
+          <a:p>
+            <a:pPr algn="ctr" rtl="1"/>
+            <a:r>
+              <a:rPr lang="he-IL" sz="2325" dirty="0">
+                <a:solidFill>
+                  <a:schemeClr val="tx1"/>
+                </a:solidFill>
+                <a:latin typeface="David" panose="020E0502060401010101" pitchFamily="34" charset="-79"/>
+                <a:cs typeface="David" panose="020E0502060401010101" pitchFamily="34" charset="-79"/>
+              </a:rPr>
+              <a:t>האימון שתבצע עכשיו דומה למטלה שביצעת קודם, רק שהפעם בחלק מהצעדים יוצג בפניך משוב על המידה בה הקשב שלך מוטה כלפי מחשבה ספציפית. </a:t>
+            </a:r>
+            <a:r>
+              <a:rPr lang="he-IL" sz="2325" dirty="0">
+                <a:solidFill>
+                  <a:srgbClr val="FF0000"/>
+                </a:solidFill>
+                <a:latin typeface="David" panose="020E0502060401010101" pitchFamily="34" charset="-79"/>
+                <a:cs typeface="David" panose="020E0502060401010101" pitchFamily="34" charset="-79"/>
+              </a:rPr>
+              <a:t>[להסביר שהפידבק הוא על ההטיה במחשבה הספציפית לפי אריק]</a:t>
+            </a:r>
+          </a:p>
+          <a:p>
+            <a:pPr algn="ctr" rtl="1"/>
+            <a:endParaRPr lang="he-IL" sz="2325" dirty="0">
+              <a:solidFill>
+                <a:schemeClr val="tx1"/>
+              </a:solidFill>
+              <a:latin typeface="David" panose="020E0502060401010101" pitchFamily="34" charset="-79"/>
+              <a:cs typeface="David" panose="020E0502060401010101" pitchFamily="34" charset="-79"/>
+            </a:endParaRPr>
+          </a:p>
+          <a:p>
+            <a:pPr algn="ctr" rtl="1"/>
+            <a:r>
+              <a:rPr lang="he-IL" sz="2325" dirty="0">
+                <a:solidFill>
+                  <a:schemeClr val="tx1"/>
+                </a:solidFill>
+                <a:latin typeface="David" panose="020E0502060401010101" pitchFamily="34" charset="-79"/>
+                <a:cs typeface="David" panose="020E0502060401010101" pitchFamily="34" charset="-79"/>
+              </a:rPr>
+              <a:t>בכל צעד, אתה מתבקש ללחוץ על הכפתור המתאים במקלדת בדיוק כפי שעשית קודם – מהר, ומדויק, לפי הספרה המוצגת.</a:t>
+            </a:r>
+          </a:p>
+          <a:p>
+            <a:pPr algn="ctr" rtl="1"/>
+            <a:endParaRPr lang="he-IL" sz="2325" dirty="0">
+              <a:solidFill>
+                <a:schemeClr val="tx1"/>
+              </a:solidFill>
+              <a:latin typeface="David" panose="020E0502060401010101" pitchFamily="34" charset="-79"/>
+              <a:cs typeface="David" panose="020E0502060401010101" pitchFamily="34" charset="-79"/>
+            </a:endParaRPr>
+          </a:p>
+          <a:p>
+            <a:pPr algn="ctr" rtl="1"/>
+            <a:r>
+              <a:rPr lang="he-IL" sz="2325" dirty="0">
+                <a:solidFill>
+                  <a:srgbClr val="FF0000"/>
+                </a:solidFill>
+                <a:latin typeface="David" panose="020E0502060401010101" pitchFamily="34" charset="-79"/>
+                <a:cs typeface="David" panose="020E0502060401010101" pitchFamily="34" charset="-79"/>
+              </a:rPr>
+              <a:t>[תמונה של מקלדת עם המדבקות]</a:t>
+            </a:r>
+          </a:p>
+          <a:p>
+            <a:pPr algn="ctr" rtl="1"/>
+            <a:endParaRPr lang="he-IL" sz="2325" dirty="0">
+              <a:solidFill>
+                <a:schemeClr val="tx1"/>
+              </a:solidFill>
+              <a:latin typeface="David" panose="020E0502060401010101" pitchFamily="34" charset="-79"/>
+              <a:cs typeface="David" panose="020E0502060401010101" pitchFamily="34" charset="-79"/>
+            </a:endParaRPr>
+          </a:p>
+        </p:txBody>
+      </p:sp>
+      <p:sp>
+        <p:nvSpPr>
+          <p:cNvPr id="5" name="Rectangle 4"/>
+          <p:cNvSpPr/>
+          <p:nvPr/>
+        </p:nvSpPr>
+        <p:spPr>
+          <a:xfrm>
+            <a:off x="4726770" y="5358207"/>
+            <a:ext cx="2750351" cy="1021313"/>
+          </a:xfrm>
+          <a:prstGeom prst="rect">
+            <a:avLst/>
+          </a:prstGeom>
+          <a:solidFill>
+            <a:schemeClr val="tx1">
+              <a:lumMod val="65000"/>
+              <a:lumOff val="35000"/>
+            </a:schemeClr>
+          </a:solidFill>
+          <a:ln w="76200">
+            <a:solidFill>
+              <a:schemeClr val="tx1">
+                <a:lumMod val="85000"/>
+                <a:lumOff val="15000"/>
+              </a:schemeClr>
+            </a:solidFill>
+          </a:ln>
+        </p:spPr>
+        <p:style>
+          <a:lnRef idx="2">
+            <a:schemeClr val="accent1">
+              <a:shade val="50000"/>
+            </a:schemeClr>
+          </a:lnRef>
+          <a:fillRef idx="1">
+            <a:schemeClr val="accent1"/>
+          </a:fillRef>
+          <a:effectRef idx="0">
+            <a:schemeClr val="accent1"/>
+          </a:effectRef>
+          <a:fontRef idx="minor">
+            <a:schemeClr val="lt1"/>
+          </a:fontRef>
+        </p:style>
+        <p:txBody>
+          <a:bodyPr lIns="160949" tIns="80476" rIns="160949" bIns="80476" rtlCol="1" anchor="ctr"/>
+          <a:lstStyle/>
+          <a:p>
+            <a:pPr algn="ctr" rtl="1"/>
+            <a:r>
+              <a:rPr lang="he-IL" sz="1937" dirty="0">
+                <a:solidFill>
+                  <a:schemeClr val="tx1"/>
+                </a:solidFill>
+                <a:latin typeface="David" panose="020E0502060401010101" pitchFamily="34" charset="-79"/>
+                <a:cs typeface="David" panose="020E0502060401010101" pitchFamily="34" charset="-79"/>
+              </a:rPr>
+              <a:t>לחץ על אחד המקשים כדי להמשיך</a:t>
+            </a:r>
+          </a:p>
+        </p:txBody>
+      </p:sp>
     </p:spTree>
     <p:extLst>
       <p:ext uri="{BB962C8B-B14F-4D97-AF65-F5344CB8AC3E}">
@@ -4413,7 +8772,7 @@
 </p:sld>
 </file>
 
-<file path=ppt/slides/slide4.xml><?xml version="1.0" encoding="utf-8"?>
+<file path=ppt/slides/slide7.xml><?xml version="1.0" encoding="utf-8"?>
 <p:sld xmlns:a="http://schemas.openxmlformats.org/drawingml/2006/main" xmlns:r="http://schemas.openxmlformats.org/officeDocument/2006/relationships" xmlns:p="http://schemas.openxmlformats.org/presentationml/2006/main">
   <p:cSld>
     <p:spTree>
@@ -4827,7 +9186,7 @@
 </p:sld>
 </file>
 
-<file path=ppt/slides/slide5.xml><?xml version="1.0" encoding="utf-8"?>
+<file path=ppt/slides/slide8.xml><?xml version="1.0" encoding="utf-8"?>
 <p:sld xmlns:a="http://schemas.openxmlformats.org/drawingml/2006/main" xmlns:r="http://schemas.openxmlformats.org/officeDocument/2006/relationships" xmlns:p="http://schemas.openxmlformats.org/presentationml/2006/main">
   <p:cSld>
     <p:spTree>
@@ -5242,7 +9601,7 @@
 </p:sld>
 </file>
 
-<file path=ppt/slides/slide6.xml><?xml version="1.0" encoding="utf-8"?>
+<file path=ppt/slides/slide9.xml><?xml version="1.0" encoding="utf-8"?>
 <p:sld xmlns:a="http://schemas.openxmlformats.org/drawingml/2006/main" xmlns:r="http://schemas.openxmlformats.org/officeDocument/2006/relationships" xmlns:p="http://schemas.openxmlformats.org/presentationml/2006/main" show="0">
   <p:cSld>
     <p:spTree>
@@ -5586,259 +9945,6 @@
     <p:extLst>
       <p:ext uri="{BB962C8B-B14F-4D97-AF65-F5344CB8AC3E}">
         <p14:creationId xmlns:p14="http://schemas.microsoft.com/office/powerpoint/2010/main" val="4289600243"/>
-      </p:ext>
-    </p:extLst>
-  </p:cSld>
-  <p:clrMapOvr>
-    <a:masterClrMapping/>
-  </p:clrMapOvr>
-</p:sld>
-</file>
-
-<file path=ppt/slides/slide7.xml><?xml version="1.0" encoding="utf-8"?>
-<p:sld xmlns:a="http://schemas.openxmlformats.org/drawingml/2006/main" xmlns:r="http://schemas.openxmlformats.org/officeDocument/2006/relationships" xmlns:p="http://schemas.openxmlformats.org/presentationml/2006/main" show="0">
-  <p:cSld>
-    <p:spTree>
-      <p:nvGrpSpPr>
-        <p:cNvPr id="1" name=""/>
-        <p:cNvGrpSpPr/>
-        <p:nvPr/>
-      </p:nvGrpSpPr>
-      <p:grpSpPr>
-        <a:xfrm>
-          <a:off x="0" y="0"/>
-          <a:ext cx="0" cy="0"/>
-          <a:chOff x="0" y="0"/>
-          <a:chExt cx="0" cy="0"/>
-        </a:xfrm>
-      </p:grpSpPr>
-      <p:sp>
-        <p:nvSpPr>
-          <p:cNvPr id="4" name="Rectangle 3"/>
-          <p:cNvSpPr>
-            <a:spLocks/>
-          </p:cNvSpPr>
-          <p:nvPr/>
-        </p:nvSpPr>
-        <p:spPr>
-          <a:xfrm>
-            <a:off x="2065971" y="577526"/>
-            <a:ext cx="8071946" cy="4969278"/>
-          </a:xfrm>
-          <a:prstGeom prst="rect">
-            <a:avLst/>
-          </a:prstGeom>
-          <a:solidFill>
-            <a:schemeClr val="bg1">
-              <a:lumMod val="65000"/>
-            </a:schemeClr>
-          </a:solidFill>
-          <a:ln w="76200">
-            <a:solidFill>
-              <a:schemeClr val="tx1">
-                <a:lumMod val="65000"/>
-                <a:lumOff val="35000"/>
-              </a:schemeClr>
-            </a:solidFill>
-          </a:ln>
-        </p:spPr>
-        <p:style>
-          <a:lnRef idx="2">
-            <a:schemeClr val="accent1">
-              <a:shade val="50000"/>
-            </a:schemeClr>
-          </a:lnRef>
-          <a:fillRef idx="1">
-            <a:schemeClr val="accent1"/>
-          </a:fillRef>
-          <a:effectRef idx="0">
-            <a:schemeClr val="accent1"/>
-          </a:effectRef>
-          <a:fontRef idx="minor">
-            <a:schemeClr val="lt1"/>
-          </a:fontRef>
-        </p:style>
-        <p:txBody>
-          <a:bodyPr lIns="160949" tIns="80476" rIns="160949" bIns="80476" rtlCol="1" anchor="ctr"/>
-          <a:lstStyle/>
-          <a:p>
-            <a:pPr algn="ctr" rtl="1"/>
-            <a:r>
-              <a:rPr lang="he-IL" sz="2325">
-                <a:solidFill>
-                  <a:srgbClr val="FF0000"/>
-                </a:solidFill>
-                <a:latin typeface="David" panose="020E0502060401010101" pitchFamily="34" charset="-79"/>
-                <a:cs typeface="David" panose="020E0502060401010101" pitchFamily="34" charset="-79"/>
-              </a:rPr>
-              <a:t>רלבנטי? </a:t>
-            </a:r>
-            <a:r>
-              <a:rPr lang="he-IL" sz="2325">
-                <a:solidFill>
-                  <a:schemeClr val="tx1"/>
-                </a:solidFill>
-                <a:latin typeface="David" panose="020E0502060401010101" pitchFamily="34" charset="-79"/>
-                <a:cs typeface="David" panose="020E0502060401010101" pitchFamily="34" charset="-79"/>
-              </a:rPr>
-              <a:t>בכל </a:t>
-            </a:r>
-            <a:r>
-              <a:rPr lang="he-IL" sz="2325" dirty="0">
-                <a:solidFill>
-                  <a:schemeClr val="tx1"/>
-                </a:solidFill>
-                <a:latin typeface="David" panose="020E0502060401010101" pitchFamily="34" charset="-79"/>
-                <a:cs typeface="David" panose="020E0502060401010101" pitchFamily="34" charset="-79"/>
-              </a:rPr>
-              <a:t>פעם, נסה להשתמש במשוב כדי ללמוד לאזן את הקשב שלך, ולמנוע ממנו להיות מושפע מהמחשבות השליליות בהמשך המטלה.</a:t>
-            </a:r>
-          </a:p>
-          <a:p>
-            <a:pPr algn="ctr" rtl="1"/>
-            <a:endParaRPr lang="he-IL" sz="2325" dirty="0">
-              <a:solidFill>
-                <a:schemeClr val="tx1"/>
-              </a:solidFill>
-              <a:latin typeface="David" panose="020E0502060401010101" pitchFamily="34" charset="-79"/>
-              <a:cs typeface="David" panose="020E0502060401010101" pitchFamily="34" charset="-79"/>
-            </a:endParaRPr>
-          </a:p>
-          <a:p>
-            <a:pPr algn="ctr" rtl="1"/>
-            <a:r>
-              <a:rPr lang="he-IL" sz="2325" b="1" dirty="0">
-                <a:solidFill>
-                  <a:schemeClr val="tx1"/>
-                </a:solidFill>
-                <a:latin typeface="David" panose="020E0502060401010101" pitchFamily="34" charset="-79"/>
-                <a:cs typeface="David" panose="020E0502060401010101" pitchFamily="34" charset="-79"/>
-              </a:rPr>
-              <a:t>חשוב לזכור – </a:t>
-            </a:r>
-            <a:r>
-              <a:rPr lang="he-IL" sz="2325" dirty="0">
-                <a:solidFill>
-                  <a:schemeClr val="tx1"/>
-                </a:solidFill>
-                <a:latin typeface="David" panose="020E0502060401010101" pitchFamily="34" charset="-79"/>
-                <a:cs typeface="David" panose="020E0502060401010101" pitchFamily="34" charset="-79"/>
-              </a:rPr>
-              <a:t>בכל פעם שיוצג משוב, הוא מתייחס לקשב שלך </a:t>
-            </a:r>
-            <a:r>
-              <a:rPr lang="he-IL" sz="2325" b="1" dirty="0">
-                <a:solidFill>
-                  <a:schemeClr val="tx1"/>
-                </a:solidFill>
-                <a:latin typeface="David" panose="020E0502060401010101" pitchFamily="34" charset="-79"/>
-                <a:cs typeface="David" panose="020E0502060401010101" pitchFamily="34" charset="-79"/>
-              </a:rPr>
-              <a:t>בצעד האחרון בלבד</a:t>
-            </a:r>
-            <a:r>
-              <a:rPr lang="he-IL" sz="2325" dirty="0">
-                <a:solidFill>
-                  <a:schemeClr val="tx1"/>
-                </a:solidFill>
-                <a:latin typeface="David" panose="020E0502060401010101" pitchFamily="34" charset="-79"/>
-                <a:cs typeface="David" panose="020E0502060401010101" pitchFamily="34" charset="-79"/>
-              </a:rPr>
-              <a:t>!</a:t>
-            </a:r>
-          </a:p>
-          <a:p>
-            <a:pPr algn="ctr" rtl="1"/>
-            <a:endParaRPr lang="he-IL" sz="2325" b="1" dirty="0">
-              <a:solidFill>
-                <a:schemeClr val="tx1"/>
-              </a:solidFill>
-              <a:latin typeface="David" panose="020E0502060401010101" pitchFamily="34" charset="-79"/>
-              <a:cs typeface="David" panose="020E0502060401010101" pitchFamily="34" charset="-79"/>
-            </a:endParaRPr>
-          </a:p>
-          <a:p>
-            <a:pPr algn="ctr" rtl="1"/>
-            <a:r>
-              <a:rPr lang="he-IL" sz="2325" b="1" dirty="0">
-                <a:solidFill>
-                  <a:schemeClr val="tx1"/>
-                </a:solidFill>
-                <a:latin typeface="David" panose="020E0502060401010101" pitchFamily="34" charset="-79"/>
-                <a:cs typeface="David" panose="020E0502060401010101" pitchFamily="34" charset="-79"/>
-              </a:rPr>
-              <a:t>במידה והבנת את ההוראות אנא לחץ כדי להמשיך.</a:t>
-            </a:r>
-          </a:p>
-        </p:txBody>
-      </p:sp>
-      <p:sp>
-        <p:nvSpPr>
-          <p:cNvPr id="5" name="Rectangle 4"/>
-          <p:cNvSpPr/>
-          <p:nvPr/>
-        </p:nvSpPr>
-        <p:spPr>
-          <a:xfrm>
-            <a:off x="4726770" y="5358207"/>
-            <a:ext cx="2750351" cy="1021313"/>
-          </a:xfrm>
-          <a:prstGeom prst="rect">
-            <a:avLst/>
-          </a:prstGeom>
-          <a:solidFill>
-            <a:schemeClr val="tx1">
-              <a:lumMod val="65000"/>
-              <a:lumOff val="35000"/>
-            </a:schemeClr>
-          </a:solidFill>
-          <a:ln w="76200">
-            <a:solidFill>
-              <a:schemeClr val="tx1">
-                <a:lumMod val="85000"/>
-                <a:lumOff val="15000"/>
-              </a:schemeClr>
-            </a:solidFill>
-          </a:ln>
-        </p:spPr>
-        <p:style>
-          <a:lnRef idx="2">
-            <a:schemeClr val="accent1">
-              <a:shade val="50000"/>
-            </a:schemeClr>
-          </a:lnRef>
-          <a:fillRef idx="1">
-            <a:schemeClr val="accent1"/>
-          </a:fillRef>
-          <a:effectRef idx="0">
-            <a:schemeClr val="accent1"/>
-          </a:effectRef>
-          <a:fontRef idx="minor">
-            <a:schemeClr val="lt1"/>
-          </a:fontRef>
-        </p:style>
-        <p:txBody>
-          <a:bodyPr lIns="160949" tIns="80476" rIns="160949" bIns="80476" rtlCol="1" anchor="ctr"/>
-          <a:lstStyle/>
-          <a:p>
-            <a:pPr algn="ctr" rtl="1"/>
-            <a:r>
-              <a:rPr lang="he-IL" sz="1937" dirty="0">
-                <a:solidFill>
-                  <a:schemeClr val="tx1"/>
-                </a:solidFill>
-                <a:latin typeface="David" panose="020E0502060401010101" pitchFamily="34" charset="-79"/>
-                <a:cs typeface="David" panose="020E0502060401010101" pitchFamily="34" charset="-79"/>
-              </a:rPr>
-              <a:t>לחץ על אחד המקשים כדי להמשיך</a:t>
-            </a:r>
-          </a:p>
-        </p:txBody>
-      </p:sp>
-    </p:spTree>
-    <p:extLst>
-      <p:ext uri="{BB962C8B-B14F-4D97-AF65-F5344CB8AC3E}">
-        <p14:creationId xmlns:p14="http://schemas.microsoft.com/office/powerpoint/2010/main" val="2930946924"/>
       </p:ext>
     </p:extLst>
   </p:cSld>
@@ -6110,6 +10216,267 @@
 </file>
 
 <file path=ppt/theme/theme2.xml><?xml version="1.0" encoding="utf-8"?>
+<a:theme xmlns:a="http://schemas.openxmlformats.org/drawingml/2006/main" name="1_Office Theme">
+  <a:themeElements>
+    <a:clrScheme name="Office">
+      <a:dk1>
+        <a:sysClr val="windowText" lastClr="000000"/>
+      </a:dk1>
+      <a:lt1>
+        <a:sysClr val="window" lastClr="FFFFFF"/>
+      </a:lt1>
+      <a:dk2>
+        <a:srgbClr val="44546A"/>
+      </a:dk2>
+      <a:lt2>
+        <a:srgbClr val="E7E6E6"/>
+      </a:lt2>
+      <a:accent1>
+        <a:srgbClr val="5B9BD5"/>
+      </a:accent1>
+      <a:accent2>
+        <a:srgbClr val="ED7D31"/>
+      </a:accent2>
+      <a:accent3>
+        <a:srgbClr val="A5A5A5"/>
+      </a:accent3>
+      <a:accent4>
+        <a:srgbClr val="FFC000"/>
+      </a:accent4>
+      <a:accent5>
+        <a:srgbClr val="4472C4"/>
+      </a:accent5>
+      <a:accent6>
+        <a:srgbClr val="70AD47"/>
+      </a:accent6>
+      <a:hlink>
+        <a:srgbClr val="0563C1"/>
+      </a:hlink>
+      <a:folHlink>
+        <a:srgbClr val="954F72"/>
+      </a:folHlink>
+    </a:clrScheme>
+    <a:fontScheme name="Office">
+      <a:majorFont>
+        <a:latin typeface="Calibri Light" panose="020F0302020204030204"/>
+        <a:ea typeface=""/>
+        <a:cs typeface=""/>
+        <a:font script="Jpan" typeface="游ゴシック Light"/>
+        <a:font script="Hang" typeface="맑은 고딕"/>
+        <a:font script="Hans" typeface="等线 Light"/>
+        <a:font script="Hant" typeface="新細明體"/>
+        <a:font script="Arab" typeface="Times New Roman"/>
+        <a:font script="Hebr" typeface="Times New Roman"/>
+        <a:font script="Thai" typeface="Angsana New"/>
+        <a:font script="Ethi" typeface="Nyala"/>
+        <a:font script="Beng" typeface="Vrinda"/>
+        <a:font script="Gujr" typeface="Shruti"/>
+        <a:font script="Khmr" typeface="MoolBoran"/>
+        <a:font script="Knda" typeface="Tunga"/>
+        <a:font script="Guru" typeface="Raavi"/>
+        <a:font script="Cans" typeface="Euphemia"/>
+        <a:font script="Cher" typeface="Plantagenet Cherokee"/>
+        <a:font script="Yiii" typeface="Microsoft Yi Baiti"/>
+        <a:font script="Tibt" typeface="Microsoft Himalaya"/>
+        <a:font script="Thaa" typeface="MV Boli"/>
+        <a:font script="Deva" typeface="Mangal"/>
+        <a:font script="Telu" typeface="Gautami"/>
+        <a:font script="Taml" typeface="Latha"/>
+        <a:font script="Syrc" typeface="Estrangelo Edessa"/>
+        <a:font script="Orya" typeface="Kalinga"/>
+        <a:font script="Mlym" typeface="Kartika"/>
+        <a:font script="Laoo" typeface="DokChampa"/>
+        <a:font script="Sinh" typeface="Iskoola Pota"/>
+        <a:font script="Mong" typeface="Mongolian Baiti"/>
+        <a:font script="Viet" typeface="Times New Roman"/>
+        <a:font script="Uigh" typeface="Microsoft Uighur"/>
+        <a:font script="Geor" typeface="Sylfaen"/>
+      </a:majorFont>
+      <a:minorFont>
+        <a:latin typeface="Calibri" panose="020F0502020204030204"/>
+        <a:ea typeface=""/>
+        <a:cs typeface=""/>
+        <a:font script="Jpan" typeface="游ゴシック"/>
+        <a:font script="Hang" typeface="맑은 고딕"/>
+        <a:font script="Hans" typeface="等线"/>
+        <a:font script="Hant" typeface="新細明體"/>
+        <a:font script="Arab" typeface="Arial"/>
+        <a:font script="Hebr" typeface="Arial"/>
+        <a:font script="Thai" typeface="Cordia New"/>
+        <a:font script="Ethi" typeface="Nyala"/>
+        <a:font script="Beng" typeface="Vrinda"/>
+        <a:font script="Gujr" typeface="Shruti"/>
+        <a:font script="Khmr" typeface="DaunPenh"/>
+        <a:font script="Knda" typeface="Tunga"/>
+        <a:font script="Guru" typeface="Raavi"/>
+        <a:font script="Cans" typeface="Euphemia"/>
+        <a:font script="Cher" typeface="Plantagenet Cherokee"/>
+        <a:font script="Yiii" typeface="Microsoft Yi Baiti"/>
+        <a:font script="Tibt" typeface="Microsoft Himalaya"/>
+        <a:font script="Thaa" typeface="MV Boli"/>
+        <a:font script="Deva" typeface="Mangal"/>
+        <a:font script="Telu" typeface="Gautami"/>
+        <a:font script="Taml" typeface="Latha"/>
+        <a:font script="Syrc" typeface="Estrangelo Edessa"/>
+        <a:font script="Orya" typeface="Kalinga"/>
+        <a:font script="Mlym" typeface="Kartika"/>
+        <a:font script="Laoo" typeface="DokChampa"/>
+        <a:font script="Sinh" typeface="Iskoola Pota"/>
+        <a:font script="Mong" typeface="Mongolian Baiti"/>
+        <a:font script="Viet" typeface="Arial"/>
+        <a:font script="Uigh" typeface="Microsoft Uighur"/>
+        <a:font script="Geor" typeface="Sylfaen"/>
+      </a:minorFont>
+    </a:fontScheme>
+    <a:fmtScheme name="Office">
+      <a:fillStyleLst>
+        <a:solidFill>
+          <a:schemeClr val="phClr"/>
+        </a:solidFill>
+        <a:gradFill rotWithShape="1">
+          <a:gsLst>
+            <a:gs pos="0">
+              <a:schemeClr val="phClr">
+                <a:lumMod val="110000"/>
+                <a:satMod val="105000"/>
+                <a:tint val="67000"/>
+              </a:schemeClr>
+            </a:gs>
+            <a:gs pos="50000">
+              <a:schemeClr val="phClr">
+                <a:lumMod val="105000"/>
+                <a:satMod val="103000"/>
+                <a:tint val="73000"/>
+              </a:schemeClr>
+            </a:gs>
+            <a:gs pos="100000">
+              <a:schemeClr val="phClr">
+                <a:lumMod val="105000"/>
+                <a:satMod val="109000"/>
+                <a:tint val="81000"/>
+              </a:schemeClr>
+            </a:gs>
+          </a:gsLst>
+          <a:lin ang="5400000" scaled="0"/>
+        </a:gradFill>
+        <a:gradFill rotWithShape="1">
+          <a:gsLst>
+            <a:gs pos="0">
+              <a:schemeClr val="phClr">
+                <a:satMod val="103000"/>
+                <a:lumMod val="102000"/>
+                <a:tint val="94000"/>
+              </a:schemeClr>
+            </a:gs>
+            <a:gs pos="50000">
+              <a:schemeClr val="phClr">
+                <a:satMod val="110000"/>
+                <a:lumMod val="100000"/>
+                <a:shade val="100000"/>
+              </a:schemeClr>
+            </a:gs>
+            <a:gs pos="100000">
+              <a:schemeClr val="phClr">
+                <a:lumMod val="99000"/>
+                <a:satMod val="120000"/>
+                <a:shade val="78000"/>
+              </a:schemeClr>
+            </a:gs>
+          </a:gsLst>
+          <a:lin ang="5400000" scaled="0"/>
+        </a:gradFill>
+      </a:fillStyleLst>
+      <a:lnStyleLst>
+        <a:ln w="6350" cap="flat" cmpd="sng" algn="ctr">
+          <a:solidFill>
+            <a:schemeClr val="phClr"/>
+          </a:solidFill>
+          <a:prstDash val="solid"/>
+          <a:miter lim="800000"/>
+        </a:ln>
+        <a:ln w="12700" cap="flat" cmpd="sng" algn="ctr">
+          <a:solidFill>
+            <a:schemeClr val="phClr"/>
+          </a:solidFill>
+          <a:prstDash val="solid"/>
+          <a:miter lim="800000"/>
+        </a:ln>
+        <a:ln w="19050" cap="flat" cmpd="sng" algn="ctr">
+          <a:solidFill>
+            <a:schemeClr val="phClr"/>
+          </a:solidFill>
+          <a:prstDash val="solid"/>
+          <a:miter lim="800000"/>
+        </a:ln>
+      </a:lnStyleLst>
+      <a:effectStyleLst>
+        <a:effectStyle>
+          <a:effectLst/>
+        </a:effectStyle>
+        <a:effectStyle>
+          <a:effectLst/>
+        </a:effectStyle>
+        <a:effectStyle>
+          <a:effectLst>
+            <a:outerShdw blurRad="57150" dist="19050" dir="5400000" algn="ctr" rotWithShape="0">
+              <a:srgbClr val="000000">
+                <a:alpha val="63000"/>
+              </a:srgbClr>
+            </a:outerShdw>
+          </a:effectLst>
+        </a:effectStyle>
+      </a:effectStyleLst>
+      <a:bgFillStyleLst>
+        <a:solidFill>
+          <a:schemeClr val="phClr"/>
+        </a:solidFill>
+        <a:solidFill>
+          <a:schemeClr val="phClr">
+            <a:tint val="95000"/>
+            <a:satMod val="170000"/>
+          </a:schemeClr>
+        </a:solidFill>
+        <a:gradFill rotWithShape="1">
+          <a:gsLst>
+            <a:gs pos="0">
+              <a:schemeClr val="phClr">
+                <a:tint val="93000"/>
+                <a:satMod val="150000"/>
+                <a:shade val="98000"/>
+                <a:lumMod val="102000"/>
+              </a:schemeClr>
+            </a:gs>
+            <a:gs pos="50000">
+              <a:schemeClr val="phClr">
+                <a:tint val="98000"/>
+                <a:satMod val="130000"/>
+                <a:shade val="90000"/>
+                <a:lumMod val="103000"/>
+              </a:schemeClr>
+            </a:gs>
+            <a:gs pos="100000">
+              <a:schemeClr val="phClr">
+                <a:shade val="63000"/>
+                <a:satMod val="120000"/>
+              </a:schemeClr>
+            </a:gs>
+          </a:gsLst>
+          <a:lin ang="5400000" scaled="0"/>
+        </a:gradFill>
+      </a:bgFillStyleLst>
+    </a:fmtScheme>
+  </a:themeElements>
+  <a:objectDefaults/>
+  <a:extraClrSchemeLst/>
+  <a:extLst>
+    <a:ext uri="{05A4C25C-085E-4340-85A3-A5531E510DB2}">
+      <thm15:themeFamily xmlns:thm15="http://schemas.microsoft.com/office/thememl/2012/main" name="Office Theme" id="{62F939B6-93AF-4DB8-9C6B-D6C7DFDC589F}" vid="{4A3C46E8-61CC-4603-A589-7422A47A8E4A}"/>
+    </a:ext>
+  </a:extLst>
+</a:theme>
+</file>
+
+<file path=ppt/theme/theme3.xml><?xml version="1.0" encoding="utf-8"?>
 <a:theme xmlns:a="http://schemas.openxmlformats.org/drawingml/2006/main" name="Office Theme">
   <a:themeElements>
     <a:clrScheme name="Office">

--- a/Instructions_Pictures/AFACT & MAB Instructions/AfactInstsPresntation.pptx
+++ b/Instructions_Pictures/AFACT & MAB Instructions/AfactInstsPresntation.pptx
@@ -10,13 +10,13 @@
   </p:notesMasterIdLst>
   <p:sldIdLst>
     <p:sldId id="264" r:id="rId3"/>
-    <p:sldId id="265" r:id="rId4"/>
-    <p:sldId id="284" r:id="rId5"/>
-    <p:sldId id="259" r:id="rId6"/>
-    <p:sldId id="283" r:id="rId7"/>
-    <p:sldId id="281" r:id="rId8"/>
-    <p:sldId id="266" r:id="rId9"/>
-    <p:sldId id="282" r:id="rId10"/>
+    <p:sldId id="284" r:id="rId4"/>
+    <p:sldId id="259" r:id="rId5"/>
+    <p:sldId id="283" r:id="rId6"/>
+    <p:sldId id="266" r:id="rId7"/>
+    <p:sldId id="282" r:id="rId8"/>
+    <p:sldId id="265" r:id="rId9"/>
+    <p:sldId id="281" r:id="rId10"/>
     <p:sldId id="279" r:id="rId11"/>
     <p:sldId id="280" r:id="rId12"/>
   </p:sldIdLst>
@@ -207,7 +207,7 @@
           <a:p>
             <a:fld id="{E130F5AB-C98F-4759-9D05-F414FD7B35E1}" type="datetimeFigureOut">
               <a:rPr lang="en-US" smtClean="0"/>
-              <a:t>2/25/2021</a:t>
+              <a:t>7/18/2021</a:t>
             </a:fld>
             <a:endParaRPr lang="en-US"/>
           </a:p>
@@ -585,7 +585,7 @@
           <a:p>
             <a:fld id="{982C1452-936D-4F19-ADA9-7B8746D33D07}" type="slidenum">
               <a:rPr lang="en-US" smtClean="0"/>
-              <a:t>8</a:t>
+              <a:t>6</a:t>
             </a:fld>
             <a:endParaRPr lang="en-US"/>
           </a:p>
@@ -953,7 +953,7 @@
           <a:p>
             <a:fld id="{306B59E2-DA6D-487B-96A5-0C8E7410BF99}" type="datetimeFigureOut">
               <a:rPr lang="he-IL" smtClean="0"/>
-              <a:t>י"ג/אדר/תשפ"א</a:t>
+              <a:t>ט'/אב/תשפ"א</a:t>
             </a:fld>
             <a:endParaRPr lang="he-IL"/>
           </a:p>
@@ -1123,7 +1123,7 @@
           <a:p>
             <a:fld id="{306B59E2-DA6D-487B-96A5-0C8E7410BF99}" type="datetimeFigureOut">
               <a:rPr lang="he-IL" smtClean="0"/>
-              <a:t>י"ג/אדר/תשפ"א</a:t>
+              <a:t>ט'/אב/תשפ"א</a:t>
             </a:fld>
             <a:endParaRPr lang="he-IL"/>
           </a:p>
@@ -1303,7 +1303,7 @@
           <a:p>
             <a:fld id="{306B59E2-DA6D-487B-96A5-0C8E7410BF99}" type="datetimeFigureOut">
               <a:rPr lang="he-IL" smtClean="0"/>
-              <a:t>י"ג/אדר/תשפ"א</a:t>
+              <a:t>ט'/אב/תשפ"א</a:t>
             </a:fld>
             <a:endParaRPr lang="he-IL"/>
           </a:p>
@@ -1495,7 +1495,7 @@
           <a:p>
             <a:fld id="{4476BBAF-3BF1-4078-A5DF-44D473DCBE61}" type="datetimeFigureOut">
               <a:rPr lang="he-IL" smtClean="0"/>
-              <a:t>י"ג/אדר/תשפ"א</a:t>
+              <a:t>ט'/אב/תשפ"א</a:t>
             </a:fld>
             <a:endParaRPr lang="he-IL"/>
           </a:p>
@@ -1665,7 +1665,7 @@
           <a:p>
             <a:fld id="{4476BBAF-3BF1-4078-A5DF-44D473DCBE61}" type="datetimeFigureOut">
               <a:rPr lang="he-IL" smtClean="0"/>
-              <a:t>י"ג/אדר/תשפ"א</a:t>
+              <a:t>ט'/אב/תשפ"א</a:t>
             </a:fld>
             <a:endParaRPr lang="he-IL"/>
           </a:p>
@@ -1911,7 +1911,7 @@
           <a:p>
             <a:fld id="{4476BBAF-3BF1-4078-A5DF-44D473DCBE61}" type="datetimeFigureOut">
               <a:rPr lang="he-IL" smtClean="0"/>
-              <a:t>י"ג/אדר/תשפ"א</a:t>
+              <a:t>ט'/אב/תשפ"א</a:t>
             </a:fld>
             <a:endParaRPr lang="he-IL"/>
           </a:p>
@@ -2143,7 +2143,7 @@
           <a:p>
             <a:fld id="{4476BBAF-3BF1-4078-A5DF-44D473DCBE61}" type="datetimeFigureOut">
               <a:rPr lang="he-IL" smtClean="0"/>
-              <a:t>י"ג/אדר/תשפ"א</a:t>
+              <a:t>ט'/אב/תשפ"א</a:t>
             </a:fld>
             <a:endParaRPr lang="he-IL"/>
           </a:p>
@@ -2510,7 +2510,7 @@
           <a:p>
             <a:fld id="{4476BBAF-3BF1-4078-A5DF-44D473DCBE61}" type="datetimeFigureOut">
               <a:rPr lang="he-IL" smtClean="0"/>
-              <a:t>י"ג/אדר/תשפ"א</a:t>
+              <a:t>ט'/אב/תשפ"א</a:t>
             </a:fld>
             <a:endParaRPr lang="he-IL"/>
           </a:p>
@@ -2628,7 +2628,7 @@
           <a:p>
             <a:fld id="{4476BBAF-3BF1-4078-A5DF-44D473DCBE61}" type="datetimeFigureOut">
               <a:rPr lang="he-IL" smtClean="0"/>
-              <a:t>י"ג/אדר/תשפ"א</a:t>
+              <a:t>ט'/אב/תשפ"א</a:t>
             </a:fld>
             <a:endParaRPr lang="he-IL"/>
           </a:p>
@@ -2723,7 +2723,7 @@
           <a:p>
             <a:fld id="{4476BBAF-3BF1-4078-A5DF-44D473DCBE61}" type="datetimeFigureOut">
               <a:rPr lang="he-IL" smtClean="0"/>
-              <a:t>י"ג/אדר/תשפ"א</a:t>
+              <a:t>ט'/אב/תשפ"א</a:t>
             </a:fld>
             <a:endParaRPr lang="he-IL"/>
           </a:p>
@@ -3000,7 +3000,7 @@
           <a:p>
             <a:fld id="{4476BBAF-3BF1-4078-A5DF-44D473DCBE61}" type="datetimeFigureOut">
               <a:rPr lang="he-IL" smtClean="0"/>
-              <a:t>י"ג/אדר/תשפ"א</a:t>
+              <a:t>ט'/אב/תשפ"א</a:t>
             </a:fld>
             <a:endParaRPr lang="he-IL"/>
           </a:p>
@@ -3170,7 +3170,7 @@
           <a:p>
             <a:fld id="{306B59E2-DA6D-487B-96A5-0C8E7410BF99}" type="datetimeFigureOut">
               <a:rPr lang="he-IL" smtClean="0"/>
-              <a:t>י"ג/אדר/תשפ"א</a:t>
+              <a:t>ט'/אב/תשפ"א</a:t>
             </a:fld>
             <a:endParaRPr lang="he-IL"/>
           </a:p>
@@ -3423,7 +3423,7 @@
           <a:p>
             <a:fld id="{4476BBAF-3BF1-4078-A5DF-44D473DCBE61}" type="datetimeFigureOut">
               <a:rPr lang="he-IL" smtClean="0"/>
-              <a:t>י"ג/אדר/תשפ"א</a:t>
+              <a:t>ט'/אב/תשפ"א</a:t>
             </a:fld>
             <a:endParaRPr lang="he-IL"/>
           </a:p>
@@ -3593,7 +3593,7 @@
           <a:p>
             <a:fld id="{4476BBAF-3BF1-4078-A5DF-44D473DCBE61}" type="datetimeFigureOut">
               <a:rPr lang="he-IL" smtClean="0"/>
-              <a:t>י"ג/אדר/תשפ"א</a:t>
+              <a:t>ט'/אב/תשפ"א</a:t>
             </a:fld>
             <a:endParaRPr lang="he-IL"/>
           </a:p>
@@ -3773,7 +3773,7 @@
           <a:p>
             <a:fld id="{4476BBAF-3BF1-4078-A5DF-44D473DCBE61}" type="datetimeFigureOut">
               <a:rPr lang="he-IL" smtClean="0"/>
-              <a:t>י"ג/אדר/תשפ"א</a:t>
+              <a:t>ט'/אב/תשפ"א</a:t>
             </a:fld>
             <a:endParaRPr lang="he-IL"/>
           </a:p>
@@ -4019,7 +4019,7 @@
           <a:p>
             <a:fld id="{306B59E2-DA6D-487B-96A5-0C8E7410BF99}" type="datetimeFigureOut">
               <a:rPr lang="he-IL" smtClean="0"/>
-              <a:t>י"ג/אדר/תשפ"א</a:t>
+              <a:t>ט'/אב/תשפ"א</a:t>
             </a:fld>
             <a:endParaRPr lang="he-IL"/>
           </a:p>
@@ -4251,7 +4251,7 @@
           <a:p>
             <a:fld id="{306B59E2-DA6D-487B-96A5-0C8E7410BF99}" type="datetimeFigureOut">
               <a:rPr lang="he-IL" smtClean="0"/>
-              <a:t>י"ג/אדר/תשפ"א</a:t>
+              <a:t>ט'/אב/תשפ"א</a:t>
             </a:fld>
             <a:endParaRPr lang="he-IL"/>
           </a:p>
@@ -4618,7 +4618,7 @@
           <a:p>
             <a:fld id="{306B59E2-DA6D-487B-96A5-0C8E7410BF99}" type="datetimeFigureOut">
               <a:rPr lang="he-IL" smtClean="0"/>
-              <a:t>י"ג/אדר/תשפ"א</a:t>
+              <a:t>ט'/אב/תשפ"א</a:t>
             </a:fld>
             <a:endParaRPr lang="he-IL"/>
           </a:p>
@@ -4736,7 +4736,7 @@
           <a:p>
             <a:fld id="{306B59E2-DA6D-487B-96A5-0C8E7410BF99}" type="datetimeFigureOut">
               <a:rPr lang="he-IL" smtClean="0"/>
-              <a:t>י"ג/אדר/תשפ"א</a:t>
+              <a:t>ט'/אב/תשפ"א</a:t>
             </a:fld>
             <a:endParaRPr lang="he-IL"/>
           </a:p>
@@ -4831,7 +4831,7 @@
           <a:p>
             <a:fld id="{306B59E2-DA6D-487B-96A5-0C8E7410BF99}" type="datetimeFigureOut">
               <a:rPr lang="he-IL" smtClean="0"/>
-              <a:t>י"ג/אדר/תשפ"א</a:t>
+              <a:t>ט'/אב/תשפ"א</a:t>
             </a:fld>
             <a:endParaRPr lang="he-IL"/>
           </a:p>
@@ -5108,7 +5108,7 @@
           <a:p>
             <a:fld id="{306B59E2-DA6D-487B-96A5-0C8E7410BF99}" type="datetimeFigureOut">
               <a:rPr lang="he-IL" smtClean="0"/>
-              <a:t>י"ג/אדר/תשפ"א</a:t>
+              <a:t>ט'/אב/תשפ"א</a:t>
             </a:fld>
             <a:endParaRPr lang="he-IL"/>
           </a:p>
@@ -5361,7 +5361,7 @@
           <a:p>
             <a:fld id="{306B59E2-DA6D-487B-96A5-0C8E7410BF99}" type="datetimeFigureOut">
               <a:rPr lang="he-IL" smtClean="0"/>
-              <a:t>י"ג/אדר/תשפ"א</a:t>
+              <a:t>ט'/אב/תשפ"א</a:t>
             </a:fld>
             <a:endParaRPr lang="he-IL"/>
           </a:p>
@@ -5577,7 +5577,7 @@
           <a:p>
             <a:fld id="{306B59E2-DA6D-487B-96A5-0C8E7410BF99}" type="datetimeFigureOut">
               <a:rPr lang="he-IL" smtClean="0"/>
-              <a:t>י"ג/אדר/תשפ"א</a:t>
+              <a:t>ט'/אב/תשפ"א</a:t>
             </a:fld>
             <a:endParaRPr lang="he-IL"/>
           </a:p>
@@ -6117,7 +6117,7 @@
           <a:p>
             <a:fld id="{4476BBAF-3BF1-4078-A5DF-44D473DCBE61}" type="datetimeFigureOut">
               <a:rPr lang="he-IL" smtClean="0"/>
-              <a:t>י"ג/אדר/תשפ"א</a:t>
+              <a:t>ט'/אב/תשפ"א</a:t>
             </a:fld>
             <a:endParaRPr lang="he-IL"/>
           </a:p>
@@ -7002,6 +7002,3114 @@
 </file>
 
 <file path=ppt/slides/slide2.xml><?xml version="1.0" encoding="utf-8"?>
+<p:sld xmlns:a="http://schemas.openxmlformats.org/drawingml/2006/main" xmlns:r="http://schemas.openxmlformats.org/officeDocument/2006/relationships" xmlns:p="http://schemas.openxmlformats.org/presentationml/2006/main">
+  <p:cSld>
+    <p:spTree>
+      <p:nvGrpSpPr>
+        <p:cNvPr id="1" name=""/>
+        <p:cNvGrpSpPr/>
+        <p:nvPr/>
+      </p:nvGrpSpPr>
+      <p:grpSpPr>
+        <a:xfrm>
+          <a:off x="0" y="0"/>
+          <a:ext cx="0" cy="0"/>
+          <a:chOff x="0" y="0"/>
+          <a:chExt cx="0" cy="0"/>
+        </a:xfrm>
+      </p:grpSpPr>
+      <p:sp>
+        <p:nvSpPr>
+          <p:cNvPr id="4" name="Rectangle 3"/>
+          <p:cNvSpPr>
+            <a:spLocks/>
+          </p:cNvSpPr>
+          <p:nvPr/>
+        </p:nvSpPr>
+        <p:spPr>
+          <a:xfrm>
+            <a:off x="2065971" y="577526"/>
+            <a:ext cx="8071946" cy="4969278"/>
+          </a:xfrm>
+          <a:prstGeom prst="rect">
+            <a:avLst/>
+          </a:prstGeom>
+          <a:solidFill>
+            <a:schemeClr val="bg1">
+              <a:lumMod val="65000"/>
+            </a:schemeClr>
+          </a:solidFill>
+          <a:ln w="76200">
+            <a:solidFill>
+              <a:schemeClr val="tx1">
+                <a:lumMod val="65000"/>
+                <a:lumOff val="35000"/>
+              </a:schemeClr>
+            </a:solidFill>
+          </a:ln>
+        </p:spPr>
+        <p:style>
+          <a:lnRef idx="2">
+            <a:schemeClr val="accent1">
+              <a:shade val="50000"/>
+            </a:schemeClr>
+          </a:lnRef>
+          <a:fillRef idx="1">
+            <a:schemeClr val="accent1"/>
+          </a:fillRef>
+          <a:effectRef idx="0">
+            <a:schemeClr val="accent1"/>
+          </a:effectRef>
+          <a:fontRef idx="minor">
+            <a:schemeClr val="lt1"/>
+          </a:fontRef>
+        </p:style>
+        <p:txBody>
+          <a:bodyPr lIns="160949" tIns="80476" rIns="160949" bIns="80476" rtlCol="1" anchor="ctr"/>
+          <a:lstStyle/>
+          <a:p>
+            <a:pPr algn="ctr" rtl="1"/>
+            <a:r>
+              <a:rPr lang="he-IL" sz="2330" dirty="0">
+                <a:solidFill>
+                  <a:schemeClr val="tx1"/>
+                </a:solidFill>
+                <a:latin typeface="David" panose="020E0502060401010101" pitchFamily="34" charset="-79"/>
+                <a:cs typeface="David" panose="020E0502060401010101" pitchFamily="34" charset="-79"/>
+              </a:rPr>
+              <a:t>המטלה שתבצע עכשיו דומה למטלה שביצעת קודם</a:t>
+            </a:r>
+          </a:p>
+          <a:p>
+            <a:pPr algn="ctr" rtl="1"/>
+            <a:r>
+              <a:rPr lang="he-IL" sz="2330" dirty="0">
+                <a:solidFill>
+                  <a:schemeClr val="tx1"/>
+                </a:solidFill>
+                <a:latin typeface="David" panose="020E0502060401010101" pitchFamily="34" charset="-79"/>
+                <a:cs typeface="David" panose="020E0502060401010101" pitchFamily="34" charset="-79"/>
+              </a:rPr>
+              <a:t>הפעם, לאחר כל מחשבה, </a:t>
+            </a:r>
+            <a:r>
+              <a:rPr lang="he-IL" sz="2330" b="1" dirty="0">
+                <a:solidFill>
+                  <a:schemeClr val="tx1"/>
+                </a:solidFill>
+                <a:latin typeface="David" panose="020E0502060401010101" pitchFamily="34" charset="-79"/>
+                <a:cs typeface="David" panose="020E0502060401010101" pitchFamily="34" charset="-79"/>
+              </a:rPr>
+              <a:t>יוצגו בפניך 9 ריבועים ריקים </a:t>
+            </a:r>
+            <a:r>
+              <a:rPr lang="he-IL" sz="2330" dirty="0">
+                <a:solidFill>
+                  <a:schemeClr val="tx1"/>
+                </a:solidFill>
+                <a:latin typeface="David" panose="020E0502060401010101" pitchFamily="34" charset="-79"/>
+                <a:cs typeface="David" panose="020E0502060401010101" pitchFamily="34" charset="-79"/>
+              </a:rPr>
+              <a:t>ותתבקש\י להחליט </a:t>
+            </a:r>
+            <a:r>
+              <a:rPr lang="he-IL" sz="2330" b="1" dirty="0">
+                <a:solidFill>
+                  <a:schemeClr val="tx1"/>
+                </a:solidFill>
+                <a:latin typeface="David" panose="020E0502060401010101" pitchFamily="34" charset="-79"/>
+                <a:cs typeface="David" panose="020E0502060401010101" pitchFamily="34" charset="-79"/>
+              </a:rPr>
+              <a:t>האם מספר הריבועים המלאים (לבנים) גדול או קטן מ-5 </a:t>
+            </a:r>
+          </a:p>
+          <a:p>
+            <a:pPr algn="ctr" rtl="1"/>
+            <a:endParaRPr lang="he-IL" sz="2330" dirty="0">
+              <a:solidFill>
+                <a:schemeClr val="tx1"/>
+              </a:solidFill>
+              <a:latin typeface="David" panose="020E0502060401010101" pitchFamily="34" charset="-79"/>
+              <a:cs typeface="David" panose="020E0502060401010101" pitchFamily="34" charset="-79"/>
+            </a:endParaRPr>
+          </a:p>
+          <a:p>
+            <a:pPr algn="ctr" rtl="1"/>
+            <a:r>
+              <a:rPr lang="he-IL" sz="2330" dirty="0">
+                <a:solidFill>
+                  <a:schemeClr val="tx1"/>
+                </a:solidFill>
+                <a:latin typeface="David" panose="020E0502060401010101" pitchFamily="34" charset="-79"/>
+                <a:cs typeface="David" panose="020E0502060401010101" pitchFamily="34" charset="-79"/>
+              </a:rPr>
+              <a:t>יש ללחוץ במקלדת על מקש </a:t>
+            </a:r>
+            <a:r>
+              <a:rPr lang="he-IL" sz="2330" dirty="0" err="1">
+                <a:solidFill>
+                  <a:schemeClr val="tx1"/>
+                </a:solidFill>
+                <a:latin typeface="David" panose="020E0502060401010101" pitchFamily="34" charset="-79"/>
+                <a:cs typeface="David" panose="020E0502060401010101" pitchFamily="34" charset="-79"/>
+              </a:rPr>
+              <a:t>שיפט</a:t>
+            </a:r>
+            <a:r>
+              <a:rPr lang="he-IL" sz="2330" dirty="0">
+                <a:solidFill>
+                  <a:schemeClr val="tx1"/>
+                </a:solidFill>
+                <a:latin typeface="David" panose="020E0502060401010101" pitchFamily="34" charset="-79"/>
+                <a:cs typeface="David" panose="020E0502060401010101" pitchFamily="34" charset="-79"/>
+              </a:rPr>
+              <a:t> (</a:t>
+            </a:r>
+            <a:r>
+              <a:rPr lang="en-GB" sz="2330" dirty="0">
+                <a:solidFill>
+                  <a:schemeClr val="tx1"/>
+                </a:solidFill>
+                <a:latin typeface="David" panose="020E0502060401010101" pitchFamily="34" charset="-79"/>
+                <a:cs typeface="David" panose="020E0502060401010101" pitchFamily="34" charset="-79"/>
+              </a:rPr>
+              <a:t>Shift</a:t>
+            </a:r>
+            <a:r>
+              <a:rPr lang="he-IL" sz="2330" dirty="0">
+                <a:solidFill>
+                  <a:schemeClr val="tx1"/>
+                </a:solidFill>
+                <a:latin typeface="David" panose="020E0502060401010101" pitchFamily="34" charset="-79"/>
+                <a:cs typeface="David" panose="020E0502060401010101" pitchFamily="34" charset="-79"/>
+              </a:rPr>
+              <a:t>) ימני כאשר מספר הריבועים המלאים גדול מ-5, ומקש </a:t>
+            </a:r>
+            <a:r>
+              <a:rPr lang="he-IL" sz="2330" dirty="0" err="1">
+                <a:solidFill>
+                  <a:schemeClr val="tx1"/>
+                </a:solidFill>
+                <a:latin typeface="David" panose="020E0502060401010101" pitchFamily="34" charset="-79"/>
+                <a:cs typeface="David" panose="020E0502060401010101" pitchFamily="34" charset="-79"/>
+              </a:rPr>
+              <a:t>שיפט</a:t>
+            </a:r>
+            <a:r>
+              <a:rPr lang="he-IL" sz="2330" dirty="0">
+                <a:solidFill>
+                  <a:schemeClr val="tx1"/>
+                </a:solidFill>
+                <a:latin typeface="David" panose="020E0502060401010101" pitchFamily="34" charset="-79"/>
+                <a:cs typeface="David" panose="020E0502060401010101" pitchFamily="34" charset="-79"/>
+              </a:rPr>
+              <a:t> שמאלי כאשר מספר הריבועים המלאים קטן מ-5 </a:t>
+            </a:r>
+          </a:p>
+          <a:p>
+            <a:pPr algn="ctr" rtl="1"/>
+            <a:endParaRPr lang="he-IL" sz="2330" dirty="0">
+              <a:solidFill>
+                <a:schemeClr val="tx1"/>
+              </a:solidFill>
+              <a:latin typeface="David" panose="020E0502060401010101" pitchFamily="34" charset="-79"/>
+              <a:cs typeface="David" panose="020E0502060401010101" pitchFamily="34" charset="-79"/>
+            </a:endParaRPr>
+          </a:p>
+          <a:p>
+            <a:pPr algn="ctr" rtl="1"/>
+            <a:endParaRPr lang="he-IL" sz="2330" dirty="0">
+              <a:solidFill>
+                <a:schemeClr val="tx1"/>
+              </a:solidFill>
+              <a:latin typeface="David" panose="020E0502060401010101" pitchFamily="34" charset="-79"/>
+              <a:cs typeface="David" panose="020E0502060401010101" pitchFamily="34" charset="-79"/>
+            </a:endParaRPr>
+          </a:p>
+        </p:txBody>
+      </p:sp>
+      <p:sp>
+        <p:nvSpPr>
+          <p:cNvPr id="5" name="Rectangle 4"/>
+          <p:cNvSpPr/>
+          <p:nvPr/>
+        </p:nvSpPr>
+        <p:spPr>
+          <a:xfrm>
+            <a:off x="4726770" y="5358207"/>
+            <a:ext cx="2750351" cy="1021313"/>
+          </a:xfrm>
+          <a:prstGeom prst="rect">
+            <a:avLst/>
+          </a:prstGeom>
+          <a:solidFill>
+            <a:schemeClr val="tx1">
+              <a:lumMod val="65000"/>
+              <a:lumOff val="35000"/>
+            </a:schemeClr>
+          </a:solidFill>
+          <a:ln w="76200">
+            <a:solidFill>
+              <a:schemeClr val="tx1">
+                <a:lumMod val="85000"/>
+                <a:lumOff val="15000"/>
+              </a:schemeClr>
+            </a:solidFill>
+          </a:ln>
+        </p:spPr>
+        <p:style>
+          <a:lnRef idx="2">
+            <a:schemeClr val="accent1">
+              <a:shade val="50000"/>
+            </a:schemeClr>
+          </a:lnRef>
+          <a:fillRef idx="1">
+            <a:schemeClr val="accent1"/>
+          </a:fillRef>
+          <a:effectRef idx="0">
+            <a:schemeClr val="accent1"/>
+          </a:effectRef>
+          <a:fontRef idx="minor">
+            <a:schemeClr val="lt1"/>
+          </a:fontRef>
+        </p:style>
+        <p:txBody>
+          <a:bodyPr lIns="160949" tIns="80476" rIns="160949" bIns="80476" rtlCol="1" anchor="ctr"/>
+          <a:lstStyle/>
+          <a:p>
+            <a:pPr algn="ctr" rtl="1"/>
+            <a:r>
+              <a:rPr lang="he-IL" sz="1937" dirty="0">
+                <a:solidFill>
+                  <a:schemeClr val="tx1"/>
+                </a:solidFill>
+                <a:latin typeface="David" panose="020E0502060401010101" pitchFamily="34" charset="-79"/>
+                <a:cs typeface="David" panose="020E0502060401010101" pitchFamily="34" charset="-79"/>
+              </a:rPr>
+              <a:t>לחץ על אחד המקשים כדי להמשיך</a:t>
+            </a:r>
+          </a:p>
+        </p:txBody>
+      </p:sp>
+      <p:grpSp>
+        <p:nvGrpSpPr>
+          <p:cNvPr id="41" name="Group 40">
+            <a:extLst>
+              <a:ext uri="{FF2B5EF4-FFF2-40B4-BE49-F238E27FC236}">
+                <a16:creationId xmlns:a16="http://schemas.microsoft.com/office/drawing/2014/main" id="{99474291-53A3-42B1-868B-05E31DFE689C}"/>
+              </a:ext>
+            </a:extLst>
+          </p:cNvPr>
+          <p:cNvGrpSpPr/>
+          <p:nvPr/>
+        </p:nvGrpSpPr>
+        <p:grpSpPr>
+          <a:xfrm>
+            <a:off x="2278814" y="4286864"/>
+            <a:ext cx="7634372" cy="756482"/>
+            <a:chOff x="2315874" y="4168877"/>
+            <a:chExt cx="7634372" cy="756482"/>
+          </a:xfrm>
+        </p:grpSpPr>
+        <p:pic>
+          <p:nvPicPr>
+            <p:cNvPr id="11" name="Picture 10">
+              <a:extLst>
+                <a:ext uri="{FF2B5EF4-FFF2-40B4-BE49-F238E27FC236}">
+                  <a16:creationId xmlns:a16="http://schemas.microsoft.com/office/drawing/2014/main" id="{C81C35C5-D351-4F39-8511-B7D1C28B3A4E}"/>
+                </a:ext>
+              </a:extLst>
+            </p:cNvPr>
+            <p:cNvPicPr>
+              <a:picLocks noChangeAspect="1"/>
+            </p:cNvPicPr>
+            <p:nvPr/>
+          </p:nvPicPr>
+          <p:blipFill>
+            <a:blip r:embed="rId2"/>
+            <a:stretch>
+              <a:fillRect/>
+            </a:stretch>
+          </p:blipFill>
+          <p:spPr>
+            <a:xfrm>
+              <a:off x="2315874" y="4168877"/>
+              <a:ext cx="7560252" cy="713228"/>
+            </a:xfrm>
+            <a:prstGeom prst="rect">
+              <a:avLst/>
+            </a:prstGeom>
+          </p:spPr>
+        </p:pic>
+        <p:sp>
+          <p:nvSpPr>
+            <p:cNvPr id="12" name="Rectangle 11">
+              <a:extLst>
+                <a:ext uri="{FF2B5EF4-FFF2-40B4-BE49-F238E27FC236}">
+                  <a16:creationId xmlns:a16="http://schemas.microsoft.com/office/drawing/2014/main" id="{1EA5C344-4B87-4BA1-91C8-518F4DC7183A}"/>
+                </a:ext>
+              </a:extLst>
+            </p:cNvPr>
+            <p:cNvSpPr/>
+            <p:nvPr/>
+          </p:nvSpPr>
+          <p:spPr>
+            <a:xfrm>
+              <a:off x="2315874" y="4347168"/>
+              <a:ext cx="1209367" cy="578191"/>
+            </a:xfrm>
+            <a:prstGeom prst="rect">
+              <a:avLst/>
+            </a:prstGeom>
+            <a:solidFill>
+              <a:srgbClr val="FFFF00">
+                <a:alpha val="18039"/>
+              </a:srgbClr>
+            </a:solidFill>
+            <a:ln w="28575">
+              <a:solidFill>
+                <a:srgbClr val="FF0000"/>
+              </a:solidFill>
+            </a:ln>
+          </p:spPr>
+          <p:style>
+            <a:lnRef idx="2">
+              <a:schemeClr val="accent1">
+                <a:shade val="50000"/>
+              </a:schemeClr>
+            </a:lnRef>
+            <a:fillRef idx="1">
+              <a:schemeClr val="accent1"/>
+            </a:fillRef>
+            <a:effectRef idx="0">
+              <a:schemeClr val="accent1"/>
+            </a:effectRef>
+            <a:fontRef idx="minor">
+              <a:schemeClr val="lt1"/>
+            </a:fontRef>
+          </p:style>
+          <p:txBody>
+            <a:bodyPr rtlCol="0" anchor="ctr"/>
+            <a:lstStyle/>
+            <a:p>
+              <a:pPr algn="ctr"/>
+              <a:endParaRPr lang="he-IL" sz="1200" b="1" dirty="0">
+                <a:solidFill>
+                  <a:srgbClr val="002060"/>
+                </a:solidFill>
+              </a:endParaRPr>
+            </a:p>
+            <a:p>
+              <a:pPr algn="ctr"/>
+              <a:r>
+                <a:rPr lang="he-IL" sz="1200" b="1" u="sng" dirty="0">
+                  <a:solidFill>
+                    <a:srgbClr val="002060"/>
+                  </a:solidFill>
+                  <a:effectLst>
+                    <a:outerShdw blurRad="38100" dist="38100" dir="2700000" algn="tl">
+                      <a:srgbClr val="000000">
+                        <a:alpha val="43137"/>
+                      </a:srgbClr>
+                    </a:outerShdw>
+                  </a:effectLst>
+                </a:rPr>
+                <a:t>קטן</a:t>
+              </a:r>
+              <a:r>
+                <a:rPr lang="he-IL" sz="1200" b="1" dirty="0">
+                  <a:solidFill>
+                    <a:srgbClr val="002060"/>
+                  </a:solidFill>
+                </a:rPr>
+                <a:t> מ-5</a:t>
+              </a:r>
+              <a:endParaRPr lang="LID4096" sz="1200" b="1" dirty="0">
+                <a:solidFill>
+                  <a:srgbClr val="002060"/>
+                </a:solidFill>
+              </a:endParaRPr>
+            </a:p>
+          </p:txBody>
+        </p:sp>
+        <p:sp>
+          <p:nvSpPr>
+            <p:cNvPr id="17" name="Rectangle 16">
+              <a:extLst>
+                <a:ext uri="{FF2B5EF4-FFF2-40B4-BE49-F238E27FC236}">
+                  <a16:creationId xmlns:a16="http://schemas.microsoft.com/office/drawing/2014/main" id="{FD4F1CFA-B122-4FDA-93A1-CBC1C2A58848}"/>
+                </a:ext>
+              </a:extLst>
+            </p:cNvPr>
+            <p:cNvSpPr/>
+            <p:nvPr/>
+          </p:nvSpPr>
+          <p:spPr>
+            <a:xfrm>
+              <a:off x="8666759" y="4252870"/>
+              <a:ext cx="1283487" cy="578191"/>
+            </a:xfrm>
+            <a:prstGeom prst="rect">
+              <a:avLst/>
+            </a:prstGeom>
+            <a:solidFill>
+              <a:srgbClr val="FFFF00">
+                <a:alpha val="18039"/>
+              </a:srgbClr>
+            </a:solidFill>
+            <a:ln w="28575">
+              <a:solidFill>
+                <a:srgbClr val="FF0000"/>
+              </a:solidFill>
+            </a:ln>
+          </p:spPr>
+          <p:style>
+            <a:lnRef idx="2">
+              <a:schemeClr val="accent1">
+                <a:shade val="50000"/>
+              </a:schemeClr>
+            </a:lnRef>
+            <a:fillRef idx="1">
+              <a:schemeClr val="accent1"/>
+            </a:fillRef>
+            <a:effectRef idx="0">
+              <a:schemeClr val="accent1"/>
+            </a:effectRef>
+            <a:fontRef idx="minor">
+              <a:schemeClr val="lt1"/>
+            </a:fontRef>
+          </p:style>
+          <p:txBody>
+            <a:bodyPr rtlCol="0" anchor="ctr"/>
+            <a:lstStyle/>
+            <a:p>
+              <a:pPr algn="ctr"/>
+              <a:endParaRPr lang="he-IL" sz="1200" b="1" dirty="0">
+                <a:solidFill>
+                  <a:srgbClr val="002060"/>
+                </a:solidFill>
+              </a:endParaRPr>
+            </a:p>
+            <a:p>
+              <a:pPr algn="ctr"/>
+              <a:r>
+                <a:rPr lang="he-IL" sz="1200" b="1" u="sng" dirty="0">
+                  <a:solidFill>
+                    <a:srgbClr val="002060"/>
+                  </a:solidFill>
+                  <a:effectLst>
+                    <a:outerShdw blurRad="38100" dist="38100" dir="2700000" algn="tl">
+                      <a:srgbClr val="000000">
+                        <a:alpha val="43137"/>
+                      </a:srgbClr>
+                    </a:outerShdw>
+                  </a:effectLst>
+                </a:rPr>
+                <a:t>גדול</a:t>
+              </a:r>
+              <a:r>
+                <a:rPr lang="he-IL" sz="1200" b="1" dirty="0">
+                  <a:solidFill>
+                    <a:srgbClr val="002060"/>
+                  </a:solidFill>
+                </a:rPr>
+                <a:t> מ-5</a:t>
+              </a:r>
+              <a:endParaRPr lang="LID4096" sz="1200" b="1" dirty="0">
+                <a:solidFill>
+                  <a:srgbClr val="002060"/>
+                </a:solidFill>
+              </a:endParaRPr>
+            </a:p>
+          </p:txBody>
+        </p:sp>
+      </p:grpSp>
+      <p:sp>
+        <p:nvSpPr>
+          <p:cNvPr id="18" name="Rectangle 17">
+            <a:extLst>
+              <a:ext uri="{FF2B5EF4-FFF2-40B4-BE49-F238E27FC236}">
+                <a16:creationId xmlns:a16="http://schemas.microsoft.com/office/drawing/2014/main" id="{D23ED882-E238-457B-957A-5E73A3A652E6}"/>
+              </a:ext>
+            </a:extLst>
+          </p:cNvPr>
+          <p:cNvSpPr/>
+          <p:nvPr/>
+        </p:nvSpPr>
+        <p:spPr>
+          <a:xfrm>
+            <a:off x="252543" y="2542950"/>
+            <a:ext cx="467032" cy="467032"/>
+          </a:xfrm>
+          <a:prstGeom prst="rect">
+            <a:avLst/>
+          </a:prstGeom>
+          <a:solidFill>
+            <a:schemeClr val="bg1"/>
+          </a:solidFill>
+          <a:ln w="19050">
+            <a:solidFill>
+              <a:schemeClr val="bg1"/>
+            </a:solidFill>
+          </a:ln>
+        </p:spPr>
+        <p:style>
+          <a:lnRef idx="2">
+            <a:schemeClr val="dk1">
+              <a:shade val="50000"/>
+            </a:schemeClr>
+          </a:lnRef>
+          <a:fillRef idx="1">
+            <a:schemeClr val="dk1"/>
+          </a:fillRef>
+          <a:effectRef idx="0">
+            <a:schemeClr val="dk1"/>
+          </a:effectRef>
+          <a:fontRef idx="minor">
+            <a:schemeClr val="lt1"/>
+          </a:fontRef>
+        </p:style>
+        <p:txBody>
+          <a:bodyPr rtlCol="0" anchor="ctr"/>
+          <a:lstStyle/>
+          <a:p>
+            <a:pPr algn="ctr"/>
+            <a:endParaRPr lang="LID4096"/>
+          </a:p>
+        </p:txBody>
+      </p:sp>
+      <p:sp>
+        <p:nvSpPr>
+          <p:cNvPr id="20" name="Rectangle 19">
+            <a:extLst>
+              <a:ext uri="{FF2B5EF4-FFF2-40B4-BE49-F238E27FC236}">
+                <a16:creationId xmlns:a16="http://schemas.microsoft.com/office/drawing/2014/main" id="{A7CCE37D-CBC4-4E0C-ADDA-B572A145365F}"/>
+              </a:ext>
+            </a:extLst>
+          </p:cNvPr>
+          <p:cNvSpPr/>
+          <p:nvPr/>
+        </p:nvSpPr>
+        <p:spPr>
+          <a:xfrm>
+            <a:off x="1337148" y="2542950"/>
+            <a:ext cx="467032" cy="467032"/>
+          </a:xfrm>
+          <a:prstGeom prst="rect">
+            <a:avLst/>
+          </a:prstGeom>
+          <a:ln w="19050">
+            <a:solidFill>
+              <a:schemeClr val="bg1"/>
+            </a:solidFill>
+          </a:ln>
+        </p:spPr>
+        <p:style>
+          <a:lnRef idx="2">
+            <a:schemeClr val="dk1">
+              <a:shade val="50000"/>
+            </a:schemeClr>
+          </a:lnRef>
+          <a:fillRef idx="1">
+            <a:schemeClr val="dk1"/>
+          </a:fillRef>
+          <a:effectRef idx="0">
+            <a:schemeClr val="dk1"/>
+          </a:effectRef>
+          <a:fontRef idx="minor">
+            <a:schemeClr val="lt1"/>
+          </a:fontRef>
+        </p:style>
+        <p:txBody>
+          <a:bodyPr rtlCol="0" anchor="ctr"/>
+          <a:lstStyle/>
+          <a:p>
+            <a:pPr algn="ctr"/>
+            <a:endParaRPr lang="LID4096"/>
+          </a:p>
+        </p:txBody>
+      </p:sp>
+      <p:sp>
+        <p:nvSpPr>
+          <p:cNvPr id="23" name="Rectangle 22">
+            <a:extLst>
+              <a:ext uri="{FF2B5EF4-FFF2-40B4-BE49-F238E27FC236}">
+                <a16:creationId xmlns:a16="http://schemas.microsoft.com/office/drawing/2014/main" id="{047AE0F1-09A3-429D-8138-AAD28E63DC17}"/>
+              </a:ext>
+            </a:extLst>
+          </p:cNvPr>
+          <p:cNvSpPr/>
+          <p:nvPr/>
+        </p:nvSpPr>
+        <p:spPr>
+          <a:xfrm>
+            <a:off x="794845" y="2542950"/>
+            <a:ext cx="467032" cy="467032"/>
+          </a:xfrm>
+          <a:prstGeom prst="rect">
+            <a:avLst/>
+          </a:prstGeom>
+          <a:ln w="19050">
+            <a:solidFill>
+              <a:schemeClr val="bg1"/>
+            </a:solidFill>
+          </a:ln>
+        </p:spPr>
+        <p:style>
+          <a:lnRef idx="2">
+            <a:schemeClr val="dk1">
+              <a:shade val="50000"/>
+            </a:schemeClr>
+          </a:lnRef>
+          <a:fillRef idx="1">
+            <a:schemeClr val="dk1"/>
+          </a:fillRef>
+          <a:effectRef idx="0">
+            <a:schemeClr val="dk1"/>
+          </a:effectRef>
+          <a:fontRef idx="minor">
+            <a:schemeClr val="lt1"/>
+          </a:fontRef>
+        </p:style>
+        <p:txBody>
+          <a:bodyPr rtlCol="0" anchor="ctr"/>
+          <a:lstStyle/>
+          <a:p>
+            <a:pPr algn="ctr"/>
+            <a:endParaRPr lang="LID4096"/>
+          </a:p>
+        </p:txBody>
+      </p:sp>
+      <p:sp>
+        <p:nvSpPr>
+          <p:cNvPr id="24" name="Rectangle 23">
+            <a:extLst>
+              <a:ext uri="{FF2B5EF4-FFF2-40B4-BE49-F238E27FC236}">
+                <a16:creationId xmlns:a16="http://schemas.microsoft.com/office/drawing/2014/main" id="{D9C62966-FAA4-43C6-B0A0-F6D066A233A1}"/>
+              </a:ext>
+            </a:extLst>
+          </p:cNvPr>
+          <p:cNvSpPr/>
+          <p:nvPr/>
+        </p:nvSpPr>
+        <p:spPr>
+          <a:xfrm>
+            <a:off x="252543" y="3127550"/>
+            <a:ext cx="467032" cy="467032"/>
+          </a:xfrm>
+          <a:prstGeom prst="rect">
+            <a:avLst/>
+          </a:prstGeom>
+          <a:ln w="19050">
+            <a:solidFill>
+              <a:schemeClr val="bg1"/>
+            </a:solidFill>
+          </a:ln>
+        </p:spPr>
+        <p:style>
+          <a:lnRef idx="2">
+            <a:schemeClr val="dk1">
+              <a:shade val="50000"/>
+            </a:schemeClr>
+          </a:lnRef>
+          <a:fillRef idx="1">
+            <a:schemeClr val="dk1"/>
+          </a:fillRef>
+          <a:effectRef idx="0">
+            <a:schemeClr val="dk1"/>
+          </a:effectRef>
+          <a:fontRef idx="minor">
+            <a:schemeClr val="lt1"/>
+          </a:fontRef>
+        </p:style>
+        <p:txBody>
+          <a:bodyPr rtlCol="0" anchor="ctr"/>
+          <a:lstStyle/>
+          <a:p>
+            <a:pPr algn="ctr"/>
+            <a:endParaRPr lang="LID4096"/>
+          </a:p>
+        </p:txBody>
+      </p:sp>
+      <p:sp>
+        <p:nvSpPr>
+          <p:cNvPr id="25" name="Rectangle 24">
+            <a:extLst>
+              <a:ext uri="{FF2B5EF4-FFF2-40B4-BE49-F238E27FC236}">
+                <a16:creationId xmlns:a16="http://schemas.microsoft.com/office/drawing/2014/main" id="{AAD65A8C-1B5F-4FEF-B7D4-6D14F5471C15}"/>
+              </a:ext>
+            </a:extLst>
+          </p:cNvPr>
+          <p:cNvSpPr/>
+          <p:nvPr/>
+        </p:nvSpPr>
+        <p:spPr>
+          <a:xfrm>
+            <a:off x="1337148" y="3127550"/>
+            <a:ext cx="467032" cy="467032"/>
+          </a:xfrm>
+          <a:prstGeom prst="rect">
+            <a:avLst/>
+          </a:prstGeom>
+          <a:solidFill>
+            <a:schemeClr val="bg1"/>
+          </a:solidFill>
+          <a:ln w="19050">
+            <a:solidFill>
+              <a:schemeClr val="bg1"/>
+            </a:solidFill>
+          </a:ln>
+        </p:spPr>
+        <p:style>
+          <a:lnRef idx="2">
+            <a:schemeClr val="dk1">
+              <a:shade val="50000"/>
+            </a:schemeClr>
+          </a:lnRef>
+          <a:fillRef idx="1">
+            <a:schemeClr val="dk1"/>
+          </a:fillRef>
+          <a:effectRef idx="0">
+            <a:schemeClr val="dk1"/>
+          </a:effectRef>
+          <a:fontRef idx="minor">
+            <a:schemeClr val="lt1"/>
+          </a:fontRef>
+        </p:style>
+        <p:txBody>
+          <a:bodyPr rtlCol="0" anchor="ctr"/>
+          <a:lstStyle/>
+          <a:p>
+            <a:pPr algn="ctr"/>
+            <a:endParaRPr lang="LID4096"/>
+          </a:p>
+        </p:txBody>
+      </p:sp>
+      <p:sp>
+        <p:nvSpPr>
+          <p:cNvPr id="26" name="Rectangle 25">
+            <a:extLst>
+              <a:ext uri="{FF2B5EF4-FFF2-40B4-BE49-F238E27FC236}">
+                <a16:creationId xmlns:a16="http://schemas.microsoft.com/office/drawing/2014/main" id="{F927F18B-F39D-431F-9DF7-DD712E706918}"/>
+              </a:ext>
+            </a:extLst>
+          </p:cNvPr>
+          <p:cNvSpPr/>
+          <p:nvPr/>
+        </p:nvSpPr>
+        <p:spPr>
+          <a:xfrm>
+            <a:off x="794845" y="3127550"/>
+            <a:ext cx="467032" cy="467032"/>
+          </a:xfrm>
+          <a:prstGeom prst="rect">
+            <a:avLst/>
+          </a:prstGeom>
+          <a:solidFill>
+            <a:schemeClr val="bg1"/>
+          </a:solidFill>
+          <a:ln w="19050">
+            <a:solidFill>
+              <a:schemeClr val="bg1"/>
+            </a:solidFill>
+          </a:ln>
+        </p:spPr>
+        <p:style>
+          <a:lnRef idx="2">
+            <a:schemeClr val="dk1">
+              <a:shade val="50000"/>
+            </a:schemeClr>
+          </a:lnRef>
+          <a:fillRef idx="1">
+            <a:schemeClr val="dk1"/>
+          </a:fillRef>
+          <a:effectRef idx="0">
+            <a:schemeClr val="dk1"/>
+          </a:effectRef>
+          <a:fontRef idx="minor">
+            <a:schemeClr val="lt1"/>
+          </a:fontRef>
+        </p:style>
+        <p:txBody>
+          <a:bodyPr rtlCol="0" anchor="ctr"/>
+          <a:lstStyle/>
+          <a:p>
+            <a:pPr algn="ctr"/>
+            <a:endParaRPr lang="LID4096"/>
+          </a:p>
+        </p:txBody>
+      </p:sp>
+      <p:sp>
+        <p:nvSpPr>
+          <p:cNvPr id="27" name="Rectangle 26">
+            <a:extLst>
+              <a:ext uri="{FF2B5EF4-FFF2-40B4-BE49-F238E27FC236}">
+                <a16:creationId xmlns:a16="http://schemas.microsoft.com/office/drawing/2014/main" id="{F82C9E8D-D64E-4D94-B50E-5BCB910A0755}"/>
+              </a:ext>
+            </a:extLst>
+          </p:cNvPr>
+          <p:cNvSpPr/>
+          <p:nvPr/>
+        </p:nvSpPr>
+        <p:spPr>
+          <a:xfrm>
+            <a:off x="252543" y="3701845"/>
+            <a:ext cx="467032" cy="467032"/>
+          </a:xfrm>
+          <a:prstGeom prst="rect">
+            <a:avLst/>
+          </a:prstGeom>
+          <a:ln w="19050">
+            <a:solidFill>
+              <a:schemeClr val="bg1"/>
+            </a:solidFill>
+          </a:ln>
+        </p:spPr>
+        <p:style>
+          <a:lnRef idx="2">
+            <a:schemeClr val="dk1">
+              <a:shade val="50000"/>
+            </a:schemeClr>
+          </a:lnRef>
+          <a:fillRef idx="1">
+            <a:schemeClr val="dk1"/>
+          </a:fillRef>
+          <a:effectRef idx="0">
+            <a:schemeClr val="dk1"/>
+          </a:effectRef>
+          <a:fontRef idx="minor">
+            <a:schemeClr val="lt1"/>
+          </a:fontRef>
+        </p:style>
+        <p:txBody>
+          <a:bodyPr rtlCol="0" anchor="ctr"/>
+          <a:lstStyle/>
+          <a:p>
+            <a:pPr algn="ctr"/>
+            <a:endParaRPr lang="LID4096"/>
+          </a:p>
+        </p:txBody>
+      </p:sp>
+      <p:sp>
+        <p:nvSpPr>
+          <p:cNvPr id="28" name="Rectangle 27">
+            <a:extLst>
+              <a:ext uri="{FF2B5EF4-FFF2-40B4-BE49-F238E27FC236}">
+                <a16:creationId xmlns:a16="http://schemas.microsoft.com/office/drawing/2014/main" id="{05EAEF99-FF7D-4318-9049-A2A46D05E4F3}"/>
+              </a:ext>
+            </a:extLst>
+          </p:cNvPr>
+          <p:cNvSpPr/>
+          <p:nvPr/>
+        </p:nvSpPr>
+        <p:spPr>
+          <a:xfrm>
+            <a:off x="1337148" y="3701845"/>
+            <a:ext cx="467032" cy="467032"/>
+          </a:xfrm>
+          <a:prstGeom prst="rect">
+            <a:avLst/>
+          </a:prstGeom>
+          <a:ln w="19050">
+            <a:solidFill>
+              <a:schemeClr val="bg1"/>
+            </a:solidFill>
+          </a:ln>
+        </p:spPr>
+        <p:style>
+          <a:lnRef idx="2">
+            <a:schemeClr val="dk1">
+              <a:shade val="50000"/>
+            </a:schemeClr>
+          </a:lnRef>
+          <a:fillRef idx="1">
+            <a:schemeClr val="dk1"/>
+          </a:fillRef>
+          <a:effectRef idx="0">
+            <a:schemeClr val="dk1"/>
+          </a:effectRef>
+          <a:fontRef idx="minor">
+            <a:schemeClr val="lt1"/>
+          </a:fontRef>
+        </p:style>
+        <p:txBody>
+          <a:bodyPr rtlCol="0" anchor="ctr"/>
+          <a:lstStyle/>
+          <a:p>
+            <a:pPr algn="ctr"/>
+            <a:endParaRPr lang="LID4096"/>
+          </a:p>
+        </p:txBody>
+      </p:sp>
+      <p:sp>
+        <p:nvSpPr>
+          <p:cNvPr id="29" name="Rectangle 28">
+            <a:extLst>
+              <a:ext uri="{FF2B5EF4-FFF2-40B4-BE49-F238E27FC236}">
+                <a16:creationId xmlns:a16="http://schemas.microsoft.com/office/drawing/2014/main" id="{F4761FEF-C709-4BAE-A079-7389F8A95D62}"/>
+              </a:ext>
+            </a:extLst>
+          </p:cNvPr>
+          <p:cNvSpPr/>
+          <p:nvPr/>
+        </p:nvSpPr>
+        <p:spPr>
+          <a:xfrm>
+            <a:off x="794845" y="3701845"/>
+            <a:ext cx="467032" cy="467032"/>
+          </a:xfrm>
+          <a:prstGeom prst="rect">
+            <a:avLst/>
+          </a:prstGeom>
+          <a:ln w="19050">
+            <a:solidFill>
+              <a:schemeClr val="bg1"/>
+            </a:solidFill>
+          </a:ln>
+        </p:spPr>
+        <p:style>
+          <a:lnRef idx="2">
+            <a:schemeClr val="dk1">
+              <a:shade val="50000"/>
+            </a:schemeClr>
+          </a:lnRef>
+          <a:fillRef idx="1">
+            <a:schemeClr val="dk1"/>
+          </a:fillRef>
+          <a:effectRef idx="0">
+            <a:schemeClr val="dk1"/>
+          </a:effectRef>
+          <a:fontRef idx="minor">
+            <a:schemeClr val="lt1"/>
+          </a:fontRef>
+        </p:style>
+        <p:txBody>
+          <a:bodyPr rtlCol="0" anchor="ctr"/>
+          <a:lstStyle/>
+          <a:p>
+            <a:pPr algn="ctr"/>
+            <a:endParaRPr lang="LID4096"/>
+          </a:p>
+        </p:txBody>
+      </p:sp>
+      <p:sp>
+        <p:nvSpPr>
+          <p:cNvPr id="30" name="TextBox 29">
+            <a:extLst>
+              <a:ext uri="{FF2B5EF4-FFF2-40B4-BE49-F238E27FC236}">
+                <a16:creationId xmlns:a16="http://schemas.microsoft.com/office/drawing/2014/main" id="{3B827FF5-3219-4125-9C52-E75440DFE733}"/>
+              </a:ext>
+            </a:extLst>
+          </p:cNvPr>
+          <p:cNvSpPr txBox="1"/>
+          <p:nvPr/>
+        </p:nvSpPr>
+        <p:spPr>
+          <a:xfrm>
+            <a:off x="581231" y="1972057"/>
+            <a:ext cx="931665" cy="369332"/>
+          </a:xfrm>
+          <a:prstGeom prst="rect">
+            <a:avLst/>
+          </a:prstGeom>
+          <a:noFill/>
+        </p:spPr>
+        <p:txBody>
+          <a:bodyPr wrap="none" rtlCol="0">
+            <a:spAutoFit/>
+          </a:bodyPr>
+          <a:lstStyle/>
+          <a:p>
+            <a:r>
+              <a:rPr lang="he-IL" b="1" u="sng" dirty="0">
+                <a:solidFill>
+                  <a:schemeClr val="bg1"/>
+                </a:solidFill>
+              </a:rPr>
+              <a:t>קטן</a:t>
+            </a:r>
+            <a:r>
+              <a:rPr lang="he-IL" dirty="0">
+                <a:solidFill>
+                  <a:schemeClr val="bg1"/>
+                </a:solidFill>
+              </a:rPr>
+              <a:t> מ-5</a:t>
+            </a:r>
+            <a:endParaRPr lang="LID4096" dirty="0">
+              <a:solidFill>
+                <a:schemeClr val="bg1"/>
+              </a:solidFill>
+            </a:endParaRPr>
+          </a:p>
+        </p:txBody>
+      </p:sp>
+      <p:sp>
+        <p:nvSpPr>
+          <p:cNvPr id="31" name="Rectangle 30">
+            <a:extLst>
+              <a:ext uri="{FF2B5EF4-FFF2-40B4-BE49-F238E27FC236}">
+                <a16:creationId xmlns:a16="http://schemas.microsoft.com/office/drawing/2014/main" id="{20090C59-3919-4AD3-BF07-C62E7126D0CB}"/>
+              </a:ext>
+            </a:extLst>
+          </p:cNvPr>
+          <p:cNvSpPr/>
+          <p:nvPr/>
+        </p:nvSpPr>
+        <p:spPr>
+          <a:xfrm>
+            <a:off x="10357582" y="2542950"/>
+            <a:ext cx="467032" cy="467032"/>
+          </a:xfrm>
+          <a:prstGeom prst="rect">
+            <a:avLst/>
+          </a:prstGeom>
+          <a:noFill/>
+          <a:ln w="19050">
+            <a:solidFill>
+              <a:schemeClr val="bg1"/>
+            </a:solidFill>
+          </a:ln>
+        </p:spPr>
+        <p:style>
+          <a:lnRef idx="2">
+            <a:schemeClr val="dk1">
+              <a:shade val="50000"/>
+            </a:schemeClr>
+          </a:lnRef>
+          <a:fillRef idx="1">
+            <a:schemeClr val="dk1"/>
+          </a:fillRef>
+          <a:effectRef idx="0">
+            <a:schemeClr val="dk1"/>
+          </a:effectRef>
+          <a:fontRef idx="minor">
+            <a:schemeClr val="lt1"/>
+          </a:fontRef>
+        </p:style>
+        <p:txBody>
+          <a:bodyPr rtlCol="0" anchor="ctr"/>
+          <a:lstStyle/>
+          <a:p>
+            <a:pPr algn="ctr"/>
+            <a:endParaRPr lang="LID4096"/>
+          </a:p>
+        </p:txBody>
+      </p:sp>
+      <p:sp>
+        <p:nvSpPr>
+          <p:cNvPr id="32" name="Rectangle 31">
+            <a:extLst>
+              <a:ext uri="{FF2B5EF4-FFF2-40B4-BE49-F238E27FC236}">
+                <a16:creationId xmlns:a16="http://schemas.microsoft.com/office/drawing/2014/main" id="{239F46C5-0747-4221-8C43-5BDDCEA6F53B}"/>
+              </a:ext>
+            </a:extLst>
+          </p:cNvPr>
+          <p:cNvSpPr/>
+          <p:nvPr/>
+        </p:nvSpPr>
+        <p:spPr>
+          <a:xfrm>
+            <a:off x="11442187" y="2542950"/>
+            <a:ext cx="467032" cy="467032"/>
+          </a:xfrm>
+          <a:prstGeom prst="rect">
+            <a:avLst/>
+          </a:prstGeom>
+          <a:solidFill>
+            <a:schemeClr val="bg1"/>
+          </a:solidFill>
+          <a:ln w="19050">
+            <a:solidFill>
+              <a:schemeClr val="bg1"/>
+            </a:solidFill>
+          </a:ln>
+        </p:spPr>
+        <p:style>
+          <a:lnRef idx="2">
+            <a:schemeClr val="dk1">
+              <a:shade val="50000"/>
+            </a:schemeClr>
+          </a:lnRef>
+          <a:fillRef idx="1">
+            <a:schemeClr val="dk1"/>
+          </a:fillRef>
+          <a:effectRef idx="0">
+            <a:schemeClr val="dk1"/>
+          </a:effectRef>
+          <a:fontRef idx="minor">
+            <a:schemeClr val="lt1"/>
+          </a:fontRef>
+        </p:style>
+        <p:txBody>
+          <a:bodyPr rtlCol="0" anchor="ctr"/>
+          <a:lstStyle/>
+          <a:p>
+            <a:pPr algn="ctr"/>
+            <a:endParaRPr lang="LID4096"/>
+          </a:p>
+        </p:txBody>
+      </p:sp>
+      <p:sp>
+        <p:nvSpPr>
+          <p:cNvPr id="33" name="Rectangle 32">
+            <a:extLst>
+              <a:ext uri="{FF2B5EF4-FFF2-40B4-BE49-F238E27FC236}">
+                <a16:creationId xmlns:a16="http://schemas.microsoft.com/office/drawing/2014/main" id="{C29FE196-4582-4D57-8F50-48A3490B8369}"/>
+              </a:ext>
+            </a:extLst>
+          </p:cNvPr>
+          <p:cNvSpPr/>
+          <p:nvPr/>
+        </p:nvSpPr>
+        <p:spPr>
+          <a:xfrm>
+            <a:off x="10899884" y="2542950"/>
+            <a:ext cx="467032" cy="467032"/>
+          </a:xfrm>
+          <a:prstGeom prst="rect">
+            <a:avLst/>
+          </a:prstGeom>
+          <a:solidFill>
+            <a:schemeClr val="bg1"/>
+          </a:solidFill>
+          <a:ln w="19050">
+            <a:solidFill>
+              <a:schemeClr val="bg1"/>
+            </a:solidFill>
+          </a:ln>
+        </p:spPr>
+        <p:style>
+          <a:lnRef idx="2">
+            <a:schemeClr val="dk1">
+              <a:shade val="50000"/>
+            </a:schemeClr>
+          </a:lnRef>
+          <a:fillRef idx="1">
+            <a:schemeClr val="dk1"/>
+          </a:fillRef>
+          <a:effectRef idx="0">
+            <a:schemeClr val="dk1"/>
+          </a:effectRef>
+          <a:fontRef idx="minor">
+            <a:schemeClr val="lt1"/>
+          </a:fontRef>
+        </p:style>
+        <p:txBody>
+          <a:bodyPr rtlCol="0" anchor="ctr"/>
+          <a:lstStyle/>
+          <a:p>
+            <a:pPr algn="ctr"/>
+            <a:endParaRPr lang="LID4096"/>
+          </a:p>
+        </p:txBody>
+      </p:sp>
+      <p:sp>
+        <p:nvSpPr>
+          <p:cNvPr id="34" name="Rectangle 33">
+            <a:extLst>
+              <a:ext uri="{FF2B5EF4-FFF2-40B4-BE49-F238E27FC236}">
+                <a16:creationId xmlns:a16="http://schemas.microsoft.com/office/drawing/2014/main" id="{2BE3AADA-E4BD-431B-BE29-87237DD92AF9}"/>
+              </a:ext>
+            </a:extLst>
+          </p:cNvPr>
+          <p:cNvSpPr/>
+          <p:nvPr/>
+        </p:nvSpPr>
+        <p:spPr>
+          <a:xfrm>
+            <a:off x="10357582" y="3127550"/>
+            <a:ext cx="467032" cy="467032"/>
+          </a:xfrm>
+          <a:prstGeom prst="rect">
+            <a:avLst/>
+          </a:prstGeom>
+          <a:solidFill>
+            <a:schemeClr val="bg1"/>
+          </a:solidFill>
+          <a:ln w="19050">
+            <a:solidFill>
+              <a:schemeClr val="bg1"/>
+            </a:solidFill>
+          </a:ln>
+        </p:spPr>
+        <p:style>
+          <a:lnRef idx="2">
+            <a:schemeClr val="dk1">
+              <a:shade val="50000"/>
+            </a:schemeClr>
+          </a:lnRef>
+          <a:fillRef idx="1">
+            <a:schemeClr val="dk1"/>
+          </a:fillRef>
+          <a:effectRef idx="0">
+            <a:schemeClr val="dk1"/>
+          </a:effectRef>
+          <a:fontRef idx="minor">
+            <a:schemeClr val="lt1"/>
+          </a:fontRef>
+        </p:style>
+        <p:txBody>
+          <a:bodyPr rtlCol="0" anchor="ctr"/>
+          <a:lstStyle/>
+          <a:p>
+            <a:pPr algn="ctr"/>
+            <a:endParaRPr lang="LID4096"/>
+          </a:p>
+        </p:txBody>
+      </p:sp>
+      <p:sp>
+        <p:nvSpPr>
+          <p:cNvPr id="35" name="Rectangle 34">
+            <a:extLst>
+              <a:ext uri="{FF2B5EF4-FFF2-40B4-BE49-F238E27FC236}">
+                <a16:creationId xmlns:a16="http://schemas.microsoft.com/office/drawing/2014/main" id="{B31678CE-F7F3-4758-9B67-04D03F01AF3C}"/>
+              </a:ext>
+            </a:extLst>
+          </p:cNvPr>
+          <p:cNvSpPr/>
+          <p:nvPr/>
+        </p:nvSpPr>
+        <p:spPr>
+          <a:xfrm>
+            <a:off x="11442187" y="3127550"/>
+            <a:ext cx="467032" cy="467032"/>
+          </a:xfrm>
+          <a:prstGeom prst="rect">
+            <a:avLst/>
+          </a:prstGeom>
+          <a:noFill/>
+          <a:ln w="19050">
+            <a:solidFill>
+              <a:schemeClr val="bg1"/>
+            </a:solidFill>
+          </a:ln>
+        </p:spPr>
+        <p:style>
+          <a:lnRef idx="2">
+            <a:schemeClr val="dk1">
+              <a:shade val="50000"/>
+            </a:schemeClr>
+          </a:lnRef>
+          <a:fillRef idx="1">
+            <a:schemeClr val="dk1"/>
+          </a:fillRef>
+          <a:effectRef idx="0">
+            <a:schemeClr val="dk1"/>
+          </a:effectRef>
+          <a:fontRef idx="minor">
+            <a:schemeClr val="lt1"/>
+          </a:fontRef>
+        </p:style>
+        <p:txBody>
+          <a:bodyPr rtlCol="0" anchor="ctr"/>
+          <a:lstStyle/>
+          <a:p>
+            <a:pPr algn="ctr"/>
+            <a:endParaRPr lang="LID4096"/>
+          </a:p>
+        </p:txBody>
+      </p:sp>
+      <p:sp>
+        <p:nvSpPr>
+          <p:cNvPr id="36" name="Rectangle 35">
+            <a:extLst>
+              <a:ext uri="{FF2B5EF4-FFF2-40B4-BE49-F238E27FC236}">
+                <a16:creationId xmlns:a16="http://schemas.microsoft.com/office/drawing/2014/main" id="{3DAC11D7-BA02-4F30-BE3E-C50888804659}"/>
+              </a:ext>
+            </a:extLst>
+          </p:cNvPr>
+          <p:cNvSpPr/>
+          <p:nvPr/>
+        </p:nvSpPr>
+        <p:spPr>
+          <a:xfrm>
+            <a:off x="10899884" y="3127550"/>
+            <a:ext cx="467032" cy="467032"/>
+          </a:xfrm>
+          <a:prstGeom prst="rect">
+            <a:avLst/>
+          </a:prstGeom>
+          <a:solidFill>
+            <a:schemeClr val="bg1"/>
+          </a:solidFill>
+          <a:ln w="19050">
+            <a:solidFill>
+              <a:schemeClr val="bg1"/>
+            </a:solidFill>
+          </a:ln>
+        </p:spPr>
+        <p:style>
+          <a:lnRef idx="2">
+            <a:schemeClr val="dk1">
+              <a:shade val="50000"/>
+            </a:schemeClr>
+          </a:lnRef>
+          <a:fillRef idx="1">
+            <a:schemeClr val="dk1"/>
+          </a:fillRef>
+          <a:effectRef idx="0">
+            <a:schemeClr val="dk1"/>
+          </a:effectRef>
+          <a:fontRef idx="minor">
+            <a:schemeClr val="lt1"/>
+          </a:fontRef>
+        </p:style>
+        <p:txBody>
+          <a:bodyPr rtlCol="0" anchor="ctr"/>
+          <a:lstStyle/>
+          <a:p>
+            <a:pPr algn="ctr"/>
+            <a:endParaRPr lang="LID4096"/>
+          </a:p>
+        </p:txBody>
+      </p:sp>
+      <p:sp>
+        <p:nvSpPr>
+          <p:cNvPr id="37" name="Rectangle 36">
+            <a:extLst>
+              <a:ext uri="{FF2B5EF4-FFF2-40B4-BE49-F238E27FC236}">
+                <a16:creationId xmlns:a16="http://schemas.microsoft.com/office/drawing/2014/main" id="{9BD197BA-6F41-45FE-8C83-7E36A7E8C5F9}"/>
+              </a:ext>
+            </a:extLst>
+          </p:cNvPr>
+          <p:cNvSpPr/>
+          <p:nvPr/>
+        </p:nvSpPr>
+        <p:spPr>
+          <a:xfrm>
+            <a:off x="10357582" y="3701845"/>
+            <a:ext cx="467032" cy="467032"/>
+          </a:xfrm>
+          <a:prstGeom prst="rect">
+            <a:avLst/>
+          </a:prstGeom>
+          <a:ln w="19050">
+            <a:solidFill>
+              <a:schemeClr val="bg1"/>
+            </a:solidFill>
+          </a:ln>
+        </p:spPr>
+        <p:style>
+          <a:lnRef idx="2">
+            <a:schemeClr val="dk1">
+              <a:shade val="50000"/>
+            </a:schemeClr>
+          </a:lnRef>
+          <a:fillRef idx="1">
+            <a:schemeClr val="dk1"/>
+          </a:fillRef>
+          <a:effectRef idx="0">
+            <a:schemeClr val="dk1"/>
+          </a:effectRef>
+          <a:fontRef idx="minor">
+            <a:schemeClr val="lt1"/>
+          </a:fontRef>
+        </p:style>
+        <p:txBody>
+          <a:bodyPr rtlCol="0" anchor="ctr"/>
+          <a:lstStyle/>
+          <a:p>
+            <a:pPr algn="ctr"/>
+            <a:endParaRPr lang="LID4096"/>
+          </a:p>
+        </p:txBody>
+      </p:sp>
+      <p:sp>
+        <p:nvSpPr>
+          <p:cNvPr id="38" name="Rectangle 37">
+            <a:extLst>
+              <a:ext uri="{FF2B5EF4-FFF2-40B4-BE49-F238E27FC236}">
+                <a16:creationId xmlns:a16="http://schemas.microsoft.com/office/drawing/2014/main" id="{1D1A55FE-5711-4AD0-B221-24FB5BD07D94}"/>
+              </a:ext>
+            </a:extLst>
+          </p:cNvPr>
+          <p:cNvSpPr/>
+          <p:nvPr/>
+        </p:nvSpPr>
+        <p:spPr>
+          <a:xfrm>
+            <a:off x="11442187" y="3701845"/>
+            <a:ext cx="467032" cy="467032"/>
+          </a:xfrm>
+          <a:prstGeom prst="rect">
+            <a:avLst/>
+          </a:prstGeom>
+          <a:solidFill>
+            <a:schemeClr val="bg1"/>
+          </a:solidFill>
+          <a:ln w="19050">
+            <a:solidFill>
+              <a:schemeClr val="bg1"/>
+            </a:solidFill>
+          </a:ln>
+        </p:spPr>
+        <p:style>
+          <a:lnRef idx="2">
+            <a:schemeClr val="dk1">
+              <a:shade val="50000"/>
+            </a:schemeClr>
+          </a:lnRef>
+          <a:fillRef idx="1">
+            <a:schemeClr val="dk1"/>
+          </a:fillRef>
+          <a:effectRef idx="0">
+            <a:schemeClr val="dk1"/>
+          </a:effectRef>
+          <a:fontRef idx="minor">
+            <a:schemeClr val="lt1"/>
+          </a:fontRef>
+        </p:style>
+        <p:txBody>
+          <a:bodyPr rtlCol="0" anchor="ctr"/>
+          <a:lstStyle/>
+          <a:p>
+            <a:pPr algn="ctr"/>
+            <a:endParaRPr lang="LID4096"/>
+          </a:p>
+        </p:txBody>
+      </p:sp>
+      <p:sp>
+        <p:nvSpPr>
+          <p:cNvPr id="39" name="Rectangle 38">
+            <a:extLst>
+              <a:ext uri="{FF2B5EF4-FFF2-40B4-BE49-F238E27FC236}">
+                <a16:creationId xmlns:a16="http://schemas.microsoft.com/office/drawing/2014/main" id="{D68111AF-9E3F-4028-9263-4E811A04586C}"/>
+              </a:ext>
+            </a:extLst>
+          </p:cNvPr>
+          <p:cNvSpPr/>
+          <p:nvPr/>
+        </p:nvSpPr>
+        <p:spPr>
+          <a:xfrm>
+            <a:off x="10899884" y="3701845"/>
+            <a:ext cx="467032" cy="467032"/>
+          </a:xfrm>
+          <a:prstGeom prst="rect">
+            <a:avLst/>
+          </a:prstGeom>
+          <a:solidFill>
+            <a:schemeClr val="bg1"/>
+          </a:solidFill>
+          <a:ln w="19050">
+            <a:solidFill>
+              <a:schemeClr val="bg1"/>
+            </a:solidFill>
+          </a:ln>
+        </p:spPr>
+        <p:style>
+          <a:lnRef idx="2">
+            <a:schemeClr val="dk1">
+              <a:shade val="50000"/>
+            </a:schemeClr>
+          </a:lnRef>
+          <a:fillRef idx="1">
+            <a:schemeClr val="dk1"/>
+          </a:fillRef>
+          <a:effectRef idx="0">
+            <a:schemeClr val="dk1"/>
+          </a:effectRef>
+          <a:fontRef idx="minor">
+            <a:schemeClr val="lt1"/>
+          </a:fontRef>
+        </p:style>
+        <p:txBody>
+          <a:bodyPr rtlCol="0" anchor="ctr"/>
+          <a:lstStyle/>
+          <a:p>
+            <a:pPr algn="ctr"/>
+            <a:endParaRPr lang="LID4096"/>
+          </a:p>
+        </p:txBody>
+      </p:sp>
+      <p:sp>
+        <p:nvSpPr>
+          <p:cNvPr id="40" name="TextBox 39">
+            <a:extLst>
+              <a:ext uri="{FF2B5EF4-FFF2-40B4-BE49-F238E27FC236}">
+                <a16:creationId xmlns:a16="http://schemas.microsoft.com/office/drawing/2014/main" id="{FF1D4023-9846-4801-B434-A46A993D0722}"/>
+              </a:ext>
+            </a:extLst>
+          </p:cNvPr>
+          <p:cNvSpPr txBox="1"/>
+          <p:nvPr/>
+        </p:nvSpPr>
+        <p:spPr>
+          <a:xfrm>
+            <a:off x="10686270" y="1972057"/>
+            <a:ext cx="1002197" cy="369332"/>
+          </a:xfrm>
+          <a:prstGeom prst="rect">
+            <a:avLst/>
+          </a:prstGeom>
+          <a:noFill/>
+        </p:spPr>
+        <p:txBody>
+          <a:bodyPr wrap="none" rtlCol="0">
+            <a:spAutoFit/>
+          </a:bodyPr>
+          <a:lstStyle/>
+          <a:p>
+            <a:r>
+              <a:rPr lang="he-IL" b="1" u="sng" dirty="0">
+                <a:solidFill>
+                  <a:schemeClr val="bg1"/>
+                </a:solidFill>
+              </a:rPr>
+              <a:t>גדול</a:t>
+            </a:r>
+            <a:r>
+              <a:rPr lang="he-IL" dirty="0">
+                <a:solidFill>
+                  <a:schemeClr val="bg1"/>
+                </a:solidFill>
+              </a:rPr>
+              <a:t> מ-5</a:t>
+            </a:r>
+            <a:endParaRPr lang="LID4096" dirty="0">
+              <a:solidFill>
+                <a:schemeClr val="bg1"/>
+              </a:solidFill>
+            </a:endParaRPr>
+          </a:p>
+        </p:txBody>
+      </p:sp>
+    </p:spTree>
+    <p:extLst>
+      <p:ext uri="{BB962C8B-B14F-4D97-AF65-F5344CB8AC3E}">
+        <p14:creationId xmlns:p14="http://schemas.microsoft.com/office/powerpoint/2010/main" val="568631794"/>
+      </p:ext>
+    </p:extLst>
+  </p:cSld>
+  <p:clrMapOvr>
+    <a:masterClrMapping/>
+  </p:clrMapOvr>
+</p:sld>
+</file>
+
+<file path=ppt/slides/slide3.xml><?xml version="1.0" encoding="utf-8"?>
+<p:sld xmlns:a="http://schemas.openxmlformats.org/drawingml/2006/main" xmlns:r="http://schemas.openxmlformats.org/officeDocument/2006/relationships" xmlns:p="http://schemas.openxmlformats.org/presentationml/2006/main">
+  <p:cSld>
+    <p:bg>
+      <p:bgPr>
+        <a:solidFill>
+          <a:schemeClr val="tx1"/>
+        </a:solidFill>
+        <a:effectLst/>
+      </p:bgPr>
+    </p:bg>
+    <p:spTree>
+      <p:nvGrpSpPr>
+        <p:cNvPr id="1" name=""/>
+        <p:cNvGrpSpPr/>
+        <p:nvPr/>
+      </p:nvGrpSpPr>
+      <p:grpSpPr>
+        <a:xfrm>
+          <a:off x="0" y="0"/>
+          <a:ext cx="0" cy="0"/>
+          <a:chOff x="0" y="0"/>
+          <a:chExt cx="0" cy="0"/>
+        </a:xfrm>
+      </p:grpSpPr>
+      <p:sp>
+        <p:nvSpPr>
+          <p:cNvPr id="4" name="Rectangle 3"/>
+          <p:cNvSpPr>
+            <a:spLocks/>
+          </p:cNvSpPr>
+          <p:nvPr/>
+        </p:nvSpPr>
+        <p:spPr>
+          <a:xfrm>
+            <a:off x="2065971" y="577526"/>
+            <a:ext cx="8071946" cy="4969278"/>
+          </a:xfrm>
+          <a:prstGeom prst="rect">
+            <a:avLst/>
+          </a:prstGeom>
+          <a:solidFill>
+            <a:schemeClr val="bg1">
+              <a:lumMod val="65000"/>
+            </a:schemeClr>
+          </a:solidFill>
+          <a:ln w="76200">
+            <a:solidFill>
+              <a:schemeClr val="tx1">
+                <a:lumMod val="65000"/>
+                <a:lumOff val="35000"/>
+              </a:schemeClr>
+            </a:solidFill>
+          </a:ln>
+        </p:spPr>
+        <p:style>
+          <a:lnRef idx="2">
+            <a:schemeClr val="accent1">
+              <a:shade val="50000"/>
+            </a:schemeClr>
+          </a:lnRef>
+          <a:fillRef idx="1">
+            <a:schemeClr val="accent1"/>
+          </a:fillRef>
+          <a:effectRef idx="0">
+            <a:schemeClr val="accent1"/>
+          </a:effectRef>
+          <a:fontRef idx="minor">
+            <a:schemeClr val="lt1"/>
+          </a:fontRef>
+        </p:style>
+        <p:txBody>
+          <a:bodyPr lIns="160949" tIns="80476" rIns="160949" bIns="80476" rtlCol="1" anchor="t"/>
+          <a:lstStyle/>
+          <a:p>
+            <a:pPr marL="0" marR="0" lvl="0" indent="0" algn="ctr" defTabSz="914400" rtl="1" eaLnBrk="1" fontAlgn="auto" latinLnBrk="0" hangingPunct="1">
+              <a:lnSpc>
+                <a:spcPct val="150000"/>
+              </a:lnSpc>
+              <a:spcBef>
+                <a:spcPts val="0"/>
+              </a:spcBef>
+              <a:spcAft>
+                <a:spcPts val="0"/>
+              </a:spcAft>
+              <a:buClrTx/>
+              <a:buSzTx/>
+              <a:buFontTx/>
+              <a:buNone/>
+              <a:tabLst/>
+              <a:defRPr/>
+            </a:pPr>
+            <a:endParaRPr kumimoji="0" lang="he-IL" sz="2400" b="0" i="0" u="none" strike="noStrike" kern="1200" cap="none" spc="0" normalizeH="0" baseline="0" noProof="0" dirty="0">
+              <a:ln>
+                <a:noFill/>
+              </a:ln>
+              <a:solidFill>
+                <a:prstClr val="black"/>
+              </a:solidFill>
+              <a:effectLst/>
+              <a:uLnTx/>
+              <a:uFillTx/>
+              <a:latin typeface="David" panose="020E0502060401010101" pitchFamily="34" charset="-79"/>
+              <a:ea typeface="+mn-ea"/>
+              <a:cs typeface="David" panose="020E0502060401010101" pitchFamily="34" charset="-79"/>
+            </a:endParaRPr>
+          </a:p>
+          <a:p>
+            <a:pPr marL="0" marR="0" lvl="0" indent="0" algn="ctr" defTabSz="914400" rtl="1" eaLnBrk="1" fontAlgn="auto" latinLnBrk="0" hangingPunct="1">
+              <a:lnSpc>
+                <a:spcPct val="150000"/>
+              </a:lnSpc>
+              <a:spcBef>
+                <a:spcPts val="0"/>
+              </a:spcBef>
+              <a:spcAft>
+                <a:spcPts val="0"/>
+              </a:spcAft>
+              <a:buClrTx/>
+              <a:buSzTx/>
+              <a:buFontTx/>
+              <a:buNone/>
+              <a:tabLst/>
+              <a:defRPr/>
+            </a:pPr>
+            <a:r>
+              <a:rPr kumimoji="0" lang="he-IL" sz="2400" b="0" i="0" u="none" strike="noStrike" kern="1200" cap="none" spc="0" normalizeH="0" baseline="0" noProof="0" dirty="0">
+                <a:ln>
+                  <a:noFill/>
+                </a:ln>
+                <a:solidFill>
+                  <a:prstClr val="black"/>
+                </a:solidFill>
+                <a:effectLst/>
+                <a:uLnTx/>
+                <a:uFillTx/>
+                <a:latin typeface="David" panose="020E0502060401010101" pitchFamily="34" charset="-79"/>
+                <a:ea typeface="+mn-ea"/>
+                <a:cs typeface="David" panose="020E0502060401010101" pitchFamily="34" charset="-79"/>
+              </a:rPr>
+              <a:t>כעת תמשיך לתירגול קצר.</a:t>
+            </a:r>
+          </a:p>
+          <a:p>
+            <a:pPr marL="0" marR="0" lvl="0" indent="0" algn="ctr" defTabSz="914400" rtl="1" eaLnBrk="1" fontAlgn="auto" latinLnBrk="0" hangingPunct="1">
+              <a:lnSpc>
+                <a:spcPct val="150000"/>
+              </a:lnSpc>
+              <a:spcBef>
+                <a:spcPts val="0"/>
+              </a:spcBef>
+              <a:spcAft>
+                <a:spcPts val="0"/>
+              </a:spcAft>
+              <a:buClrTx/>
+              <a:buSzTx/>
+              <a:buFontTx/>
+              <a:buNone/>
+              <a:tabLst/>
+              <a:defRPr/>
+            </a:pPr>
+            <a:r>
+              <a:rPr kumimoji="0" lang="he-IL" sz="2400" b="0" i="0" u="none" strike="noStrike" kern="1200" cap="none" spc="0" normalizeH="0" baseline="0" noProof="0" dirty="0">
+                <a:ln>
+                  <a:noFill/>
+                </a:ln>
+                <a:solidFill>
+                  <a:prstClr val="black"/>
+                </a:solidFill>
+                <a:effectLst/>
+                <a:uLnTx/>
+                <a:uFillTx/>
+                <a:latin typeface="David" panose="020E0502060401010101" pitchFamily="34" charset="-79"/>
+                <a:ea typeface="+mn-ea"/>
+                <a:cs typeface="David" panose="020E0502060401010101" pitchFamily="34" charset="-79"/>
+              </a:rPr>
+              <a:t> </a:t>
+            </a:r>
+          </a:p>
+          <a:p>
+            <a:pPr marL="0" marR="0" lvl="0" indent="0" algn="ctr" defTabSz="914400" rtl="1" eaLnBrk="1" fontAlgn="auto" latinLnBrk="0" hangingPunct="1">
+              <a:lnSpc>
+                <a:spcPct val="150000"/>
+              </a:lnSpc>
+              <a:spcBef>
+                <a:spcPts val="0"/>
+              </a:spcBef>
+              <a:spcAft>
+                <a:spcPts val="0"/>
+              </a:spcAft>
+              <a:buClrTx/>
+              <a:buSzTx/>
+              <a:buFontTx/>
+              <a:buNone/>
+              <a:tabLst/>
+              <a:defRPr/>
+            </a:pPr>
+            <a:r>
+              <a:rPr kumimoji="0" lang="he-IL" sz="2400" b="0" i="0" u="none" strike="noStrike" kern="1200" cap="none" spc="0" normalizeH="0" baseline="0" noProof="0" dirty="0">
+                <a:ln>
+                  <a:noFill/>
+                </a:ln>
+                <a:solidFill>
+                  <a:prstClr val="black"/>
+                </a:solidFill>
+                <a:effectLst/>
+                <a:uLnTx/>
+                <a:uFillTx/>
+                <a:latin typeface="David" panose="020E0502060401010101" pitchFamily="34" charset="-79"/>
+                <a:ea typeface="+mn-ea"/>
+                <a:cs typeface="David" panose="020E0502060401010101" pitchFamily="34" charset="-79"/>
+              </a:rPr>
+              <a:t>בצעדי התירגול הראשונים יצויין האם ענית נכון או לא נכון. </a:t>
+            </a:r>
+          </a:p>
+          <a:p>
+            <a:pPr marL="0" marR="0" lvl="0" indent="0" algn="ctr" defTabSz="914400" rtl="1" eaLnBrk="1" fontAlgn="auto" latinLnBrk="0" hangingPunct="1">
+              <a:lnSpc>
+                <a:spcPct val="150000"/>
+              </a:lnSpc>
+              <a:spcBef>
+                <a:spcPts val="0"/>
+              </a:spcBef>
+              <a:spcAft>
+                <a:spcPts val="0"/>
+              </a:spcAft>
+              <a:buClrTx/>
+              <a:buSzTx/>
+              <a:buFontTx/>
+              <a:buNone/>
+              <a:tabLst/>
+              <a:defRPr/>
+            </a:pPr>
+            <a:r>
+              <a:rPr lang="he-IL" sz="2400" dirty="0">
+                <a:solidFill>
+                  <a:prstClr val="black"/>
+                </a:solidFill>
+                <a:latin typeface="David" panose="020E0502060401010101" pitchFamily="34" charset="-79"/>
+                <a:cs typeface="David" panose="020E0502060401010101" pitchFamily="34" charset="-79"/>
+              </a:rPr>
+              <a:t>זאת אומרת, </a:t>
+            </a:r>
+            <a:r>
+              <a:rPr lang="he-IL" sz="2400" dirty="0">
+                <a:solidFill>
+                  <a:schemeClr val="tx1"/>
+                </a:solidFill>
+                <a:latin typeface="David" panose="020E0502060401010101" pitchFamily="34" charset="-79"/>
+                <a:cs typeface="David" panose="020E0502060401010101" pitchFamily="34" charset="-79"/>
+              </a:rPr>
+              <a:t>האם זיהית נכון אם מספר הריבועים גדול או קטן מ-5</a:t>
+            </a:r>
+            <a:r>
+              <a:rPr lang="he-IL" sz="2400" dirty="0">
+                <a:solidFill>
+                  <a:prstClr val="black"/>
+                </a:solidFill>
+                <a:latin typeface="David" panose="020E0502060401010101" pitchFamily="34" charset="-79"/>
+                <a:cs typeface="David" panose="020E0502060401010101" pitchFamily="34" charset="-79"/>
+              </a:rPr>
+              <a:t>.</a:t>
+            </a:r>
+            <a:endParaRPr kumimoji="0" lang="he-IL" sz="2400" i="0" u="none" strike="noStrike" kern="1200" cap="none" spc="0" normalizeH="0" baseline="0" noProof="0" dirty="0">
+              <a:ln>
+                <a:noFill/>
+              </a:ln>
+              <a:solidFill>
+                <a:prstClr val="black"/>
+              </a:solidFill>
+              <a:effectLst/>
+              <a:uLnTx/>
+              <a:uFillTx/>
+              <a:latin typeface="David" panose="020E0502060401010101" pitchFamily="34" charset="-79"/>
+              <a:ea typeface="+mn-ea"/>
+              <a:cs typeface="David" panose="020E0502060401010101" pitchFamily="34" charset="-79"/>
+            </a:endParaRPr>
+          </a:p>
+          <a:p>
+            <a:pPr algn="ctr" rtl="1">
+              <a:lnSpc>
+                <a:spcPct val="150000"/>
+              </a:lnSpc>
+            </a:pPr>
+            <a:r>
+              <a:rPr lang="he-IL" sz="2400" dirty="0">
+                <a:solidFill>
+                  <a:schemeClr val="tx1"/>
+                </a:solidFill>
+                <a:latin typeface="David" panose="020E0502060401010101" pitchFamily="34" charset="-79"/>
+                <a:cs typeface="David" panose="020E0502060401010101" pitchFamily="34" charset="-79"/>
+              </a:rPr>
+              <a:t>בכל צעד, אתה מתבקש ללחוץ על הכפתור המתאים במקלדת בדיוק כפי שעשית קודם – מהר, ומדויק, לפי כמות הריבועים המלאים המוצגת.</a:t>
+            </a:r>
+          </a:p>
+          <a:p>
+            <a:pPr marL="0" marR="0" lvl="0" indent="0" algn="ctr" defTabSz="914400" rtl="1" eaLnBrk="1" fontAlgn="auto" latinLnBrk="0" hangingPunct="1">
+              <a:lnSpc>
+                <a:spcPct val="150000"/>
+              </a:lnSpc>
+              <a:spcBef>
+                <a:spcPts val="0"/>
+              </a:spcBef>
+              <a:spcAft>
+                <a:spcPts val="0"/>
+              </a:spcAft>
+              <a:buClrTx/>
+              <a:buSzTx/>
+              <a:buFontTx/>
+              <a:buNone/>
+              <a:tabLst/>
+              <a:defRPr/>
+            </a:pPr>
+            <a:r>
+              <a:rPr kumimoji="0" lang="he-IL" sz="2400" b="0" i="0" u="none" strike="noStrike" kern="1200" cap="none" spc="0" normalizeH="0" baseline="0" noProof="0" dirty="0">
+                <a:ln>
+                  <a:noFill/>
+                </a:ln>
+                <a:solidFill>
+                  <a:prstClr val="black"/>
+                </a:solidFill>
+                <a:effectLst/>
+                <a:uLnTx/>
+                <a:uFillTx/>
+                <a:latin typeface="David" panose="020E0502060401010101" pitchFamily="34" charset="-79"/>
+                <a:ea typeface="+mn-ea"/>
+                <a:cs typeface="David" panose="020E0502060401010101" pitchFamily="34" charset="-79"/>
+              </a:rPr>
+              <a:t> </a:t>
+            </a:r>
+          </a:p>
+        </p:txBody>
+      </p:sp>
+      <p:sp>
+        <p:nvSpPr>
+          <p:cNvPr id="5" name="Rectangle 4"/>
+          <p:cNvSpPr/>
+          <p:nvPr/>
+        </p:nvSpPr>
+        <p:spPr>
+          <a:xfrm>
+            <a:off x="4726770" y="5358207"/>
+            <a:ext cx="2750351" cy="1021313"/>
+          </a:xfrm>
+          <a:prstGeom prst="rect">
+            <a:avLst/>
+          </a:prstGeom>
+          <a:solidFill>
+            <a:schemeClr val="tx1">
+              <a:lumMod val="65000"/>
+              <a:lumOff val="35000"/>
+            </a:schemeClr>
+          </a:solidFill>
+          <a:ln w="76200">
+            <a:solidFill>
+              <a:schemeClr val="tx1">
+                <a:lumMod val="85000"/>
+                <a:lumOff val="15000"/>
+              </a:schemeClr>
+            </a:solidFill>
+          </a:ln>
+        </p:spPr>
+        <p:style>
+          <a:lnRef idx="2">
+            <a:schemeClr val="accent1">
+              <a:shade val="50000"/>
+            </a:schemeClr>
+          </a:lnRef>
+          <a:fillRef idx="1">
+            <a:schemeClr val="accent1"/>
+          </a:fillRef>
+          <a:effectRef idx="0">
+            <a:schemeClr val="accent1"/>
+          </a:effectRef>
+          <a:fontRef idx="minor">
+            <a:schemeClr val="lt1"/>
+          </a:fontRef>
+        </p:style>
+        <p:txBody>
+          <a:bodyPr lIns="160949" tIns="80476" rIns="160949" bIns="80476" rtlCol="1" anchor="ctr"/>
+          <a:lstStyle/>
+          <a:p>
+            <a:pPr marL="0" marR="0" lvl="0" indent="0" algn="ctr" defTabSz="914400" rtl="1" eaLnBrk="1" fontAlgn="auto" latinLnBrk="0" hangingPunct="1">
+              <a:lnSpc>
+                <a:spcPct val="100000"/>
+              </a:lnSpc>
+              <a:spcBef>
+                <a:spcPts val="0"/>
+              </a:spcBef>
+              <a:spcAft>
+                <a:spcPts val="0"/>
+              </a:spcAft>
+              <a:buClrTx/>
+              <a:buSzTx/>
+              <a:buFontTx/>
+              <a:buNone/>
+              <a:tabLst/>
+              <a:defRPr/>
+            </a:pPr>
+            <a:r>
+              <a:rPr kumimoji="0" lang="he-IL" sz="1937" b="0" i="0" u="none" strike="noStrike" kern="1200" cap="none" spc="0" normalizeH="0" baseline="0" noProof="0" dirty="0">
+                <a:ln>
+                  <a:noFill/>
+                </a:ln>
+                <a:solidFill>
+                  <a:prstClr val="black"/>
+                </a:solidFill>
+                <a:effectLst/>
+                <a:uLnTx/>
+                <a:uFillTx/>
+                <a:latin typeface="David" panose="020E0502060401010101" pitchFamily="34" charset="-79"/>
+                <a:ea typeface="+mn-ea"/>
+                <a:cs typeface="David" panose="020E0502060401010101" pitchFamily="34" charset="-79"/>
+              </a:rPr>
+              <a:t>כשסיימת לקרוא,</a:t>
+            </a:r>
+          </a:p>
+          <a:p>
+            <a:pPr marL="0" marR="0" lvl="0" indent="0" algn="ctr" defTabSz="914400" rtl="1" eaLnBrk="1" fontAlgn="auto" latinLnBrk="0" hangingPunct="1">
+              <a:lnSpc>
+                <a:spcPct val="100000"/>
+              </a:lnSpc>
+              <a:spcBef>
+                <a:spcPts val="0"/>
+              </a:spcBef>
+              <a:spcAft>
+                <a:spcPts val="0"/>
+              </a:spcAft>
+              <a:buClrTx/>
+              <a:buSzTx/>
+              <a:buFontTx/>
+              <a:buNone/>
+              <a:tabLst/>
+              <a:defRPr/>
+            </a:pPr>
+            <a:r>
+              <a:rPr kumimoji="0" lang="he-IL" sz="1937" b="0" i="0" u="sng" strike="noStrike" kern="1200" cap="none" spc="0" normalizeH="0" baseline="0" noProof="0" dirty="0">
+                <a:ln>
+                  <a:noFill/>
+                </a:ln>
+                <a:solidFill>
+                  <a:prstClr val="black"/>
+                </a:solidFill>
+                <a:effectLst/>
+                <a:uLnTx/>
+                <a:uFillTx/>
+                <a:latin typeface="David" panose="020E0502060401010101" pitchFamily="34" charset="-79"/>
+                <a:ea typeface="+mn-ea"/>
+                <a:cs typeface="David" panose="020E0502060401010101" pitchFamily="34" charset="-79"/>
+              </a:rPr>
+              <a:t> לחץ/י על מקש רווח</a:t>
+            </a:r>
+            <a:endParaRPr kumimoji="0" lang="he-IL" sz="1937" b="0" i="0" u="none" strike="noStrike" kern="1200" cap="none" spc="0" normalizeH="0" baseline="0" noProof="0" dirty="0">
+              <a:ln>
+                <a:noFill/>
+              </a:ln>
+              <a:solidFill>
+                <a:prstClr val="black"/>
+              </a:solidFill>
+              <a:effectLst/>
+              <a:uLnTx/>
+              <a:uFillTx/>
+              <a:latin typeface="David" panose="020E0502060401010101" pitchFamily="34" charset="-79"/>
+              <a:ea typeface="+mn-ea"/>
+              <a:cs typeface="David" panose="020E0502060401010101" pitchFamily="34" charset="-79"/>
+            </a:endParaRPr>
+          </a:p>
+        </p:txBody>
+      </p:sp>
+    </p:spTree>
+    <p:extLst>
+      <p:ext uri="{BB962C8B-B14F-4D97-AF65-F5344CB8AC3E}">
+        <p14:creationId xmlns:p14="http://schemas.microsoft.com/office/powerpoint/2010/main" val="3125131829"/>
+      </p:ext>
+    </p:extLst>
+  </p:cSld>
+  <p:clrMapOvr>
+    <a:masterClrMapping/>
+  </p:clrMapOvr>
+</p:sld>
+</file>
+
+<file path=ppt/slides/slide4.xml><?xml version="1.0" encoding="utf-8"?>
+<p:sld xmlns:a="http://schemas.openxmlformats.org/drawingml/2006/main" xmlns:r="http://schemas.openxmlformats.org/officeDocument/2006/relationships" xmlns:p="http://schemas.openxmlformats.org/presentationml/2006/main">
+  <p:cSld>
+    <p:spTree>
+      <p:nvGrpSpPr>
+        <p:cNvPr id="1" name=""/>
+        <p:cNvGrpSpPr/>
+        <p:nvPr/>
+      </p:nvGrpSpPr>
+      <p:grpSpPr>
+        <a:xfrm>
+          <a:off x="0" y="0"/>
+          <a:ext cx="0" cy="0"/>
+          <a:chOff x="0" y="0"/>
+          <a:chExt cx="0" cy="0"/>
+        </a:xfrm>
+      </p:grpSpPr>
+      <p:sp>
+        <p:nvSpPr>
+          <p:cNvPr id="4" name="Rectangle 3"/>
+          <p:cNvSpPr>
+            <a:spLocks/>
+          </p:cNvSpPr>
+          <p:nvPr/>
+        </p:nvSpPr>
+        <p:spPr>
+          <a:xfrm>
+            <a:off x="2065971" y="577526"/>
+            <a:ext cx="8071946" cy="4969278"/>
+          </a:xfrm>
+          <a:prstGeom prst="rect">
+            <a:avLst/>
+          </a:prstGeom>
+          <a:solidFill>
+            <a:schemeClr val="bg1">
+              <a:lumMod val="65000"/>
+            </a:schemeClr>
+          </a:solidFill>
+          <a:ln w="76200">
+            <a:solidFill>
+              <a:schemeClr val="tx1">
+                <a:lumMod val="65000"/>
+                <a:lumOff val="35000"/>
+              </a:schemeClr>
+            </a:solidFill>
+          </a:ln>
+        </p:spPr>
+        <p:style>
+          <a:lnRef idx="2">
+            <a:schemeClr val="accent1">
+              <a:shade val="50000"/>
+            </a:schemeClr>
+          </a:lnRef>
+          <a:fillRef idx="1">
+            <a:schemeClr val="accent1"/>
+          </a:fillRef>
+          <a:effectRef idx="0">
+            <a:schemeClr val="accent1"/>
+          </a:effectRef>
+          <a:fontRef idx="minor">
+            <a:schemeClr val="lt1"/>
+          </a:fontRef>
+        </p:style>
+        <p:txBody>
+          <a:bodyPr lIns="160949" tIns="80476" rIns="160949" bIns="80476" rtlCol="1" anchor="ctr"/>
+          <a:lstStyle/>
+          <a:p>
+            <a:pPr algn="ctr" rtl="1"/>
+            <a:r>
+              <a:rPr lang="he-IL" sz="2325" b="1" u="sng" dirty="0">
+                <a:solidFill>
+                  <a:schemeClr val="tx1"/>
+                </a:solidFill>
+                <a:latin typeface="David" panose="020E0502060401010101" pitchFamily="34" charset="-79"/>
+                <a:cs typeface="David" panose="020E0502060401010101" pitchFamily="34" charset="-79"/>
+              </a:rPr>
+              <a:t>אימון מנטלי להפחתת הטיית קשב</a:t>
+            </a:r>
+          </a:p>
+          <a:p>
+            <a:pPr algn="ctr" rtl="1"/>
+            <a:endParaRPr lang="en-US" sz="2325" dirty="0">
+              <a:solidFill>
+                <a:schemeClr val="tx1"/>
+              </a:solidFill>
+              <a:latin typeface="David" panose="020E0502060401010101" pitchFamily="34" charset="-79"/>
+              <a:cs typeface="David" panose="020E0502060401010101" pitchFamily="34" charset="-79"/>
+            </a:endParaRPr>
+          </a:p>
+          <a:p>
+            <a:pPr algn="ctr" rtl="1"/>
+            <a:r>
+              <a:rPr lang="he-IL" sz="2325" dirty="0">
+                <a:solidFill>
+                  <a:schemeClr val="tx1"/>
+                </a:solidFill>
+                <a:latin typeface="David" panose="020E0502060401010101" pitchFamily="34" charset="-79"/>
+                <a:cs typeface="David" panose="020E0502060401010101" pitchFamily="34" charset="-79"/>
+              </a:rPr>
+              <a:t>כעת, בחלק מהצעדים יוצג בפניך משוב על המידה בה הקשב שלך מוטה כלפי מחשבה ספציפית. </a:t>
+            </a:r>
+          </a:p>
+          <a:p>
+            <a:pPr algn="ctr" rtl="1"/>
+            <a:endParaRPr lang="he-IL" sz="2325" dirty="0">
+              <a:solidFill>
+                <a:schemeClr val="tx1"/>
+              </a:solidFill>
+              <a:latin typeface="David" panose="020E0502060401010101" pitchFamily="34" charset="-79"/>
+              <a:cs typeface="David" panose="020E0502060401010101" pitchFamily="34" charset="-79"/>
+            </a:endParaRPr>
+          </a:p>
+          <a:p>
+            <a:pPr algn="ctr" rtl="1"/>
+            <a:endParaRPr lang="he-IL" sz="2325" dirty="0">
+              <a:solidFill>
+                <a:schemeClr val="tx1"/>
+              </a:solidFill>
+              <a:latin typeface="David" panose="020E0502060401010101" pitchFamily="34" charset="-79"/>
+              <a:cs typeface="David" panose="020E0502060401010101" pitchFamily="34" charset="-79"/>
+            </a:endParaRPr>
+          </a:p>
+          <a:p>
+            <a:pPr algn="ctr" rtl="1"/>
+            <a:endParaRPr lang="he-IL" sz="2325" dirty="0">
+              <a:solidFill>
+                <a:schemeClr val="tx1"/>
+              </a:solidFill>
+              <a:latin typeface="David" panose="020E0502060401010101" pitchFamily="34" charset="-79"/>
+              <a:cs typeface="David" panose="020E0502060401010101" pitchFamily="34" charset="-79"/>
+            </a:endParaRPr>
+          </a:p>
+        </p:txBody>
+      </p:sp>
+      <p:sp>
+        <p:nvSpPr>
+          <p:cNvPr id="5" name="Rectangle 4"/>
+          <p:cNvSpPr/>
+          <p:nvPr/>
+        </p:nvSpPr>
+        <p:spPr>
+          <a:xfrm>
+            <a:off x="4726770" y="5358207"/>
+            <a:ext cx="2750351" cy="1021313"/>
+          </a:xfrm>
+          <a:prstGeom prst="rect">
+            <a:avLst/>
+          </a:prstGeom>
+          <a:solidFill>
+            <a:schemeClr val="tx1">
+              <a:lumMod val="65000"/>
+              <a:lumOff val="35000"/>
+            </a:schemeClr>
+          </a:solidFill>
+          <a:ln w="76200">
+            <a:solidFill>
+              <a:schemeClr val="tx1">
+                <a:lumMod val="85000"/>
+                <a:lumOff val="15000"/>
+              </a:schemeClr>
+            </a:solidFill>
+          </a:ln>
+        </p:spPr>
+        <p:style>
+          <a:lnRef idx="2">
+            <a:schemeClr val="accent1">
+              <a:shade val="50000"/>
+            </a:schemeClr>
+          </a:lnRef>
+          <a:fillRef idx="1">
+            <a:schemeClr val="accent1"/>
+          </a:fillRef>
+          <a:effectRef idx="0">
+            <a:schemeClr val="accent1"/>
+          </a:effectRef>
+          <a:fontRef idx="minor">
+            <a:schemeClr val="lt1"/>
+          </a:fontRef>
+        </p:style>
+        <p:txBody>
+          <a:bodyPr lIns="160949" tIns="80476" rIns="160949" bIns="80476" rtlCol="1" anchor="ctr"/>
+          <a:lstStyle/>
+          <a:p>
+            <a:pPr algn="ctr" rtl="1"/>
+            <a:r>
+              <a:rPr lang="he-IL" sz="1937" dirty="0">
+                <a:solidFill>
+                  <a:schemeClr val="tx1"/>
+                </a:solidFill>
+                <a:latin typeface="David" panose="020E0502060401010101" pitchFamily="34" charset="-79"/>
+                <a:cs typeface="David" panose="020E0502060401010101" pitchFamily="34" charset="-79"/>
+              </a:rPr>
+              <a:t>לחץ על אחד המקשים כדי להמשיך</a:t>
+            </a:r>
+          </a:p>
+        </p:txBody>
+      </p:sp>
+    </p:spTree>
+    <p:extLst>
+      <p:ext uri="{BB962C8B-B14F-4D97-AF65-F5344CB8AC3E}">
+        <p14:creationId xmlns:p14="http://schemas.microsoft.com/office/powerpoint/2010/main" val="1428596441"/>
+      </p:ext>
+    </p:extLst>
+  </p:cSld>
+  <p:clrMapOvr>
+    <a:masterClrMapping/>
+  </p:clrMapOvr>
+</p:sld>
+</file>
+
+<file path=ppt/slides/slide5.xml><?xml version="1.0" encoding="utf-8"?>
+<p:sld xmlns:a="http://schemas.openxmlformats.org/drawingml/2006/main" xmlns:r="http://schemas.openxmlformats.org/officeDocument/2006/relationships" xmlns:p="http://schemas.openxmlformats.org/presentationml/2006/main">
+  <p:cSld>
+    <p:spTree>
+      <p:nvGrpSpPr>
+        <p:cNvPr id="1" name=""/>
+        <p:cNvGrpSpPr/>
+        <p:nvPr/>
+      </p:nvGrpSpPr>
+      <p:grpSpPr>
+        <a:xfrm>
+          <a:off x="0" y="0"/>
+          <a:ext cx="0" cy="0"/>
+          <a:chOff x="0" y="0"/>
+          <a:chExt cx="0" cy="0"/>
+        </a:xfrm>
+      </p:grpSpPr>
+      <p:sp>
+        <p:nvSpPr>
+          <p:cNvPr id="4" name="Rectangle 3"/>
+          <p:cNvSpPr>
+            <a:spLocks/>
+          </p:cNvSpPr>
+          <p:nvPr/>
+        </p:nvSpPr>
+        <p:spPr>
+          <a:xfrm>
+            <a:off x="2065971" y="577526"/>
+            <a:ext cx="8071946" cy="4969278"/>
+          </a:xfrm>
+          <a:prstGeom prst="rect">
+            <a:avLst/>
+          </a:prstGeom>
+          <a:solidFill>
+            <a:schemeClr val="bg1">
+              <a:lumMod val="65000"/>
+            </a:schemeClr>
+          </a:solidFill>
+          <a:ln w="76200">
+            <a:solidFill>
+              <a:schemeClr val="tx1">
+                <a:lumMod val="65000"/>
+                <a:lumOff val="35000"/>
+              </a:schemeClr>
+            </a:solidFill>
+          </a:ln>
+        </p:spPr>
+        <p:style>
+          <a:lnRef idx="2">
+            <a:schemeClr val="accent1">
+              <a:shade val="50000"/>
+            </a:schemeClr>
+          </a:lnRef>
+          <a:fillRef idx="1">
+            <a:schemeClr val="accent1"/>
+          </a:fillRef>
+          <a:effectRef idx="0">
+            <a:schemeClr val="accent1"/>
+          </a:effectRef>
+          <a:fontRef idx="minor">
+            <a:schemeClr val="lt1"/>
+          </a:fontRef>
+        </p:style>
+        <p:txBody>
+          <a:bodyPr lIns="160949" tIns="80476" rIns="160949" bIns="80476" rtlCol="1" anchor="ctr"/>
+          <a:lstStyle/>
+          <a:p>
+            <a:pPr algn="ctr" rtl="1"/>
+            <a:r>
+              <a:rPr lang="he-IL" sz="2325" dirty="0">
+                <a:solidFill>
+                  <a:schemeClr val="tx1"/>
+                </a:solidFill>
+                <a:latin typeface="David" panose="020E0502060401010101" pitchFamily="34" charset="-79"/>
+                <a:cs typeface="David" panose="020E0502060401010101" pitchFamily="34" charset="-79"/>
+              </a:rPr>
+              <a:t>מיד לאחר שתלחץ על הכפתור, יוצג בפניך המשוב הבא:</a:t>
+            </a:r>
+            <a:endParaRPr lang="en-US" sz="2325" dirty="0">
+              <a:solidFill>
+                <a:schemeClr val="tx1"/>
+              </a:solidFill>
+              <a:latin typeface="David" panose="020E0502060401010101" pitchFamily="34" charset="-79"/>
+              <a:cs typeface="David" panose="020E0502060401010101" pitchFamily="34" charset="-79"/>
+            </a:endParaRPr>
+          </a:p>
+          <a:p>
+            <a:pPr algn="ctr" rtl="1"/>
+            <a:endParaRPr lang="en-US" sz="2325" dirty="0">
+              <a:solidFill>
+                <a:schemeClr val="tx1"/>
+              </a:solidFill>
+              <a:latin typeface="David" panose="020E0502060401010101" pitchFamily="34" charset="-79"/>
+              <a:cs typeface="David" panose="020E0502060401010101" pitchFamily="34" charset="-79"/>
+            </a:endParaRPr>
+          </a:p>
+          <a:p>
+            <a:pPr algn="ctr" rtl="1"/>
+            <a:endParaRPr lang="en-US" sz="2325" dirty="0">
+              <a:solidFill>
+                <a:schemeClr val="tx1"/>
+              </a:solidFill>
+              <a:latin typeface="David" panose="020E0502060401010101" pitchFamily="34" charset="-79"/>
+              <a:cs typeface="David" panose="020E0502060401010101" pitchFamily="34" charset="-79"/>
+            </a:endParaRPr>
+          </a:p>
+          <a:p>
+            <a:pPr algn="ctr" rtl="1"/>
+            <a:endParaRPr lang="en-US" sz="2325" dirty="0">
+              <a:solidFill>
+                <a:schemeClr val="tx1"/>
+              </a:solidFill>
+              <a:latin typeface="David" panose="020E0502060401010101" pitchFamily="34" charset="-79"/>
+              <a:cs typeface="David" panose="020E0502060401010101" pitchFamily="34" charset="-79"/>
+            </a:endParaRPr>
+          </a:p>
+          <a:p>
+            <a:pPr algn="ctr" rtl="1"/>
+            <a:endParaRPr lang="he-IL" sz="2325" dirty="0">
+              <a:solidFill>
+                <a:schemeClr val="tx1"/>
+              </a:solidFill>
+              <a:latin typeface="David" panose="020E0502060401010101" pitchFamily="34" charset="-79"/>
+              <a:cs typeface="David" panose="020E0502060401010101" pitchFamily="34" charset="-79"/>
+            </a:endParaRPr>
+          </a:p>
+          <a:p>
+            <a:pPr algn="ctr" rtl="1"/>
+            <a:endParaRPr lang="he-IL" sz="2325" dirty="0">
+              <a:solidFill>
+                <a:schemeClr val="tx1"/>
+              </a:solidFill>
+              <a:latin typeface="David" panose="020E0502060401010101" pitchFamily="34" charset="-79"/>
+              <a:cs typeface="David" panose="020E0502060401010101" pitchFamily="34" charset="-79"/>
+            </a:endParaRPr>
+          </a:p>
+          <a:p>
+            <a:pPr algn="ctr" rtl="1"/>
+            <a:endParaRPr lang="he-IL" sz="2325" dirty="0">
+              <a:solidFill>
+                <a:schemeClr val="tx1"/>
+              </a:solidFill>
+              <a:latin typeface="David" panose="020E0502060401010101" pitchFamily="34" charset="-79"/>
+              <a:cs typeface="David" panose="020E0502060401010101" pitchFamily="34" charset="-79"/>
+            </a:endParaRPr>
+          </a:p>
+          <a:p>
+            <a:pPr algn="ctr" rtl="1"/>
+            <a:endParaRPr lang="he-IL" sz="2325" dirty="0">
+              <a:solidFill>
+                <a:schemeClr val="tx1"/>
+              </a:solidFill>
+              <a:latin typeface="David" panose="020E0502060401010101" pitchFamily="34" charset="-79"/>
+              <a:cs typeface="David" panose="020E0502060401010101" pitchFamily="34" charset="-79"/>
+            </a:endParaRPr>
+          </a:p>
+          <a:p>
+            <a:pPr algn="ctr" rtl="1"/>
+            <a:endParaRPr lang="he-IL" sz="2325" dirty="0">
+              <a:solidFill>
+                <a:schemeClr val="tx1"/>
+              </a:solidFill>
+              <a:latin typeface="David" panose="020E0502060401010101" pitchFamily="34" charset="-79"/>
+              <a:cs typeface="David" panose="020E0502060401010101" pitchFamily="34" charset="-79"/>
+            </a:endParaRPr>
+          </a:p>
+          <a:p>
+            <a:pPr algn="ctr" rtl="1"/>
+            <a:endParaRPr lang="he-IL" sz="2325" dirty="0">
+              <a:solidFill>
+                <a:schemeClr val="tx1"/>
+              </a:solidFill>
+              <a:latin typeface="David" panose="020E0502060401010101" pitchFamily="34" charset="-79"/>
+              <a:cs typeface="David" panose="020E0502060401010101" pitchFamily="34" charset="-79"/>
+            </a:endParaRPr>
+          </a:p>
+          <a:p>
+            <a:pPr algn="ctr" rtl="1"/>
+            <a:endParaRPr lang="he-IL" sz="2325" dirty="0">
+              <a:solidFill>
+                <a:schemeClr val="tx1"/>
+              </a:solidFill>
+              <a:latin typeface="David" panose="020E0502060401010101" pitchFamily="34" charset="-79"/>
+              <a:cs typeface="David" panose="020E0502060401010101" pitchFamily="34" charset="-79"/>
+            </a:endParaRPr>
+          </a:p>
+        </p:txBody>
+      </p:sp>
+      <p:sp>
+        <p:nvSpPr>
+          <p:cNvPr id="5" name="Rectangle 4"/>
+          <p:cNvSpPr/>
+          <p:nvPr/>
+        </p:nvSpPr>
+        <p:spPr>
+          <a:xfrm>
+            <a:off x="4726770" y="5358207"/>
+            <a:ext cx="2750351" cy="1021313"/>
+          </a:xfrm>
+          <a:prstGeom prst="rect">
+            <a:avLst/>
+          </a:prstGeom>
+          <a:solidFill>
+            <a:schemeClr val="tx1">
+              <a:lumMod val="65000"/>
+              <a:lumOff val="35000"/>
+            </a:schemeClr>
+          </a:solidFill>
+          <a:ln w="76200">
+            <a:solidFill>
+              <a:schemeClr val="tx1">
+                <a:lumMod val="85000"/>
+                <a:lumOff val="15000"/>
+              </a:schemeClr>
+            </a:solidFill>
+          </a:ln>
+        </p:spPr>
+        <p:style>
+          <a:lnRef idx="2">
+            <a:schemeClr val="accent1">
+              <a:shade val="50000"/>
+            </a:schemeClr>
+          </a:lnRef>
+          <a:fillRef idx="1">
+            <a:schemeClr val="accent1"/>
+          </a:fillRef>
+          <a:effectRef idx="0">
+            <a:schemeClr val="accent1"/>
+          </a:effectRef>
+          <a:fontRef idx="minor">
+            <a:schemeClr val="lt1"/>
+          </a:fontRef>
+        </p:style>
+        <p:txBody>
+          <a:bodyPr lIns="160949" tIns="80476" rIns="160949" bIns="80476" rtlCol="1" anchor="ctr"/>
+          <a:lstStyle/>
+          <a:p>
+            <a:pPr algn="ctr" rtl="1"/>
+            <a:r>
+              <a:rPr lang="he-IL" sz="1937" dirty="0">
+                <a:solidFill>
+                  <a:schemeClr val="tx1"/>
+                </a:solidFill>
+                <a:latin typeface="David" panose="020E0502060401010101" pitchFamily="34" charset="-79"/>
+                <a:cs typeface="David" panose="020E0502060401010101" pitchFamily="34" charset="-79"/>
+              </a:rPr>
+              <a:t>לחץ על אחד המקשים כדי להמשיך</a:t>
+            </a:r>
+          </a:p>
+        </p:txBody>
+      </p:sp>
+      <p:pic>
+        <p:nvPicPr>
+          <p:cNvPr id="3" name="Picture 2"/>
+          <p:cNvPicPr>
+            <a:picLocks noChangeAspect="1"/>
+          </p:cNvPicPr>
+          <p:nvPr/>
+        </p:nvPicPr>
+        <p:blipFill>
+          <a:blip r:embed="rId2">
+            <a:extLst>
+              <a:ext uri="{28A0092B-C50C-407E-A947-70E740481C1C}">
+                <a14:useLocalDpi xmlns:a14="http://schemas.microsoft.com/office/drawing/2010/main" val="0"/>
+              </a:ext>
+            </a:extLst>
+          </a:blip>
+          <a:stretch>
+            <a:fillRect/>
+          </a:stretch>
+        </p:blipFill>
+        <p:spPr>
+          <a:xfrm>
+            <a:off x="6174929" y="3206837"/>
+            <a:ext cx="1302192" cy="312526"/>
+          </a:xfrm>
+          <a:prstGeom prst="rect">
+            <a:avLst/>
+          </a:prstGeom>
+        </p:spPr>
+      </p:pic>
+      <p:grpSp>
+        <p:nvGrpSpPr>
+          <p:cNvPr id="8" name="Group 7">
+            <a:extLst>
+              <a:ext uri="{FF2B5EF4-FFF2-40B4-BE49-F238E27FC236}">
+                <a16:creationId xmlns:a16="http://schemas.microsoft.com/office/drawing/2014/main" id="{FD73CF6C-85FA-421C-9C81-75CB47496658}"/>
+              </a:ext>
+            </a:extLst>
+          </p:cNvPr>
+          <p:cNvGrpSpPr/>
+          <p:nvPr/>
+        </p:nvGrpSpPr>
+        <p:grpSpPr>
+          <a:xfrm>
+            <a:off x="5456126" y="1779803"/>
+            <a:ext cx="645818" cy="3166594"/>
+            <a:chOff x="5456126" y="1779803"/>
+            <a:chExt cx="645818" cy="3166594"/>
+          </a:xfrm>
+        </p:grpSpPr>
+        <p:pic>
+          <p:nvPicPr>
+            <p:cNvPr id="2" name="Picture 1"/>
+            <p:cNvPicPr>
+              <a:picLocks noChangeAspect="1"/>
+            </p:cNvPicPr>
+            <p:nvPr/>
+          </p:nvPicPr>
+          <p:blipFill>
+            <a:blip r:embed="rId3">
+              <a:extLst>
+                <a:ext uri="{28A0092B-C50C-407E-A947-70E740481C1C}">
+                  <a14:useLocalDpi xmlns:a14="http://schemas.microsoft.com/office/drawing/2010/main" val="0"/>
+                </a:ext>
+              </a:extLst>
+            </a:blip>
+            <a:stretch>
+              <a:fillRect/>
+            </a:stretch>
+          </p:blipFill>
+          <p:spPr>
+            <a:xfrm>
+              <a:off x="5456126" y="1779804"/>
+              <a:ext cx="645818" cy="3166593"/>
+            </a:xfrm>
+            <a:prstGeom prst="rect">
+              <a:avLst/>
+            </a:prstGeom>
+          </p:spPr>
+        </p:pic>
+        <p:sp>
+          <p:nvSpPr>
+            <p:cNvPr id="7" name="Rectangle 6">
+              <a:extLst>
+                <a:ext uri="{FF2B5EF4-FFF2-40B4-BE49-F238E27FC236}">
+                  <a16:creationId xmlns:a16="http://schemas.microsoft.com/office/drawing/2014/main" id="{C8FEFDAD-31B9-44FC-A9A9-A715985E7A58}"/>
+                </a:ext>
+              </a:extLst>
+            </p:cNvPr>
+            <p:cNvSpPr/>
+            <p:nvPr/>
+          </p:nvSpPr>
+          <p:spPr>
+            <a:xfrm>
+              <a:off x="5456126" y="1779803"/>
+              <a:ext cx="639874" cy="405457"/>
+            </a:xfrm>
+            <a:prstGeom prst="rect">
+              <a:avLst/>
+            </a:prstGeom>
+            <a:solidFill>
+              <a:schemeClr val="accent6">
+                <a:lumMod val="60000"/>
+                <a:lumOff val="40000"/>
+              </a:schemeClr>
+            </a:solidFill>
+            <a:ln>
+              <a:solidFill>
+                <a:schemeClr val="tx1"/>
+              </a:solidFill>
+            </a:ln>
+          </p:spPr>
+          <p:style>
+            <a:lnRef idx="2">
+              <a:schemeClr val="accent1">
+                <a:shade val="50000"/>
+              </a:schemeClr>
+            </a:lnRef>
+            <a:fillRef idx="1">
+              <a:schemeClr val="accent1"/>
+            </a:fillRef>
+            <a:effectRef idx="0">
+              <a:schemeClr val="accent1"/>
+            </a:effectRef>
+            <a:fontRef idx="minor">
+              <a:schemeClr val="lt1"/>
+            </a:fontRef>
+          </p:style>
+          <p:txBody>
+            <a:bodyPr rtlCol="0" anchor="ctr"/>
+            <a:lstStyle/>
+            <a:p>
+              <a:pPr algn="ctr"/>
+              <a:r>
+                <a:rPr lang="he-IL" sz="1600" b="1" dirty="0">
+                  <a:solidFill>
+                    <a:schemeClr val="tx1"/>
+                  </a:solidFill>
+                </a:rPr>
+                <a:t>לא מוטה</a:t>
+              </a:r>
+              <a:endParaRPr lang="en-US" sz="1600" b="1" dirty="0">
+                <a:solidFill>
+                  <a:schemeClr val="tx1"/>
+                </a:solidFill>
+              </a:endParaRPr>
+            </a:p>
+          </p:txBody>
+        </p:sp>
+      </p:grpSp>
+    </p:spTree>
+    <p:extLst>
+      <p:ext uri="{BB962C8B-B14F-4D97-AF65-F5344CB8AC3E}">
+        <p14:creationId xmlns:p14="http://schemas.microsoft.com/office/powerpoint/2010/main" val="3788500263"/>
+      </p:ext>
+    </p:extLst>
+  </p:cSld>
+  <p:clrMapOvr>
+    <a:masterClrMapping/>
+  </p:clrMapOvr>
+</p:sld>
+</file>
+
+<file path=ppt/slides/slide6.xml><?xml version="1.0" encoding="utf-8"?>
+<p:sld xmlns:a="http://schemas.openxmlformats.org/drawingml/2006/main" xmlns:r="http://schemas.openxmlformats.org/officeDocument/2006/relationships" xmlns:p="http://schemas.openxmlformats.org/presentationml/2006/main">
+  <p:cSld>
+    <p:spTree>
+      <p:nvGrpSpPr>
+        <p:cNvPr id="1" name=""/>
+        <p:cNvGrpSpPr/>
+        <p:nvPr/>
+      </p:nvGrpSpPr>
+      <p:grpSpPr>
+        <a:xfrm>
+          <a:off x="0" y="0"/>
+          <a:ext cx="0" cy="0"/>
+          <a:chOff x="0" y="0"/>
+          <a:chExt cx="0" cy="0"/>
+        </a:xfrm>
+      </p:grpSpPr>
+      <p:sp>
+        <p:nvSpPr>
+          <p:cNvPr id="4" name="Rectangle 3"/>
+          <p:cNvSpPr>
+            <a:spLocks/>
+          </p:cNvSpPr>
+          <p:nvPr/>
+        </p:nvSpPr>
+        <p:spPr>
+          <a:xfrm>
+            <a:off x="2065971" y="577526"/>
+            <a:ext cx="8071946" cy="4969278"/>
+          </a:xfrm>
+          <a:prstGeom prst="rect">
+            <a:avLst/>
+          </a:prstGeom>
+          <a:solidFill>
+            <a:schemeClr val="bg1">
+              <a:lumMod val="65000"/>
+            </a:schemeClr>
+          </a:solidFill>
+          <a:ln w="76200">
+            <a:solidFill>
+              <a:schemeClr val="tx1">
+                <a:lumMod val="65000"/>
+                <a:lumOff val="35000"/>
+              </a:schemeClr>
+            </a:solidFill>
+          </a:ln>
+        </p:spPr>
+        <p:style>
+          <a:lnRef idx="2">
+            <a:schemeClr val="accent1">
+              <a:shade val="50000"/>
+            </a:schemeClr>
+          </a:lnRef>
+          <a:fillRef idx="1">
+            <a:schemeClr val="accent1"/>
+          </a:fillRef>
+          <a:effectRef idx="0">
+            <a:schemeClr val="accent1"/>
+          </a:effectRef>
+          <a:fontRef idx="minor">
+            <a:schemeClr val="lt1"/>
+          </a:fontRef>
+        </p:style>
+        <p:txBody>
+          <a:bodyPr lIns="160949" tIns="80476" rIns="160949" bIns="80476" rtlCol="1" anchor="ctr"/>
+          <a:lstStyle/>
+          <a:p>
+            <a:pPr algn="ctr" rtl="1"/>
+            <a:endParaRPr lang="he-IL" sz="2325" dirty="0">
+              <a:solidFill>
+                <a:schemeClr val="tx1"/>
+              </a:solidFill>
+              <a:latin typeface="David" panose="020E0502060401010101" pitchFamily="34" charset="-79"/>
+              <a:cs typeface="David" panose="020E0502060401010101" pitchFamily="34" charset="-79"/>
+            </a:endParaRPr>
+          </a:p>
+          <a:p>
+            <a:pPr algn="ctr" rtl="1"/>
+            <a:r>
+              <a:rPr lang="he-IL" sz="2325" dirty="0">
+                <a:solidFill>
+                  <a:schemeClr val="tx1"/>
+                </a:solidFill>
+                <a:latin typeface="David" panose="020E0502060401010101" pitchFamily="34" charset="-79"/>
+                <a:cs typeface="David" panose="020E0502060401010101" pitchFamily="34" charset="-79"/>
+              </a:rPr>
+              <a:t>מטרת האימון היא ללמד אותך להיות מודע כאשר מחשבה מסוימת משפיעה על הקשב שלך</a:t>
+            </a:r>
+          </a:p>
+          <a:p>
+            <a:pPr algn="ctr" rtl="1"/>
+            <a:r>
+              <a:rPr lang="he-IL" sz="2325" dirty="0">
+                <a:solidFill>
+                  <a:schemeClr val="tx1"/>
+                </a:solidFill>
+                <a:latin typeface="David" panose="020E0502060401010101" pitchFamily="34" charset="-79"/>
+                <a:cs typeface="David" panose="020E0502060401010101" pitchFamily="34" charset="-79"/>
+              </a:rPr>
+              <a:t>במקרה שבו מחשבה מסוימת תשפיע על הקשב שלך, החץ במשוב יצביע על "מוטה", ויראה לך עד כמה תשומת הלב שלך הושפעה מהמחשבה.</a:t>
+            </a:r>
+          </a:p>
+          <a:p>
+            <a:pPr algn="ctr" rtl="1"/>
+            <a:r>
+              <a:rPr lang="he-IL" sz="2325" dirty="0">
+                <a:solidFill>
+                  <a:schemeClr val="tx1"/>
+                </a:solidFill>
+                <a:latin typeface="David" panose="020E0502060401010101" pitchFamily="34" charset="-79"/>
+                <a:cs typeface="David" panose="020E0502060401010101" pitchFamily="34" charset="-79"/>
+              </a:rPr>
+              <a:t>ככל שהקשב שלך יהיה פחות מוטה, החץ במשוב שתקבל יעלה </a:t>
+            </a:r>
+          </a:p>
+          <a:p>
+            <a:pPr algn="ctr" rtl="1"/>
+            <a:endParaRPr lang="he-IL" sz="2325" dirty="0">
+              <a:solidFill>
+                <a:schemeClr val="tx1"/>
+              </a:solidFill>
+              <a:latin typeface="David" panose="020E0502060401010101" pitchFamily="34" charset="-79"/>
+              <a:cs typeface="David" panose="020E0502060401010101" pitchFamily="34" charset="-79"/>
+            </a:endParaRPr>
+          </a:p>
+          <a:p>
+            <a:pPr algn="ctr" rtl="1"/>
+            <a:endParaRPr lang="he-IL" sz="2325" dirty="0">
+              <a:solidFill>
+                <a:schemeClr val="tx1"/>
+              </a:solidFill>
+              <a:latin typeface="David" panose="020E0502060401010101" pitchFamily="34" charset="-79"/>
+              <a:cs typeface="David" panose="020E0502060401010101" pitchFamily="34" charset="-79"/>
+            </a:endParaRPr>
+          </a:p>
+          <a:p>
+            <a:pPr algn="ctr" rtl="1"/>
+            <a:endParaRPr lang="he-IL" sz="2325" dirty="0">
+              <a:solidFill>
+                <a:schemeClr val="tx1"/>
+              </a:solidFill>
+              <a:latin typeface="David" panose="020E0502060401010101" pitchFamily="34" charset="-79"/>
+              <a:cs typeface="David" panose="020E0502060401010101" pitchFamily="34" charset="-79"/>
+            </a:endParaRPr>
+          </a:p>
+          <a:p>
+            <a:pPr algn="ctr" rtl="1"/>
+            <a:endParaRPr lang="he-IL" sz="2325" dirty="0">
+              <a:solidFill>
+                <a:schemeClr val="tx1"/>
+              </a:solidFill>
+              <a:latin typeface="David" panose="020E0502060401010101" pitchFamily="34" charset="-79"/>
+              <a:cs typeface="David" panose="020E0502060401010101" pitchFamily="34" charset="-79"/>
+            </a:endParaRPr>
+          </a:p>
+          <a:p>
+            <a:pPr algn="ctr" rtl="1"/>
+            <a:endParaRPr lang="he-IL" sz="2325" dirty="0">
+              <a:solidFill>
+                <a:schemeClr val="tx1"/>
+              </a:solidFill>
+              <a:latin typeface="David" panose="020E0502060401010101" pitchFamily="34" charset="-79"/>
+              <a:cs typeface="David" panose="020E0502060401010101" pitchFamily="34" charset="-79"/>
+            </a:endParaRPr>
+          </a:p>
+          <a:p>
+            <a:pPr algn="ctr" rtl="1"/>
+            <a:endParaRPr lang="he-IL" sz="2325" dirty="0">
+              <a:solidFill>
+                <a:schemeClr val="tx1"/>
+              </a:solidFill>
+              <a:latin typeface="David" panose="020E0502060401010101" pitchFamily="34" charset="-79"/>
+              <a:cs typeface="David" panose="020E0502060401010101" pitchFamily="34" charset="-79"/>
+            </a:endParaRPr>
+          </a:p>
+        </p:txBody>
+      </p:sp>
+      <p:sp>
+        <p:nvSpPr>
+          <p:cNvPr id="5" name="Rectangle 4"/>
+          <p:cNvSpPr/>
+          <p:nvPr/>
+        </p:nvSpPr>
+        <p:spPr>
+          <a:xfrm>
+            <a:off x="4726770" y="5358207"/>
+            <a:ext cx="2750351" cy="1021313"/>
+          </a:xfrm>
+          <a:prstGeom prst="rect">
+            <a:avLst/>
+          </a:prstGeom>
+          <a:solidFill>
+            <a:schemeClr val="tx1">
+              <a:lumMod val="65000"/>
+              <a:lumOff val="35000"/>
+            </a:schemeClr>
+          </a:solidFill>
+          <a:ln w="76200">
+            <a:solidFill>
+              <a:schemeClr val="tx1">
+                <a:lumMod val="85000"/>
+                <a:lumOff val="15000"/>
+              </a:schemeClr>
+            </a:solidFill>
+          </a:ln>
+        </p:spPr>
+        <p:style>
+          <a:lnRef idx="2">
+            <a:schemeClr val="accent1">
+              <a:shade val="50000"/>
+            </a:schemeClr>
+          </a:lnRef>
+          <a:fillRef idx="1">
+            <a:schemeClr val="accent1"/>
+          </a:fillRef>
+          <a:effectRef idx="0">
+            <a:schemeClr val="accent1"/>
+          </a:effectRef>
+          <a:fontRef idx="minor">
+            <a:schemeClr val="lt1"/>
+          </a:fontRef>
+        </p:style>
+        <p:txBody>
+          <a:bodyPr lIns="160949" tIns="80476" rIns="160949" bIns="80476" rtlCol="1" anchor="ctr"/>
+          <a:lstStyle/>
+          <a:p>
+            <a:pPr algn="ctr" rtl="1"/>
+            <a:r>
+              <a:rPr lang="he-IL" sz="1937" dirty="0">
+                <a:solidFill>
+                  <a:schemeClr val="tx1"/>
+                </a:solidFill>
+                <a:latin typeface="David" panose="020E0502060401010101" pitchFamily="34" charset="-79"/>
+                <a:cs typeface="David" panose="020E0502060401010101" pitchFamily="34" charset="-79"/>
+              </a:rPr>
+              <a:t>לחץ על אחד המקשים כדי להמשיך</a:t>
+            </a:r>
+          </a:p>
+        </p:txBody>
+      </p:sp>
+      <p:pic>
+        <p:nvPicPr>
+          <p:cNvPr id="11" name="Picture 10">
+            <a:extLst>
+              <a:ext uri="{FF2B5EF4-FFF2-40B4-BE49-F238E27FC236}">
+                <a16:creationId xmlns:a16="http://schemas.microsoft.com/office/drawing/2014/main" id="{EF338D27-8E73-4E39-A070-1EB7C4C5B83B}"/>
+              </a:ext>
+            </a:extLst>
+          </p:cNvPr>
+          <p:cNvPicPr>
+            <a:picLocks noChangeAspect="1"/>
+          </p:cNvPicPr>
+          <p:nvPr/>
+        </p:nvPicPr>
+        <p:blipFill>
+          <a:blip r:embed="rId3">
+            <a:extLst>
+              <a:ext uri="{28A0092B-C50C-407E-A947-70E740481C1C}">
+                <a14:useLocalDpi xmlns:a14="http://schemas.microsoft.com/office/drawing/2010/main" val="0"/>
+              </a:ext>
+            </a:extLst>
+          </a:blip>
+          <a:stretch>
+            <a:fillRect/>
+          </a:stretch>
+        </p:blipFill>
+        <p:spPr>
+          <a:xfrm>
+            <a:off x="4793808" y="4639960"/>
+            <a:ext cx="1302192" cy="312526"/>
+          </a:xfrm>
+          <a:prstGeom prst="rect">
+            <a:avLst/>
+          </a:prstGeom>
+        </p:spPr>
+      </p:pic>
+      <p:grpSp>
+        <p:nvGrpSpPr>
+          <p:cNvPr id="12" name="Group 11">
+            <a:extLst>
+              <a:ext uri="{FF2B5EF4-FFF2-40B4-BE49-F238E27FC236}">
+                <a16:creationId xmlns:a16="http://schemas.microsoft.com/office/drawing/2014/main" id="{8CFF371B-033C-47EF-A3E7-C179B8B7E230}"/>
+              </a:ext>
+            </a:extLst>
+          </p:cNvPr>
+          <p:cNvGrpSpPr/>
+          <p:nvPr/>
+        </p:nvGrpSpPr>
+        <p:grpSpPr>
+          <a:xfrm>
+            <a:off x="4075005" y="3212926"/>
+            <a:ext cx="645818" cy="3166594"/>
+            <a:chOff x="5456126" y="1779803"/>
+            <a:chExt cx="645818" cy="3166594"/>
+          </a:xfrm>
+        </p:grpSpPr>
+        <p:pic>
+          <p:nvPicPr>
+            <p:cNvPr id="13" name="Picture 12">
+              <a:extLst>
+                <a:ext uri="{FF2B5EF4-FFF2-40B4-BE49-F238E27FC236}">
+                  <a16:creationId xmlns:a16="http://schemas.microsoft.com/office/drawing/2014/main" id="{61A8B834-D9C0-4E04-8370-2446EF26A523}"/>
+                </a:ext>
+              </a:extLst>
+            </p:cNvPr>
+            <p:cNvPicPr>
+              <a:picLocks noChangeAspect="1"/>
+            </p:cNvPicPr>
+            <p:nvPr/>
+          </p:nvPicPr>
+          <p:blipFill>
+            <a:blip r:embed="rId4">
+              <a:extLst>
+                <a:ext uri="{28A0092B-C50C-407E-A947-70E740481C1C}">
+                  <a14:useLocalDpi xmlns:a14="http://schemas.microsoft.com/office/drawing/2010/main" val="0"/>
+                </a:ext>
+              </a:extLst>
+            </a:blip>
+            <a:stretch>
+              <a:fillRect/>
+            </a:stretch>
+          </p:blipFill>
+          <p:spPr>
+            <a:xfrm>
+              <a:off x="5456126" y="1779804"/>
+              <a:ext cx="645818" cy="3166593"/>
+            </a:xfrm>
+            <a:prstGeom prst="rect">
+              <a:avLst/>
+            </a:prstGeom>
+          </p:spPr>
+        </p:pic>
+        <p:sp>
+          <p:nvSpPr>
+            <p:cNvPr id="14" name="Rectangle 13">
+              <a:extLst>
+                <a:ext uri="{FF2B5EF4-FFF2-40B4-BE49-F238E27FC236}">
+                  <a16:creationId xmlns:a16="http://schemas.microsoft.com/office/drawing/2014/main" id="{FF7B4884-692E-4524-9357-23E38F67C4CB}"/>
+                </a:ext>
+              </a:extLst>
+            </p:cNvPr>
+            <p:cNvSpPr/>
+            <p:nvPr/>
+          </p:nvSpPr>
+          <p:spPr>
+            <a:xfrm>
+              <a:off x="5456126" y="1779803"/>
+              <a:ext cx="639874" cy="405457"/>
+            </a:xfrm>
+            <a:prstGeom prst="rect">
+              <a:avLst/>
+            </a:prstGeom>
+            <a:solidFill>
+              <a:schemeClr val="accent6">
+                <a:lumMod val="60000"/>
+                <a:lumOff val="40000"/>
+              </a:schemeClr>
+            </a:solidFill>
+            <a:ln>
+              <a:solidFill>
+                <a:schemeClr val="tx1"/>
+              </a:solidFill>
+            </a:ln>
+          </p:spPr>
+          <p:style>
+            <a:lnRef idx="2">
+              <a:schemeClr val="accent1">
+                <a:shade val="50000"/>
+              </a:schemeClr>
+            </a:lnRef>
+            <a:fillRef idx="1">
+              <a:schemeClr val="accent1"/>
+            </a:fillRef>
+            <a:effectRef idx="0">
+              <a:schemeClr val="accent1"/>
+            </a:effectRef>
+            <a:fontRef idx="minor">
+              <a:schemeClr val="lt1"/>
+            </a:fontRef>
+          </p:style>
+          <p:txBody>
+            <a:bodyPr rtlCol="0" anchor="ctr"/>
+            <a:lstStyle/>
+            <a:p>
+              <a:pPr algn="ctr"/>
+              <a:r>
+                <a:rPr lang="he-IL" sz="1600" b="1" dirty="0">
+                  <a:solidFill>
+                    <a:schemeClr val="tx1"/>
+                  </a:solidFill>
+                </a:rPr>
+                <a:t>לא מוטה</a:t>
+              </a:r>
+              <a:endParaRPr lang="en-US" sz="1600" b="1" dirty="0">
+                <a:solidFill>
+                  <a:schemeClr val="tx1"/>
+                </a:solidFill>
+              </a:endParaRPr>
+            </a:p>
+          </p:txBody>
+        </p:sp>
+      </p:grpSp>
+    </p:spTree>
+    <p:extLst>
+      <p:ext uri="{BB962C8B-B14F-4D97-AF65-F5344CB8AC3E}">
+        <p14:creationId xmlns:p14="http://schemas.microsoft.com/office/powerpoint/2010/main" val="2618925867"/>
+      </p:ext>
+    </p:extLst>
+  </p:cSld>
+  <p:clrMapOvr>
+    <a:masterClrMapping/>
+  </p:clrMapOvr>
+</p:sld>
+</file>
+
+<file path=ppt/slides/slide7.xml><?xml version="1.0" encoding="utf-8"?>
 <p:sld xmlns:a="http://schemas.openxmlformats.org/drawingml/2006/main" xmlns:r="http://schemas.openxmlformats.org/officeDocument/2006/relationships" xmlns:p="http://schemas.openxmlformats.org/presentationml/2006/main" show="0">
   <p:cSld>
     <p:spTree>
@@ -7424,8 +10532,8 @@
 </p:sld>
 </file>
 
-<file path=ppt/slides/slide3.xml><?xml version="1.0" encoding="utf-8"?>
-<p:sld xmlns:a="http://schemas.openxmlformats.org/drawingml/2006/main" xmlns:r="http://schemas.openxmlformats.org/officeDocument/2006/relationships" xmlns:p="http://schemas.openxmlformats.org/presentationml/2006/main">
+<file path=ppt/slides/slide8.xml><?xml version="1.0" encoding="utf-8"?>
+<p:sld xmlns:a="http://schemas.openxmlformats.org/drawingml/2006/main" xmlns:r="http://schemas.openxmlformats.org/officeDocument/2006/relationships" xmlns:p="http://schemas.openxmlformats.org/presentationml/2006/main" show="0">
   <p:cSld>
     <p:spTree>
       <p:nvGrpSpPr>
@@ -7493,62 +10601,75 @@
           <a:p>
             <a:pPr algn="ctr" rtl="1"/>
             <a:r>
-              <a:rPr lang="he-IL" sz="2330" dirty="0">
+              <a:rPr lang="he-IL" sz="2325" b="1" u="sng" dirty="0">
                 <a:solidFill>
                   <a:schemeClr val="tx1"/>
                 </a:solidFill>
                 <a:latin typeface="David" panose="020E0502060401010101" pitchFamily="34" charset="-79"/>
                 <a:cs typeface="David" panose="020E0502060401010101" pitchFamily="34" charset="-79"/>
               </a:rPr>
-              <a:t>המטלה שתבצע עכשיו דומה למטלה שביצעת קודם</a:t>
+              <a:t>אימון מנטלי להפחתת הטיית קשב</a:t>
             </a:r>
           </a:p>
           <a:p>
             <a:pPr algn="ctr" rtl="1"/>
-            <a:r>
-              <a:rPr lang="he-IL" sz="2330" dirty="0">
+            <a:endParaRPr lang="en-US" sz="2325" dirty="0">
+              <a:solidFill>
+                <a:schemeClr val="tx1"/>
+              </a:solidFill>
+              <a:latin typeface="David" panose="020E0502060401010101" pitchFamily="34" charset="-79"/>
+              <a:cs typeface="David" panose="020E0502060401010101" pitchFamily="34" charset="-79"/>
+            </a:endParaRPr>
+          </a:p>
+          <a:p>
+            <a:pPr algn="ctr" rtl="1"/>
+            <a:r>
+              <a:rPr lang="he-IL" sz="2325" dirty="0">
                 <a:solidFill>
                   <a:schemeClr val="tx1"/>
                 </a:solidFill>
                 <a:latin typeface="David" panose="020E0502060401010101" pitchFamily="34" charset="-79"/>
                 <a:cs typeface="David" panose="020E0502060401010101" pitchFamily="34" charset="-79"/>
               </a:rPr>
-              <a:t>הפעם, לאחר כל מחשבה, </a:t>
-            </a:r>
-            <a:r>
-              <a:rPr lang="he-IL" sz="2330" b="1" dirty="0">
+              <a:t>האימון שתבצע עכשיו דומה למטלה שביצעת קודם, רק שהפעם בחלק מהצעדים יוצג בפניך משוב על המידה בה הקשב שלך מוטה כלפי מחשבה ספציפית. </a:t>
+            </a:r>
+            <a:r>
+              <a:rPr lang="he-IL" sz="2325" dirty="0">
+                <a:solidFill>
+                  <a:srgbClr val="FF0000"/>
+                </a:solidFill>
+                <a:latin typeface="David" panose="020E0502060401010101" pitchFamily="34" charset="-79"/>
+                <a:cs typeface="David" panose="020E0502060401010101" pitchFamily="34" charset="-79"/>
+              </a:rPr>
+              <a:t>[להסביר שהפידבק הוא על ההטיה במחשבה הספציפית לפי אריק]</a:t>
+            </a:r>
+          </a:p>
+          <a:p>
+            <a:pPr algn="ctr" rtl="1"/>
+            <a:endParaRPr lang="he-IL" sz="2325" dirty="0">
+              <a:solidFill>
+                <a:schemeClr val="tx1"/>
+              </a:solidFill>
+              <a:latin typeface="David" panose="020E0502060401010101" pitchFamily="34" charset="-79"/>
+              <a:cs typeface="David" panose="020E0502060401010101" pitchFamily="34" charset="-79"/>
+            </a:endParaRPr>
+          </a:p>
+          <a:p>
+            <a:pPr algn="ctr" rtl="1"/>
+            <a:r>
+              <a:rPr lang="he-IL" sz="2325" dirty="0">
                 <a:solidFill>
                   <a:schemeClr val="tx1"/>
                 </a:solidFill>
                 <a:latin typeface="David" panose="020E0502060401010101" pitchFamily="34" charset="-79"/>
                 <a:cs typeface="David" panose="020E0502060401010101" pitchFamily="34" charset="-79"/>
               </a:rPr>
-              <a:t>יוצגו בפניך מספר ריבועים </a:t>
-            </a:r>
-            <a:r>
-              <a:rPr lang="he-IL" sz="2330" dirty="0">
-                <a:solidFill>
-                  <a:schemeClr val="tx1"/>
-                </a:solidFill>
-                <a:latin typeface="David" panose="020E0502060401010101" pitchFamily="34" charset="-79"/>
-                <a:cs typeface="David" panose="020E0502060401010101" pitchFamily="34" charset="-79"/>
-              </a:rPr>
-              <a:t>ותתבקש\י להחליט </a:t>
-            </a:r>
-            <a:r>
-              <a:rPr lang="he-IL" sz="2330" b="1" dirty="0">
-                <a:solidFill>
-                  <a:schemeClr val="tx1"/>
-                </a:solidFill>
-                <a:latin typeface="David" panose="020E0502060401010101" pitchFamily="34" charset="-79"/>
-                <a:cs typeface="David" panose="020E0502060401010101" pitchFamily="34" charset="-79"/>
-              </a:rPr>
-              <a:t>האם מספר הריבועים גדול או קטן מ-5 </a:t>
+              <a:t>בכל צעד, אתה מתבקש ללחוץ על הכפתור המתאים במקלדת בדיוק כפי שעשית קודם – מהר, ומדויק, לפי הספרה המוצגת.</a:t>
             </a:r>
           </a:p>
           <a:p>
             <a:pPr algn="ctr" rtl="1"/>
-            <a:endParaRPr lang="he-IL" sz="2330" dirty="0">
+            <a:endParaRPr lang="he-IL" sz="2325" dirty="0">
               <a:solidFill>
                 <a:schemeClr val="tx1"/>
               </a:solidFill>
@@ -7559,42 +10680,19 @@
           <a:p>
             <a:pPr algn="ctr" rtl="1"/>
             <a:r>
-              <a:rPr lang="he-IL" sz="2330" dirty="0">
+              <a:rPr lang="he-IL" sz="2325" dirty="0">
                 <a:solidFill>
-                  <a:schemeClr val="tx1"/>
+                  <a:srgbClr val="FF0000"/>
                 </a:solidFill>
                 <a:latin typeface="David" panose="020E0502060401010101" pitchFamily="34" charset="-79"/>
                 <a:cs typeface="David" panose="020E0502060401010101" pitchFamily="34" charset="-79"/>
               </a:rPr>
-              <a:t>יש ללחוץ במקלדת על מקש חץ מעלה כאשר מספר הריבועים גדול מ-5, </a:t>
+              <a:t>[תמונה של מקלדת עם המדבקות]</a:t>
             </a:r>
           </a:p>
           <a:p>
             <a:pPr algn="ctr" rtl="1"/>
-            <a:r>
-              <a:rPr lang="he-IL" sz="2330" dirty="0">
-                <a:solidFill>
-                  <a:schemeClr val="tx1"/>
-                </a:solidFill>
-                <a:latin typeface="David" panose="020E0502060401010101" pitchFamily="34" charset="-79"/>
-                <a:cs typeface="David" panose="020E0502060401010101" pitchFamily="34" charset="-79"/>
-              </a:rPr>
-              <a:t>ומקש חץ מטה כאשר מספר הריבועים קטן מ-5 </a:t>
-            </a:r>
-          </a:p>
-          <a:p>
-            <a:pPr algn="ctr" rtl="1"/>
-            <a:endParaRPr lang="he-IL" sz="2330" dirty="0">
-              <a:solidFill>
-                <a:schemeClr val="tx1"/>
-              </a:solidFill>
-              <a:latin typeface="David" panose="020E0502060401010101" pitchFamily="34" charset="-79"/>
-              <a:cs typeface="David" panose="020E0502060401010101" pitchFamily="34" charset="-79"/>
-            </a:endParaRPr>
-          </a:p>
-          <a:p>
-            <a:pPr algn="ctr" rtl="1"/>
-            <a:endParaRPr lang="he-IL" sz="2330" dirty="0">
+            <a:endParaRPr lang="he-IL" sz="2325" dirty="0">
               <a:solidFill>
                 <a:schemeClr val="tx1"/>
               </a:solidFill>
@@ -7667,1931 +10765,10 @@
           </a:p>
         </p:txBody>
       </p:sp>
-      <p:grpSp>
-        <p:nvGrpSpPr>
-          <p:cNvPr id="7" name="Group 6">
-            <a:extLst>
-              <a:ext uri="{FF2B5EF4-FFF2-40B4-BE49-F238E27FC236}">
-                <a16:creationId xmlns:a16="http://schemas.microsoft.com/office/drawing/2014/main" id="{15F0128C-0B89-48F4-90F5-AD6DC284099F}"/>
-              </a:ext>
-            </a:extLst>
-          </p:cNvPr>
-          <p:cNvGrpSpPr/>
-          <p:nvPr/>
-        </p:nvGrpSpPr>
-        <p:grpSpPr>
-          <a:xfrm>
-            <a:off x="5215467" y="3868359"/>
-            <a:ext cx="1676400" cy="1417669"/>
-            <a:chOff x="4608974" y="1615133"/>
-            <a:chExt cx="1676400" cy="1417669"/>
-          </a:xfrm>
-        </p:grpSpPr>
-        <p:pic>
-          <p:nvPicPr>
-            <p:cNvPr id="8" name="Picture 7">
-              <a:extLst>
-                <a:ext uri="{FF2B5EF4-FFF2-40B4-BE49-F238E27FC236}">
-                  <a16:creationId xmlns:a16="http://schemas.microsoft.com/office/drawing/2014/main" id="{3CFAEDBF-0EFB-4043-972D-752726835739}"/>
-                </a:ext>
-              </a:extLst>
-            </p:cNvPr>
-            <p:cNvPicPr>
-              <a:picLocks noChangeAspect="1"/>
-            </p:cNvPicPr>
-            <p:nvPr/>
-          </p:nvPicPr>
-          <p:blipFill rotWithShape="1">
-            <a:blip r:embed="rId2"/>
-            <a:srcRect l="4541" r="8912"/>
-            <a:stretch/>
-          </p:blipFill>
-          <p:spPr>
-            <a:xfrm>
-              <a:off x="4608974" y="1615133"/>
-              <a:ext cx="1676400" cy="1417669"/>
-            </a:xfrm>
-            <a:prstGeom prst="rect">
-              <a:avLst/>
-            </a:prstGeom>
-          </p:spPr>
-        </p:pic>
-        <p:sp>
-          <p:nvSpPr>
-            <p:cNvPr id="9" name="Rectangle 8">
-              <a:extLst>
-                <a:ext uri="{FF2B5EF4-FFF2-40B4-BE49-F238E27FC236}">
-                  <a16:creationId xmlns:a16="http://schemas.microsoft.com/office/drawing/2014/main" id="{6B79BCBB-6BDE-462E-95EA-A01DE463500B}"/>
-                </a:ext>
-              </a:extLst>
-            </p:cNvPr>
-            <p:cNvSpPr/>
-            <p:nvPr/>
-          </p:nvSpPr>
-          <p:spPr>
-            <a:xfrm>
-              <a:off x="4754880" y="1762298"/>
-              <a:ext cx="1341120" cy="631767"/>
-            </a:xfrm>
-            <a:prstGeom prst="rect">
-              <a:avLst/>
-            </a:prstGeom>
-            <a:noFill/>
-            <a:ln w="38100">
-              <a:solidFill>
-                <a:srgbClr val="FF0000"/>
-              </a:solidFill>
-            </a:ln>
-          </p:spPr>
-          <p:style>
-            <a:lnRef idx="2">
-              <a:schemeClr val="accent1">
-                <a:shade val="50000"/>
-              </a:schemeClr>
-            </a:lnRef>
-            <a:fillRef idx="1">
-              <a:schemeClr val="accent1"/>
-            </a:fillRef>
-            <a:effectRef idx="0">
-              <a:schemeClr val="accent1"/>
-            </a:effectRef>
-            <a:fontRef idx="minor">
-              <a:schemeClr val="lt1"/>
-            </a:fontRef>
-          </p:style>
-          <p:txBody>
-            <a:bodyPr rtlCol="0" anchor="ctr"/>
-            <a:lstStyle/>
-            <a:p>
-              <a:pPr algn="ctr"/>
-              <a:endParaRPr lang="en-US"/>
-            </a:p>
-          </p:txBody>
-        </p:sp>
-        <p:sp>
-          <p:nvSpPr>
-            <p:cNvPr id="10" name="Rectangle 9">
-              <a:extLst>
-                <a:ext uri="{FF2B5EF4-FFF2-40B4-BE49-F238E27FC236}">
-                  <a16:creationId xmlns:a16="http://schemas.microsoft.com/office/drawing/2014/main" id="{71A9E147-C8B8-400E-8E5C-D39AAC63114D}"/>
-                </a:ext>
-              </a:extLst>
-            </p:cNvPr>
-            <p:cNvSpPr/>
-            <p:nvPr/>
-          </p:nvSpPr>
-          <p:spPr>
-            <a:xfrm>
-              <a:off x="4754880" y="2377746"/>
-              <a:ext cx="1341120" cy="631767"/>
-            </a:xfrm>
-            <a:prstGeom prst="rect">
-              <a:avLst/>
-            </a:prstGeom>
-            <a:noFill/>
-            <a:ln w="38100">
-              <a:solidFill>
-                <a:srgbClr val="FF0000"/>
-              </a:solidFill>
-            </a:ln>
-          </p:spPr>
-          <p:style>
-            <a:lnRef idx="2">
-              <a:schemeClr val="accent1">
-                <a:shade val="50000"/>
-              </a:schemeClr>
-            </a:lnRef>
-            <a:fillRef idx="1">
-              <a:schemeClr val="accent1"/>
-            </a:fillRef>
-            <a:effectRef idx="0">
-              <a:schemeClr val="accent1"/>
-            </a:effectRef>
-            <a:fontRef idx="minor">
-              <a:schemeClr val="lt1"/>
-            </a:fontRef>
-          </p:style>
-          <p:txBody>
-            <a:bodyPr rtlCol="0" anchor="ctr"/>
-            <a:lstStyle/>
-            <a:p>
-              <a:pPr algn="ctr"/>
-              <a:endParaRPr lang="en-US"/>
-            </a:p>
-          </p:txBody>
-        </p:sp>
-      </p:grpSp>
-    </p:spTree>
-    <p:extLst>
-      <p:ext uri="{BB962C8B-B14F-4D97-AF65-F5344CB8AC3E}">
-        <p14:creationId xmlns:p14="http://schemas.microsoft.com/office/powerpoint/2010/main" val="568631794"/>
-      </p:ext>
-    </p:extLst>
-  </p:cSld>
-  <p:clrMapOvr>
-    <a:masterClrMapping/>
-  </p:clrMapOvr>
-</p:sld>
-</file>
-
-<file path=ppt/slides/slide4.xml><?xml version="1.0" encoding="utf-8"?>
-<p:sld xmlns:a="http://schemas.openxmlformats.org/drawingml/2006/main" xmlns:r="http://schemas.openxmlformats.org/officeDocument/2006/relationships" xmlns:p="http://schemas.openxmlformats.org/presentationml/2006/main">
-  <p:cSld>
-    <p:bg>
-      <p:bgPr>
-        <a:solidFill>
-          <a:schemeClr val="tx1"/>
-        </a:solidFill>
-        <a:effectLst/>
-      </p:bgPr>
-    </p:bg>
-    <p:spTree>
-      <p:nvGrpSpPr>
-        <p:cNvPr id="1" name=""/>
-        <p:cNvGrpSpPr/>
-        <p:nvPr/>
-      </p:nvGrpSpPr>
-      <p:grpSpPr>
-        <a:xfrm>
-          <a:off x="0" y="0"/>
-          <a:ext cx="0" cy="0"/>
-          <a:chOff x="0" y="0"/>
-          <a:chExt cx="0" cy="0"/>
-        </a:xfrm>
-      </p:grpSpPr>
-      <p:sp>
-        <p:nvSpPr>
-          <p:cNvPr id="4" name="Rectangle 3"/>
-          <p:cNvSpPr>
-            <a:spLocks/>
-          </p:cNvSpPr>
-          <p:nvPr/>
-        </p:nvSpPr>
-        <p:spPr>
-          <a:xfrm>
-            <a:off x="2065971" y="577526"/>
-            <a:ext cx="8071946" cy="4969278"/>
-          </a:xfrm>
-          <a:prstGeom prst="rect">
-            <a:avLst/>
-          </a:prstGeom>
-          <a:solidFill>
-            <a:schemeClr val="bg1">
-              <a:lumMod val="65000"/>
-            </a:schemeClr>
-          </a:solidFill>
-          <a:ln w="76200">
-            <a:solidFill>
-              <a:schemeClr val="tx1">
-                <a:lumMod val="65000"/>
-                <a:lumOff val="35000"/>
-              </a:schemeClr>
-            </a:solidFill>
-          </a:ln>
-        </p:spPr>
-        <p:style>
-          <a:lnRef idx="2">
-            <a:schemeClr val="accent1">
-              <a:shade val="50000"/>
-            </a:schemeClr>
-          </a:lnRef>
-          <a:fillRef idx="1">
-            <a:schemeClr val="accent1"/>
-          </a:fillRef>
-          <a:effectRef idx="0">
-            <a:schemeClr val="accent1"/>
-          </a:effectRef>
-          <a:fontRef idx="minor">
-            <a:schemeClr val="lt1"/>
-          </a:fontRef>
-        </p:style>
-        <p:txBody>
-          <a:bodyPr lIns="160949" tIns="80476" rIns="160949" bIns="80476" rtlCol="1" anchor="t"/>
-          <a:lstStyle/>
-          <a:p>
-            <a:pPr marL="0" marR="0" lvl="0" indent="0" algn="ctr" defTabSz="914400" rtl="1" eaLnBrk="1" fontAlgn="auto" latinLnBrk="0" hangingPunct="1">
-              <a:lnSpc>
-                <a:spcPct val="150000"/>
-              </a:lnSpc>
-              <a:spcBef>
-                <a:spcPts val="0"/>
-              </a:spcBef>
-              <a:spcAft>
-                <a:spcPts val="0"/>
-              </a:spcAft>
-              <a:buClrTx/>
-              <a:buSzTx/>
-              <a:buFontTx/>
-              <a:buNone/>
-              <a:tabLst/>
-              <a:defRPr/>
-            </a:pPr>
-            <a:endParaRPr kumimoji="0" lang="he-IL" sz="2400" b="0" i="0" u="none" strike="noStrike" kern="1200" cap="none" spc="0" normalizeH="0" baseline="0" noProof="0" dirty="0">
-              <a:ln>
-                <a:noFill/>
-              </a:ln>
-              <a:solidFill>
-                <a:prstClr val="black"/>
-              </a:solidFill>
-              <a:effectLst/>
-              <a:uLnTx/>
-              <a:uFillTx/>
-              <a:latin typeface="David" panose="020E0502060401010101" pitchFamily="34" charset="-79"/>
-              <a:ea typeface="+mn-ea"/>
-              <a:cs typeface="David" panose="020E0502060401010101" pitchFamily="34" charset="-79"/>
-            </a:endParaRPr>
-          </a:p>
-          <a:p>
-            <a:pPr marL="0" marR="0" lvl="0" indent="0" algn="ctr" defTabSz="914400" rtl="1" eaLnBrk="1" fontAlgn="auto" latinLnBrk="0" hangingPunct="1">
-              <a:lnSpc>
-                <a:spcPct val="150000"/>
-              </a:lnSpc>
-              <a:spcBef>
-                <a:spcPts val="0"/>
-              </a:spcBef>
-              <a:spcAft>
-                <a:spcPts val="0"/>
-              </a:spcAft>
-              <a:buClrTx/>
-              <a:buSzTx/>
-              <a:buFontTx/>
-              <a:buNone/>
-              <a:tabLst/>
-              <a:defRPr/>
-            </a:pPr>
-            <a:r>
-              <a:rPr kumimoji="0" lang="he-IL" sz="2400" b="0" i="0" u="none" strike="noStrike" kern="1200" cap="none" spc="0" normalizeH="0" baseline="0" noProof="0" dirty="0">
-                <a:ln>
-                  <a:noFill/>
-                </a:ln>
-                <a:solidFill>
-                  <a:prstClr val="black"/>
-                </a:solidFill>
-                <a:effectLst/>
-                <a:uLnTx/>
-                <a:uFillTx/>
-                <a:latin typeface="David" panose="020E0502060401010101" pitchFamily="34" charset="-79"/>
-                <a:ea typeface="+mn-ea"/>
-                <a:cs typeface="David" panose="020E0502060401010101" pitchFamily="34" charset="-79"/>
-              </a:rPr>
-              <a:t>כעת תמשיך לתירגול קצר.</a:t>
-            </a:r>
-          </a:p>
-          <a:p>
-            <a:pPr marL="0" marR="0" lvl="0" indent="0" algn="ctr" defTabSz="914400" rtl="1" eaLnBrk="1" fontAlgn="auto" latinLnBrk="0" hangingPunct="1">
-              <a:lnSpc>
-                <a:spcPct val="150000"/>
-              </a:lnSpc>
-              <a:spcBef>
-                <a:spcPts val="0"/>
-              </a:spcBef>
-              <a:spcAft>
-                <a:spcPts val="0"/>
-              </a:spcAft>
-              <a:buClrTx/>
-              <a:buSzTx/>
-              <a:buFontTx/>
-              <a:buNone/>
-              <a:tabLst/>
-              <a:defRPr/>
-            </a:pPr>
-            <a:r>
-              <a:rPr kumimoji="0" lang="he-IL" sz="2400" b="0" i="0" u="none" strike="noStrike" kern="1200" cap="none" spc="0" normalizeH="0" baseline="0" noProof="0" dirty="0">
-                <a:ln>
-                  <a:noFill/>
-                </a:ln>
-                <a:solidFill>
-                  <a:prstClr val="black"/>
-                </a:solidFill>
-                <a:effectLst/>
-                <a:uLnTx/>
-                <a:uFillTx/>
-                <a:latin typeface="David" panose="020E0502060401010101" pitchFamily="34" charset="-79"/>
-                <a:ea typeface="+mn-ea"/>
-                <a:cs typeface="David" panose="020E0502060401010101" pitchFamily="34" charset="-79"/>
-              </a:rPr>
-              <a:t> </a:t>
-            </a:r>
-          </a:p>
-          <a:p>
-            <a:pPr marL="0" marR="0" lvl="0" indent="0" algn="ctr" defTabSz="914400" rtl="1" eaLnBrk="1" fontAlgn="auto" latinLnBrk="0" hangingPunct="1">
-              <a:lnSpc>
-                <a:spcPct val="150000"/>
-              </a:lnSpc>
-              <a:spcBef>
-                <a:spcPts val="0"/>
-              </a:spcBef>
-              <a:spcAft>
-                <a:spcPts val="0"/>
-              </a:spcAft>
-              <a:buClrTx/>
-              <a:buSzTx/>
-              <a:buFontTx/>
-              <a:buNone/>
-              <a:tabLst/>
-              <a:defRPr/>
-            </a:pPr>
-            <a:r>
-              <a:rPr kumimoji="0" lang="he-IL" sz="2400" b="0" i="0" u="none" strike="noStrike" kern="1200" cap="none" spc="0" normalizeH="0" baseline="0" noProof="0" dirty="0">
-                <a:ln>
-                  <a:noFill/>
-                </a:ln>
-                <a:solidFill>
-                  <a:prstClr val="black"/>
-                </a:solidFill>
-                <a:effectLst/>
-                <a:uLnTx/>
-                <a:uFillTx/>
-                <a:latin typeface="David" panose="020E0502060401010101" pitchFamily="34" charset="-79"/>
-                <a:ea typeface="+mn-ea"/>
-                <a:cs typeface="David" panose="020E0502060401010101" pitchFamily="34" charset="-79"/>
-              </a:rPr>
-              <a:t>בצעדי התירגול הראשונים יצויין האם ענית נכון או לא נכון. </a:t>
-            </a:r>
-          </a:p>
-          <a:p>
-            <a:pPr marL="0" marR="0" lvl="0" indent="0" algn="ctr" defTabSz="914400" rtl="1" eaLnBrk="1" fontAlgn="auto" latinLnBrk="0" hangingPunct="1">
-              <a:lnSpc>
-                <a:spcPct val="150000"/>
-              </a:lnSpc>
-              <a:spcBef>
-                <a:spcPts val="0"/>
-              </a:spcBef>
-              <a:spcAft>
-                <a:spcPts val="0"/>
-              </a:spcAft>
-              <a:buClrTx/>
-              <a:buSzTx/>
-              <a:buFontTx/>
-              <a:buNone/>
-              <a:tabLst/>
-              <a:defRPr/>
-            </a:pPr>
-            <a:r>
-              <a:rPr lang="he-IL" sz="2400" dirty="0">
-                <a:solidFill>
-                  <a:prstClr val="black"/>
-                </a:solidFill>
-                <a:latin typeface="David" panose="020E0502060401010101" pitchFamily="34" charset="-79"/>
-                <a:cs typeface="David" panose="020E0502060401010101" pitchFamily="34" charset="-79"/>
-              </a:rPr>
-              <a:t>זאת אומרת, </a:t>
-            </a:r>
-            <a:r>
-              <a:rPr lang="he-IL" sz="2400" dirty="0">
-                <a:solidFill>
-                  <a:schemeClr val="tx1"/>
-                </a:solidFill>
-                <a:latin typeface="David" panose="020E0502060401010101" pitchFamily="34" charset="-79"/>
-                <a:cs typeface="David" panose="020E0502060401010101" pitchFamily="34" charset="-79"/>
-              </a:rPr>
-              <a:t>האם זיהית נכון אם מספר הריבועים גדול או קטן מ-5</a:t>
-            </a:r>
-            <a:r>
-              <a:rPr lang="he-IL" sz="2400" dirty="0">
-                <a:solidFill>
-                  <a:prstClr val="black"/>
-                </a:solidFill>
-                <a:latin typeface="David" panose="020E0502060401010101" pitchFamily="34" charset="-79"/>
-                <a:cs typeface="David" panose="020E0502060401010101" pitchFamily="34" charset="-79"/>
-              </a:rPr>
-              <a:t>.</a:t>
-            </a:r>
-            <a:endParaRPr kumimoji="0" lang="he-IL" sz="2400" i="0" u="none" strike="noStrike" kern="1200" cap="none" spc="0" normalizeH="0" baseline="0" noProof="0" dirty="0">
-              <a:ln>
-                <a:noFill/>
-              </a:ln>
-              <a:solidFill>
-                <a:prstClr val="black"/>
-              </a:solidFill>
-              <a:effectLst/>
-              <a:uLnTx/>
-              <a:uFillTx/>
-              <a:latin typeface="David" panose="020E0502060401010101" pitchFamily="34" charset="-79"/>
-              <a:ea typeface="+mn-ea"/>
-              <a:cs typeface="David" panose="020E0502060401010101" pitchFamily="34" charset="-79"/>
-            </a:endParaRPr>
-          </a:p>
-          <a:p>
-            <a:pPr algn="ctr" rtl="1">
-              <a:lnSpc>
-                <a:spcPct val="150000"/>
-              </a:lnSpc>
-            </a:pPr>
-            <a:r>
-              <a:rPr lang="he-IL" sz="2400" dirty="0">
-                <a:solidFill>
-                  <a:schemeClr val="tx1"/>
-                </a:solidFill>
-                <a:latin typeface="David" panose="020E0502060401010101" pitchFamily="34" charset="-79"/>
-                <a:cs typeface="David" panose="020E0502060401010101" pitchFamily="34" charset="-79"/>
-              </a:rPr>
-              <a:t>בכל צעד, אתה מתבקש ללחוץ על הכפתור המתאים במקלדת בדיוק כפי שעשית קודם – מהר, ומדויק, לפי המרובע המוצגת.</a:t>
-            </a:r>
-          </a:p>
-          <a:p>
-            <a:pPr marL="0" marR="0" lvl="0" indent="0" algn="ctr" defTabSz="914400" rtl="1" eaLnBrk="1" fontAlgn="auto" latinLnBrk="0" hangingPunct="1">
-              <a:lnSpc>
-                <a:spcPct val="150000"/>
-              </a:lnSpc>
-              <a:spcBef>
-                <a:spcPts val="0"/>
-              </a:spcBef>
-              <a:spcAft>
-                <a:spcPts val="0"/>
-              </a:spcAft>
-              <a:buClrTx/>
-              <a:buSzTx/>
-              <a:buFontTx/>
-              <a:buNone/>
-              <a:tabLst/>
-              <a:defRPr/>
-            </a:pPr>
-            <a:r>
-              <a:rPr kumimoji="0" lang="he-IL" sz="2400" b="0" i="0" u="none" strike="noStrike" kern="1200" cap="none" spc="0" normalizeH="0" baseline="0" noProof="0" dirty="0">
-                <a:ln>
-                  <a:noFill/>
-                </a:ln>
-                <a:solidFill>
-                  <a:prstClr val="black"/>
-                </a:solidFill>
-                <a:effectLst/>
-                <a:uLnTx/>
-                <a:uFillTx/>
-                <a:latin typeface="David" panose="020E0502060401010101" pitchFamily="34" charset="-79"/>
-                <a:ea typeface="+mn-ea"/>
-                <a:cs typeface="David" panose="020E0502060401010101" pitchFamily="34" charset="-79"/>
-              </a:rPr>
-              <a:t> </a:t>
-            </a:r>
-          </a:p>
-        </p:txBody>
-      </p:sp>
-      <p:sp>
-        <p:nvSpPr>
-          <p:cNvPr id="5" name="Rectangle 4"/>
-          <p:cNvSpPr/>
-          <p:nvPr/>
-        </p:nvSpPr>
-        <p:spPr>
-          <a:xfrm>
-            <a:off x="4726770" y="5358207"/>
-            <a:ext cx="2750351" cy="1021313"/>
-          </a:xfrm>
-          <a:prstGeom prst="rect">
-            <a:avLst/>
-          </a:prstGeom>
-          <a:solidFill>
-            <a:schemeClr val="tx1">
-              <a:lumMod val="65000"/>
-              <a:lumOff val="35000"/>
-            </a:schemeClr>
-          </a:solidFill>
-          <a:ln w="76200">
-            <a:solidFill>
-              <a:schemeClr val="tx1">
-                <a:lumMod val="85000"/>
-                <a:lumOff val="15000"/>
-              </a:schemeClr>
-            </a:solidFill>
-          </a:ln>
-        </p:spPr>
-        <p:style>
-          <a:lnRef idx="2">
-            <a:schemeClr val="accent1">
-              <a:shade val="50000"/>
-            </a:schemeClr>
-          </a:lnRef>
-          <a:fillRef idx="1">
-            <a:schemeClr val="accent1"/>
-          </a:fillRef>
-          <a:effectRef idx="0">
-            <a:schemeClr val="accent1"/>
-          </a:effectRef>
-          <a:fontRef idx="minor">
-            <a:schemeClr val="lt1"/>
-          </a:fontRef>
-        </p:style>
-        <p:txBody>
-          <a:bodyPr lIns="160949" tIns="80476" rIns="160949" bIns="80476" rtlCol="1" anchor="ctr"/>
-          <a:lstStyle/>
-          <a:p>
-            <a:pPr marL="0" marR="0" lvl="0" indent="0" algn="ctr" defTabSz="914400" rtl="1" eaLnBrk="1" fontAlgn="auto" latinLnBrk="0" hangingPunct="1">
-              <a:lnSpc>
-                <a:spcPct val="100000"/>
-              </a:lnSpc>
-              <a:spcBef>
-                <a:spcPts val="0"/>
-              </a:spcBef>
-              <a:spcAft>
-                <a:spcPts val="0"/>
-              </a:spcAft>
-              <a:buClrTx/>
-              <a:buSzTx/>
-              <a:buFontTx/>
-              <a:buNone/>
-              <a:tabLst/>
-              <a:defRPr/>
-            </a:pPr>
-            <a:r>
-              <a:rPr kumimoji="0" lang="he-IL" sz="1937" b="0" i="0" u="none" strike="noStrike" kern="1200" cap="none" spc="0" normalizeH="0" baseline="0" noProof="0" dirty="0">
-                <a:ln>
-                  <a:noFill/>
-                </a:ln>
-                <a:solidFill>
-                  <a:prstClr val="black"/>
-                </a:solidFill>
-                <a:effectLst/>
-                <a:uLnTx/>
-                <a:uFillTx/>
-                <a:latin typeface="David" panose="020E0502060401010101" pitchFamily="34" charset="-79"/>
-                <a:ea typeface="+mn-ea"/>
-                <a:cs typeface="David" panose="020E0502060401010101" pitchFamily="34" charset="-79"/>
-              </a:rPr>
-              <a:t>כשסיימת לקרוא,</a:t>
-            </a:r>
-          </a:p>
-          <a:p>
-            <a:pPr marL="0" marR="0" lvl="0" indent="0" algn="ctr" defTabSz="914400" rtl="1" eaLnBrk="1" fontAlgn="auto" latinLnBrk="0" hangingPunct="1">
-              <a:lnSpc>
-                <a:spcPct val="100000"/>
-              </a:lnSpc>
-              <a:spcBef>
-                <a:spcPts val="0"/>
-              </a:spcBef>
-              <a:spcAft>
-                <a:spcPts val="0"/>
-              </a:spcAft>
-              <a:buClrTx/>
-              <a:buSzTx/>
-              <a:buFontTx/>
-              <a:buNone/>
-              <a:tabLst/>
-              <a:defRPr/>
-            </a:pPr>
-            <a:r>
-              <a:rPr kumimoji="0" lang="he-IL" sz="1937" b="0" i="0" u="sng" strike="noStrike" kern="1200" cap="none" spc="0" normalizeH="0" baseline="0" noProof="0" dirty="0">
-                <a:ln>
-                  <a:noFill/>
-                </a:ln>
-                <a:solidFill>
-                  <a:prstClr val="black"/>
-                </a:solidFill>
-                <a:effectLst/>
-                <a:uLnTx/>
-                <a:uFillTx/>
-                <a:latin typeface="David" panose="020E0502060401010101" pitchFamily="34" charset="-79"/>
-                <a:ea typeface="+mn-ea"/>
-                <a:cs typeface="David" panose="020E0502060401010101" pitchFamily="34" charset="-79"/>
-              </a:rPr>
-              <a:t> לחץ/י על מקש רווח</a:t>
-            </a:r>
-            <a:endParaRPr kumimoji="0" lang="he-IL" sz="1937" b="0" i="0" u="none" strike="noStrike" kern="1200" cap="none" spc="0" normalizeH="0" baseline="0" noProof="0" dirty="0">
-              <a:ln>
-                <a:noFill/>
-              </a:ln>
-              <a:solidFill>
-                <a:prstClr val="black"/>
-              </a:solidFill>
-              <a:effectLst/>
-              <a:uLnTx/>
-              <a:uFillTx/>
-              <a:latin typeface="David" panose="020E0502060401010101" pitchFamily="34" charset="-79"/>
-              <a:ea typeface="+mn-ea"/>
-              <a:cs typeface="David" panose="020E0502060401010101" pitchFamily="34" charset="-79"/>
-            </a:endParaRPr>
-          </a:p>
-        </p:txBody>
-      </p:sp>
-    </p:spTree>
-    <p:extLst>
-      <p:ext uri="{BB962C8B-B14F-4D97-AF65-F5344CB8AC3E}">
-        <p14:creationId xmlns:p14="http://schemas.microsoft.com/office/powerpoint/2010/main" val="3125131829"/>
-      </p:ext>
-    </p:extLst>
-  </p:cSld>
-  <p:clrMapOvr>
-    <a:masterClrMapping/>
-  </p:clrMapOvr>
-</p:sld>
-</file>
-
-<file path=ppt/slides/slide5.xml><?xml version="1.0" encoding="utf-8"?>
-<p:sld xmlns:a="http://schemas.openxmlformats.org/drawingml/2006/main" xmlns:r="http://schemas.openxmlformats.org/officeDocument/2006/relationships" xmlns:p="http://schemas.openxmlformats.org/presentationml/2006/main">
-  <p:cSld>
-    <p:spTree>
-      <p:nvGrpSpPr>
-        <p:cNvPr id="1" name=""/>
-        <p:cNvGrpSpPr/>
-        <p:nvPr/>
-      </p:nvGrpSpPr>
-      <p:grpSpPr>
-        <a:xfrm>
-          <a:off x="0" y="0"/>
-          <a:ext cx="0" cy="0"/>
-          <a:chOff x="0" y="0"/>
-          <a:chExt cx="0" cy="0"/>
-        </a:xfrm>
-      </p:grpSpPr>
-      <p:sp>
-        <p:nvSpPr>
-          <p:cNvPr id="4" name="Rectangle 3"/>
-          <p:cNvSpPr>
-            <a:spLocks/>
-          </p:cNvSpPr>
-          <p:nvPr/>
-        </p:nvSpPr>
-        <p:spPr>
-          <a:xfrm>
-            <a:off x="2065971" y="577526"/>
-            <a:ext cx="8071946" cy="4969278"/>
-          </a:xfrm>
-          <a:prstGeom prst="rect">
-            <a:avLst/>
-          </a:prstGeom>
-          <a:solidFill>
-            <a:schemeClr val="bg1">
-              <a:lumMod val="65000"/>
-            </a:schemeClr>
-          </a:solidFill>
-          <a:ln w="76200">
-            <a:solidFill>
-              <a:schemeClr val="tx1">
-                <a:lumMod val="65000"/>
-                <a:lumOff val="35000"/>
-              </a:schemeClr>
-            </a:solidFill>
-          </a:ln>
-        </p:spPr>
-        <p:style>
-          <a:lnRef idx="2">
-            <a:schemeClr val="accent1">
-              <a:shade val="50000"/>
-            </a:schemeClr>
-          </a:lnRef>
-          <a:fillRef idx="1">
-            <a:schemeClr val="accent1"/>
-          </a:fillRef>
-          <a:effectRef idx="0">
-            <a:schemeClr val="accent1"/>
-          </a:effectRef>
-          <a:fontRef idx="minor">
-            <a:schemeClr val="lt1"/>
-          </a:fontRef>
-        </p:style>
-        <p:txBody>
-          <a:bodyPr lIns="160949" tIns="80476" rIns="160949" bIns="80476" rtlCol="1" anchor="ctr"/>
-          <a:lstStyle/>
-          <a:p>
-            <a:pPr algn="ctr" rtl="1"/>
-            <a:r>
-              <a:rPr lang="he-IL" sz="2325" b="1" u="sng" dirty="0">
-                <a:solidFill>
-                  <a:schemeClr val="tx1"/>
-                </a:solidFill>
-                <a:latin typeface="David" panose="020E0502060401010101" pitchFamily="34" charset="-79"/>
-                <a:cs typeface="David" panose="020E0502060401010101" pitchFamily="34" charset="-79"/>
-              </a:rPr>
-              <a:t>אימון מנטלי להפחתת הטיית קשב</a:t>
-            </a:r>
-          </a:p>
-          <a:p>
-            <a:pPr algn="ctr" rtl="1"/>
-            <a:endParaRPr lang="en-US" sz="2325" dirty="0">
-              <a:solidFill>
-                <a:schemeClr val="tx1"/>
-              </a:solidFill>
-              <a:latin typeface="David" panose="020E0502060401010101" pitchFamily="34" charset="-79"/>
-              <a:cs typeface="David" panose="020E0502060401010101" pitchFamily="34" charset="-79"/>
-            </a:endParaRPr>
-          </a:p>
-          <a:p>
-            <a:pPr algn="ctr" rtl="1"/>
-            <a:r>
-              <a:rPr lang="he-IL" sz="2325" dirty="0">
-                <a:solidFill>
-                  <a:schemeClr val="tx1"/>
-                </a:solidFill>
-                <a:latin typeface="David" panose="020E0502060401010101" pitchFamily="34" charset="-79"/>
-                <a:cs typeface="David" panose="020E0502060401010101" pitchFamily="34" charset="-79"/>
-              </a:rPr>
-              <a:t>כעת, בחלק מהצעדים יוצג בפניך משוב על המידה בה הקשב שלך מוטה כלפי מחשבה ספציפית. </a:t>
-            </a:r>
-          </a:p>
-          <a:p>
-            <a:pPr algn="ctr" rtl="1"/>
-            <a:endParaRPr lang="he-IL" sz="2325" dirty="0">
-              <a:solidFill>
-                <a:schemeClr val="tx1"/>
-              </a:solidFill>
-              <a:latin typeface="David" panose="020E0502060401010101" pitchFamily="34" charset="-79"/>
-              <a:cs typeface="David" panose="020E0502060401010101" pitchFamily="34" charset="-79"/>
-            </a:endParaRPr>
-          </a:p>
-          <a:p>
-            <a:pPr algn="ctr" rtl="1"/>
-            <a:endParaRPr lang="he-IL" sz="2325" dirty="0">
-              <a:solidFill>
-                <a:schemeClr val="tx1"/>
-              </a:solidFill>
-              <a:latin typeface="David" panose="020E0502060401010101" pitchFamily="34" charset="-79"/>
-              <a:cs typeface="David" panose="020E0502060401010101" pitchFamily="34" charset="-79"/>
-            </a:endParaRPr>
-          </a:p>
-          <a:p>
-            <a:pPr algn="ctr" rtl="1"/>
-            <a:endParaRPr lang="he-IL" sz="2325" dirty="0">
-              <a:solidFill>
-                <a:schemeClr val="tx1"/>
-              </a:solidFill>
-              <a:latin typeface="David" panose="020E0502060401010101" pitchFamily="34" charset="-79"/>
-              <a:cs typeface="David" panose="020E0502060401010101" pitchFamily="34" charset="-79"/>
-            </a:endParaRPr>
-          </a:p>
-        </p:txBody>
-      </p:sp>
-      <p:sp>
-        <p:nvSpPr>
-          <p:cNvPr id="5" name="Rectangle 4"/>
-          <p:cNvSpPr/>
-          <p:nvPr/>
-        </p:nvSpPr>
-        <p:spPr>
-          <a:xfrm>
-            <a:off x="4726770" y="5358207"/>
-            <a:ext cx="2750351" cy="1021313"/>
-          </a:xfrm>
-          <a:prstGeom prst="rect">
-            <a:avLst/>
-          </a:prstGeom>
-          <a:solidFill>
-            <a:schemeClr val="tx1">
-              <a:lumMod val="65000"/>
-              <a:lumOff val="35000"/>
-            </a:schemeClr>
-          </a:solidFill>
-          <a:ln w="76200">
-            <a:solidFill>
-              <a:schemeClr val="tx1">
-                <a:lumMod val="85000"/>
-                <a:lumOff val="15000"/>
-              </a:schemeClr>
-            </a:solidFill>
-          </a:ln>
-        </p:spPr>
-        <p:style>
-          <a:lnRef idx="2">
-            <a:schemeClr val="accent1">
-              <a:shade val="50000"/>
-            </a:schemeClr>
-          </a:lnRef>
-          <a:fillRef idx="1">
-            <a:schemeClr val="accent1"/>
-          </a:fillRef>
-          <a:effectRef idx="0">
-            <a:schemeClr val="accent1"/>
-          </a:effectRef>
-          <a:fontRef idx="minor">
-            <a:schemeClr val="lt1"/>
-          </a:fontRef>
-        </p:style>
-        <p:txBody>
-          <a:bodyPr lIns="160949" tIns="80476" rIns="160949" bIns="80476" rtlCol="1" anchor="ctr"/>
-          <a:lstStyle/>
-          <a:p>
-            <a:pPr algn="ctr" rtl="1"/>
-            <a:r>
-              <a:rPr lang="he-IL" sz="1937" dirty="0">
-                <a:solidFill>
-                  <a:schemeClr val="tx1"/>
-                </a:solidFill>
-                <a:latin typeface="David" panose="020E0502060401010101" pitchFamily="34" charset="-79"/>
-                <a:cs typeface="David" panose="020E0502060401010101" pitchFamily="34" charset="-79"/>
-              </a:rPr>
-              <a:t>לחץ על אחד המקשים כדי להמשיך</a:t>
-            </a:r>
-          </a:p>
-        </p:txBody>
-      </p:sp>
-    </p:spTree>
-    <p:extLst>
-      <p:ext uri="{BB962C8B-B14F-4D97-AF65-F5344CB8AC3E}">
-        <p14:creationId xmlns:p14="http://schemas.microsoft.com/office/powerpoint/2010/main" val="1428596441"/>
-      </p:ext>
-    </p:extLst>
-  </p:cSld>
-  <p:clrMapOvr>
-    <a:masterClrMapping/>
-  </p:clrMapOvr>
-</p:sld>
-</file>
-
-<file path=ppt/slides/slide6.xml><?xml version="1.0" encoding="utf-8"?>
-<p:sld xmlns:a="http://schemas.openxmlformats.org/drawingml/2006/main" xmlns:r="http://schemas.openxmlformats.org/officeDocument/2006/relationships" xmlns:p="http://schemas.openxmlformats.org/presentationml/2006/main" show="0">
-  <p:cSld>
-    <p:spTree>
-      <p:nvGrpSpPr>
-        <p:cNvPr id="1" name=""/>
-        <p:cNvGrpSpPr/>
-        <p:nvPr/>
-      </p:nvGrpSpPr>
-      <p:grpSpPr>
-        <a:xfrm>
-          <a:off x="0" y="0"/>
-          <a:ext cx="0" cy="0"/>
-          <a:chOff x="0" y="0"/>
-          <a:chExt cx="0" cy="0"/>
-        </a:xfrm>
-      </p:grpSpPr>
-      <p:sp>
-        <p:nvSpPr>
-          <p:cNvPr id="4" name="Rectangle 3"/>
-          <p:cNvSpPr>
-            <a:spLocks/>
-          </p:cNvSpPr>
-          <p:nvPr/>
-        </p:nvSpPr>
-        <p:spPr>
-          <a:xfrm>
-            <a:off x="2065971" y="577526"/>
-            <a:ext cx="8071946" cy="4969278"/>
-          </a:xfrm>
-          <a:prstGeom prst="rect">
-            <a:avLst/>
-          </a:prstGeom>
-          <a:solidFill>
-            <a:schemeClr val="bg1">
-              <a:lumMod val="65000"/>
-            </a:schemeClr>
-          </a:solidFill>
-          <a:ln w="76200">
-            <a:solidFill>
-              <a:schemeClr val="tx1">
-                <a:lumMod val="65000"/>
-                <a:lumOff val="35000"/>
-              </a:schemeClr>
-            </a:solidFill>
-          </a:ln>
-        </p:spPr>
-        <p:style>
-          <a:lnRef idx="2">
-            <a:schemeClr val="accent1">
-              <a:shade val="50000"/>
-            </a:schemeClr>
-          </a:lnRef>
-          <a:fillRef idx="1">
-            <a:schemeClr val="accent1"/>
-          </a:fillRef>
-          <a:effectRef idx="0">
-            <a:schemeClr val="accent1"/>
-          </a:effectRef>
-          <a:fontRef idx="minor">
-            <a:schemeClr val="lt1"/>
-          </a:fontRef>
-        </p:style>
-        <p:txBody>
-          <a:bodyPr lIns="160949" tIns="80476" rIns="160949" bIns="80476" rtlCol="1" anchor="ctr"/>
-          <a:lstStyle/>
-          <a:p>
-            <a:pPr algn="ctr" rtl="1"/>
-            <a:r>
-              <a:rPr lang="he-IL" sz="2325" b="1" u="sng" dirty="0">
-                <a:solidFill>
-                  <a:schemeClr val="tx1"/>
-                </a:solidFill>
-                <a:latin typeface="David" panose="020E0502060401010101" pitchFamily="34" charset="-79"/>
-                <a:cs typeface="David" panose="020E0502060401010101" pitchFamily="34" charset="-79"/>
-              </a:rPr>
-              <a:t>אימון מנטלי להפחתת הטיית קשב</a:t>
-            </a:r>
-          </a:p>
-          <a:p>
-            <a:pPr algn="ctr" rtl="1"/>
-            <a:endParaRPr lang="en-US" sz="2325" dirty="0">
-              <a:solidFill>
-                <a:schemeClr val="tx1"/>
-              </a:solidFill>
-              <a:latin typeface="David" panose="020E0502060401010101" pitchFamily="34" charset="-79"/>
-              <a:cs typeface="David" panose="020E0502060401010101" pitchFamily="34" charset="-79"/>
-            </a:endParaRPr>
-          </a:p>
-          <a:p>
-            <a:pPr algn="ctr" rtl="1"/>
-            <a:r>
-              <a:rPr lang="he-IL" sz="2325" dirty="0">
-                <a:solidFill>
-                  <a:schemeClr val="tx1"/>
-                </a:solidFill>
-                <a:latin typeface="David" panose="020E0502060401010101" pitchFamily="34" charset="-79"/>
-                <a:cs typeface="David" panose="020E0502060401010101" pitchFamily="34" charset="-79"/>
-              </a:rPr>
-              <a:t>האימון שתבצע עכשיו דומה למטלה שביצעת קודם, רק שהפעם בחלק מהצעדים יוצג בפניך משוב על המידה בה הקשב שלך מוטה כלפי מחשבה ספציפית. </a:t>
-            </a:r>
-            <a:r>
-              <a:rPr lang="he-IL" sz="2325" dirty="0">
-                <a:solidFill>
-                  <a:srgbClr val="FF0000"/>
-                </a:solidFill>
-                <a:latin typeface="David" panose="020E0502060401010101" pitchFamily="34" charset="-79"/>
-                <a:cs typeface="David" panose="020E0502060401010101" pitchFamily="34" charset="-79"/>
-              </a:rPr>
-              <a:t>[להסביר שהפידבק הוא על ההטיה במחשבה הספציפית לפי אריק]</a:t>
-            </a:r>
-          </a:p>
-          <a:p>
-            <a:pPr algn="ctr" rtl="1"/>
-            <a:endParaRPr lang="he-IL" sz="2325" dirty="0">
-              <a:solidFill>
-                <a:schemeClr val="tx1"/>
-              </a:solidFill>
-              <a:latin typeface="David" panose="020E0502060401010101" pitchFamily="34" charset="-79"/>
-              <a:cs typeface="David" panose="020E0502060401010101" pitchFamily="34" charset="-79"/>
-            </a:endParaRPr>
-          </a:p>
-          <a:p>
-            <a:pPr algn="ctr" rtl="1"/>
-            <a:r>
-              <a:rPr lang="he-IL" sz="2325" dirty="0">
-                <a:solidFill>
-                  <a:schemeClr val="tx1"/>
-                </a:solidFill>
-                <a:latin typeface="David" panose="020E0502060401010101" pitchFamily="34" charset="-79"/>
-                <a:cs typeface="David" panose="020E0502060401010101" pitchFamily="34" charset="-79"/>
-              </a:rPr>
-              <a:t>בכל צעד, אתה מתבקש ללחוץ על הכפתור המתאים במקלדת בדיוק כפי שעשית קודם – מהר, ומדויק, לפי הספרה המוצגת.</a:t>
-            </a:r>
-          </a:p>
-          <a:p>
-            <a:pPr algn="ctr" rtl="1"/>
-            <a:endParaRPr lang="he-IL" sz="2325" dirty="0">
-              <a:solidFill>
-                <a:schemeClr val="tx1"/>
-              </a:solidFill>
-              <a:latin typeface="David" panose="020E0502060401010101" pitchFamily="34" charset="-79"/>
-              <a:cs typeface="David" panose="020E0502060401010101" pitchFamily="34" charset="-79"/>
-            </a:endParaRPr>
-          </a:p>
-          <a:p>
-            <a:pPr algn="ctr" rtl="1"/>
-            <a:r>
-              <a:rPr lang="he-IL" sz="2325" dirty="0">
-                <a:solidFill>
-                  <a:srgbClr val="FF0000"/>
-                </a:solidFill>
-                <a:latin typeface="David" panose="020E0502060401010101" pitchFamily="34" charset="-79"/>
-                <a:cs typeface="David" panose="020E0502060401010101" pitchFamily="34" charset="-79"/>
-              </a:rPr>
-              <a:t>[תמונה של מקלדת עם המדבקות]</a:t>
-            </a:r>
-          </a:p>
-          <a:p>
-            <a:pPr algn="ctr" rtl="1"/>
-            <a:endParaRPr lang="he-IL" sz="2325" dirty="0">
-              <a:solidFill>
-                <a:schemeClr val="tx1"/>
-              </a:solidFill>
-              <a:latin typeface="David" panose="020E0502060401010101" pitchFamily="34" charset="-79"/>
-              <a:cs typeface="David" panose="020E0502060401010101" pitchFamily="34" charset="-79"/>
-            </a:endParaRPr>
-          </a:p>
-        </p:txBody>
-      </p:sp>
-      <p:sp>
-        <p:nvSpPr>
-          <p:cNvPr id="5" name="Rectangle 4"/>
-          <p:cNvSpPr/>
-          <p:nvPr/>
-        </p:nvSpPr>
-        <p:spPr>
-          <a:xfrm>
-            <a:off x="4726770" y="5358207"/>
-            <a:ext cx="2750351" cy="1021313"/>
-          </a:xfrm>
-          <a:prstGeom prst="rect">
-            <a:avLst/>
-          </a:prstGeom>
-          <a:solidFill>
-            <a:schemeClr val="tx1">
-              <a:lumMod val="65000"/>
-              <a:lumOff val="35000"/>
-            </a:schemeClr>
-          </a:solidFill>
-          <a:ln w="76200">
-            <a:solidFill>
-              <a:schemeClr val="tx1">
-                <a:lumMod val="85000"/>
-                <a:lumOff val="15000"/>
-              </a:schemeClr>
-            </a:solidFill>
-          </a:ln>
-        </p:spPr>
-        <p:style>
-          <a:lnRef idx="2">
-            <a:schemeClr val="accent1">
-              <a:shade val="50000"/>
-            </a:schemeClr>
-          </a:lnRef>
-          <a:fillRef idx="1">
-            <a:schemeClr val="accent1"/>
-          </a:fillRef>
-          <a:effectRef idx="0">
-            <a:schemeClr val="accent1"/>
-          </a:effectRef>
-          <a:fontRef idx="minor">
-            <a:schemeClr val="lt1"/>
-          </a:fontRef>
-        </p:style>
-        <p:txBody>
-          <a:bodyPr lIns="160949" tIns="80476" rIns="160949" bIns="80476" rtlCol="1" anchor="ctr"/>
-          <a:lstStyle/>
-          <a:p>
-            <a:pPr algn="ctr" rtl="1"/>
-            <a:r>
-              <a:rPr lang="he-IL" sz="1937" dirty="0">
-                <a:solidFill>
-                  <a:schemeClr val="tx1"/>
-                </a:solidFill>
-                <a:latin typeface="David" panose="020E0502060401010101" pitchFamily="34" charset="-79"/>
-                <a:cs typeface="David" panose="020E0502060401010101" pitchFamily="34" charset="-79"/>
-              </a:rPr>
-              <a:t>לחץ על אחד המקשים כדי להמשיך</a:t>
-            </a:r>
-          </a:p>
-        </p:txBody>
-      </p:sp>
     </p:spTree>
     <p:extLst>
       <p:ext uri="{BB962C8B-B14F-4D97-AF65-F5344CB8AC3E}">
         <p14:creationId xmlns:p14="http://schemas.microsoft.com/office/powerpoint/2010/main" val="3341437713"/>
-      </p:ext>
-    </p:extLst>
-  </p:cSld>
-  <p:clrMapOvr>
-    <a:masterClrMapping/>
-  </p:clrMapOvr>
-</p:sld>
-</file>
-
-<file path=ppt/slides/slide7.xml><?xml version="1.0" encoding="utf-8"?>
-<p:sld xmlns:a="http://schemas.openxmlformats.org/drawingml/2006/main" xmlns:r="http://schemas.openxmlformats.org/officeDocument/2006/relationships" xmlns:p="http://schemas.openxmlformats.org/presentationml/2006/main">
-  <p:cSld>
-    <p:spTree>
-      <p:nvGrpSpPr>
-        <p:cNvPr id="1" name=""/>
-        <p:cNvGrpSpPr/>
-        <p:nvPr/>
-      </p:nvGrpSpPr>
-      <p:grpSpPr>
-        <a:xfrm>
-          <a:off x="0" y="0"/>
-          <a:ext cx="0" cy="0"/>
-          <a:chOff x="0" y="0"/>
-          <a:chExt cx="0" cy="0"/>
-        </a:xfrm>
-      </p:grpSpPr>
-      <p:sp>
-        <p:nvSpPr>
-          <p:cNvPr id="4" name="Rectangle 3"/>
-          <p:cNvSpPr>
-            <a:spLocks/>
-          </p:cNvSpPr>
-          <p:nvPr/>
-        </p:nvSpPr>
-        <p:spPr>
-          <a:xfrm>
-            <a:off x="2065971" y="577526"/>
-            <a:ext cx="8071946" cy="4969278"/>
-          </a:xfrm>
-          <a:prstGeom prst="rect">
-            <a:avLst/>
-          </a:prstGeom>
-          <a:solidFill>
-            <a:schemeClr val="bg1">
-              <a:lumMod val="65000"/>
-            </a:schemeClr>
-          </a:solidFill>
-          <a:ln w="76200">
-            <a:solidFill>
-              <a:schemeClr val="tx1">
-                <a:lumMod val="65000"/>
-                <a:lumOff val="35000"/>
-              </a:schemeClr>
-            </a:solidFill>
-          </a:ln>
-        </p:spPr>
-        <p:style>
-          <a:lnRef idx="2">
-            <a:schemeClr val="accent1">
-              <a:shade val="50000"/>
-            </a:schemeClr>
-          </a:lnRef>
-          <a:fillRef idx="1">
-            <a:schemeClr val="accent1"/>
-          </a:fillRef>
-          <a:effectRef idx="0">
-            <a:schemeClr val="accent1"/>
-          </a:effectRef>
-          <a:fontRef idx="minor">
-            <a:schemeClr val="lt1"/>
-          </a:fontRef>
-        </p:style>
-        <p:txBody>
-          <a:bodyPr lIns="160949" tIns="80476" rIns="160949" bIns="80476" rtlCol="1" anchor="ctr"/>
-          <a:lstStyle/>
-          <a:p>
-            <a:pPr algn="ctr" rtl="1"/>
-            <a:r>
-              <a:rPr lang="he-IL" sz="2325" dirty="0">
-                <a:solidFill>
-                  <a:schemeClr val="tx1"/>
-                </a:solidFill>
-                <a:latin typeface="David" panose="020E0502060401010101" pitchFamily="34" charset="-79"/>
-                <a:cs typeface="David" panose="020E0502060401010101" pitchFamily="34" charset="-79"/>
-              </a:rPr>
-              <a:t>מיד לאחר שתלחץ על הכפתור, יוצג בפניך המשוב הבא:</a:t>
-            </a:r>
-            <a:endParaRPr lang="en-US" sz="2325" dirty="0">
-              <a:solidFill>
-                <a:schemeClr val="tx1"/>
-              </a:solidFill>
-              <a:latin typeface="David" panose="020E0502060401010101" pitchFamily="34" charset="-79"/>
-              <a:cs typeface="David" panose="020E0502060401010101" pitchFamily="34" charset="-79"/>
-            </a:endParaRPr>
-          </a:p>
-          <a:p>
-            <a:pPr algn="ctr" rtl="1"/>
-            <a:endParaRPr lang="en-US" sz="2325" dirty="0">
-              <a:solidFill>
-                <a:schemeClr val="tx1"/>
-              </a:solidFill>
-              <a:latin typeface="David" panose="020E0502060401010101" pitchFamily="34" charset="-79"/>
-              <a:cs typeface="David" panose="020E0502060401010101" pitchFamily="34" charset="-79"/>
-            </a:endParaRPr>
-          </a:p>
-          <a:p>
-            <a:pPr algn="ctr" rtl="1"/>
-            <a:endParaRPr lang="en-US" sz="2325" dirty="0">
-              <a:solidFill>
-                <a:schemeClr val="tx1"/>
-              </a:solidFill>
-              <a:latin typeface="David" panose="020E0502060401010101" pitchFamily="34" charset="-79"/>
-              <a:cs typeface="David" panose="020E0502060401010101" pitchFamily="34" charset="-79"/>
-            </a:endParaRPr>
-          </a:p>
-          <a:p>
-            <a:pPr algn="ctr" rtl="1"/>
-            <a:endParaRPr lang="en-US" sz="2325" dirty="0">
-              <a:solidFill>
-                <a:schemeClr val="tx1"/>
-              </a:solidFill>
-              <a:latin typeface="David" panose="020E0502060401010101" pitchFamily="34" charset="-79"/>
-              <a:cs typeface="David" panose="020E0502060401010101" pitchFamily="34" charset="-79"/>
-            </a:endParaRPr>
-          </a:p>
-          <a:p>
-            <a:pPr algn="ctr" rtl="1"/>
-            <a:endParaRPr lang="he-IL" sz="2325" dirty="0">
-              <a:solidFill>
-                <a:schemeClr val="tx1"/>
-              </a:solidFill>
-              <a:latin typeface="David" panose="020E0502060401010101" pitchFamily="34" charset="-79"/>
-              <a:cs typeface="David" panose="020E0502060401010101" pitchFamily="34" charset="-79"/>
-            </a:endParaRPr>
-          </a:p>
-          <a:p>
-            <a:pPr algn="ctr" rtl="1"/>
-            <a:endParaRPr lang="he-IL" sz="2325" dirty="0">
-              <a:solidFill>
-                <a:schemeClr val="tx1"/>
-              </a:solidFill>
-              <a:latin typeface="David" panose="020E0502060401010101" pitchFamily="34" charset="-79"/>
-              <a:cs typeface="David" panose="020E0502060401010101" pitchFamily="34" charset="-79"/>
-            </a:endParaRPr>
-          </a:p>
-          <a:p>
-            <a:pPr algn="ctr" rtl="1"/>
-            <a:endParaRPr lang="he-IL" sz="2325" dirty="0">
-              <a:solidFill>
-                <a:schemeClr val="tx1"/>
-              </a:solidFill>
-              <a:latin typeface="David" panose="020E0502060401010101" pitchFamily="34" charset="-79"/>
-              <a:cs typeface="David" panose="020E0502060401010101" pitchFamily="34" charset="-79"/>
-            </a:endParaRPr>
-          </a:p>
-          <a:p>
-            <a:pPr algn="ctr" rtl="1"/>
-            <a:endParaRPr lang="he-IL" sz="2325" dirty="0">
-              <a:solidFill>
-                <a:schemeClr val="tx1"/>
-              </a:solidFill>
-              <a:latin typeface="David" panose="020E0502060401010101" pitchFamily="34" charset="-79"/>
-              <a:cs typeface="David" panose="020E0502060401010101" pitchFamily="34" charset="-79"/>
-            </a:endParaRPr>
-          </a:p>
-          <a:p>
-            <a:pPr algn="ctr" rtl="1"/>
-            <a:endParaRPr lang="he-IL" sz="2325" dirty="0">
-              <a:solidFill>
-                <a:schemeClr val="tx1"/>
-              </a:solidFill>
-              <a:latin typeface="David" panose="020E0502060401010101" pitchFamily="34" charset="-79"/>
-              <a:cs typeface="David" panose="020E0502060401010101" pitchFamily="34" charset="-79"/>
-            </a:endParaRPr>
-          </a:p>
-          <a:p>
-            <a:pPr algn="ctr" rtl="1"/>
-            <a:endParaRPr lang="he-IL" sz="2325" dirty="0">
-              <a:solidFill>
-                <a:schemeClr val="tx1"/>
-              </a:solidFill>
-              <a:latin typeface="David" panose="020E0502060401010101" pitchFamily="34" charset="-79"/>
-              <a:cs typeface="David" panose="020E0502060401010101" pitchFamily="34" charset="-79"/>
-            </a:endParaRPr>
-          </a:p>
-          <a:p>
-            <a:pPr algn="ctr" rtl="1"/>
-            <a:endParaRPr lang="he-IL" sz="2325" dirty="0">
-              <a:solidFill>
-                <a:schemeClr val="tx1"/>
-              </a:solidFill>
-              <a:latin typeface="David" panose="020E0502060401010101" pitchFamily="34" charset="-79"/>
-              <a:cs typeface="David" panose="020E0502060401010101" pitchFamily="34" charset="-79"/>
-            </a:endParaRPr>
-          </a:p>
-        </p:txBody>
-      </p:sp>
-      <p:sp>
-        <p:nvSpPr>
-          <p:cNvPr id="5" name="Rectangle 4"/>
-          <p:cNvSpPr/>
-          <p:nvPr/>
-        </p:nvSpPr>
-        <p:spPr>
-          <a:xfrm>
-            <a:off x="4726770" y="5358207"/>
-            <a:ext cx="2750351" cy="1021313"/>
-          </a:xfrm>
-          <a:prstGeom prst="rect">
-            <a:avLst/>
-          </a:prstGeom>
-          <a:solidFill>
-            <a:schemeClr val="tx1">
-              <a:lumMod val="65000"/>
-              <a:lumOff val="35000"/>
-            </a:schemeClr>
-          </a:solidFill>
-          <a:ln w="76200">
-            <a:solidFill>
-              <a:schemeClr val="tx1">
-                <a:lumMod val="85000"/>
-                <a:lumOff val="15000"/>
-              </a:schemeClr>
-            </a:solidFill>
-          </a:ln>
-        </p:spPr>
-        <p:style>
-          <a:lnRef idx="2">
-            <a:schemeClr val="accent1">
-              <a:shade val="50000"/>
-            </a:schemeClr>
-          </a:lnRef>
-          <a:fillRef idx="1">
-            <a:schemeClr val="accent1"/>
-          </a:fillRef>
-          <a:effectRef idx="0">
-            <a:schemeClr val="accent1"/>
-          </a:effectRef>
-          <a:fontRef idx="minor">
-            <a:schemeClr val="lt1"/>
-          </a:fontRef>
-        </p:style>
-        <p:txBody>
-          <a:bodyPr lIns="160949" tIns="80476" rIns="160949" bIns="80476" rtlCol="1" anchor="ctr"/>
-          <a:lstStyle/>
-          <a:p>
-            <a:pPr algn="ctr" rtl="1"/>
-            <a:r>
-              <a:rPr lang="he-IL" sz="1937" dirty="0">
-                <a:solidFill>
-                  <a:schemeClr val="tx1"/>
-                </a:solidFill>
-                <a:latin typeface="David" panose="020E0502060401010101" pitchFamily="34" charset="-79"/>
-                <a:cs typeface="David" panose="020E0502060401010101" pitchFamily="34" charset="-79"/>
-              </a:rPr>
-              <a:t>לחץ על אחד המקשים כדי להמשיך</a:t>
-            </a:r>
-          </a:p>
-        </p:txBody>
-      </p:sp>
-      <p:pic>
-        <p:nvPicPr>
-          <p:cNvPr id="3" name="Picture 2"/>
-          <p:cNvPicPr>
-            <a:picLocks noChangeAspect="1"/>
-          </p:cNvPicPr>
-          <p:nvPr/>
-        </p:nvPicPr>
-        <p:blipFill>
-          <a:blip r:embed="rId2">
-            <a:extLst>
-              <a:ext uri="{28A0092B-C50C-407E-A947-70E740481C1C}">
-                <a14:useLocalDpi xmlns:a14="http://schemas.microsoft.com/office/drawing/2010/main" val="0"/>
-              </a:ext>
-            </a:extLst>
-          </a:blip>
-          <a:stretch>
-            <a:fillRect/>
-          </a:stretch>
-        </p:blipFill>
-        <p:spPr>
-          <a:xfrm>
-            <a:off x="6174929" y="3206837"/>
-            <a:ext cx="1302192" cy="312526"/>
-          </a:xfrm>
-          <a:prstGeom prst="rect">
-            <a:avLst/>
-          </a:prstGeom>
-        </p:spPr>
-      </p:pic>
-      <p:grpSp>
-        <p:nvGrpSpPr>
-          <p:cNvPr id="8" name="Group 7">
-            <a:extLst>
-              <a:ext uri="{FF2B5EF4-FFF2-40B4-BE49-F238E27FC236}">
-                <a16:creationId xmlns:a16="http://schemas.microsoft.com/office/drawing/2014/main" id="{FD73CF6C-85FA-421C-9C81-75CB47496658}"/>
-              </a:ext>
-            </a:extLst>
-          </p:cNvPr>
-          <p:cNvGrpSpPr/>
-          <p:nvPr/>
-        </p:nvGrpSpPr>
-        <p:grpSpPr>
-          <a:xfrm>
-            <a:off x="5456126" y="1779803"/>
-            <a:ext cx="645818" cy="3166594"/>
-            <a:chOff x="5456126" y="1779803"/>
-            <a:chExt cx="645818" cy="3166594"/>
-          </a:xfrm>
-        </p:grpSpPr>
-        <p:pic>
-          <p:nvPicPr>
-            <p:cNvPr id="2" name="Picture 1"/>
-            <p:cNvPicPr>
-              <a:picLocks noChangeAspect="1"/>
-            </p:cNvPicPr>
-            <p:nvPr/>
-          </p:nvPicPr>
-          <p:blipFill>
-            <a:blip r:embed="rId3">
-              <a:extLst>
-                <a:ext uri="{28A0092B-C50C-407E-A947-70E740481C1C}">
-                  <a14:useLocalDpi xmlns:a14="http://schemas.microsoft.com/office/drawing/2010/main" val="0"/>
-                </a:ext>
-              </a:extLst>
-            </a:blip>
-            <a:stretch>
-              <a:fillRect/>
-            </a:stretch>
-          </p:blipFill>
-          <p:spPr>
-            <a:xfrm>
-              <a:off x="5456126" y="1779804"/>
-              <a:ext cx="645818" cy="3166593"/>
-            </a:xfrm>
-            <a:prstGeom prst="rect">
-              <a:avLst/>
-            </a:prstGeom>
-          </p:spPr>
-        </p:pic>
-        <p:sp>
-          <p:nvSpPr>
-            <p:cNvPr id="7" name="Rectangle 6">
-              <a:extLst>
-                <a:ext uri="{FF2B5EF4-FFF2-40B4-BE49-F238E27FC236}">
-                  <a16:creationId xmlns:a16="http://schemas.microsoft.com/office/drawing/2014/main" id="{C8FEFDAD-31B9-44FC-A9A9-A715985E7A58}"/>
-                </a:ext>
-              </a:extLst>
-            </p:cNvPr>
-            <p:cNvSpPr/>
-            <p:nvPr/>
-          </p:nvSpPr>
-          <p:spPr>
-            <a:xfrm>
-              <a:off x="5456126" y="1779803"/>
-              <a:ext cx="639874" cy="405457"/>
-            </a:xfrm>
-            <a:prstGeom prst="rect">
-              <a:avLst/>
-            </a:prstGeom>
-            <a:solidFill>
-              <a:schemeClr val="accent6">
-                <a:lumMod val="60000"/>
-                <a:lumOff val="40000"/>
-              </a:schemeClr>
-            </a:solidFill>
-            <a:ln>
-              <a:solidFill>
-                <a:schemeClr val="tx1"/>
-              </a:solidFill>
-            </a:ln>
-          </p:spPr>
-          <p:style>
-            <a:lnRef idx="2">
-              <a:schemeClr val="accent1">
-                <a:shade val="50000"/>
-              </a:schemeClr>
-            </a:lnRef>
-            <a:fillRef idx="1">
-              <a:schemeClr val="accent1"/>
-            </a:fillRef>
-            <a:effectRef idx="0">
-              <a:schemeClr val="accent1"/>
-            </a:effectRef>
-            <a:fontRef idx="minor">
-              <a:schemeClr val="lt1"/>
-            </a:fontRef>
-          </p:style>
-          <p:txBody>
-            <a:bodyPr rtlCol="0" anchor="ctr"/>
-            <a:lstStyle/>
-            <a:p>
-              <a:pPr algn="ctr"/>
-              <a:r>
-                <a:rPr lang="he-IL" sz="1600" b="1" dirty="0">
-                  <a:solidFill>
-                    <a:schemeClr val="tx1"/>
-                  </a:solidFill>
-                </a:rPr>
-                <a:t>לא מוטה</a:t>
-              </a:r>
-              <a:endParaRPr lang="en-US" sz="1600" b="1" dirty="0">
-                <a:solidFill>
-                  <a:schemeClr val="tx1"/>
-                </a:solidFill>
-              </a:endParaRPr>
-            </a:p>
-          </p:txBody>
-        </p:sp>
-      </p:grpSp>
-    </p:spTree>
-    <p:extLst>
-      <p:ext uri="{BB962C8B-B14F-4D97-AF65-F5344CB8AC3E}">
-        <p14:creationId xmlns:p14="http://schemas.microsoft.com/office/powerpoint/2010/main" val="3788500263"/>
-      </p:ext>
-    </p:extLst>
-  </p:cSld>
-  <p:clrMapOvr>
-    <a:masterClrMapping/>
-  </p:clrMapOvr>
-</p:sld>
-</file>
-
-<file path=ppt/slides/slide8.xml><?xml version="1.0" encoding="utf-8"?>
-<p:sld xmlns:a="http://schemas.openxmlformats.org/drawingml/2006/main" xmlns:r="http://schemas.openxmlformats.org/officeDocument/2006/relationships" xmlns:p="http://schemas.openxmlformats.org/presentationml/2006/main">
-  <p:cSld>
-    <p:spTree>
-      <p:nvGrpSpPr>
-        <p:cNvPr id="1" name=""/>
-        <p:cNvGrpSpPr/>
-        <p:nvPr/>
-      </p:nvGrpSpPr>
-      <p:grpSpPr>
-        <a:xfrm>
-          <a:off x="0" y="0"/>
-          <a:ext cx="0" cy="0"/>
-          <a:chOff x="0" y="0"/>
-          <a:chExt cx="0" cy="0"/>
-        </a:xfrm>
-      </p:grpSpPr>
-      <p:sp>
-        <p:nvSpPr>
-          <p:cNvPr id="4" name="Rectangle 3"/>
-          <p:cNvSpPr>
-            <a:spLocks/>
-          </p:cNvSpPr>
-          <p:nvPr/>
-        </p:nvSpPr>
-        <p:spPr>
-          <a:xfrm>
-            <a:off x="2065971" y="577526"/>
-            <a:ext cx="8071946" cy="4969278"/>
-          </a:xfrm>
-          <a:prstGeom prst="rect">
-            <a:avLst/>
-          </a:prstGeom>
-          <a:solidFill>
-            <a:schemeClr val="bg1">
-              <a:lumMod val="65000"/>
-            </a:schemeClr>
-          </a:solidFill>
-          <a:ln w="76200">
-            <a:solidFill>
-              <a:schemeClr val="tx1">
-                <a:lumMod val="65000"/>
-                <a:lumOff val="35000"/>
-              </a:schemeClr>
-            </a:solidFill>
-          </a:ln>
-        </p:spPr>
-        <p:style>
-          <a:lnRef idx="2">
-            <a:schemeClr val="accent1">
-              <a:shade val="50000"/>
-            </a:schemeClr>
-          </a:lnRef>
-          <a:fillRef idx="1">
-            <a:schemeClr val="accent1"/>
-          </a:fillRef>
-          <a:effectRef idx="0">
-            <a:schemeClr val="accent1"/>
-          </a:effectRef>
-          <a:fontRef idx="minor">
-            <a:schemeClr val="lt1"/>
-          </a:fontRef>
-        </p:style>
-        <p:txBody>
-          <a:bodyPr lIns="160949" tIns="80476" rIns="160949" bIns="80476" rtlCol="1" anchor="ctr"/>
-          <a:lstStyle/>
-          <a:p>
-            <a:pPr algn="ctr" rtl="1"/>
-            <a:endParaRPr lang="he-IL" sz="2325" dirty="0">
-              <a:solidFill>
-                <a:schemeClr val="tx1"/>
-              </a:solidFill>
-              <a:latin typeface="David" panose="020E0502060401010101" pitchFamily="34" charset="-79"/>
-              <a:cs typeface="David" panose="020E0502060401010101" pitchFamily="34" charset="-79"/>
-            </a:endParaRPr>
-          </a:p>
-          <a:p>
-            <a:pPr algn="ctr" rtl="1"/>
-            <a:r>
-              <a:rPr lang="he-IL" sz="2325" dirty="0">
-                <a:solidFill>
-                  <a:schemeClr val="tx1"/>
-                </a:solidFill>
-                <a:latin typeface="David" panose="020E0502060401010101" pitchFamily="34" charset="-79"/>
-                <a:cs typeface="David" panose="020E0502060401010101" pitchFamily="34" charset="-79"/>
-              </a:rPr>
-              <a:t>מטרת האימון היא ללמד אותך להיות מודע כאשר מחשבה מסוימת משפיעה על הקשב שלך</a:t>
-            </a:r>
-          </a:p>
-          <a:p>
-            <a:pPr algn="ctr" rtl="1"/>
-            <a:r>
-              <a:rPr lang="he-IL" sz="2325" dirty="0">
-                <a:solidFill>
-                  <a:schemeClr val="tx1"/>
-                </a:solidFill>
-                <a:latin typeface="David" panose="020E0502060401010101" pitchFamily="34" charset="-79"/>
-                <a:cs typeface="David" panose="020E0502060401010101" pitchFamily="34" charset="-79"/>
-              </a:rPr>
-              <a:t>במקרה שבו מחשבה מסוימת תשפיע על הקשב שלך, החץ במשוב יצביע על "מוטה", ויראה לך עד כמה תשומת הלב שלך הושפעה מהמחשבה.</a:t>
-            </a:r>
-          </a:p>
-          <a:p>
-            <a:pPr algn="ctr" rtl="1"/>
-            <a:r>
-              <a:rPr lang="he-IL" sz="2325" dirty="0">
-                <a:solidFill>
-                  <a:schemeClr val="tx1"/>
-                </a:solidFill>
-                <a:latin typeface="David" panose="020E0502060401010101" pitchFamily="34" charset="-79"/>
-                <a:cs typeface="David" panose="020E0502060401010101" pitchFamily="34" charset="-79"/>
-              </a:rPr>
-              <a:t>ככל שהקשב שלך יהיה פחות מוטה, החץ במשוב שתקבל יעלה </a:t>
-            </a:r>
-          </a:p>
-          <a:p>
-            <a:pPr algn="ctr" rtl="1"/>
-            <a:endParaRPr lang="he-IL" sz="2325" dirty="0">
-              <a:solidFill>
-                <a:schemeClr val="tx1"/>
-              </a:solidFill>
-              <a:latin typeface="David" panose="020E0502060401010101" pitchFamily="34" charset="-79"/>
-              <a:cs typeface="David" panose="020E0502060401010101" pitchFamily="34" charset="-79"/>
-            </a:endParaRPr>
-          </a:p>
-          <a:p>
-            <a:pPr algn="ctr" rtl="1"/>
-            <a:endParaRPr lang="he-IL" sz="2325" dirty="0">
-              <a:solidFill>
-                <a:schemeClr val="tx1"/>
-              </a:solidFill>
-              <a:latin typeface="David" panose="020E0502060401010101" pitchFamily="34" charset="-79"/>
-              <a:cs typeface="David" panose="020E0502060401010101" pitchFamily="34" charset="-79"/>
-            </a:endParaRPr>
-          </a:p>
-          <a:p>
-            <a:pPr algn="ctr" rtl="1"/>
-            <a:endParaRPr lang="he-IL" sz="2325" dirty="0">
-              <a:solidFill>
-                <a:schemeClr val="tx1"/>
-              </a:solidFill>
-              <a:latin typeface="David" panose="020E0502060401010101" pitchFamily="34" charset="-79"/>
-              <a:cs typeface="David" panose="020E0502060401010101" pitchFamily="34" charset="-79"/>
-            </a:endParaRPr>
-          </a:p>
-          <a:p>
-            <a:pPr algn="ctr" rtl="1"/>
-            <a:endParaRPr lang="he-IL" sz="2325" dirty="0">
-              <a:solidFill>
-                <a:schemeClr val="tx1"/>
-              </a:solidFill>
-              <a:latin typeface="David" panose="020E0502060401010101" pitchFamily="34" charset="-79"/>
-              <a:cs typeface="David" panose="020E0502060401010101" pitchFamily="34" charset="-79"/>
-            </a:endParaRPr>
-          </a:p>
-          <a:p>
-            <a:pPr algn="ctr" rtl="1"/>
-            <a:endParaRPr lang="he-IL" sz="2325" dirty="0">
-              <a:solidFill>
-                <a:schemeClr val="tx1"/>
-              </a:solidFill>
-              <a:latin typeface="David" panose="020E0502060401010101" pitchFamily="34" charset="-79"/>
-              <a:cs typeface="David" panose="020E0502060401010101" pitchFamily="34" charset="-79"/>
-            </a:endParaRPr>
-          </a:p>
-          <a:p>
-            <a:pPr algn="ctr" rtl="1"/>
-            <a:endParaRPr lang="he-IL" sz="2325" dirty="0">
-              <a:solidFill>
-                <a:schemeClr val="tx1"/>
-              </a:solidFill>
-              <a:latin typeface="David" panose="020E0502060401010101" pitchFamily="34" charset="-79"/>
-              <a:cs typeface="David" panose="020E0502060401010101" pitchFamily="34" charset="-79"/>
-            </a:endParaRPr>
-          </a:p>
-        </p:txBody>
-      </p:sp>
-      <p:sp>
-        <p:nvSpPr>
-          <p:cNvPr id="5" name="Rectangle 4"/>
-          <p:cNvSpPr/>
-          <p:nvPr/>
-        </p:nvSpPr>
-        <p:spPr>
-          <a:xfrm>
-            <a:off x="4726770" y="5358207"/>
-            <a:ext cx="2750351" cy="1021313"/>
-          </a:xfrm>
-          <a:prstGeom prst="rect">
-            <a:avLst/>
-          </a:prstGeom>
-          <a:solidFill>
-            <a:schemeClr val="tx1">
-              <a:lumMod val="65000"/>
-              <a:lumOff val="35000"/>
-            </a:schemeClr>
-          </a:solidFill>
-          <a:ln w="76200">
-            <a:solidFill>
-              <a:schemeClr val="tx1">
-                <a:lumMod val="85000"/>
-                <a:lumOff val="15000"/>
-              </a:schemeClr>
-            </a:solidFill>
-          </a:ln>
-        </p:spPr>
-        <p:style>
-          <a:lnRef idx="2">
-            <a:schemeClr val="accent1">
-              <a:shade val="50000"/>
-            </a:schemeClr>
-          </a:lnRef>
-          <a:fillRef idx="1">
-            <a:schemeClr val="accent1"/>
-          </a:fillRef>
-          <a:effectRef idx="0">
-            <a:schemeClr val="accent1"/>
-          </a:effectRef>
-          <a:fontRef idx="minor">
-            <a:schemeClr val="lt1"/>
-          </a:fontRef>
-        </p:style>
-        <p:txBody>
-          <a:bodyPr lIns="160949" tIns="80476" rIns="160949" bIns="80476" rtlCol="1" anchor="ctr"/>
-          <a:lstStyle/>
-          <a:p>
-            <a:pPr algn="ctr" rtl="1"/>
-            <a:r>
-              <a:rPr lang="he-IL" sz="1937" dirty="0">
-                <a:solidFill>
-                  <a:schemeClr val="tx1"/>
-                </a:solidFill>
-                <a:latin typeface="David" panose="020E0502060401010101" pitchFamily="34" charset="-79"/>
-                <a:cs typeface="David" panose="020E0502060401010101" pitchFamily="34" charset="-79"/>
-              </a:rPr>
-              <a:t>לחץ על אחד המקשים כדי להמשיך</a:t>
-            </a:r>
-          </a:p>
-        </p:txBody>
-      </p:sp>
-      <p:pic>
-        <p:nvPicPr>
-          <p:cNvPr id="11" name="Picture 10">
-            <a:extLst>
-              <a:ext uri="{FF2B5EF4-FFF2-40B4-BE49-F238E27FC236}">
-                <a16:creationId xmlns:a16="http://schemas.microsoft.com/office/drawing/2014/main" id="{EF338D27-8E73-4E39-A070-1EB7C4C5B83B}"/>
-              </a:ext>
-            </a:extLst>
-          </p:cNvPr>
-          <p:cNvPicPr>
-            <a:picLocks noChangeAspect="1"/>
-          </p:cNvPicPr>
-          <p:nvPr/>
-        </p:nvPicPr>
-        <p:blipFill>
-          <a:blip r:embed="rId3">
-            <a:extLst>
-              <a:ext uri="{28A0092B-C50C-407E-A947-70E740481C1C}">
-                <a14:useLocalDpi xmlns:a14="http://schemas.microsoft.com/office/drawing/2010/main" val="0"/>
-              </a:ext>
-            </a:extLst>
-          </a:blip>
-          <a:stretch>
-            <a:fillRect/>
-          </a:stretch>
-        </p:blipFill>
-        <p:spPr>
-          <a:xfrm>
-            <a:off x="4793808" y="4639960"/>
-            <a:ext cx="1302192" cy="312526"/>
-          </a:xfrm>
-          <a:prstGeom prst="rect">
-            <a:avLst/>
-          </a:prstGeom>
-        </p:spPr>
-      </p:pic>
-      <p:grpSp>
-        <p:nvGrpSpPr>
-          <p:cNvPr id="12" name="Group 11">
-            <a:extLst>
-              <a:ext uri="{FF2B5EF4-FFF2-40B4-BE49-F238E27FC236}">
-                <a16:creationId xmlns:a16="http://schemas.microsoft.com/office/drawing/2014/main" id="{8CFF371B-033C-47EF-A3E7-C179B8B7E230}"/>
-              </a:ext>
-            </a:extLst>
-          </p:cNvPr>
-          <p:cNvGrpSpPr/>
-          <p:nvPr/>
-        </p:nvGrpSpPr>
-        <p:grpSpPr>
-          <a:xfrm>
-            <a:off x="4075005" y="3212926"/>
-            <a:ext cx="645818" cy="3166594"/>
-            <a:chOff x="5456126" y="1779803"/>
-            <a:chExt cx="645818" cy="3166594"/>
-          </a:xfrm>
-        </p:grpSpPr>
-        <p:pic>
-          <p:nvPicPr>
-            <p:cNvPr id="13" name="Picture 12">
-              <a:extLst>
-                <a:ext uri="{FF2B5EF4-FFF2-40B4-BE49-F238E27FC236}">
-                  <a16:creationId xmlns:a16="http://schemas.microsoft.com/office/drawing/2014/main" id="{61A8B834-D9C0-4E04-8370-2446EF26A523}"/>
-                </a:ext>
-              </a:extLst>
-            </p:cNvPr>
-            <p:cNvPicPr>
-              <a:picLocks noChangeAspect="1"/>
-            </p:cNvPicPr>
-            <p:nvPr/>
-          </p:nvPicPr>
-          <p:blipFill>
-            <a:blip r:embed="rId4">
-              <a:extLst>
-                <a:ext uri="{28A0092B-C50C-407E-A947-70E740481C1C}">
-                  <a14:useLocalDpi xmlns:a14="http://schemas.microsoft.com/office/drawing/2010/main" val="0"/>
-                </a:ext>
-              </a:extLst>
-            </a:blip>
-            <a:stretch>
-              <a:fillRect/>
-            </a:stretch>
-          </p:blipFill>
-          <p:spPr>
-            <a:xfrm>
-              <a:off x="5456126" y="1779804"/>
-              <a:ext cx="645818" cy="3166593"/>
-            </a:xfrm>
-            <a:prstGeom prst="rect">
-              <a:avLst/>
-            </a:prstGeom>
-          </p:spPr>
-        </p:pic>
-        <p:sp>
-          <p:nvSpPr>
-            <p:cNvPr id="14" name="Rectangle 13">
-              <a:extLst>
-                <a:ext uri="{FF2B5EF4-FFF2-40B4-BE49-F238E27FC236}">
-                  <a16:creationId xmlns:a16="http://schemas.microsoft.com/office/drawing/2014/main" id="{FF7B4884-692E-4524-9357-23E38F67C4CB}"/>
-                </a:ext>
-              </a:extLst>
-            </p:cNvPr>
-            <p:cNvSpPr/>
-            <p:nvPr/>
-          </p:nvSpPr>
-          <p:spPr>
-            <a:xfrm>
-              <a:off x="5456126" y="1779803"/>
-              <a:ext cx="639874" cy="405457"/>
-            </a:xfrm>
-            <a:prstGeom prst="rect">
-              <a:avLst/>
-            </a:prstGeom>
-            <a:solidFill>
-              <a:schemeClr val="accent6">
-                <a:lumMod val="60000"/>
-                <a:lumOff val="40000"/>
-              </a:schemeClr>
-            </a:solidFill>
-            <a:ln>
-              <a:solidFill>
-                <a:schemeClr val="tx1"/>
-              </a:solidFill>
-            </a:ln>
-          </p:spPr>
-          <p:style>
-            <a:lnRef idx="2">
-              <a:schemeClr val="accent1">
-                <a:shade val="50000"/>
-              </a:schemeClr>
-            </a:lnRef>
-            <a:fillRef idx="1">
-              <a:schemeClr val="accent1"/>
-            </a:fillRef>
-            <a:effectRef idx="0">
-              <a:schemeClr val="accent1"/>
-            </a:effectRef>
-            <a:fontRef idx="minor">
-              <a:schemeClr val="lt1"/>
-            </a:fontRef>
-          </p:style>
-          <p:txBody>
-            <a:bodyPr rtlCol="0" anchor="ctr"/>
-            <a:lstStyle/>
-            <a:p>
-              <a:pPr algn="ctr"/>
-              <a:r>
-                <a:rPr lang="he-IL" sz="1600" b="1" dirty="0">
-                  <a:solidFill>
-                    <a:schemeClr val="tx1"/>
-                  </a:solidFill>
-                </a:rPr>
-                <a:t>לא מוטה</a:t>
-              </a:r>
-              <a:endParaRPr lang="en-US" sz="1600" b="1" dirty="0">
-                <a:solidFill>
-                  <a:schemeClr val="tx1"/>
-                </a:solidFill>
-              </a:endParaRPr>
-            </a:p>
-          </p:txBody>
-        </p:sp>
-      </p:grpSp>
-    </p:spTree>
-    <p:extLst>
-      <p:ext uri="{BB962C8B-B14F-4D97-AF65-F5344CB8AC3E}">
-        <p14:creationId xmlns:p14="http://schemas.microsoft.com/office/powerpoint/2010/main" val="2618925867"/>
       </p:ext>
     </p:extLst>
   </p:cSld>
